--- a/Vendor_Boards/Great_Cow_Basic_Demo_Board/16F17556_chiprange_demonstrations/tutorials/GCBASIC_Part5_SwitchSetsLEDs.pptx
+++ b/Vendor_Boards/Great_Cow_Basic_Demo_Board/16F17556_chiprange_demonstrations/tutorials/GCBASIC_Part5_SwitchSetsLEDs.pptx
@@ -5,28 +5,27 @@
     <p:sldMasterId id="2147483660" r:id="rId1"/>
   </p:sldMasterIdLst>
   <p:notesMasterIdLst>
-    <p:notesMasterId r:id="rId18"/>
+    <p:notesMasterId r:id="rId17"/>
   </p:notesMasterIdLst>
   <p:handoutMasterIdLst>
-    <p:handoutMasterId r:id="rId19"/>
+    <p:handoutMasterId r:id="rId18"/>
   </p:handoutMasterIdLst>
   <p:sldIdLst>
     <p:sldId id="294" r:id="rId2"/>
     <p:sldId id="256" r:id="rId3"/>
     <p:sldId id="295" r:id="rId4"/>
-    <p:sldId id="283" r:id="rId5"/>
+    <p:sldId id="324" r:id="rId5"/>
     <p:sldId id="296" r:id="rId6"/>
-    <p:sldId id="282" r:id="rId7"/>
+    <p:sldId id="325" r:id="rId7"/>
     <p:sldId id="291" r:id="rId8"/>
-    <p:sldId id="301" r:id="rId9"/>
-    <p:sldId id="285" r:id="rId10"/>
+    <p:sldId id="326" r:id="rId9"/>
+    <p:sldId id="327" r:id="rId10"/>
     <p:sldId id="321" r:id="rId11"/>
     <p:sldId id="322" r:id="rId12"/>
     <p:sldId id="288" r:id="rId13"/>
     <p:sldId id="323" r:id="rId14"/>
     <p:sldId id="305" r:id="rId15"/>
     <p:sldId id="320" r:id="rId16"/>
-    <p:sldId id="319" r:id="rId17"/>
   </p:sldIdLst>
   <p:sldSz cx="9144000" cy="5143500" type="screen16x9"/>
   <p:notesSz cx="6858000" cy="9144000"/>
@@ -211,7 +210,7 @@
             <a:fld id="{742E545A-AB39-44F0-B5A6-04A90C6C9399}" type="datetimeFigureOut">
               <a:rPr lang="en-GB" smtClean="0"/>
               <a:pPr/>
-              <a:t>19/11/2024</a:t>
+              <a:t>18/11/2025</a:t>
             </a:fld>
             <a:endParaRPr lang="en-GB" dirty="0"/>
           </a:p>
@@ -378,7 +377,7 @@
             <a:fld id="{FF100B3C-2E11-428B-8555-A77018253716}" type="datetimeFigureOut">
               <a:rPr lang="en-GB" smtClean="0"/>
               <a:pPr/>
-              <a:t>19/11/2024</a:t>
+              <a:t>18/11/2025</a:t>
             </a:fld>
             <a:endParaRPr lang="en-GB" dirty="0"/>
           </a:p>
@@ -671,7 +670,7 @@
           <p:cNvPr id="7" name="Rectangle 6">
             <a:extLst>
               <a:ext uri="{FF2B5EF4-FFF2-40B4-BE49-F238E27FC236}">
-                <a16:creationId xmlns:a16="http://schemas.microsoft.com/office/drawing/2014/main" xmlns="" id="{9C757326-0232-4CDF-81FF-302CA676961B}"/>
+                <a16:creationId xmlns="" xmlns:a16="http://schemas.microsoft.com/office/drawing/2014/main" id="{9C757326-0232-4CDF-81FF-302CA676961B}"/>
               </a:ext>
             </a:extLst>
           </p:cNvPr>
@@ -723,7 +722,7 @@
           <p:cNvPr id="8" name="Picture 7">
             <a:extLst>
               <a:ext uri="{FF2B5EF4-FFF2-40B4-BE49-F238E27FC236}">
-                <a16:creationId xmlns:a16="http://schemas.microsoft.com/office/drawing/2014/main" xmlns="" id="{4987E008-68E6-4A43-85BC-1A6ACDF91DE1}"/>
+                <a16:creationId xmlns="" xmlns:a16="http://schemas.microsoft.com/office/drawing/2014/main" id="{4987E008-68E6-4A43-85BC-1A6ACDF91DE1}"/>
               </a:ext>
             </a:extLst>
           </p:cNvPr>
@@ -752,7 +751,7 @@
           <p:cNvPr id="11" name="Picture 10">
             <a:extLst>
               <a:ext uri="{FF2B5EF4-FFF2-40B4-BE49-F238E27FC236}">
-                <a16:creationId xmlns:a16="http://schemas.microsoft.com/office/drawing/2014/main" xmlns="" id="{A1F8C892-C868-4DF6-91AB-B18CE632B10F}"/>
+                <a16:creationId xmlns="" xmlns:a16="http://schemas.microsoft.com/office/drawing/2014/main" id="{A1F8C892-C868-4DF6-91AB-B18CE632B10F}"/>
               </a:ext>
             </a:extLst>
           </p:cNvPr>
@@ -938,7 +937,7 @@
           <p:cNvPr id="12" name="Text Placeholder 2">
             <a:extLst>
               <a:ext uri="{FF2B5EF4-FFF2-40B4-BE49-F238E27FC236}">
-                <a16:creationId xmlns:a16="http://schemas.microsoft.com/office/drawing/2014/main" xmlns="" id="{D547E580-E6D6-4D97-BB04-05795A830147}"/>
+                <a16:creationId xmlns="" xmlns:a16="http://schemas.microsoft.com/office/drawing/2014/main" id="{D547E580-E6D6-4D97-BB04-05795A830147}"/>
               </a:ext>
             </a:extLst>
           </p:cNvPr>
@@ -1091,7 +1090,7 @@
           <p:cNvPr id="9" name="Picture 8">
             <a:extLst>
               <a:ext uri="{FF2B5EF4-FFF2-40B4-BE49-F238E27FC236}">
-                <a16:creationId xmlns:a16="http://schemas.microsoft.com/office/drawing/2014/main" xmlns="" id="{7CE2C968-D10A-4226-8FDC-CBC4C7EDD0B7}"/>
+                <a16:creationId xmlns="" xmlns:a16="http://schemas.microsoft.com/office/drawing/2014/main" id="{7CE2C968-D10A-4226-8FDC-CBC4C7EDD0B7}"/>
               </a:ext>
             </a:extLst>
           </p:cNvPr>
@@ -1293,7 +1292,7 @@
             <a:fld id="{C473AACB-D821-4991-9D88-46EB8D29E619}" type="datetimeFigureOut">
               <a:rPr lang="en-GB" smtClean="0"/>
               <a:pPr/>
-              <a:t>19/11/2024</a:t>
+              <a:t>18/11/2025</a:t>
             </a:fld>
             <a:endParaRPr lang="en-GB" dirty="0"/>
           </a:p>
@@ -1377,7 +1376,7 @@
           <p:cNvPr id="9" name="Picture 8">
             <a:extLst>
               <a:ext uri="{FF2B5EF4-FFF2-40B4-BE49-F238E27FC236}">
-                <a16:creationId xmlns:a16="http://schemas.microsoft.com/office/drawing/2014/main" xmlns="" id="{6AB5D66D-00C1-40EA-BFC8-305566F10369}"/>
+                <a16:creationId xmlns="" xmlns:a16="http://schemas.microsoft.com/office/drawing/2014/main" id="{6AB5D66D-00C1-40EA-BFC8-305566F10369}"/>
               </a:ext>
             </a:extLst>
           </p:cNvPr>
@@ -1587,7 +1586,7 @@
             <a:fld id="{C473AACB-D821-4991-9D88-46EB8D29E619}" type="datetimeFigureOut">
               <a:rPr lang="en-GB" smtClean="0"/>
               <a:pPr/>
-              <a:t>19/11/2024</a:t>
+              <a:t>18/11/2025</a:t>
             </a:fld>
             <a:endParaRPr lang="en-GB" dirty="0"/>
           </a:p>
@@ -1840,7 +1839,7 @@
             <a:fld id="{C473AACB-D821-4991-9D88-46EB8D29E619}" type="datetimeFigureOut">
               <a:rPr lang="en-GB" smtClean="0"/>
               <a:pPr/>
-              <a:t>19/11/2024</a:t>
+              <a:t>18/11/2025</a:t>
             </a:fld>
             <a:endParaRPr lang="en-GB" dirty="0"/>
           </a:p>
@@ -1894,7 +1893,7 @@
           <p:cNvPr id="8" name="Picture 7">
             <a:extLst>
               <a:ext uri="{FF2B5EF4-FFF2-40B4-BE49-F238E27FC236}">
-                <a16:creationId xmlns:a16="http://schemas.microsoft.com/office/drawing/2014/main" xmlns="" id="{AD4D4CB4-D965-4BB6-B218-086244C13BAE}"/>
+                <a16:creationId xmlns="" xmlns:a16="http://schemas.microsoft.com/office/drawing/2014/main" id="{AD4D4CB4-D965-4BB6-B218-086244C13BAE}"/>
               </a:ext>
             </a:extLst>
           </p:cNvPr>
@@ -2185,7 +2184,7 @@
             <a:fld id="{C473AACB-D821-4991-9D88-46EB8D29E619}" type="datetimeFigureOut">
               <a:rPr lang="en-GB" smtClean="0"/>
               <a:pPr/>
-              <a:t>19/11/2024</a:t>
+              <a:t>18/11/2025</a:t>
             </a:fld>
             <a:endParaRPr lang="en-GB" dirty="0"/>
           </a:p>
@@ -2329,7 +2328,7 @@
           <p:cNvPr id="11" name="Picture 10">
             <a:extLst>
               <a:ext uri="{FF2B5EF4-FFF2-40B4-BE49-F238E27FC236}">
-                <a16:creationId xmlns:a16="http://schemas.microsoft.com/office/drawing/2014/main" xmlns="" id="{A3B58C4E-0EF0-466C-9740-EC9F485CBD03}"/>
+                <a16:creationId xmlns="" xmlns:a16="http://schemas.microsoft.com/office/drawing/2014/main" id="{A3B58C4E-0EF0-466C-9740-EC9F485CBD03}"/>
               </a:ext>
             </a:extLst>
           </p:cNvPr>
@@ -2557,7 +2556,7 @@
             <a:fld id="{C473AACB-D821-4991-9D88-46EB8D29E619}" type="datetimeFigureOut">
               <a:rPr lang="en-GB" smtClean="0"/>
               <a:pPr/>
-              <a:t>19/11/2024</a:t>
+              <a:t>18/11/2025</a:t>
             </a:fld>
             <a:endParaRPr lang="en-GB" dirty="0"/>
           </a:p>
@@ -2611,7 +2610,7 @@
           <p:cNvPr id="7" name="Picture 6">
             <a:extLst>
               <a:ext uri="{FF2B5EF4-FFF2-40B4-BE49-F238E27FC236}">
-                <a16:creationId xmlns:a16="http://schemas.microsoft.com/office/drawing/2014/main" xmlns="" id="{2D0B9223-1250-44AA-A6C3-F2013B85AEF3}"/>
+                <a16:creationId xmlns="" xmlns:a16="http://schemas.microsoft.com/office/drawing/2014/main" id="{2D0B9223-1250-44AA-A6C3-F2013B85AEF3}"/>
               </a:ext>
             </a:extLst>
           </p:cNvPr>
@@ -2903,7 +2902,7 @@
             <a:fld id="{C473AACB-D821-4991-9D88-46EB8D29E619}" type="datetimeFigureOut">
               <a:rPr lang="en-GB" smtClean="0"/>
               <a:pPr/>
-              <a:t>19/11/2024</a:t>
+              <a:t>18/11/2025</a:t>
             </a:fld>
             <a:endParaRPr lang="en-GB" dirty="0"/>
           </a:p>
@@ -3039,7 +3038,7 @@
           <p:cNvPr id="11" name="Picture 10">
             <a:extLst>
               <a:ext uri="{FF2B5EF4-FFF2-40B4-BE49-F238E27FC236}">
-                <a16:creationId xmlns:a16="http://schemas.microsoft.com/office/drawing/2014/main" xmlns="" id="{D49E1C7C-7E53-49A2-B2C9-52307876DB7E}"/>
+                <a16:creationId xmlns="" xmlns:a16="http://schemas.microsoft.com/office/drawing/2014/main" id="{D49E1C7C-7E53-49A2-B2C9-52307876DB7E}"/>
               </a:ext>
             </a:extLst>
           </p:cNvPr>
@@ -3327,7 +3326,7 @@
             <a:fld id="{C473AACB-D821-4991-9D88-46EB8D29E619}" type="datetimeFigureOut">
               <a:rPr lang="en-GB" smtClean="0"/>
               <a:pPr/>
-              <a:t>19/11/2024</a:t>
+              <a:t>18/11/2025</a:t>
             </a:fld>
             <a:endParaRPr lang="en-GB" dirty="0"/>
           </a:p>
@@ -3381,7 +3380,7 @@
           <p:cNvPr id="9" name="Picture 8">
             <a:extLst>
               <a:ext uri="{FF2B5EF4-FFF2-40B4-BE49-F238E27FC236}">
-                <a16:creationId xmlns:a16="http://schemas.microsoft.com/office/drawing/2014/main" xmlns="" id="{23082AB0-2BB5-46FE-9A17-15E1ACC06965}"/>
+                <a16:creationId xmlns="" xmlns:a16="http://schemas.microsoft.com/office/drawing/2014/main" id="{23082AB0-2BB5-46FE-9A17-15E1ACC06965}"/>
               </a:ext>
             </a:extLst>
           </p:cNvPr>
@@ -3440,7 +3439,7 @@
           <p:cNvPr id="8" name="Picture 7">
             <a:extLst>
               <a:ext uri="{FF2B5EF4-FFF2-40B4-BE49-F238E27FC236}">
-                <a16:creationId xmlns:a16="http://schemas.microsoft.com/office/drawing/2014/main" xmlns="" id="{1862E859-E5AF-4D76-9FC9-2355B24FF141}"/>
+                <a16:creationId xmlns="" xmlns:a16="http://schemas.microsoft.com/office/drawing/2014/main" id="{1862E859-E5AF-4D76-9FC9-2355B24FF141}"/>
               </a:ext>
             </a:extLst>
           </p:cNvPr>
@@ -3562,7 +3561,7 @@
             <a:fld id="{C473AACB-D821-4991-9D88-46EB8D29E619}" type="datetimeFigureOut">
               <a:rPr lang="en-GB" smtClean="0"/>
               <a:pPr/>
-              <a:t>19/11/2024</a:t>
+              <a:t>18/11/2025</a:t>
             </a:fld>
             <a:endParaRPr lang="en-GB" dirty="0"/>
           </a:p>
@@ -3646,7 +3645,7 @@
           <p:cNvPr id="8" name="Picture 7">
             <a:extLst>
               <a:ext uri="{FF2B5EF4-FFF2-40B4-BE49-F238E27FC236}">
-                <a16:creationId xmlns:a16="http://schemas.microsoft.com/office/drawing/2014/main" xmlns="" id="{91908D0E-7544-4687-965B-72EF64AA4C54}"/>
+                <a16:creationId xmlns="" xmlns:a16="http://schemas.microsoft.com/office/drawing/2014/main" id="{91908D0E-7544-4687-965B-72EF64AA4C54}"/>
               </a:ext>
             </a:extLst>
           </p:cNvPr>
@@ -3773,7 +3772,7 @@
             <a:fld id="{C473AACB-D821-4991-9D88-46EB8D29E619}" type="datetimeFigureOut">
               <a:rPr lang="en-GB" smtClean="0"/>
               <a:pPr/>
-              <a:t>19/11/2024</a:t>
+              <a:t>18/11/2025</a:t>
             </a:fld>
             <a:endParaRPr lang="en-GB" dirty="0"/>
           </a:p>
@@ -3857,7 +3856,7 @@
           <p:cNvPr id="8" name="Picture 7">
             <a:extLst>
               <a:ext uri="{FF2B5EF4-FFF2-40B4-BE49-F238E27FC236}">
-                <a16:creationId xmlns:a16="http://schemas.microsoft.com/office/drawing/2014/main" xmlns="" id="{5B5B8CA2-02D4-408C-B548-182D4F5F54B2}"/>
+                <a16:creationId xmlns="" xmlns:a16="http://schemas.microsoft.com/office/drawing/2014/main" id="{5B5B8CA2-02D4-408C-B548-182D4F5F54B2}"/>
               </a:ext>
             </a:extLst>
           </p:cNvPr>
@@ -3991,7 +3990,7 @@
             <a:fld id="{C473AACB-D821-4991-9D88-46EB8D29E619}" type="datetimeFigureOut">
               <a:rPr lang="en-GB" smtClean="0"/>
               <a:pPr/>
-              <a:t>19/11/2024</a:t>
+              <a:t>18/11/2025</a:t>
             </a:fld>
             <a:endParaRPr lang="en-GB" dirty="0"/>
           </a:p>
@@ -4075,7 +4074,7 @@
           <p:cNvPr id="11" name="Picture 10">
             <a:extLst>
               <a:ext uri="{FF2B5EF4-FFF2-40B4-BE49-F238E27FC236}">
-                <a16:creationId xmlns:a16="http://schemas.microsoft.com/office/drawing/2014/main" xmlns="" id="{EA8DB33B-8BF9-4C99-B31C-55246227EFDE}"/>
+                <a16:creationId xmlns="" xmlns:a16="http://schemas.microsoft.com/office/drawing/2014/main" id="{EA8DB33B-8BF9-4C99-B31C-55246227EFDE}"/>
               </a:ext>
             </a:extLst>
           </p:cNvPr>
@@ -4806,7 +4805,7 @@
             <a:fld id="{C473AACB-D821-4991-9D88-46EB8D29E619}" type="datetimeFigureOut">
               <a:rPr lang="en-GB" smtClean="0"/>
               <a:pPr/>
-              <a:t>19/11/2024</a:t>
+              <a:t>18/11/2025</a:t>
             </a:fld>
             <a:endParaRPr lang="en-GB" dirty="0"/>
           </a:p>
@@ -4890,7 +4889,7 @@
           <p:cNvPr id="11" name="Picture 10">
             <a:extLst>
               <a:ext uri="{FF2B5EF4-FFF2-40B4-BE49-F238E27FC236}">
-                <a16:creationId xmlns:a16="http://schemas.microsoft.com/office/drawing/2014/main" xmlns="" id="{EA8DB33B-8BF9-4C99-B31C-55246227EFDE}"/>
+                <a16:creationId xmlns="" xmlns:a16="http://schemas.microsoft.com/office/drawing/2014/main" id="{EA8DB33B-8BF9-4C99-B31C-55246227EFDE}"/>
               </a:ext>
             </a:extLst>
           </p:cNvPr>
@@ -5620,7 +5619,7 @@
             <a:fld id="{C473AACB-D821-4991-9D88-46EB8D29E619}" type="datetimeFigureOut">
               <a:rPr lang="en-GB" smtClean="0"/>
               <a:pPr/>
-              <a:t>19/11/2024</a:t>
+              <a:t>18/11/2025</a:t>
             </a:fld>
             <a:endParaRPr lang="en-GB" dirty="0"/>
           </a:p>
@@ -5869,7 +5868,7 @@
             <a:fld id="{C473AACB-D821-4991-9D88-46EB8D29E619}" type="datetimeFigureOut">
               <a:rPr lang="en-GB" smtClean="0"/>
               <a:pPr/>
-              <a:t>19/11/2024</a:t>
+              <a:t>18/11/2025</a:t>
             </a:fld>
             <a:endParaRPr lang="en-GB" dirty="0"/>
           </a:p>
@@ -5923,7 +5922,7 @@
           <p:cNvPr id="7" name="Picture 6">
             <a:extLst>
               <a:ext uri="{FF2B5EF4-FFF2-40B4-BE49-F238E27FC236}">
-                <a16:creationId xmlns:a16="http://schemas.microsoft.com/office/drawing/2014/main" xmlns="" id="{6331EFED-43C1-4CBA-8BE3-308E3AA13B9B}"/>
+                <a16:creationId xmlns="" xmlns:a16="http://schemas.microsoft.com/office/drawing/2014/main" id="{6331EFED-43C1-4CBA-8BE3-308E3AA13B9B}"/>
               </a:ext>
             </a:extLst>
           </p:cNvPr>
@@ -6133,7 +6132,7 @@
             <a:fld id="{C473AACB-D821-4991-9D88-46EB8D29E619}" type="datetimeFigureOut">
               <a:rPr lang="en-GB" smtClean="0"/>
               <a:pPr/>
-              <a:t>19/11/2024</a:t>
+              <a:t>18/11/2025</a:t>
             </a:fld>
             <a:endParaRPr lang="en-GB" dirty="0"/>
           </a:p>
@@ -6187,7 +6186,7 @@
           <p:cNvPr id="9" name="Picture 8">
             <a:extLst>
               <a:ext uri="{FF2B5EF4-FFF2-40B4-BE49-F238E27FC236}">
-                <a16:creationId xmlns:a16="http://schemas.microsoft.com/office/drawing/2014/main" xmlns="" id="{1034EA63-4BE3-4A73-A7E6-4A75BE4C1D48}"/>
+                <a16:creationId xmlns="" xmlns:a16="http://schemas.microsoft.com/office/drawing/2014/main" id="{1034EA63-4BE3-4A73-A7E6-4A75BE4C1D48}"/>
               </a:ext>
             </a:extLst>
           </p:cNvPr>
@@ -6246,7 +6245,7 @@
           <p:cNvPr id="10" name="Picture 9">
             <a:extLst>
               <a:ext uri="{FF2B5EF4-FFF2-40B4-BE49-F238E27FC236}">
-                <a16:creationId xmlns:a16="http://schemas.microsoft.com/office/drawing/2014/main" xmlns="" id="{204DC1E6-B5F4-4160-90F3-351FB3242E92}"/>
+                <a16:creationId xmlns="" xmlns:a16="http://schemas.microsoft.com/office/drawing/2014/main" id="{204DC1E6-B5F4-4160-90F3-351FB3242E92}"/>
               </a:ext>
             </a:extLst>
           </p:cNvPr>
@@ -6573,7 +6572,7 @@
             <a:fld id="{C473AACB-D821-4991-9D88-46EB8D29E619}" type="datetimeFigureOut">
               <a:rPr lang="en-GB" smtClean="0"/>
               <a:pPr/>
-              <a:t>19/11/2024</a:t>
+              <a:t>18/11/2025</a:t>
             </a:fld>
             <a:endParaRPr lang="en-GB" dirty="0"/>
           </a:p>
@@ -6657,7 +6656,7 @@
           <p:cNvPr id="6" name="Picture 5">
             <a:extLst>
               <a:ext uri="{FF2B5EF4-FFF2-40B4-BE49-F238E27FC236}">
-                <a16:creationId xmlns:a16="http://schemas.microsoft.com/office/drawing/2014/main" xmlns="" id="{E7897C67-3827-4595-8E3A-71E9F2EAB3AF}"/>
+                <a16:creationId xmlns="" xmlns:a16="http://schemas.microsoft.com/office/drawing/2014/main" id="{E7897C67-3827-4595-8E3A-71E9F2EAB3AF}"/>
               </a:ext>
             </a:extLst>
           </p:cNvPr>
@@ -6728,7 +6727,7 @@
             <a:fld id="{C473AACB-D821-4991-9D88-46EB8D29E619}" type="datetimeFigureOut">
               <a:rPr lang="en-GB" smtClean="0"/>
               <a:pPr/>
-              <a:t>19/11/2024</a:t>
+              <a:t>18/11/2025</a:t>
             </a:fld>
             <a:endParaRPr lang="en-GB" dirty="0"/>
           </a:p>
@@ -6825,7 +6824,7 @@
             <a:fld id="{C473AACB-D821-4991-9D88-46EB8D29E619}" type="datetimeFigureOut">
               <a:rPr lang="en-GB" smtClean="0"/>
               <a:pPr/>
-              <a:t>19/11/2024</a:t>
+              <a:t>18/11/2025</a:t>
             </a:fld>
             <a:endParaRPr lang="en-GB" dirty="0"/>
           </a:p>
@@ -6879,7 +6878,7 @@
           <p:cNvPr id="6" name="Picture 5">
             <a:extLst>
               <a:ext uri="{FF2B5EF4-FFF2-40B4-BE49-F238E27FC236}">
-                <a16:creationId xmlns:a16="http://schemas.microsoft.com/office/drawing/2014/main" xmlns="" id="{F1825398-026A-4668-BB48-C16AD1C9062B}"/>
+                <a16:creationId xmlns="" xmlns:a16="http://schemas.microsoft.com/office/drawing/2014/main" id="{F1825398-026A-4668-BB48-C16AD1C9062B}"/>
               </a:ext>
             </a:extLst>
           </p:cNvPr>
@@ -7602,7 +7601,7 @@
             <a:fld id="{C473AACB-D821-4991-9D88-46EB8D29E619}" type="datetimeFigureOut">
               <a:rPr lang="en-GB" smtClean="0"/>
               <a:pPr/>
-              <a:t>19/11/2024</a:t>
+              <a:t>18/11/2025</a:t>
             </a:fld>
             <a:endParaRPr lang="en-GB" dirty="0"/>
           </a:p>
@@ -8171,8 +8170,9 @@
           <a:p>
             <a:r>
               <a:rPr lang="en-GB" dirty="0" smtClean="0"/>
-              <a:t>PIC18FxxQ24</a:t>
-            </a:r>
+              <a:t>PIC16F175xx</a:t>
+            </a:r>
+            <a:endParaRPr lang="en-GB" dirty="0" smtClean="0"/>
           </a:p>
           <a:p>
             <a:r>
@@ -8318,7 +8318,6 @@
               <a:rPr lang="en-GB" dirty="0" smtClean="0"/>
               <a:t>Initialise microcontroller</a:t>
             </a:r>
-            <a:endParaRPr lang="en-GB" dirty="0" smtClean="0"/>
           </a:p>
           <a:p>
             <a:endParaRPr lang="en-GB" dirty="0" smtClean="0"/>
@@ -8350,11 +8349,7 @@
           <a:p>
             <a:r>
               <a:rPr lang="en-GB" dirty="0" smtClean="0"/>
-              <a:t>Checking the switch by using function to inspect the switch </a:t>
-            </a:r>
-            <a:r>
-              <a:rPr lang="en-GB" dirty="0" smtClean="0"/>
-              <a:t>state</a:t>
+              <a:t>Checking the switch by using function to inspect the switch state</a:t>
             </a:r>
           </a:p>
           <a:p>
@@ -8469,23 +8464,7 @@
                   <a:schemeClr val="tx1"/>
                 </a:solidFill>
               </a:rPr>
-              <a:t>Set  </a:t>
-            </a:r>
-            <a:r>
-              <a:rPr lang="en-GB" sz="1000" dirty="0" smtClean="0">
-                <a:solidFill>
-                  <a:schemeClr val="tx1"/>
-                </a:solidFill>
-              </a:rPr>
-              <a:t>LEDs </a:t>
-            </a:r>
-            <a:r>
-              <a:rPr lang="en-GB" sz="1000" dirty="0" smtClean="0">
-                <a:solidFill>
-                  <a:schemeClr val="tx1"/>
-                </a:solidFill>
-              </a:rPr>
-              <a:t>off</a:t>
+              <a:t>Set  LEDs off</a:t>
             </a:r>
             <a:endParaRPr lang="en-GB" sz="1000" dirty="0">
               <a:solidFill>
@@ -8540,15 +8519,7 @@
                   <a:schemeClr val="tx1"/>
                 </a:solidFill>
               </a:rPr>
-              <a:t>Keypressed</a:t>
-            </a:r>
-            <a:r>
-              <a:rPr lang="en-GB" sz="1050" dirty="0" smtClean="0">
-                <a:solidFill>
-                  <a:schemeClr val="tx1"/>
-                </a:solidFill>
-              </a:rPr>
-              <a:t> = TRUE</a:t>
+              <a:t>Keypressed = TRUE</a:t>
             </a:r>
             <a:endParaRPr lang="en-GB" sz="1200" dirty="0">
               <a:solidFill>
@@ -8762,15 +8733,7 @@
                   <a:schemeClr val="tx1"/>
                 </a:solidFill>
               </a:rPr>
-              <a:t>Toggle </a:t>
-            </a:r>
-            <a:r>
-              <a:rPr lang="en-GB" sz="1000" dirty="0" smtClean="0">
-                <a:solidFill>
-                  <a:schemeClr val="tx1"/>
-                </a:solidFill>
-              </a:rPr>
-              <a:t>LEDs</a:t>
+              <a:t>Toggle LEDs</a:t>
             </a:r>
             <a:endParaRPr lang="en-GB" sz="1000" dirty="0">
               <a:solidFill>
@@ -9213,44 +9176,16 @@
                 <a:latin typeface="Courier New" panose="02070309020205020404" pitchFamily="49" charset="0"/>
                 <a:cs typeface="Courier New" panose="02070309020205020404" pitchFamily="49" charset="0"/>
               </a:rPr>
-              <a:t>// Function to </a:t>
-            </a:r>
+              <a:t>// Function to debounce a switch and return the stable state</a:t>
+            </a:r>
+          </a:p>
+          <a:p>
             <a:r>
               <a:rPr lang="en-GB" sz="900" dirty="0">
                 <a:latin typeface="Courier New" panose="02070309020205020404" pitchFamily="49" charset="0"/>
                 <a:cs typeface="Courier New" panose="02070309020205020404" pitchFamily="49" charset="0"/>
               </a:rPr>
-              <a:t>debounce</a:t>
-            </a:r>
-            <a:r>
-              <a:rPr lang="en-GB" sz="900" dirty="0">
-                <a:latin typeface="Courier New" panose="02070309020205020404" pitchFamily="49" charset="0"/>
-                <a:cs typeface="Courier New" panose="02070309020205020404" pitchFamily="49" charset="0"/>
-              </a:rPr>
-              <a:t> a switch and return the stable state</a:t>
-            </a:r>
-          </a:p>
-          <a:p>
-            <a:r>
-              <a:rPr lang="en-GB" sz="900" dirty="0">
-                <a:latin typeface="Courier New" panose="02070309020205020404" pitchFamily="49" charset="0"/>
-                <a:cs typeface="Courier New" panose="02070309020205020404" pitchFamily="49" charset="0"/>
-              </a:rPr>
-              <a:t>Function </a:t>
-            </a:r>
-            <a:r>
-              <a:rPr lang="en-GB" sz="900" dirty="0">
-                <a:latin typeface="Courier New" panose="02070309020205020404" pitchFamily="49" charset="0"/>
-                <a:cs typeface="Courier New" panose="02070309020205020404" pitchFamily="49" charset="0"/>
-              </a:rPr>
-              <a:t>DebounceSwitch</a:t>
-            </a:r>
-            <a:r>
-              <a:rPr lang="en-GB" sz="900" dirty="0">
-                <a:latin typeface="Courier New" panose="02070309020205020404" pitchFamily="49" charset="0"/>
-                <a:cs typeface="Courier New" panose="02070309020205020404" pitchFamily="49" charset="0"/>
-              </a:rPr>
-              <a:t> as Bit</a:t>
+              <a:t>Function DebounceSwitch as Bit</a:t>
             </a:r>
           </a:p>
           <a:p>
@@ -9277,67 +9212,25 @@
                 <a:latin typeface="Courier New" panose="02070309020205020404" pitchFamily="49" charset="0"/>
                 <a:cs typeface="Courier New" panose="02070309020205020404" pitchFamily="49" charset="0"/>
               </a:rPr>
-              <a:t>    Dim </a:t>
-            </a:r>
+              <a:t>    Dim CurrentState As Bit</a:t>
+            </a:r>
+          </a:p>
+          <a:p>
             <a:r>
               <a:rPr lang="en-GB" sz="900" dirty="0">
                 <a:latin typeface="Courier New" panose="02070309020205020404" pitchFamily="49" charset="0"/>
                 <a:cs typeface="Courier New" panose="02070309020205020404" pitchFamily="49" charset="0"/>
               </a:rPr>
-              <a:t>CurrentState</a:t>
-            </a:r>
+              <a:t>    Dim LastState As Bit</a:t>
+            </a:r>
+          </a:p>
+          <a:p>
             <a:r>
               <a:rPr lang="en-GB" sz="900" dirty="0">
                 <a:latin typeface="Courier New" panose="02070309020205020404" pitchFamily="49" charset="0"/>
                 <a:cs typeface="Courier New" panose="02070309020205020404" pitchFamily="49" charset="0"/>
               </a:rPr>
-              <a:t> As Bit</a:t>
-            </a:r>
-          </a:p>
-          <a:p>
-            <a:r>
-              <a:rPr lang="en-GB" sz="900" dirty="0">
-                <a:latin typeface="Courier New" panose="02070309020205020404" pitchFamily="49" charset="0"/>
-                <a:cs typeface="Courier New" panose="02070309020205020404" pitchFamily="49" charset="0"/>
-              </a:rPr>
-              <a:t>    Dim </a:t>
-            </a:r>
-            <a:r>
-              <a:rPr lang="en-GB" sz="900" dirty="0">
-                <a:latin typeface="Courier New" panose="02070309020205020404" pitchFamily="49" charset="0"/>
-                <a:cs typeface="Courier New" panose="02070309020205020404" pitchFamily="49" charset="0"/>
-              </a:rPr>
-              <a:t>LastState</a:t>
-            </a:r>
-            <a:r>
-              <a:rPr lang="en-GB" sz="900" dirty="0">
-                <a:latin typeface="Courier New" panose="02070309020205020404" pitchFamily="49" charset="0"/>
-                <a:cs typeface="Courier New" panose="02070309020205020404" pitchFamily="49" charset="0"/>
-              </a:rPr>
-              <a:t> As Bit</a:t>
-            </a:r>
-          </a:p>
-          <a:p>
-            <a:r>
-              <a:rPr lang="en-GB" sz="900" dirty="0">
-                <a:latin typeface="Courier New" panose="02070309020205020404" pitchFamily="49" charset="0"/>
-                <a:cs typeface="Courier New" panose="02070309020205020404" pitchFamily="49" charset="0"/>
-              </a:rPr>
-              <a:t>    Dim </a:t>
-            </a:r>
-            <a:r>
-              <a:rPr lang="en-GB" sz="900" dirty="0">
-                <a:latin typeface="Courier New" panose="02070309020205020404" pitchFamily="49" charset="0"/>
-                <a:cs typeface="Courier New" panose="02070309020205020404" pitchFamily="49" charset="0"/>
-              </a:rPr>
-              <a:t>StableState</a:t>
-            </a:r>
-            <a:r>
-              <a:rPr lang="en-GB" sz="900" dirty="0">
-                <a:latin typeface="Courier New" panose="02070309020205020404" pitchFamily="49" charset="0"/>
-                <a:cs typeface="Courier New" panose="02070309020205020404" pitchFamily="49" charset="0"/>
-              </a:rPr>
-              <a:t> As Bit</a:t>
+              <a:t>    Dim StableState As Bit</a:t>
             </a:r>
           </a:p>
           <a:p>
@@ -9370,56 +9263,17 @@
                 <a:latin typeface="Courier New" panose="02070309020205020404" pitchFamily="49" charset="0"/>
                 <a:cs typeface="Courier New" panose="02070309020205020404" pitchFamily="49" charset="0"/>
               </a:rPr>
-              <a:t>    </a:t>
-            </a:r>
+              <a:t>    LastState = SWITCHIN</a:t>
+            </a:r>
+          </a:p>
+          <a:p>
             <a:r>
               <a:rPr lang="en-GB" sz="900" dirty="0">
                 <a:latin typeface="Courier New" panose="02070309020205020404" pitchFamily="49" charset="0"/>
                 <a:cs typeface="Courier New" panose="02070309020205020404" pitchFamily="49" charset="0"/>
               </a:rPr>
-              <a:t>LastState</a:t>
-            </a:r>
-            <a:r>
-              <a:rPr lang="en-GB" sz="900" dirty="0">
-                <a:latin typeface="Courier New" panose="02070309020205020404" pitchFamily="49" charset="0"/>
-                <a:cs typeface="Courier New" panose="02070309020205020404" pitchFamily="49" charset="0"/>
-              </a:rPr>
-              <a:t> = SWITCHIN</a:t>
-            </a:r>
-          </a:p>
-          <a:p>
-            <a:r>
-              <a:rPr lang="en-GB" sz="900" dirty="0">
-                <a:latin typeface="Courier New" panose="02070309020205020404" pitchFamily="49" charset="0"/>
-                <a:cs typeface="Courier New" panose="02070309020205020404" pitchFamily="49" charset="0"/>
-              </a:rPr>
-              <a:t>    </a:t>
-            </a:r>
-            <a:r>
-              <a:rPr lang="en-GB" sz="900" dirty="0">
-                <a:latin typeface="Courier New" panose="02070309020205020404" pitchFamily="49" charset="0"/>
-                <a:cs typeface="Courier New" panose="02070309020205020404" pitchFamily="49" charset="0"/>
-              </a:rPr>
-              <a:t>StableState</a:t>
-            </a:r>
-            <a:r>
-              <a:rPr lang="en-GB" sz="900" dirty="0">
-                <a:latin typeface="Courier New" panose="02070309020205020404" pitchFamily="49" charset="0"/>
-                <a:cs typeface="Courier New" panose="02070309020205020404" pitchFamily="49" charset="0"/>
-              </a:rPr>
-              <a:t> = </a:t>
-            </a:r>
-            <a:r>
-              <a:rPr lang="en-GB" sz="900" dirty="0">
-                <a:latin typeface="Courier New" panose="02070309020205020404" pitchFamily="49" charset="0"/>
-                <a:cs typeface="Courier New" panose="02070309020205020404" pitchFamily="49" charset="0"/>
-              </a:rPr>
-              <a:t>LastState</a:t>
-            </a:r>
-            <a:endParaRPr lang="en-GB" sz="900" dirty="0">
-              <a:latin typeface="Courier New" panose="02070309020205020404" pitchFamily="49" charset="0"/>
-              <a:cs typeface="Courier New" panose="02070309020205020404" pitchFamily="49" charset="0"/>
-            </a:endParaRPr>
+              <a:t>    StableState = LastState</a:t>
+            </a:r>
           </a:p>
           <a:p>
             <a:r>
@@ -9442,21 +9296,7 @@
                 <a:latin typeface="Courier New" panose="02070309020205020404" pitchFamily="49" charset="0"/>
                 <a:cs typeface="Courier New" panose="02070309020205020404" pitchFamily="49" charset="0"/>
               </a:rPr>
-              <a:t>    // </a:t>
-            </a:r>
-            <a:r>
-              <a:rPr lang="en-GB" sz="900" dirty="0">
-                <a:latin typeface="Courier New" panose="02070309020205020404" pitchFamily="49" charset="0"/>
-                <a:cs typeface="Courier New" panose="02070309020205020404" pitchFamily="49" charset="0"/>
-              </a:rPr>
-              <a:t>Debounce</a:t>
-            </a:r>
-            <a:r>
-              <a:rPr lang="en-GB" sz="900" dirty="0">
-                <a:latin typeface="Courier New" panose="02070309020205020404" pitchFamily="49" charset="0"/>
-                <a:cs typeface="Courier New" panose="02070309020205020404" pitchFamily="49" charset="0"/>
-              </a:rPr>
-              <a:t> loop: checks the state multiple times to ensure stability</a:t>
+              <a:t>    // Debounce loop: checks the state multiple times to ensure stability</a:t>
             </a:r>
           </a:p>
           <a:p>
@@ -9474,21 +9314,7 @@
                 <a:latin typeface="Courier New" panose="02070309020205020404" pitchFamily="49" charset="0"/>
                 <a:cs typeface="Courier New" panose="02070309020205020404" pitchFamily="49" charset="0"/>
               </a:rPr>
-              <a:t>        wait 5 </a:t>
-            </a:r>
-            <a:r>
-              <a:rPr lang="en-GB" sz="900" dirty="0">
-                <a:latin typeface="Courier New" panose="02070309020205020404" pitchFamily="49" charset="0"/>
-                <a:cs typeface="Courier New" panose="02070309020205020404" pitchFamily="49" charset="0"/>
-              </a:rPr>
-              <a:t>ms</a:t>
-            </a:r>
-            <a:r>
-              <a:rPr lang="en-GB" sz="900" dirty="0">
-                <a:latin typeface="Courier New" panose="02070309020205020404" pitchFamily="49" charset="0"/>
-                <a:cs typeface="Courier New" panose="02070309020205020404" pitchFamily="49" charset="0"/>
-              </a:rPr>
-              <a:t>  // Small delay to allow switch to settle</a:t>
+              <a:t>        wait 5 ms  // Small delay to allow switch to settle</a:t>
             </a:r>
           </a:p>
           <a:p>
@@ -9512,21 +9338,7 @@
                 <a:latin typeface="Courier New" panose="02070309020205020404" pitchFamily="49" charset="0"/>
                 <a:cs typeface="Courier New" panose="02070309020205020404" pitchFamily="49" charset="0"/>
               </a:rPr>
-              <a:t>        </a:t>
-            </a:r>
-            <a:r>
-              <a:rPr lang="en-GB" sz="900" dirty="0">
-                <a:latin typeface="Courier New" panose="02070309020205020404" pitchFamily="49" charset="0"/>
-                <a:cs typeface="Courier New" panose="02070309020205020404" pitchFamily="49" charset="0"/>
-              </a:rPr>
-              <a:t>CurrentState</a:t>
-            </a:r>
-            <a:r>
-              <a:rPr lang="en-GB" sz="900" dirty="0">
-                <a:latin typeface="Courier New" panose="02070309020205020404" pitchFamily="49" charset="0"/>
-                <a:cs typeface="Courier New" panose="02070309020205020404" pitchFamily="49" charset="0"/>
-              </a:rPr>
-              <a:t> = SWITCHIN</a:t>
+              <a:t>        CurrentState = SWITCHIN</a:t>
             </a:r>
           </a:p>
           <a:p>
@@ -9550,70 +9362,17 @@
                 <a:latin typeface="Courier New" panose="02070309020205020404" pitchFamily="49" charset="0"/>
                 <a:cs typeface="Courier New" panose="02070309020205020404" pitchFamily="49" charset="0"/>
               </a:rPr>
-              <a:t>        If (</a:t>
-            </a:r>
+              <a:t>        If (CurrentState = LastState) Then</a:t>
+            </a:r>
+          </a:p>
+          <a:p>
             <a:r>
               <a:rPr lang="en-GB" sz="900" dirty="0">
                 <a:latin typeface="Courier New" panose="02070309020205020404" pitchFamily="49" charset="0"/>
                 <a:cs typeface="Courier New" panose="02070309020205020404" pitchFamily="49" charset="0"/>
               </a:rPr>
-              <a:t>CurrentState</a:t>
-            </a:r>
-            <a:r>
-              <a:rPr lang="en-GB" sz="900" dirty="0">
-                <a:latin typeface="Courier New" panose="02070309020205020404" pitchFamily="49" charset="0"/>
-                <a:cs typeface="Courier New" panose="02070309020205020404" pitchFamily="49" charset="0"/>
-              </a:rPr>
-              <a:t> = </a:t>
-            </a:r>
-            <a:r>
-              <a:rPr lang="en-GB" sz="900" dirty="0">
-                <a:latin typeface="Courier New" panose="02070309020205020404" pitchFamily="49" charset="0"/>
-                <a:cs typeface="Courier New" panose="02070309020205020404" pitchFamily="49" charset="0"/>
-              </a:rPr>
-              <a:t>LastState</a:t>
-            </a:r>
-            <a:r>
-              <a:rPr lang="en-GB" sz="900" dirty="0">
-                <a:latin typeface="Courier New" panose="02070309020205020404" pitchFamily="49" charset="0"/>
-                <a:cs typeface="Courier New" panose="02070309020205020404" pitchFamily="49" charset="0"/>
-              </a:rPr>
-              <a:t>) Then</a:t>
-            </a:r>
-          </a:p>
-          <a:p>
-            <a:r>
-              <a:rPr lang="en-GB" sz="900" dirty="0">
-                <a:latin typeface="Courier New" panose="02070309020205020404" pitchFamily="49" charset="0"/>
-                <a:cs typeface="Courier New" panose="02070309020205020404" pitchFamily="49" charset="0"/>
-              </a:rPr>
-              <a:t>            </a:t>
-            </a:r>
-            <a:r>
-              <a:rPr lang="en-GB" sz="900" dirty="0">
-                <a:latin typeface="Courier New" panose="02070309020205020404" pitchFamily="49" charset="0"/>
-                <a:cs typeface="Courier New" panose="02070309020205020404" pitchFamily="49" charset="0"/>
-              </a:rPr>
-              <a:t>StableState</a:t>
-            </a:r>
-            <a:r>
-              <a:rPr lang="en-GB" sz="900" dirty="0">
-                <a:latin typeface="Courier New" panose="02070309020205020404" pitchFamily="49" charset="0"/>
-                <a:cs typeface="Courier New" panose="02070309020205020404" pitchFamily="49" charset="0"/>
-              </a:rPr>
-              <a:t> = </a:t>
-            </a:r>
-            <a:r>
-              <a:rPr lang="en-GB" sz="900" dirty="0">
-                <a:latin typeface="Courier New" panose="02070309020205020404" pitchFamily="49" charset="0"/>
-                <a:cs typeface="Courier New" panose="02070309020205020404" pitchFamily="49" charset="0"/>
-              </a:rPr>
-              <a:t>CurrentState</a:t>
-            </a:r>
-            <a:endParaRPr lang="en-GB" sz="900" dirty="0">
-              <a:latin typeface="Courier New" panose="02070309020205020404" pitchFamily="49" charset="0"/>
-              <a:cs typeface="Courier New" panose="02070309020205020404" pitchFamily="49" charset="0"/>
-            </a:endParaRPr>
+              <a:t>            StableState = CurrentState</a:t>
+            </a:r>
           </a:p>
           <a:p>
             <a:r>
@@ -9648,33 +9407,8 @@
                 <a:latin typeface="Courier New" panose="02070309020205020404" pitchFamily="49" charset="0"/>
                 <a:cs typeface="Courier New" panose="02070309020205020404" pitchFamily="49" charset="0"/>
               </a:rPr>
-              <a:t>            </a:t>
-            </a:r>
-            <a:r>
-              <a:rPr lang="en-GB" sz="900" dirty="0">
-                <a:latin typeface="Courier New" panose="02070309020205020404" pitchFamily="49" charset="0"/>
-                <a:cs typeface="Courier New" panose="02070309020205020404" pitchFamily="49" charset="0"/>
-              </a:rPr>
-              <a:t>LastState</a:t>
-            </a:r>
-            <a:r>
-              <a:rPr lang="en-GB" sz="900" dirty="0">
-                <a:latin typeface="Courier New" panose="02070309020205020404" pitchFamily="49" charset="0"/>
-                <a:cs typeface="Courier New" panose="02070309020205020404" pitchFamily="49" charset="0"/>
-              </a:rPr>
-              <a:t> = </a:t>
-            </a:r>
-            <a:r>
-              <a:rPr lang="en-GB" sz="900" dirty="0">
-                <a:latin typeface="Courier New" panose="02070309020205020404" pitchFamily="49" charset="0"/>
-                <a:cs typeface="Courier New" panose="02070309020205020404" pitchFamily="49" charset="0"/>
-              </a:rPr>
-              <a:t>CurrentState</a:t>
-            </a:r>
-            <a:endParaRPr lang="en-GB" sz="900" dirty="0">
-              <a:latin typeface="Courier New" panose="02070309020205020404" pitchFamily="49" charset="0"/>
-              <a:cs typeface="Courier New" panose="02070309020205020404" pitchFamily="49" charset="0"/>
-            </a:endParaRPr>
+              <a:t>            LastState = CurrentState</a:t>
+            </a:r>
           </a:p>
           <a:p>
             <a:r>
@@ -9715,33 +9449,8 @@
                 <a:latin typeface="Courier New" panose="02070309020205020404" pitchFamily="49" charset="0"/>
                 <a:cs typeface="Courier New" panose="02070309020205020404" pitchFamily="49" charset="0"/>
               </a:rPr>
-              <a:t>    </a:t>
-            </a:r>
-            <a:r>
-              <a:rPr lang="en-GB" sz="900" dirty="0">
-                <a:latin typeface="Courier New" panose="02070309020205020404" pitchFamily="49" charset="0"/>
-                <a:cs typeface="Courier New" panose="02070309020205020404" pitchFamily="49" charset="0"/>
-              </a:rPr>
-              <a:t>DebounceSwitch</a:t>
-            </a:r>
-            <a:r>
-              <a:rPr lang="en-GB" sz="900" dirty="0">
-                <a:latin typeface="Courier New" panose="02070309020205020404" pitchFamily="49" charset="0"/>
-                <a:cs typeface="Courier New" panose="02070309020205020404" pitchFamily="49" charset="0"/>
-              </a:rPr>
-              <a:t> = </a:t>
-            </a:r>
-            <a:r>
-              <a:rPr lang="en-GB" sz="900" dirty="0">
-                <a:latin typeface="Courier New" panose="02070309020205020404" pitchFamily="49" charset="0"/>
-                <a:cs typeface="Courier New" panose="02070309020205020404" pitchFamily="49" charset="0"/>
-              </a:rPr>
-              <a:t>StableState</a:t>
-            </a:r>
-            <a:endParaRPr lang="en-GB" sz="900" dirty="0">
-              <a:latin typeface="Courier New" panose="02070309020205020404" pitchFamily="49" charset="0"/>
-              <a:cs typeface="Courier New" panose="02070309020205020404" pitchFamily="49" charset="0"/>
-            </a:endParaRPr>
+              <a:t>    DebounceSwitch = StableState</a:t>
+            </a:r>
           </a:p>
           <a:p>
             <a:endParaRPr lang="en-GB" sz="900" dirty="0">
@@ -9800,27 +9509,7 @@
             <a:pPr lvl="1"/>
             <a:r>
               <a:rPr lang="en-GB" sz="1000" dirty="0"/>
-              <a:t>CurrentState</a:t>
-            </a:r>
-            <a:r>
-              <a:rPr lang="en-GB" sz="1000" dirty="0"/>
-              <a:t>, </a:t>
-            </a:r>
-            <a:r>
-              <a:rPr lang="en-GB" sz="1000" dirty="0"/>
-              <a:t>LastState</a:t>
-            </a:r>
-            <a:r>
-              <a:rPr lang="en-GB" sz="1000" dirty="0"/>
-              <a:t>, and </a:t>
-            </a:r>
-            <a:r>
-              <a:rPr lang="en-GB" sz="1000" dirty="0"/>
-              <a:t>StableState</a:t>
-            </a:r>
-            <a:r>
-              <a:rPr lang="en-GB" sz="1000" dirty="0"/>
-              <a:t> are declared as Bit to store the current, previous, and stable states of the switch.</a:t>
+              <a:t>CurrentState, LastState, and StableState are declared as Bit to store the current, previous, and stable states of the switch.</a:t>
             </a:r>
           </a:p>
           <a:p>
@@ -9841,30 +9530,14 @@
             <a:pPr lvl="1"/>
             <a:r>
               <a:rPr lang="en-GB" sz="1000" dirty="0"/>
-              <a:t>LastState</a:t>
-            </a:r>
+              <a:t>LastState is initialized to the current state of the switch (SWITCHIN).</a:t>
+            </a:r>
+          </a:p>
+          <a:p>
+            <a:pPr lvl="1"/>
             <a:r>
               <a:rPr lang="en-GB" sz="1000" dirty="0"/>
-              <a:t> is initialized to the current state of the switch (SWITCHIN).</a:t>
-            </a:r>
-          </a:p>
-          <a:p>
-            <a:pPr lvl="1"/>
-            <a:r>
-              <a:rPr lang="en-GB" sz="1000" dirty="0"/>
-              <a:t>StableState</a:t>
-            </a:r>
-            <a:r>
-              <a:rPr lang="en-GB" sz="1000" dirty="0"/>
-              <a:t> is initialized to </a:t>
-            </a:r>
-            <a:r>
-              <a:rPr lang="en-GB" sz="1000" dirty="0"/>
-              <a:t>LastState</a:t>
-            </a:r>
-            <a:r>
-              <a:rPr lang="en-GB" sz="1000" dirty="0"/>
-              <a:t>.</a:t>
+              <a:t>StableState is initialized to LastState.</a:t>
             </a:r>
           </a:p>
           <a:p>
@@ -9877,11 +9550,7 @@
           <a:p>
             <a:r>
               <a:rPr lang="en-GB" sz="1000" b="1" dirty="0"/>
-              <a:t>Debounce</a:t>
-            </a:r>
-            <a:r>
-              <a:rPr lang="en-GB" sz="1000" b="1" dirty="0"/>
-              <a:t> Loop:</a:t>
+              <a:t>Debounce Loop:</a:t>
             </a:r>
             <a:endParaRPr lang="en-GB" sz="1000" dirty="0"/>
           </a:p>
@@ -9896,73 +9565,21 @@
             <a:pPr lvl="1"/>
             <a:r>
               <a:rPr lang="en-GB" sz="1000" dirty="0"/>
-              <a:t>CurrentState</a:t>
-            </a:r>
+              <a:t>CurrentState is updated with the current state of the switch (SWITCHIN).</a:t>
+            </a:r>
+          </a:p>
+          <a:p>
+            <a:pPr lvl="1"/>
             <a:r>
               <a:rPr lang="en-GB" sz="1000" dirty="0"/>
-              <a:t> is updated with the current state of the switch (SWITCHIN).</a:t>
+              <a:t>If the CurrentState matches the LastState consistently for the duration of the loop, StableState is set to CurrentState.</a:t>
             </a:r>
           </a:p>
           <a:p>
             <a:pPr lvl="1"/>
             <a:r>
               <a:rPr lang="en-GB" sz="1000" dirty="0"/>
-              <a:t>If the </a:t>
-            </a:r>
-            <a:r>
-              <a:rPr lang="en-GB" sz="1000" dirty="0"/>
-              <a:t>CurrentState</a:t>
-            </a:r>
-            <a:r>
-              <a:rPr lang="en-GB" sz="1000" dirty="0"/>
-              <a:t> matches the </a:t>
-            </a:r>
-            <a:r>
-              <a:rPr lang="en-GB" sz="1000" dirty="0"/>
-              <a:t>LastState</a:t>
-            </a:r>
-            <a:r>
-              <a:rPr lang="en-GB" sz="1000" dirty="0"/>
-              <a:t> consistently for the duration of the loop, </a:t>
-            </a:r>
-            <a:r>
-              <a:rPr lang="en-GB" sz="1000" dirty="0"/>
-              <a:t>StableState</a:t>
-            </a:r>
-            <a:r>
-              <a:rPr lang="en-GB" sz="1000" dirty="0"/>
-              <a:t> is set to </a:t>
-            </a:r>
-            <a:r>
-              <a:rPr lang="en-GB" sz="1000" dirty="0"/>
-              <a:t>CurrentState</a:t>
-            </a:r>
-            <a:r>
-              <a:rPr lang="en-GB" sz="1000" dirty="0"/>
-              <a:t>.</a:t>
-            </a:r>
-          </a:p>
-          <a:p>
-            <a:pPr lvl="1"/>
-            <a:r>
-              <a:rPr lang="en-GB" sz="1000" dirty="0"/>
-              <a:t>If the state changes, the counter is reset, and </a:t>
-            </a:r>
-            <a:r>
-              <a:rPr lang="en-GB" sz="1000" dirty="0"/>
-              <a:t>LastState</a:t>
-            </a:r>
-            <a:r>
-              <a:rPr lang="en-GB" sz="1000" dirty="0"/>
-              <a:t> is updated with </a:t>
-            </a:r>
-            <a:r>
-              <a:rPr lang="en-GB" sz="1000" dirty="0"/>
-              <a:t>CurrentState</a:t>
-            </a:r>
-            <a:r>
-              <a:rPr lang="en-GB" sz="1000" dirty="0"/>
-              <a:t>.</a:t>
+              <a:t>If the state changes, the counter is reset, and LastState is updated with CurrentState.</a:t>
             </a:r>
           </a:p>
           <a:p>
@@ -9976,37 +9593,13 @@
             <a:pPr lvl="1"/>
             <a:r>
               <a:rPr lang="en-GB" sz="1000" dirty="0"/>
-              <a:t>The function returns the </a:t>
-            </a:r>
+              <a:t>The function returns the StableState of the switch, which has been debounced.</a:t>
+            </a:r>
+          </a:p>
+          <a:p>
             <a:r>
               <a:rPr lang="en-GB" sz="1000" dirty="0"/>
-              <a:t>StableState</a:t>
-            </a:r>
-            <a:r>
-              <a:rPr lang="en-GB" sz="1000" dirty="0"/>
-              <a:t> of the switch, which has been </a:t>
-            </a:r>
-            <a:r>
-              <a:rPr lang="en-GB" sz="1000" dirty="0"/>
-              <a:t>debounced</a:t>
-            </a:r>
-            <a:r>
-              <a:rPr lang="en-GB" sz="1000" dirty="0"/>
-              <a:t>.</a:t>
-            </a:r>
-          </a:p>
-          <a:p>
-            <a:r>
-              <a:rPr lang="en-GB" sz="1000" dirty="0"/>
-              <a:t>This function ensures that the state of the switch is stable before returning it, effectively </a:t>
-            </a:r>
-            <a:r>
-              <a:rPr lang="en-GB" sz="1000" dirty="0"/>
-              <a:t>debouncing</a:t>
-            </a:r>
-            <a:r>
-              <a:rPr lang="en-GB" sz="1000" dirty="0"/>
-              <a:t> the switch. If you have any further questions or need more details, feel free to let me know! 😊✨</a:t>
+              <a:t>This function ensures that the state of the switch is stable before returning it, effectively debouncing the switch. If you have any further questions or need more details, feel free to let me know! 😊✨</a:t>
             </a:r>
           </a:p>
           <a:p>
@@ -10820,8 +10413,9 @@
           <a:p>
             <a:r>
               <a:rPr lang="en-GB" dirty="0" smtClean="0"/>
-              <a:t>PIC18FxxQ24</a:t>
-            </a:r>
+              <a:t>PIC16F175xx</a:t>
+            </a:r>
+            <a:endParaRPr lang="en-GB" dirty="0" smtClean="0"/>
           </a:p>
           <a:p>
             <a:r>
@@ -10833,7 +10427,7 @@
       </p:sp>
       <p:pic>
         <p:nvPicPr>
-          <p:cNvPr id="10" name="Picture 2" descr="PIC18F26Q24"/>
+          <p:cNvPr id="7" name="Picture 4" descr="PIC16F17556 | Microchip Technology"/>
           <p:cNvPicPr>
             <a:picLocks noChangeAspect="1" noChangeArrowheads="1"/>
           </p:cNvPicPr>
@@ -10854,8 +10448,49 @@
         </p:blipFill>
         <p:spPr bwMode="auto">
           <a:xfrm>
-            <a:off x="1907705" y="4116163"/>
-            <a:ext cx="1280738" cy="922132"/>
+            <a:off x="6750880" y="3974993"/>
+            <a:ext cx="2415427" cy="1178257"/>
+          </a:xfrm>
+          <a:prstGeom prst="rect">
+            <a:avLst/>
+          </a:prstGeom>
+          <a:noFill/>
+          <a:extLst>
+            <a:ext uri="{909E8E84-426E-40DD-AFC4-6F175D3DCCD1}">
+              <a14:hiddenFill xmlns:a14="http://schemas.microsoft.com/office/drawing/2010/main">
+                <a:solidFill>
+                  <a:srgbClr val="FFFFFF"/>
+                </a:solidFill>
+              </a14:hiddenFill>
+            </a:ext>
+          </a:extLst>
+        </p:spPr>
+      </p:pic>
+      <p:pic>
+        <p:nvPicPr>
+          <p:cNvPr id="9" name="Picture 6" descr="PIC16F19175 | Microchip Technology"/>
+          <p:cNvPicPr>
+            <a:picLocks noChangeAspect="1" noChangeArrowheads="1"/>
+          </p:cNvPicPr>
+          <p:nvPr/>
+        </p:nvPicPr>
+        <p:blipFill>
+          <a:blip r:embed="rId4" cstate="print">
+            <a:extLst>
+              <a:ext uri="{28A0092B-C50C-407E-A947-70E740481C1C}">
+                <a14:useLocalDpi xmlns:a14="http://schemas.microsoft.com/office/drawing/2010/main" val="0"/>
+              </a:ext>
+            </a:extLst>
+          </a:blip>
+          <a:srcRect/>
+          <a:stretch>
+            <a:fillRect/>
+          </a:stretch>
+        </p:blipFill>
+        <p:spPr bwMode="auto">
+          <a:xfrm>
+            <a:off x="2644136" y="3943142"/>
+            <a:ext cx="1384038" cy="1192111"/>
           </a:xfrm>
           <a:prstGeom prst="rect">
             <a:avLst/>
@@ -10900,950 +10535,6 @@
 </p:sld>
 </file>
 
-<file path=ppt/slides/slide16.xml><?xml version="1.0" encoding="utf-8"?>
-<p:sld xmlns:a="http://schemas.openxmlformats.org/drawingml/2006/main" xmlns:r="http://schemas.openxmlformats.org/officeDocument/2006/relationships" xmlns:p="http://schemas.openxmlformats.org/presentationml/2006/main">
-  <p:cSld>
-    <p:spTree>
-      <p:nvGrpSpPr>
-        <p:cNvPr id="1" name=""/>
-        <p:cNvGrpSpPr/>
-        <p:nvPr/>
-      </p:nvGrpSpPr>
-      <p:grpSpPr>
-        <a:xfrm>
-          <a:off x="0" y="0"/>
-          <a:ext cx="0" cy="0"/>
-          <a:chOff x="0" y="0"/>
-          <a:chExt cx="0" cy="0"/>
-        </a:xfrm>
-      </p:grpSpPr>
-      <p:sp>
-        <p:nvSpPr>
-          <p:cNvPr id="2" name="Rectangle 1"/>
-          <p:cNvSpPr/>
-          <p:nvPr/>
-        </p:nvSpPr>
-        <p:spPr>
-          <a:xfrm>
-            <a:off x="88900" y="-20538"/>
-            <a:ext cx="4572000" cy="5216813"/>
-          </a:xfrm>
-          <a:prstGeom prst="rect">
-            <a:avLst/>
-          </a:prstGeom>
-          <a:solidFill>
-            <a:schemeClr val="bg1"/>
-          </a:solidFill>
-        </p:spPr>
-        <p:txBody>
-          <a:bodyPr>
-            <a:spAutoFit/>
-          </a:bodyPr>
-          <a:lstStyle/>
-          <a:p>
-            <a:r>
-              <a:rPr lang="en-GB" sz="900" dirty="0">
-                <a:latin typeface="Courier New" panose="02070309020205020404" pitchFamily="49" charset="0"/>
-                <a:cs typeface="Courier New" panose="02070309020205020404" pitchFamily="49" charset="0"/>
-              </a:rPr>
-              <a:t>// Function to </a:t>
-            </a:r>
-            <a:r>
-              <a:rPr lang="en-GB" sz="900" dirty="0" err="1">
-                <a:latin typeface="Courier New" panose="02070309020205020404" pitchFamily="49" charset="0"/>
-                <a:cs typeface="Courier New" panose="02070309020205020404" pitchFamily="49" charset="0"/>
-              </a:rPr>
-              <a:t>debounce</a:t>
-            </a:r>
-            <a:r>
-              <a:rPr lang="en-GB" sz="900" dirty="0">
-                <a:latin typeface="Courier New" panose="02070309020205020404" pitchFamily="49" charset="0"/>
-                <a:cs typeface="Courier New" panose="02070309020205020404" pitchFamily="49" charset="0"/>
-              </a:rPr>
-              <a:t> a switch and return the stable state</a:t>
-            </a:r>
-          </a:p>
-          <a:p>
-            <a:r>
-              <a:rPr lang="en-GB" sz="900" dirty="0">
-                <a:latin typeface="Courier New" panose="02070309020205020404" pitchFamily="49" charset="0"/>
-                <a:cs typeface="Courier New" panose="02070309020205020404" pitchFamily="49" charset="0"/>
-              </a:rPr>
-              <a:t>Function </a:t>
-            </a:r>
-            <a:r>
-              <a:rPr lang="en-GB" sz="900" dirty="0" err="1">
-                <a:latin typeface="Courier New" panose="02070309020205020404" pitchFamily="49" charset="0"/>
-                <a:cs typeface="Courier New" panose="02070309020205020404" pitchFamily="49" charset="0"/>
-              </a:rPr>
-              <a:t>DebounceSwitch</a:t>
-            </a:r>
-            <a:r>
-              <a:rPr lang="en-GB" sz="900" dirty="0">
-                <a:latin typeface="Courier New" panose="02070309020205020404" pitchFamily="49" charset="0"/>
-                <a:cs typeface="Courier New" panose="02070309020205020404" pitchFamily="49" charset="0"/>
-              </a:rPr>
-              <a:t> as Bit</a:t>
-            </a:r>
-          </a:p>
-          <a:p>
-            <a:r>
-              <a:rPr lang="en-GB" sz="900" dirty="0">
-                <a:latin typeface="Courier New" panose="02070309020205020404" pitchFamily="49" charset="0"/>
-                <a:cs typeface="Courier New" panose="02070309020205020404" pitchFamily="49" charset="0"/>
-              </a:rPr>
-              <a:t>    </a:t>
-            </a:r>
-          </a:p>
-          <a:p>
-            <a:r>
-              <a:rPr lang="en-GB" sz="900" dirty="0">
-                <a:latin typeface="Courier New" panose="02070309020205020404" pitchFamily="49" charset="0"/>
-                <a:cs typeface="Courier New" panose="02070309020205020404" pitchFamily="49" charset="0"/>
-              </a:rPr>
-              <a:t>    // Define variables</a:t>
-            </a:r>
-          </a:p>
-          <a:p>
-            <a:r>
-              <a:rPr lang="en-GB" sz="900" dirty="0">
-                <a:latin typeface="Courier New" panose="02070309020205020404" pitchFamily="49" charset="0"/>
-                <a:cs typeface="Courier New" panose="02070309020205020404" pitchFamily="49" charset="0"/>
-              </a:rPr>
-              <a:t>    Dim </a:t>
-            </a:r>
-            <a:r>
-              <a:rPr lang="en-GB" sz="900" dirty="0" err="1">
-                <a:latin typeface="Courier New" panose="02070309020205020404" pitchFamily="49" charset="0"/>
-                <a:cs typeface="Courier New" panose="02070309020205020404" pitchFamily="49" charset="0"/>
-              </a:rPr>
-              <a:t>CurrentState</a:t>
-            </a:r>
-            <a:r>
-              <a:rPr lang="en-GB" sz="900" dirty="0">
-                <a:latin typeface="Courier New" panose="02070309020205020404" pitchFamily="49" charset="0"/>
-                <a:cs typeface="Courier New" panose="02070309020205020404" pitchFamily="49" charset="0"/>
-              </a:rPr>
-              <a:t> As Bit</a:t>
-            </a:r>
-          </a:p>
-          <a:p>
-            <a:r>
-              <a:rPr lang="en-GB" sz="900" dirty="0">
-                <a:latin typeface="Courier New" panose="02070309020205020404" pitchFamily="49" charset="0"/>
-                <a:cs typeface="Courier New" panose="02070309020205020404" pitchFamily="49" charset="0"/>
-              </a:rPr>
-              <a:t>    Dim </a:t>
-            </a:r>
-            <a:r>
-              <a:rPr lang="en-GB" sz="900" dirty="0" err="1">
-                <a:latin typeface="Courier New" panose="02070309020205020404" pitchFamily="49" charset="0"/>
-                <a:cs typeface="Courier New" panose="02070309020205020404" pitchFamily="49" charset="0"/>
-              </a:rPr>
-              <a:t>LastState</a:t>
-            </a:r>
-            <a:r>
-              <a:rPr lang="en-GB" sz="900" dirty="0">
-                <a:latin typeface="Courier New" panose="02070309020205020404" pitchFamily="49" charset="0"/>
-                <a:cs typeface="Courier New" panose="02070309020205020404" pitchFamily="49" charset="0"/>
-              </a:rPr>
-              <a:t> As Bit</a:t>
-            </a:r>
-          </a:p>
-          <a:p>
-            <a:r>
-              <a:rPr lang="en-GB" sz="900" dirty="0">
-                <a:latin typeface="Courier New" panose="02070309020205020404" pitchFamily="49" charset="0"/>
-                <a:cs typeface="Courier New" panose="02070309020205020404" pitchFamily="49" charset="0"/>
-              </a:rPr>
-              <a:t>    Dim </a:t>
-            </a:r>
-            <a:r>
-              <a:rPr lang="en-GB" sz="900" dirty="0" err="1">
-                <a:latin typeface="Courier New" panose="02070309020205020404" pitchFamily="49" charset="0"/>
-                <a:cs typeface="Courier New" panose="02070309020205020404" pitchFamily="49" charset="0"/>
-              </a:rPr>
-              <a:t>StableState</a:t>
-            </a:r>
-            <a:r>
-              <a:rPr lang="en-GB" sz="900" dirty="0">
-                <a:latin typeface="Courier New" panose="02070309020205020404" pitchFamily="49" charset="0"/>
-                <a:cs typeface="Courier New" panose="02070309020205020404" pitchFamily="49" charset="0"/>
-              </a:rPr>
-              <a:t> As Bit</a:t>
-            </a:r>
-          </a:p>
-          <a:p>
-            <a:r>
-              <a:rPr lang="en-GB" sz="900" dirty="0">
-                <a:latin typeface="Courier New" panose="02070309020205020404" pitchFamily="49" charset="0"/>
-                <a:cs typeface="Courier New" panose="02070309020205020404" pitchFamily="49" charset="0"/>
-              </a:rPr>
-              <a:t>    Dim Counter As Byte</a:t>
-            </a:r>
-          </a:p>
-          <a:p>
-            <a:endParaRPr lang="en-GB" sz="900" dirty="0">
-              <a:latin typeface="Courier New" panose="02070309020205020404" pitchFamily="49" charset="0"/>
-              <a:cs typeface="Courier New" panose="02070309020205020404" pitchFamily="49" charset="0"/>
-            </a:endParaRPr>
-          </a:p>
-          <a:p>
-            <a:r>
-              <a:rPr lang="en-GB" sz="900" dirty="0">
-                <a:latin typeface="Courier New" panose="02070309020205020404" pitchFamily="49" charset="0"/>
-                <a:cs typeface="Courier New" panose="02070309020205020404" pitchFamily="49" charset="0"/>
-              </a:rPr>
-              <a:t>    // Initialize states and counter</a:t>
-            </a:r>
-          </a:p>
-          <a:p>
-            <a:r>
-              <a:rPr lang="en-GB" sz="900" dirty="0">
-                <a:latin typeface="Courier New" panose="02070309020205020404" pitchFamily="49" charset="0"/>
-                <a:cs typeface="Courier New" panose="02070309020205020404" pitchFamily="49" charset="0"/>
-              </a:rPr>
-              <a:t>    </a:t>
-            </a:r>
-            <a:r>
-              <a:rPr lang="en-GB" sz="900" dirty="0" err="1">
-                <a:latin typeface="Courier New" panose="02070309020205020404" pitchFamily="49" charset="0"/>
-                <a:cs typeface="Courier New" panose="02070309020205020404" pitchFamily="49" charset="0"/>
-              </a:rPr>
-              <a:t>LastState</a:t>
-            </a:r>
-            <a:r>
-              <a:rPr lang="en-GB" sz="900" dirty="0">
-                <a:latin typeface="Courier New" panose="02070309020205020404" pitchFamily="49" charset="0"/>
-                <a:cs typeface="Courier New" panose="02070309020205020404" pitchFamily="49" charset="0"/>
-              </a:rPr>
-              <a:t> = SWITCHIN</a:t>
-            </a:r>
-          </a:p>
-          <a:p>
-            <a:r>
-              <a:rPr lang="en-GB" sz="900" dirty="0">
-                <a:latin typeface="Courier New" panose="02070309020205020404" pitchFamily="49" charset="0"/>
-                <a:cs typeface="Courier New" panose="02070309020205020404" pitchFamily="49" charset="0"/>
-              </a:rPr>
-              <a:t>    </a:t>
-            </a:r>
-            <a:r>
-              <a:rPr lang="en-GB" sz="900" dirty="0" err="1">
-                <a:latin typeface="Courier New" panose="02070309020205020404" pitchFamily="49" charset="0"/>
-                <a:cs typeface="Courier New" panose="02070309020205020404" pitchFamily="49" charset="0"/>
-              </a:rPr>
-              <a:t>StableState</a:t>
-            </a:r>
-            <a:r>
-              <a:rPr lang="en-GB" sz="900" dirty="0">
-                <a:latin typeface="Courier New" panose="02070309020205020404" pitchFamily="49" charset="0"/>
-                <a:cs typeface="Courier New" panose="02070309020205020404" pitchFamily="49" charset="0"/>
-              </a:rPr>
-              <a:t> = </a:t>
-            </a:r>
-            <a:r>
-              <a:rPr lang="en-GB" sz="900" dirty="0" err="1">
-                <a:latin typeface="Courier New" panose="02070309020205020404" pitchFamily="49" charset="0"/>
-                <a:cs typeface="Courier New" panose="02070309020205020404" pitchFamily="49" charset="0"/>
-              </a:rPr>
-              <a:t>LastState</a:t>
-            </a:r>
-            <a:endParaRPr lang="en-GB" sz="900" dirty="0">
-              <a:latin typeface="Courier New" panose="02070309020205020404" pitchFamily="49" charset="0"/>
-              <a:cs typeface="Courier New" panose="02070309020205020404" pitchFamily="49" charset="0"/>
-            </a:endParaRPr>
-          </a:p>
-          <a:p>
-            <a:r>
-              <a:rPr lang="en-GB" sz="900" dirty="0">
-                <a:latin typeface="Courier New" panose="02070309020205020404" pitchFamily="49" charset="0"/>
-                <a:cs typeface="Courier New" panose="02070309020205020404" pitchFamily="49" charset="0"/>
-              </a:rPr>
-              <a:t>    Counter = 0</a:t>
-            </a:r>
-          </a:p>
-          <a:p>
-            <a:endParaRPr lang="en-GB" sz="900" dirty="0">
-              <a:latin typeface="Courier New" panose="02070309020205020404" pitchFamily="49" charset="0"/>
-              <a:cs typeface="Courier New" panose="02070309020205020404" pitchFamily="49" charset="0"/>
-            </a:endParaRPr>
-          </a:p>
-          <a:p>
-            <a:r>
-              <a:rPr lang="en-GB" sz="900" dirty="0">
-                <a:latin typeface="Courier New" panose="02070309020205020404" pitchFamily="49" charset="0"/>
-                <a:cs typeface="Courier New" panose="02070309020205020404" pitchFamily="49" charset="0"/>
-              </a:rPr>
-              <a:t>    // </a:t>
-            </a:r>
-            <a:r>
-              <a:rPr lang="en-GB" sz="900" dirty="0" err="1">
-                <a:latin typeface="Courier New" panose="02070309020205020404" pitchFamily="49" charset="0"/>
-                <a:cs typeface="Courier New" panose="02070309020205020404" pitchFamily="49" charset="0"/>
-              </a:rPr>
-              <a:t>Debounce</a:t>
-            </a:r>
-            <a:r>
-              <a:rPr lang="en-GB" sz="900" dirty="0">
-                <a:latin typeface="Courier New" panose="02070309020205020404" pitchFamily="49" charset="0"/>
-                <a:cs typeface="Courier New" panose="02070309020205020404" pitchFamily="49" charset="0"/>
-              </a:rPr>
-              <a:t> loop: checks the state multiple times to ensure stability</a:t>
-            </a:r>
-          </a:p>
-          <a:p>
-            <a:r>
-              <a:rPr lang="en-GB" sz="900" dirty="0">
-                <a:latin typeface="Courier New" panose="02070309020205020404" pitchFamily="49" charset="0"/>
-                <a:cs typeface="Courier New" panose="02070309020205020404" pitchFamily="49" charset="0"/>
-              </a:rPr>
-              <a:t>    For Counter = 0 To 10</a:t>
-            </a:r>
-          </a:p>
-          <a:p>
-            <a:r>
-              <a:rPr lang="en-GB" sz="900" dirty="0">
-                <a:latin typeface="Courier New" panose="02070309020205020404" pitchFamily="49" charset="0"/>
-                <a:cs typeface="Courier New" panose="02070309020205020404" pitchFamily="49" charset="0"/>
-              </a:rPr>
-              <a:t>        wait 5 </a:t>
-            </a:r>
-            <a:r>
-              <a:rPr lang="en-GB" sz="900" dirty="0" err="1">
-                <a:latin typeface="Courier New" panose="02070309020205020404" pitchFamily="49" charset="0"/>
-                <a:cs typeface="Courier New" panose="02070309020205020404" pitchFamily="49" charset="0"/>
-              </a:rPr>
-              <a:t>ms</a:t>
-            </a:r>
-            <a:r>
-              <a:rPr lang="en-GB" sz="900" dirty="0">
-                <a:latin typeface="Courier New" panose="02070309020205020404" pitchFamily="49" charset="0"/>
-                <a:cs typeface="Courier New" panose="02070309020205020404" pitchFamily="49" charset="0"/>
-              </a:rPr>
-              <a:t>  // Small delay to allow switch to settle</a:t>
-            </a:r>
-          </a:p>
-          <a:p>
-            <a:endParaRPr lang="en-GB" sz="900" dirty="0">
-              <a:latin typeface="Courier New" panose="02070309020205020404" pitchFamily="49" charset="0"/>
-              <a:cs typeface="Courier New" panose="02070309020205020404" pitchFamily="49" charset="0"/>
-            </a:endParaRPr>
-          </a:p>
-          <a:p>
-            <a:r>
-              <a:rPr lang="en-GB" sz="900" dirty="0">
-                <a:latin typeface="Courier New" panose="02070309020205020404" pitchFamily="49" charset="0"/>
-                <a:cs typeface="Courier New" panose="02070309020205020404" pitchFamily="49" charset="0"/>
-              </a:rPr>
-              <a:t>        // Read the current state of the switch</a:t>
-            </a:r>
-          </a:p>
-          <a:p>
-            <a:r>
-              <a:rPr lang="en-GB" sz="900" dirty="0">
-                <a:latin typeface="Courier New" panose="02070309020205020404" pitchFamily="49" charset="0"/>
-                <a:cs typeface="Courier New" panose="02070309020205020404" pitchFamily="49" charset="0"/>
-              </a:rPr>
-              <a:t>        </a:t>
-            </a:r>
-            <a:r>
-              <a:rPr lang="en-GB" sz="900" dirty="0" err="1">
-                <a:latin typeface="Courier New" panose="02070309020205020404" pitchFamily="49" charset="0"/>
-                <a:cs typeface="Courier New" panose="02070309020205020404" pitchFamily="49" charset="0"/>
-              </a:rPr>
-              <a:t>CurrentState</a:t>
-            </a:r>
-            <a:r>
-              <a:rPr lang="en-GB" sz="900" dirty="0">
-                <a:latin typeface="Courier New" panose="02070309020205020404" pitchFamily="49" charset="0"/>
-                <a:cs typeface="Courier New" panose="02070309020205020404" pitchFamily="49" charset="0"/>
-              </a:rPr>
-              <a:t> = SWITCHIN</a:t>
-            </a:r>
-          </a:p>
-          <a:p>
-            <a:endParaRPr lang="en-GB" sz="900" dirty="0">
-              <a:latin typeface="Courier New" panose="02070309020205020404" pitchFamily="49" charset="0"/>
-              <a:cs typeface="Courier New" panose="02070309020205020404" pitchFamily="49" charset="0"/>
-            </a:endParaRPr>
-          </a:p>
-          <a:p>
-            <a:r>
-              <a:rPr lang="en-GB" sz="900" dirty="0">
-                <a:latin typeface="Courier New" panose="02070309020205020404" pitchFamily="49" charset="0"/>
-                <a:cs typeface="Courier New" panose="02070309020205020404" pitchFamily="49" charset="0"/>
-              </a:rPr>
-              <a:t>        // If the state is stable (consistent for the duration of the loop)</a:t>
-            </a:r>
-          </a:p>
-          <a:p>
-            <a:r>
-              <a:rPr lang="en-GB" sz="900" dirty="0">
-                <a:latin typeface="Courier New" panose="02070309020205020404" pitchFamily="49" charset="0"/>
-                <a:cs typeface="Courier New" panose="02070309020205020404" pitchFamily="49" charset="0"/>
-              </a:rPr>
-              <a:t>        If (</a:t>
-            </a:r>
-            <a:r>
-              <a:rPr lang="en-GB" sz="900" dirty="0" err="1">
-                <a:latin typeface="Courier New" panose="02070309020205020404" pitchFamily="49" charset="0"/>
-                <a:cs typeface="Courier New" panose="02070309020205020404" pitchFamily="49" charset="0"/>
-              </a:rPr>
-              <a:t>CurrentState</a:t>
-            </a:r>
-            <a:r>
-              <a:rPr lang="en-GB" sz="900" dirty="0">
-                <a:latin typeface="Courier New" panose="02070309020205020404" pitchFamily="49" charset="0"/>
-                <a:cs typeface="Courier New" panose="02070309020205020404" pitchFamily="49" charset="0"/>
-              </a:rPr>
-              <a:t> = </a:t>
-            </a:r>
-            <a:r>
-              <a:rPr lang="en-GB" sz="900" dirty="0" err="1">
-                <a:latin typeface="Courier New" panose="02070309020205020404" pitchFamily="49" charset="0"/>
-                <a:cs typeface="Courier New" panose="02070309020205020404" pitchFamily="49" charset="0"/>
-              </a:rPr>
-              <a:t>LastState</a:t>
-            </a:r>
-            <a:r>
-              <a:rPr lang="en-GB" sz="900" dirty="0">
-                <a:latin typeface="Courier New" panose="02070309020205020404" pitchFamily="49" charset="0"/>
-                <a:cs typeface="Courier New" panose="02070309020205020404" pitchFamily="49" charset="0"/>
-              </a:rPr>
-              <a:t>) Then</a:t>
-            </a:r>
-          </a:p>
-          <a:p>
-            <a:r>
-              <a:rPr lang="en-GB" sz="900" dirty="0">
-                <a:latin typeface="Courier New" panose="02070309020205020404" pitchFamily="49" charset="0"/>
-                <a:cs typeface="Courier New" panose="02070309020205020404" pitchFamily="49" charset="0"/>
-              </a:rPr>
-              <a:t>            </a:t>
-            </a:r>
-            <a:r>
-              <a:rPr lang="en-GB" sz="900" dirty="0" err="1">
-                <a:latin typeface="Courier New" panose="02070309020205020404" pitchFamily="49" charset="0"/>
-                <a:cs typeface="Courier New" panose="02070309020205020404" pitchFamily="49" charset="0"/>
-              </a:rPr>
-              <a:t>StableState</a:t>
-            </a:r>
-            <a:r>
-              <a:rPr lang="en-GB" sz="900" dirty="0">
-                <a:latin typeface="Courier New" panose="02070309020205020404" pitchFamily="49" charset="0"/>
-                <a:cs typeface="Courier New" panose="02070309020205020404" pitchFamily="49" charset="0"/>
-              </a:rPr>
-              <a:t> = </a:t>
-            </a:r>
-            <a:r>
-              <a:rPr lang="en-GB" sz="900" dirty="0" err="1">
-                <a:latin typeface="Courier New" panose="02070309020205020404" pitchFamily="49" charset="0"/>
-                <a:cs typeface="Courier New" panose="02070309020205020404" pitchFamily="49" charset="0"/>
-              </a:rPr>
-              <a:t>CurrentState</a:t>
-            </a:r>
-            <a:endParaRPr lang="en-GB" sz="900" dirty="0">
-              <a:latin typeface="Courier New" panose="02070309020205020404" pitchFamily="49" charset="0"/>
-              <a:cs typeface="Courier New" panose="02070309020205020404" pitchFamily="49" charset="0"/>
-            </a:endParaRPr>
-          </a:p>
-          <a:p>
-            <a:r>
-              <a:rPr lang="en-GB" sz="900" dirty="0">
-                <a:latin typeface="Courier New" panose="02070309020205020404" pitchFamily="49" charset="0"/>
-                <a:cs typeface="Courier New" panose="02070309020205020404" pitchFamily="49" charset="0"/>
-              </a:rPr>
-              <a:t>        Else</a:t>
-            </a:r>
-          </a:p>
-          <a:p>
-            <a:r>
-              <a:rPr lang="en-GB" sz="900" dirty="0">
-                <a:latin typeface="Courier New" panose="02070309020205020404" pitchFamily="49" charset="0"/>
-                <a:cs typeface="Courier New" panose="02070309020205020404" pitchFamily="49" charset="0"/>
-              </a:rPr>
-              <a:t>            // Reset counter if state changes</a:t>
-            </a:r>
-          </a:p>
-          <a:p>
-            <a:r>
-              <a:rPr lang="en-GB" sz="900" dirty="0">
-                <a:latin typeface="Courier New" panose="02070309020205020404" pitchFamily="49" charset="0"/>
-                <a:cs typeface="Courier New" panose="02070309020205020404" pitchFamily="49" charset="0"/>
-              </a:rPr>
-              <a:t>            Counter = 0</a:t>
-            </a:r>
-          </a:p>
-          <a:p>
-            <a:r>
-              <a:rPr lang="en-GB" sz="900" dirty="0">
-                <a:latin typeface="Courier New" panose="02070309020205020404" pitchFamily="49" charset="0"/>
-                <a:cs typeface="Courier New" panose="02070309020205020404" pitchFamily="49" charset="0"/>
-              </a:rPr>
-              <a:t>            </a:t>
-            </a:r>
-            <a:r>
-              <a:rPr lang="en-GB" sz="900" dirty="0" err="1">
-                <a:latin typeface="Courier New" panose="02070309020205020404" pitchFamily="49" charset="0"/>
-                <a:cs typeface="Courier New" panose="02070309020205020404" pitchFamily="49" charset="0"/>
-              </a:rPr>
-              <a:t>LastState</a:t>
-            </a:r>
-            <a:r>
-              <a:rPr lang="en-GB" sz="900" dirty="0">
-                <a:latin typeface="Courier New" panose="02070309020205020404" pitchFamily="49" charset="0"/>
-                <a:cs typeface="Courier New" panose="02070309020205020404" pitchFamily="49" charset="0"/>
-              </a:rPr>
-              <a:t> = </a:t>
-            </a:r>
-            <a:r>
-              <a:rPr lang="en-GB" sz="900" dirty="0" err="1">
-                <a:latin typeface="Courier New" panose="02070309020205020404" pitchFamily="49" charset="0"/>
-                <a:cs typeface="Courier New" panose="02070309020205020404" pitchFamily="49" charset="0"/>
-              </a:rPr>
-              <a:t>CurrentState</a:t>
-            </a:r>
-            <a:endParaRPr lang="en-GB" sz="900" dirty="0">
-              <a:latin typeface="Courier New" panose="02070309020205020404" pitchFamily="49" charset="0"/>
-              <a:cs typeface="Courier New" panose="02070309020205020404" pitchFamily="49" charset="0"/>
-            </a:endParaRPr>
-          </a:p>
-          <a:p>
-            <a:r>
-              <a:rPr lang="en-GB" sz="900" dirty="0">
-                <a:latin typeface="Courier New" panose="02070309020205020404" pitchFamily="49" charset="0"/>
-                <a:cs typeface="Courier New" panose="02070309020205020404" pitchFamily="49" charset="0"/>
-              </a:rPr>
-              <a:t>        End If</a:t>
-            </a:r>
-          </a:p>
-          <a:p>
-            <a:r>
-              <a:rPr lang="en-GB" sz="900" dirty="0">
-                <a:latin typeface="Courier New" panose="02070309020205020404" pitchFamily="49" charset="0"/>
-                <a:cs typeface="Courier New" panose="02070309020205020404" pitchFamily="49" charset="0"/>
-              </a:rPr>
-              <a:t>    Next</a:t>
-            </a:r>
-          </a:p>
-          <a:p>
-            <a:endParaRPr lang="en-GB" sz="900" dirty="0">
-              <a:latin typeface="Courier New" panose="02070309020205020404" pitchFamily="49" charset="0"/>
-              <a:cs typeface="Courier New" panose="02070309020205020404" pitchFamily="49" charset="0"/>
-            </a:endParaRPr>
-          </a:p>
-          <a:p>
-            <a:r>
-              <a:rPr lang="en-GB" sz="900" dirty="0">
-                <a:latin typeface="Courier New" panose="02070309020205020404" pitchFamily="49" charset="0"/>
-                <a:cs typeface="Courier New" panose="02070309020205020404" pitchFamily="49" charset="0"/>
-              </a:rPr>
-              <a:t>    // Return the stable state of the switch</a:t>
-            </a:r>
-          </a:p>
-          <a:p>
-            <a:r>
-              <a:rPr lang="en-GB" sz="900" dirty="0">
-                <a:latin typeface="Courier New" panose="02070309020205020404" pitchFamily="49" charset="0"/>
-                <a:cs typeface="Courier New" panose="02070309020205020404" pitchFamily="49" charset="0"/>
-              </a:rPr>
-              <a:t>    </a:t>
-            </a:r>
-            <a:r>
-              <a:rPr lang="en-GB" sz="900" dirty="0" err="1">
-                <a:latin typeface="Courier New" panose="02070309020205020404" pitchFamily="49" charset="0"/>
-                <a:cs typeface="Courier New" panose="02070309020205020404" pitchFamily="49" charset="0"/>
-              </a:rPr>
-              <a:t>DebounceSwitch</a:t>
-            </a:r>
-            <a:r>
-              <a:rPr lang="en-GB" sz="900" dirty="0">
-                <a:latin typeface="Courier New" panose="02070309020205020404" pitchFamily="49" charset="0"/>
-                <a:cs typeface="Courier New" panose="02070309020205020404" pitchFamily="49" charset="0"/>
-              </a:rPr>
-              <a:t> = </a:t>
-            </a:r>
-            <a:r>
-              <a:rPr lang="en-GB" sz="900" dirty="0" err="1">
-                <a:latin typeface="Courier New" panose="02070309020205020404" pitchFamily="49" charset="0"/>
-                <a:cs typeface="Courier New" panose="02070309020205020404" pitchFamily="49" charset="0"/>
-              </a:rPr>
-              <a:t>StableState</a:t>
-            </a:r>
-            <a:endParaRPr lang="en-GB" sz="900" dirty="0">
-              <a:latin typeface="Courier New" panose="02070309020205020404" pitchFamily="49" charset="0"/>
-              <a:cs typeface="Courier New" panose="02070309020205020404" pitchFamily="49" charset="0"/>
-            </a:endParaRPr>
-          </a:p>
-          <a:p>
-            <a:endParaRPr lang="en-GB" sz="900" dirty="0">
-              <a:latin typeface="Courier New" panose="02070309020205020404" pitchFamily="49" charset="0"/>
-              <a:cs typeface="Courier New" panose="02070309020205020404" pitchFamily="49" charset="0"/>
-            </a:endParaRPr>
-          </a:p>
-          <a:p>
-            <a:r>
-              <a:rPr lang="en-GB" sz="900" dirty="0">
-                <a:latin typeface="Courier New" panose="02070309020205020404" pitchFamily="49" charset="0"/>
-                <a:cs typeface="Courier New" panose="02070309020205020404" pitchFamily="49" charset="0"/>
-              </a:rPr>
-              <a:t>End Function</a:t>
-            </a:r>
-          </a:p>
-        </p:txBody>
-      </p:sp>
-      <p:sp>
-        <p:nvSpPr>
-          <p:cNvPr id="4" name="TextBox 3"/>
-          <p:cNvSpPr txBox="1"/>
-          <p:nvPr/>
-        </p:nvSpPr>
-        <p:spPr>
-          <a:xfrm>
-            <a:off x="4701108" y="835298"/>
-            <a:ext cx="4373488" cy="3785652"/>
-          </a:xfrm>
-          <a:prstGeom prst="rect">
-            <a:avLst/>
-          </a:prstGeom>
-          <a:solidFill>
-            <a:schemeClr val="bg1"/>
-          </a:solidFill>
-        </p:spPr>
-        <p:txBody>
-          <a:bodyPr wrap="square" rtlCol="0">
-            <a:spAutoFit/>
-          </a:bodyPr>
-          <a:lstStyle/>
-          <a:p>
-            <a:r>
-              <a:rPr lang="en-GB" sz="1000" b="1" dirty="0"/>
-              <a:t>Explanation:</a:t>
-            </a:r>
-          </a:p>
-          <a:p>
-            <a:r>
-              <a:rPr lang="en-GB" sz="1000" b="1" dirty="0"/>
-              <a:t>Variable Definition:</a:t>
-            </a:r>
-            <a:endParaRPr lang="en-GB" sz="1000" dirty="0"/>
-          </a:p>
-          <a:p>
-            <a:pPr lvl="1"/>
-            <a:r>
-              <a:rPr lang="en-GB" sz="1000" dirty="0" err="1"/>
-              <a:t>CurrentState</a:t>
-            </a:r>
-            <a:r>
-              <a:rPr lang="en-GB" sz="1000" dirty="0"/>
-              <a:t>, </a:t>
-            </a:r>
-            <a:r>
-              <a:rPr lang="en-GB" sz="1000" dirty="0" err="1"/>
-              <a:t>LastState</a:t>
-            </a:r>
-            <a:r>
-              <a:rPr lang="en-GB" sz="1000" dirty="0"/>
-              <a:t>, and </a:t>
-            </a:r>
-            <a:r>
-              <a:rPr lang="en-GB" sz="1000" dirty="0" err="1"/>
-              <a:t>StableState</a:t>
-            </a:r>
-            <a:r>
-              <a:rPr lang="en-GB" sz="1000" dirty="0"/>
-              <a:t> are declared as Bit to store the current, previous, and stable states of the switch.</a:t>
-            </a:r>
-          </a:p>
-          <a:p>
-            <a:pPr lvl="1"/>
-            <a:r>
-              <a:rPr lang="en-GB" sz="1000" dirty="0"/>
-              <a:t>Counter is declared as Byte to act as a loop counter.</a:t>
-            </a:r>
-          </a:p>
-          <a:p>
-            <a:r>
-              <a:rPr lang="en-GB" sz="1000" b="1" dirty="0"/>
-              <a:t>Initialization:</a:t>
-            </a:r>
-            <a:endParaRPr lang="en-GB" sz="1000" dirty="0"/>
-          </a:p>
-          <a:p>
-            <a:pPr lvl="1"/>
-            <a:r>
-              <a:rPr lang="en-GB" sz="1000" dirty="0" err="1"/>
-              <a:t>LastState</a:t>
-            </a:r>
-            <a:r>
-              <a:rPr lang="en-GB" sz="1000" dirty="0"/>
-              <a:t> is initialized to the current state of the switch (SWITCHIN).</a:t>
-            </a:r>
-          </a:p>
-          <a:p>
-            <a:pPr lvl="1"/>
-            <a:r>
-              <a:rPr lang="en-GB" sz="1000" dirty="0" err="1"/>
-              <a:t>StableState</a:t>
-            </a:r>
-            <a:r>
-              <a:rPr lang="en-GB" sz="1000" dirty="0"/>
-              <a:t> is initialized to </a:t>
-            </a:r>
-            <a:r>
-              <a:rPr lang="en-GB" sz="1000" dirty="0" err="1"/>
-              <a:t>LastState</a:t>
-            </a:r>
-            <a:r>
-              <a:rPr lang="en-GB" sz="1000" dirty="0"/>
-              <a:t>.</a:t>
-            </a:r>
-          </a:p>
-          <a:p>
-            <a:pPr lvl="1"/>
-            <a:r>
-              <a:rPr lang="en-GB" sz="1000" dirty="0"/>
-              <a:t>Counter is initialized to 0.</a:t>
-            </a:r>
-          </a:p>
-          <a:p>
-            <a:r>
-              <a:rPr lang="en-GB" sz="1000" b="1" dirty="0" err="1"/>
-              <a:t>Debounce</a:t>
-            </a:r>
-            <a:r>
-              <a:rPr lang="en-GB" sz="1000" b="1" dirty="0"/>
-              <a:t> Loop:</a:t>
-            </a:r>
-            <a:endParaRPr lang="en-GB" sz="1000" dirty="0"/>
-          </a:p>
-          <a:p>
-            <a:pPr lvl="1"/>
-            <a:r>
-              <a:rPr lang="en-GB" sz="1000" dirty="0"/>
-              <a:t>The loop runs 10 times, checking the switch state every 5 milliseconds.</a:t>
-            </a:r>
-          </a:p>
-          <a:p>
-            <a:pPr lvl="1"/>
-            <a:r>
-              <a:rPr lang="en-GB" sz="1000" dirty="0" err="1"/>
-              <a:t>CurrentState</a:t>
-            </a:r>
-            <a:r>
-              <a:rPr lang="en-GB" sz="1000" dirty="0"/>
-              <a:t> is updated with the current state of the switch (SWITCHIN).</a:t>
-            </a:r>
-          </a:p>
-          <a:p>
-            <a:pPr lvl="1"/>
-            <a:r>
-              <a:rPr lang="en-GB" sz="1000" dirty="0"/>
-              <a:t>If the </a:t>
-            </a:r>
-            <a:r>
-              <a:rPr lang="en-GB" sz="1000" dirty="0" err="1"/>
-              <a:t>CurrentState</a:t>
-            </a:r>
-            <a:r>
-              <a:rPr lang="en-GB" sz="1000" dirty="0"/>
-              <a:t> matches the </a:t>
-            </a:r>
-            <a:r>
-              <a:rPr lang="en-GB" sz="1000" dirty="0" err="1"/>
-              <a:t>LastState</a:t>
-            </a:r>
-            <a:r>
-              <a:rPr lang="en-GB" sz="1000" dirty="0"/>
-              <a:t> consistently for the duration of the loop, </a:t>
-            </a:r>
-            <a:r>
-              <a:rPr lang="en-GB" sz="1000" dirty="0" err="1"/>
-              <a:t>StableState</a:t>
-            </a:r>
-            <a:r>
-              <a:rPr lang="en-GB" sz="1000" dirty="0"/>
-              <a:t> is set to </a:t>
-            </a:r>
-            <a:r>
-              <a:rPr lang="en-GB" sz="1000" dirty="0" err="1"/>
-              <a:t>CurrentState</a:t>
-            </a:r>
-            <a:r>
-              <a:rPr lang="en-GB" sz="1000" dirty="0"/>
-              <a:t>.</a:t>
-            </a:r>
-          </a:p>
-          <a:p>
-            <a:pPr lvl="1"/>
-            <a:r>
-              <a:rPr lang="en-GB" sz="1000" dirty="0"/>
-              <a:t>If the state changes, the counter is reset, and </a:t>
-            </a:r>
-            <a:r>
-              <a:rPr lang="en-GB" sz="1000" dirty="0" err="1"/>
-              <a:t>LastState</a:t>
-            </a:r>
-            <a:r>
-              <a:rPr lang="en-GB" sz="1000" dirty="0"/>
-              <a:t> is updated with </a:t>
-            </a:r>
-            <a:r>
-              <a:rPr lang="en-GB" sz="1000" dirty="0" err="1"/>
-              <a:t>CurrentState</a:t>
-            </a:r>
-            <a:r>
-              <a:rPr lang="en-GB" sz="1000" dirty="0"/>
-              <a:t>.</a:t>
-            </a:r>
-          </a:p>
-          <a:p>
-            <a:r>
-              <a:rPr lang="en-GB" sz="1000" b="1" dirty="0"/>
-              <a:t>Return Stable State:</a:t>
-            </a:r>
-            <a:endParaRPr lang="en-GB" sz="1000" dirty="0"/>
-          </a:p>
-          <a:p>
-            <a:pPr lvl="1"/>
-            <a:r>
-              <a:rPr lang="en-GB" sz="1000" dirty="0"/>
-              <a:t>The function returns the </a:t>
-            </a:r>
-            <a:r>
-              <a:rPr lang="en-GB" sz="1000" dirty="0" err="1"/>
-              <a:t>StableState</a:t>
-            </a:r>
-            <a:r>
-              <a:rPr lang="en-GB" sz="1000" dirty="0"/>
-              <a:t> of the switch, which has been </a:t>
-            </a:r>
-            <a:r>
-              <a:rPr lang="en-GB" sz="1000" dirty="0" err="1"/>
-              <a:t>debounced</a:t>
-            </a:r>
-            <a:r>
-              <a:rPr lang="en-GB" sz="1000" dirty="0"/>
-              <a:t>.</a:t>
-            </a:r>
-          </a:p>
-          <a:p>
-            <a:r>
-              <a:rPr lang="en-GB" sz="1000" dirty="0"/>
-              <a:t>This function ensures that the state of the switch is stable before returning it, effectively </a:t>
-            </a:r>
-            <a:r>
-              <a:rPr lang="en-GB" sz="1000" dirty="0" err="1"/>
-              <a:t>debouncing</a:t>
-            </a:r>
-            <a:r>
-              <a:rPr lang="en-GB" sz="1000" dirty="0"/>
-              <a:t> the switch. If you have any further questions or need more details, feel free to let me know! 😊✨</a:t>
-            </a:r>
-          </a:p>
-          <a:p>
-            <a:endParaRPr lang="en-GB" sz="1000" dirty="0"/>
-          </a:p>
-        </p:txBody>
-      </p:sp>
-      <p:sp>
-        <p:nvSpPr>
-          <p:cNvPr id="5" name="Rectangle 4"/>
-          <p:cNvSpPr/>
-          <p:nvPr/>
-        </p:nvSpPr>
-        <p:spPr>
-          <a:xfrm>
-            <a:off x="539552" y="2067694"/>
-            <a:ext cx="7367888" cy="707886"/>
-          </a:xfrm>
-          <a:prstGeom prst="rect">
-            <a:avLst/>
-          </a:prstGeom>
-          <a:noFill/>
-        </p:spPr>
-        <p:txBody>
-          <a:bodyPr wrap="square" lIns="91440" tIns="45720" rIns="91440" bIns="45720">
-            <a:spAutoFit/>
-          </a:bodyPr>
-          <a:lstStyle/>
-          <a:p>
-            <a:pPr algn="ctr"/>
-            <a:r>
-              <a:rPr lang="en-US" sz="4000" b="1" dirty="0" smtClean="0">
-                <a:ln w="10541" cmpd="sng">
-                  <a:solidFill>
-                    <a:srgbClr val="7D7D7D">
-                      <a:tint val="100000"/>
-                      <a:shade val="100000"/>
-                      <a:satMod val="110000"/>
-                    </a:srgbClr>
-                  </a:solidFill>
-                  <a:prstDash val="solid"/>
-                </a:ln>
-                <a:solidFill>
-                  <a:srgbClr val="FF0000"/>
-                </a:solidFill>
-              </a:rPr>
-              <a:t>CoPilot</a:t>
-            </a:r>
-            <a:r>
-              <a:rPr lang="en-US" sz="4000" b="1" dirty="0" smtClean="0">
-                <a:ln w="10541" cmpd="sng">
-                  <a:solidFill>
-                    <a:srgbClr val="7D7D7D">
-                      <a:tint val="100000"/>
-                      <a:shade val="100000"/>
-                      <a:satMod val="110000"/>
-                    </a:srgbClr>
-                  </a:solidFill>
-                  <a:prstDash val="solid"/>
-                </a:ln>
-                <a:solidFill>
-                  <a:srgbClr val="FF0000"/>
-                </a:solidFill>
-              </a:rPr>
-              <a:t> AI Generated</a:t>
-            </a:r>
-            <a:endParaRPr lang="en-US" sz="4000" b="1" dirty="0" smtClean="0">
-              <a:ln w="10541" cmpd="sng">
-                <a:solidFill>
-                  <a:srgbClr val="7D7D7D">
-                    <a:tint val="100000"/>
-                    <a:shade val="100000"/>
-                    <a:satMod val="110000"/>
-                  </a:srgbClr>
-                </a:solidFill>
-                <a:prstDash val="solid"/>
-              </a:ln>
-              <a:solidFill>
-                <a:srgbClr val="FF0000"/>
-              </a:solidFill>
-            </a:endParaRPr>
-          </a:p>
-        </p:txBody>
-      </p:sp>
-    </p:spTree>
-    <p:extLst>
-      <p:ext uri="{BB962C8B-B14F-4D97-AF65-F5344CB8AC3E}">
-        <p14:creationId xmlns:p14="http://schemas.microsoft.com/office/powerpoint/2010/main" val="870912214"/>
-      </p:ext>
-    </p:extLst>
-  </p:cSld>
-  <p:clrMapOvr>
-    <a:masterClrMapping/>
-  </p:clrMapOvr>
-  <p:timing>
-    <p:tnLst>
-      <p:par>
-        <p:cTn id="1" dur="indefinite" restart="never" nodeType="tmRoot"/>
-      </p:par>
-    </p:tnLst>
-  </p:timing>
-</p:sld>
-</file>
-
 <file path=ppt/slides/slide2.xml><?xml version="1.0" encoding="utf-8"?>
 <p:sld xmlns:a="http://schemas.openxmlformats.org/drawingml/2006/main" xmlns:r="http://schemas.openxmlformats.org/officeDocument/2006/relationships" xmlns:p="http://schemas.openxmlformats.org/presentationml/2006/main">
   <p:cSld>
@@ -12183,8 +10874,9 @@
           <a:p>
             <a:r>
               <a:rPr lang="en-GB" dirty="0" smtClean="0"/>
-              <a:t>PIC18FxxQ24</a:t>
-            </a:r>
+              <a:t>PIC16F175xx</a:t>
+            </a:r>
+            <a:endParaRPr lang="en-GB" dirty="0" smtClean="0"/>
           </a:p>
           <a:p>
             <a:r>
@@ -12196,7 +10888,7 @@
       </p:sp>
       <p:pic>
         <p:nvPicPr>
-          <p:cNvPr id="10" name="Picture 2" descr="PIC18F26Q24"/>
+          <p:cNvPr id="7" name="Picture 4" descr="PIC16F17556 | Microchip Technology"/>
           <p:cNvPicPr>
             <a:picLocks noChangeAspect="1" noChangeArrowheads="1"/>
           </p:cNvPicPr>
@@ -12217,8 +10909,49 @@
         </p:blipFill>
         <p:spPr bwMode="auto">
           <a:xfrm>
-            <a:off x="1907705" y="4116163"/>
-            <a:ext cx="1280738" cy="922132"/>
+            <a:off x="6750880" y="3974993"/>
+            <a:ext cx="2415427" cy="1178257"/>
+          </a:xfrm>
+          <a:prstGeom prst="rect">
+            <a:avLst/>
+          </a:prstGeom>
+          <a:noFill/>
+          <a:extLst>
+            <a:ext uri="{909E8E84-426E-40DD-AFC4-6F175D3DCCD1}">
+              <a14:hiddenFill xmlns:a14="http://schemas.microsoft.com/office/drawing/2010/main">
+                <a:solidFill>
+                  <a:srgbClr val="FFFFFF"/>
+                </a:solidFill>
+              </a14:hiddenFill>
+            </a:ext>
+          </a:extLst>
+        </p:spPr>
+      </p:pic>
+      <p:pic>
+        <p:nvPicPr>
+          <p:cNvPr id="9" name="Picture 6" descr="PIC16F19175 | Microchip Technology"/>
+          <p:cNvPicPr>
+            <a:picLocks noChangeAspect="1" noChangeArrowheads="1"/>
+          </p:cNvPicPr>
+          <p:nvPr/>
+        </p:nvPicPr>
+        <p:blipFill>
+          <a:blip r:embed="rId4" cstate="print">
+            <a:extLst>
+              <a:ext uri="{28A0092B-C50C-407E-A947-70E740481C1C}">
+                <a14:useLocalDpi xmlns:a14="http://schemas.microsoft.com/office/drawing/2010/main" val="0"/>
+              </a:ext>
+            </a:extLst>
+          </a:blip>
+          <a:srcRect/>
+          <a:stretch>
+            <a:fillRect/>
+          </a:stretch>
+        </p:blipFill>
+        <p:spPr bwMode="auto">
+          <a:xfrm>
+            <a:off x="2644136" y="3943142"/>
+            <a:ext cx="1384038" cy="1192111"/>
           </a:xfrm>
           <a:prstGeom prst="rect">
             <a:avLst/>
@@ -12431,9 +11164,38 @@
           </a:p>
         </p:txBody>
       </p:sp>
+      <p:sp>
+        <p:nvSpPr>
+          <p:cNvPr id="11" name="Date Placeholder 3"/>
+          <p:cNvSpPr>
+            <a:spLocks noGrp="1"/>
+          </p:cNvSpPr>
+          <p:nvPr>
+            <p:ph type="dt" sz="half" idx="10"/>
+          </p:nvPr>
+        </p:nvSpPr>
+        <p:spPr>
+          <a:xfrm>
+            <a:off x="6113182" y="4384422"/>
+            <a:ext cx="354882" cy="305233"/>
+          </a:xfrm>
+        </p:spPr>
+        <p:txBody>
+          <a:bodyPr/>
+          <a:lstStyle/>
+          <a:p>
+            <a:fld id="{1E700B27-DE4C-4B9E-BB11-B9027034A00F}" type="datetimeFigureOut">
+              <a:rPr lang="en-US" smtClean="0"/>
+              <a:pPr/>
+              <a:t>11/18/2025</a:t>
+            </a:fld>
+            <a:endParaRPr lang="en-US" dirty="0"/>
+          </a:p>
+        </p:txBody>
+      </p:sp>
       <p:pic>
         <p:nvPicPr>
-          <p:cNvPr id="8" name="Picture 2" descr="PIC18F26Q24"/>
+          <p:cNvPr id="9" name="Picture 4" descr="PIC16F17556 | Microchip Technology"/>
           <p:cNvPicPr>
             <a:picLocks noChangeAspect="1" noChangeArrowheads="1"/>
           </p:cNvPicPr>
@@ -12454,8 +11216,8 @@
         </p:blipFill>
         <p:spPr bwMode="auto">
           <a:xfrm>
-            <a:off x="1907705" y="4116163"/>
-            <a:ext cx="1280738" cy="922132"/>
+            <a:off x="6750880" y="3974993"/>
+            <a:ext cx="2415427" cy="1178257"/>
           </a:xfrm>
           <a:prstGeom prst="rect">
             <a:avLst/>
@@ -12474,14 +11236,14 @@
       </p:pic>
       <p:pic>
         <p:nvPicPr>
-          <p:cNvPr id="10" name="Picture 8" descr="C:\Users\admin\OneDrive\Desktop\Picture1.jpg"/>
+          <p:cNvPr id="12" name="Picture 6" descr="PIC16F19175 | Microchip Technology"/>
           <p:cNvPicPr>
             <a:picLocks noChangeAspect="1" noChangeArrowheads="1"/>
           </p:cNvPicPr>
           <p:nvPr/>
         </p:nvPicPr>
         <p:blipFill>
-          <a:blip r:embed="rId4">
+          <a:blip r:embed="rId4" cstate="print">
             <a:extLst>
               <a:ext uri="{28A0092B-C50C-407E-A947-70E740481C1C}">
                 <a14:useLocalDpi xmlns:a14="http://schemas.microsoft.com/office/drawing/2010/main" val="0"/>
@@ -12495,8 +11257,8 @@
         </p:blipFill>
         <p:spPr bwMode="auto">
           <a:xfrm>
-            <a:off x="3995936" y="3937587"/>
-            <a:ext cx="2320300" cy="1129258"/>
+            <a:off x="2644136" y="3943142"/>
+            <a:ext cx="1384038" cy="1192111"/>
           </a:xfrm>
           <a:prstGeom prst="rect">
             <a:avLst/>
@@ -12513,35 +11275,6 @@
           </a:extLst>
         </p:spPr>
       </p:pic>
-      <p:sp>
-        <p:nvSpPr>
-          <p:cNvPr id="11" name="Date Placeholder 3"/>
-          <p:cNvSpPr>
-            <a:spLocks noGrp="1"/>
-          </p:cNvSpPr>
-          <p:nvPr>
-            <p:ph type="dt" sz="half" idx="10"/>
-          </p:nvPr>
-        </p:nvSpPr>
-        <p:spPr>
-          <a:xfrm>
-            <a:off x="6113182" y="4384422"/>
-            <a:ext cx="354882" cy="305233"/>
-          </a:xfrm>
-        </p:spPr>
-        <p:txBody>
-          <a:bodyPr/>
-          <a:lstStyle/>
-          <a:p>
-            <a:fld id="{1E700B27-DE4C-4B9E-BB11-B9027034A00F}" type="datetimeFigureOut">
-              <a:rPr lang="en-US" smtClean="0"/>
-              <a:pPr/>
-              <a:t>11/19/2024</a:t>
-            </a:fld>
-            <a:endParaRPr lang="en-US" dirty="0"/>
-          </a:p>
-        </p:txBody>
-      </p:sp>
     </p:spTree>
     <p:extLst>
       <p:ext uri="{BB962C8B-B14F-4D97-AF65-F5344CB8AC3E}">
@@ -12605,7 +11338,7 @@
             <a:pPr algn="l"/>
             <a:r>
               <a:rPr lang="en-GB" dirty="0" smtClean="0"/>
-              <a:t>PIC18FxxQ24</a:t>
+              <a:t>PIC16F175xx</a:t>
             </a:r>
             <a:endParaRPr lang="en-GB" dirty="0"/>
           </a:p>
@@ -12637,7 +11370,15 @@
             <a:pPr lvl="1"/>
             <a:r>
               <a:rPr lang="en-GB" dirty="0" smtClean="0"/>
-              <a:t>Digital and Analog peripherals </a:t>
+              <a:t>Digital and </a:t>
+            </a:r>
+            <a:r>
+              <a:rPr lang="en-GB" dirty="0" err="1" smtClean="0"/>
+              <a:t>Analog</a:t>
+            </a:r>
+            <a:r>
+              <a:rPr lang="en-GB" dirty="0" smtClean="0"/>
+              <a:t> peripherals </a:t>
             </a:r>
           </a:p>
           <a:p>
@@ -12697,6 +11438,11 @@
         </p:txBody>
       </p:sp>
     </p:spTree>
+    <p:extLst>
+      <p:ext uri="{BB962C8B-B14F-4D97-AF65-F5344CB8AC3E}">
+        <p14:creationId xmlns:p14="http://schemas.microsoft.com/office/powerpoint/2010/main" val="4225656627"/>
+      </p:ext>
+    </p:extLst>
   </p:cSld>
   <p:clrMapOvr>
     <a:masterClrMapping/>
@@ -12912,15 +11658,7 @@
             </a:pPr>
             <a:r>
               <a:rPr lang="en-GB" sz="1100" dirty="0"/>
-              <a:t>Using </a:t>
-            </a:r>
-            <a:r>
-              <a:rPr lang="en-GB" sz="1100" dirty="0"/>
-              <a:t>EEProm</a:t>
-            </a:r>
-            <a:r>
-              <a:rPr lang="en-GB" sz="1100" dirty="0"/>
-              <a:t> – showing values on the serial terminal, and more constants insights</a:t>
+              <a:t>Using EEProm – showing values on the serial terminal, and more constants insights</a:t>
             </a:r>
           </a:p>
           <a:p>
@@ -12998,15 +11736,7 @@
             </a:pPr>
             <a:r>
               <a:rPr lang="en-GB" sz="1100" dirty="0"/>
-              <a:t>Using storage within the chip – </a:t>
-            </a:r>
-            <a:r>
-              <a:rPr lang="en-GB" sz="1100" dirty="0"/>
-              <a:t>Progmem</a:t>
-            </a:r>
-            <a:r>
-              <a:rPr lang="en-GB" sz="1100" dirty="0"/>
-              <a:t>, SAF memory, EEPROM and DATA blocks</a:t>
+              <a:t>Using storage within the chip – Progmem, SAF memory, EEPROM and DATA blocks</a:t>
             </a:r>
           </a:p>
           <a:p>
@@ -13185,55 +11915,7 @@
       </p:grpSpPr>
       <p:sp>
         <p:nvSpPr>
-          <p:cNvPr id="4" name="Oval 3"/>
-          <p:cNvSpPr/>
-          <p:nvPr/>
-        </p:nvSpPr>
-        <p:spPr>
-          <a:xfrm>
-            <a:off x="1835697" y="1707656"/>
-            <a:ext cx="1605103" cy="1425217"/>
-          </a:xfrm>
-          <a:prstGeom prst="ellipse">
-            <a:avLst/>
-          </a:prstGeom>
-        </p:spPr>
-        <p:style>
-          <a:lnRef idx="2">
-            <a:schemeClr val="accent1">
-              <a:shade val="50000"/>
-            </a:schemeClr>
-          </a:lnRef>
-          <a:fillRef idx="1">
-            <a:schemeClr val="accent1"/>
-          </a:fillRef>
-          <a:effectRef idx="0">
-            <a:schemeClr val="accent1"/>
-          </a:effectRef>
-          <a:fontRef idx="minor">
-            <a:schemeClr val="lt1"/>
-          </a:fontRef>
-        </p:style>
-        <p:txBody>
-          <a:bodyPr lIns="0" tIns="0" rIns="0" bIns="0" rtlCol="0" anchor="ctr"/>
-          <a:lstStyle/>
-          <a:p>
-            <a:pPr algn="ctr"/>
-            <a:r>
-              <a:rPr lang="en-GB" sz="1100" dirty="0" smtClean="0"/>
-              <a:t>GCBASIC </a:t>
-            </a:r>
-            <a:r>
-              <a:rPr lang="en-GB" sz="1500" dirty="0" smtClean="0"/>
-              <a:t>Compiler</a:t>
-            </a:r>
-            <a:endParaRPr lang="en-GB" sz="1100" dirty="0"/>
-          </a:p>
-        </p:txBody>
-      </p:sp>
-      <p:sp>
-        <p:nvSpPr>
-          <p:cNvPr id="12" name="Title 1"/>
+          <p:cNvPr id="2" name="Title 1"/>
           <p:cNvSpPr>
             <a:spLocks noGrp="1"/>
           </p:cNvSpPr>
@@ -13249,7 +11931,7 @@
             <a:pPr algn="l"/>
             <a:r>
               <a:rPr lang="en-GB" dirty="0" smtClean="0"/>
-              <a:t>GCBASIC Compiler</a:t>
+              <a:t>PIC16F175xx</a:t>
             </a:r>
             <a:endParaRPr lang="en-GB" dirty="0"/>
           </a:p>
@@ -13257,29 +11939,81 @@
       </p:sp>
       <p:sp>
         <p:nvSpPr>
-          <p:cNvPr id="13" name="TextBox 12"/>
-          <p:cNvSpPr txBox="1"/>
-          <p:nvPr/>
-        </p:nvSpPr>
-        <p:spPr>
-          <a:xfrm>
-            <a:off x="3563888" y="2643758"/>
-            <a:ext cx="3528392" cy="1393943"/>
-          </a:xfrm>
-          <a:prstGeom prst="rect">
-            <a:avLst/>
-          </a:prstGeom>
-          <a:noFill/>
-        </p:spPr>
-        <p:txBody>
-          <a:bodyPr wrap="square" lIns="85064" tIns="42531" rIns="85064" bIns="42531" rtlCol="0">
-            <a:spAutoFit/>
+          <p:cNvPr id="3" name="Content Placeholder 2"/>
+          <p:cNvSpPr>
+            <a:spLocks noGrp="1"/>
+          </p:cNvSpPr>
+          <p:nvPr>
+            <p:ph idx="1"/>
+          </p:nvPr>
+        </p:nvSpPr>
+        <p:spPr/>
+        <p:txBody>
+          <a:bodyPr>
+            <a:normAutofit fontScale="92500" lnSpcReduction="10000"/>
           </a:bodyPr>
           <a:lstStyle/>
           <a:p>
             <a:r>
               <a:rPr lang="en-GB" dirty="0" smtClean="0"/>
-              <a:t>GCBASIC is an Open Source compiler for PIC and AVR microcontrollers</a:t>
+              <a:t>PIC18-Q24 is a high performance PIC18 </a:t>
+            </a:r>
+          </a:p>
+          <a:p>
+            <a:pPr lvl="1"/>
+            <a:r>
+              <a:rPr lang="en-GB" dirty="0" smtClean="0"/>
+              <a:t>Digital and </a:t>
+            </a:r>
+            <a:r>
+              <a:rPr lang="en-GB" dirty="0" err="1" smtClean="0"/>
+              <a:t>Analog</a:t>
+            </a:r>
+            <a:r>
+              <a:rPr lang="en-GB" dirty="0" smtClean="0"/>
+              <a:t> peripherals </a:t>
+            </a:r>
+          </a:p>
+          <a:p>
+            <a:pPr lvl="1"/>
+            <a:r>
+              <a:rPr lang="en-GB" dirty="0" smtClean="0"/>
+              <a:t>10-bit ADC</a:t>
+            </a:r>
+          </a:p>
+          <a:p>
+            <a:pPr lvl="1"/>
+            <a:r>
+              <a:rPr lang="en-GB" dirty="0" smtClean="0"/>
+              <a:t>Multiple communication interfaces</a:t>
+            </a:r>
+          </a:p>
+          <a:p>
+            <a:pPr lvl="2"/>
+            <a:r>
+              <a:rPr lang="en-GB" dirty="0" smtClean="0"/>
+              <a:t>Serial, I2C and  SPI </a:t>
+            </a:r>
+          </a:p>
+          <a:p>
+            <a:pPr lvl="2"/>
+            <a:r>
+              <a:rPr lang="en-GB" dirty="0" smtClean="0"/>
+              <a:t>PWM – CCP/PWM and 16Bit</a:t>
+            </a:r>
+          </a:p>
+          <a:p>
+            <a:pPr lvl="1"/>
+            <a:r>
+              <a:rPr lang="en-GB" dirty="0" smtClean="0"/>
+              <a:t>Configurable Logic Cells</a:t>
+            </a:r>
+          </a:p>
+          <a:p>
+            <a:pPr lvl="1"/>
+            <a:r>
+              <a:rPr lang="en-GB" dirty="0" smtClean="0"/>
+              <a:t>Multi voltage domains</a:t>
             </a:r>
           </a:p>
           <a:p>
@@ -13288,13 +12022,20 @@
           <a:p>
             <a:r>
               <a:rPr lang="en-GB" dirty="0" smtClean="0"/>
-              <a:t>GCBASIC now supports the 18FxxQ24 chip family</a:t>
-            </a:r>
+              <a:t>The PIC18xxQ24 offers 28, 40 and 48-pin products in small footprint packages to support customers in a wide variety of applications. </a:t>
+            </a:r>
+          </a:p>
+          <a:p>
             <a:endParaRPr lang="en-GB" dirty="0"/>
           </a:p>
         </p:txBody>
       </p:sp>
     </p:spTree>
+    <p:extLst>
+      <p:ext uri="{BB962C8B-B14F-4D97-AF65-F5344CB8AC3E}">
+        <p14:creationId xmlns:p14="http://schemas.microsoft.com/office/powerpoint/2010/main" val="1859301846"/>
+      </p:ext>
+    </p:extLst>
   </p:cSld>
   <p:clrMapOvr>
     <a:masterClrMapping/>
@@ -13404,7 +12145,15 @@
             <a:pPr marL="778521" lvl="1" indent="-478483"/>
             <a:r>
               <a:rPr lang="en-GB" dirty="0" smtClean="0"/>
-              <a:t>Test that you have the 18FxxQ24 attached</a:t>
+              <a:t>Test that you have the </a:t>
+            </a:r>
+            <a:r>
+              <a:rPr lang="en-GB" dirty="0" smtClean="0"/>
+              <a:t>16F175xx </a:t>
+            </a:r>
+            <a:r>
+              <a:rPr lang="en-GB" dirty="0" smtClean="0"/>
+              <a:t>attached</a:t>
             </a:r>
           </a:p>
           <a:p>
@@ -13418,28 +12167,15 @@
             <a:pPr marL="778521" lvl="1" indent="-478483"/>
             <a:r>
               <a:rPr lang="en-GB" dirty="0" smtClean="0"/>
-              <a:t>You have a POT </a:t>
-            </a:r>
+              <a:t>You have a POT connected</a:t>
+            </a:r>
+          </a:p>
+          <a:p>
+            <a:pPr marL="778521" lvl="1" indent="-478483"/>
             <a:r>
               <a:rPr lang="en-GB" dirty="0" smtClean="0"/>
-              <a:t>connected</a:t>
-            </a:r>
-          </a:p>
-          <a:p>
-            <a:pPr marL="778521" lvl="1" indent="-478483"/>
-            <a:r>
-              <a:rPr lang="en-GB" dirty="0" smtClean="0"/>
-              <a:t>You have </a:t>
-            </a:r>
-            <a:r>
-              <a:rPr lang="en-GB" smtClean="0"/>
-              <a:t>a SWITCH </a:t>
-            </a:r>
-            <a:r>
-              <a:rPr lang="en-GB" dirty="0" smtClean="0"/>
-              <a:t>connected</a:t>
-            </a:r>
-            <a:endParaRPr lang="en-GB" dirty="0" smtClean="0"/>
+              <a:t>You have a SWITCH connected</a:t>
+            </a:r>
           </a:p>
           <a:p>
             <a:pPr marL="0" indent="0">
@@ -13495,108 +12231,79 @@
           <a:chExt cx="0" cy="0"/>
         </a:xfrm>
       </p:grpSpPr>
+      <p:sp>
+        <p:nvSpPr>
+          <p:cNvPr id="2" name="Title 1"/>
+          <p:cNvSpPr>
+            <a:spLocks noGrp="1"/>
+          </p:cNvSpPr>
+          <p:nvPr>
+            <p:ph type="title"/>
+          </p:nvPr>
+        </p:nvSpPr>
+        <p:spPr>
+          <a:xfrm>
+            <a:off x="155575" y="501030"/>
+            <a:ext cx="5400600" cy="990600"/>
+          </a:xfrm>
+        </p:spPr>
+        <p:txBody>
+          <a:bodyPr vert="horz" lIns="85064" tIns="42531" rIns="85064" bIns="42531" rtlCol="0" anchor="t">
+            <a:normAutofit/>
+          </a:bodyPr>
+          <a:lstStyle/>
+          <a:p>
+            <a:r>
+              <a:rPr lang="en-GB" dirty="0"/>
+              <a:t>Digital input</a:t>
+            </a:r>
+            <a:endParaRPr lang="en-GB" dirty="0"/>
+          </a:p>
+        </p:txBody>
+      </p:sp>
       <p:pic>
         <p:nvPicPr>
-          <p:cNvPr id="9" name="Picture 2"/>
+          <p:cNvPr id="29698" name="Picture 2"/>
           <p:cNvPicPr>
-            <a:picLocks noGrp="1" noChangeAspect="1" noChangeArrowheads="1"/>
+            <a:picLocks noChangeAspect="1" noChangeArrowheads="1"/>
           </p:cNvPicPr>
-          <p:nvPr>
-            <p:ph idx="1"/>
-          </p:nvPr>
+          <p:nvPr/>
         </p:nvPicPr>
         <p:blipFill rotWithShape="1">
-          <a:blip r:embed="rId2">
-            <a:extLst>
-              <a:ext uri="{28A0092B-C50C-407E-A947-70E740481C1C}">
-                <a14:useLocalDpi xmlns:a14="http://schemas.microsoft.com/office/drawing/2010/main" val="0"/>
-              </a:ext>
-            </a:extLst>
-          </a:blip>
-          <a:srcRect l="6459" r="22745" b="29280"/>
+          <a:blip r:embed="rId2" cstate="print"/>
+          <a:srcRect l="59960" t="35915"/>
           <a:stretch/>
         </p:blipFill>
         <p:spPr bwMode="auto">
           <a:xfrm>
-            <a:off x="882650" y="1491631"/>
-            <a:ext cx="3619500" cy="3156570"/>
+            <a:off x="4716016" y="2584450"/>
+            <a:ext cx="3489960" cy="1949951"/>
           </a:xfrm>
           <a:prstGeom prst="rect">
             <a:avLst/>
           </a:prstGeom>
           <a:noFill/>
-          <a:ln>
+          <a:ln w="9525">
             <a:noFill/>
+            <a:miter lim="800000"/>
+            <a:headEnd/>
+            <a:tailEnd/>
           </a:ln>
           <a:effectLst/>
-          <a:extLst>
-            <a:ext uri="{909E8E84-426E-40DD-AFC4-6F175D3DCCD1}">
-              <a14:hiddenFill xmlns:a14="http://schemas.microsoft.com/office/drawing/2010/main">
-                <a:solidFill>
-                  <a:schemeClr val="accent1"/>
-                </a:solidFill>
-              </a14:hiddenFill>
-            </a:ext>
-            <a:ext uri="{91240B29-F687-4F45-9708-019B960494DF}">
-              <a14:hiddenLine xmlns:a14="http://schemas.microsoft.com/office/drawing/2010/main" w="9525">
-                <a:solidFill>
-                  <a:schemeClr val="tx1"/>
-                </a:solidFill>
-                <a:miter lim="800000"/>
-                <a:headEnd/>
-                <a:tailEnd/>
-              </a14:hiddenLine>
-            </a:ext>
-            <a:ext uri="{AF507438-7753-43E0-B8FC-AC1667EBCBE1}">
-              <a14:hiddenEffects xmlns:a14="http://schemas.microsoft.com/office/drawing/2010/main">
-                <a:effectLst>
-                  <a:outerShdw dist="35921" dir="2700000" algn="ctr" rotWithShape="0">
-                    <a:schemeClr val="bg2"/>
-                  </a:outerShdw>
-                </a:effectLst>
-              </a14:hiddenEffects>
-            </a:ext>
-          </a:extLst>
         </p:spPr>
       </p:pic>
       <p:sp>
         <p:nvSpPr>
-          <p:cNvPr id="2" name="Title 1"/>
-          <p:cNvSpPr>
-            <a:spLocks noGrp="1"/>
-          </p:cNvSpPr>
-          <p:nvPr>
-            <p:ph type="title"/>
-          </p:nvPr>
-        </p:nvSpPr>
-        <p:spPr/>
-        <p:txBody>
-          <a:bodyPr vert="horz" lIns="85064" tIns="42531" rIns="85064" bIns="42531" rtlCol="0" anchor="t">
-            <a:normAutofit/>
-          </a:bodyPr>
-          <a:lstStyle/>
-          <a:p>
-            <a:pPr algn="l"/>
-            <a:r>
-              <a:rPr lang="en-GB" dirty="0" smtClean="0"/>
-              <a:t>Digital input</a:t>
-            </a:r>
-            <a:endParaRPr lang="en-GB" dirty="0"/>
-          </a:p>
-        </p:txBody>
-      </p:sp>
-      <p:sp>
-        <p:nvSpPr>
-          <p:cNvPr id="10" name="Rectangle 9"/>
+          <p:cNvPr id="6" name="Oval 5"/>
           <p:cNvSpPr/>
           <p:nvPr/>
         </p:nvSpPr>
         <p:spPr>
           <a:xfrm>
-            <a:off x="3398352" y="2882981"/>
-            <a:ext cx="1330902" cy="632647"/>
+            <a:off x="6876256" y="2787774"/>
+            <a:ext cx="1547664" cy="1512168"/>
           </a:xfrm>
-          <a:prstGeom prst="rect">
+          <a:prstGeom prst="ellipse">
             <a:avLst/>
           </a:prstGeom>
           <a:noFill/>
@@ -13627,26 +12334,410 @@
           <a:lstStyle/>
           <a:p>
             <a:pPr algn="ctr"/>
-            <a:endParaRPr lang="en-GB" dirty="0"/>
-          </a:p>
-        </p:txBody>
-      </p:sp>
-      <p:sp>
-        <p:nvSpPr>
-          <p:cNvPr id="11" name="Rectangle 10"/>
+            <a:endParaRPr lang="en-GB"/>
+          </a:p>
+        </p:txBody>
+      </p:sp>
+      <p:sp>
+        <p:nvSpPr>
+          <p:cNvPr id="3" name="Rectangle 2"/>
           <p:cNvSpPr/>
           <p:nvPr/>
         </p:nvSpPr>
         <p:spPr>
           <a:xfrm>
-            <a:off x="1639443" y="2393146"/>
-            <a:ext cx="1368152" cy="144016"/>
+            <a:off x="5580112" y="2525514"/>
+            <a:ext cx="1368152" cy="622300"/>
+          </a:xfrm>
+          <a:prstGeom prst="rect">
+            <a:avLst/>
+          </a:prstGeom>
+          <a:solidFill>
+            <a:schemeClr val="bg1"/>
+          </a:solidFill>
+          <a:ln>
+            <a:noFill/>
+          </a:ln>
+        </p:spPr>
+        <p:style>
+          <a:lnRef idx="2">
+            <a:schemeClr val="accent1">
+              <a:shade val="50000"/>
+            </a:schemeClr>
+          </a:lnRef>
+          <a:fillRef idx="1">
+            <a:schemeClr val="accent1"/>
+          </a:fillRef>
+          <a:effectRef idx="0">
+            <a:schemeClr val="accent1"/>
+          </a:effectRef>
+          <a:fontRef idx="minor">
+            <a:schemeClr val="lt1"/>
+          </a:fontRef>
+        </p:style>
+        <p:txBody>
+          <a:bodyPr rtlCol="0" anchor="ctr"/>
+          <a:lstStyle/>
+          <a:p>
+            <a:pPr algn="ctr"/>
+            <a:endParaRPr lang="en-GB"/>
+          </a:p>
+        </p:txBody>
+      </p:sp>
+      <p:cxnSp>
+        <p:nvCxnSpPr>
+          <p:cNvPr id="7" name="Straight Connector 6"/>
+          <p:cNvCxnSpPr/>
+          <p:nvPr/>
+        </p:nvCxnSpPr>
+        <p:spPr>
+          <a:xfrm>
+            <a:off x="5262563" y="2986089"/>
+            <a:ext cx="2381250" cy="9524"/>
+          </a:xfrm>
+          <a:prstGeom prst="line">
+            <a:avLst/>
+          </a:prstGeom>
+          <a:ln w="19050">
+            <a:solidFill>
+              <a:schemeClr val="tx1"/>
+            </a:solidFill>
+          </a:ln>
+        </p:spPr>
+        <p:style>
+          <a:lnRef idx="1">
+            <a:schemeClr val="accent1"/>
+          </a:lnRef>
+          <a:fillRef idx="0">
+            <a:schemeClr val="accent1"/>
+          </a:fillRef>
+          <a:effectRef idx="0">
+            <a:schemeClr val="accent1"/>
+          </a:effectRef>
+          <a:fontRef idx="minor">
+            <a:schemeClr val="tx1"/>
+          </a:fontRef>
+        </p:style>
+      </p:cxnSp>
+      <p:sp>
+        <p:nvSpPr>
+          <p:cNvPr id="5" name="AutoShape 4" descr="Uploaded image"/>
+          <p:cNvSpPr>
+            <a:spLocks noChangeAspect="1" noChangeArrowheads="1"/>
+          </p:cNvSpPr>
+          <p:nvPr/>
+        </p:nvSpPr>
+        <p:spPr bwMode="auto">
+          <a:xfrm>
+            <a:off x="155575" y="-144463"/>
+            <a:ext cx="304800" cy="304801"/>
           </a:xfrm>
           <a:prstGeom prst="rect">
             <a:avLst/>
           </a:prstGeom>
           <a:noFill/>
-          <a:ln>
+          <a:extLst>
+            <a:ext uri="{909E8E84-426E-40DD-AFC4-6F175D3DCCD1}">
+              <a14:hiddenFill xmlns:a14="http://schemas.microsoft.com/office/drawing/2010/main">
+                <a:solidFill>
+                  <a:srgbClr val="FFFFFF"/>
+                </a:solidFill>
+              </a14:hiddenFill>
+            </a:ext>
+          </a:extLst>
+        </p:spPr>
+        <p:txBody>
+          <a:bodyPr vert="horz" wrap="square" lIns="91440" tIns="45720" rIns="91440" bIns="45720" numCol="1" anchor="t" anchorCtr="0" compatLnSpc="1">
+            <a:prstTxWarp prst="textNoShape">
+              <a:avLst/>
+            </a:prstTxWarp>
+          </a:bodyPr>
+          <a:lstStyle/>
+          <a:p>
+            <a:endParaRPr lang="en-GB"/>
+          </a:p>
+        </p:txBody>
+      </p:sp>
+      <p:sp>
+        <p:nvSpPr>
+          <p:cNvPr id="8" name="AutoShape 6" descr="Uploaded image"/>
+          <p:cNvSpPr>
+            <a:spLocks noChangeAspect="1" noChangeArrowheads="1"/>
+          </p:cNvSpPr>
+          <p:nvPr/>
+        </p:nvSpPr>
+        <p:spPr bwMode="auto">
+          <a:xfrm>
+            <a:off x="307975" y="7937"/>
+            <a:ext cx="304800" cy="304801"/>
+          </a:xfrm>
+          <a:prstGeom prst="rect">
+            <a:avLst/>
+          </a:prstGeom>
+          <a:noFill/>
+          <a:extLst>
+            <a:ext uri="{909E8E84-426E-40DD-AFC4-6F175D3DCCD1}">
+              <a14:hiddenFill xmlns:a14="http://schemas.microsoft.com/office/drawing/2010/main">
+                <a:solidFill>
+                  <a:srgbClr val="FFFFFF"/>
+                </a:solidFill>
+              </a14:hiddenFill>
+            </a:ext>
+          </a:extLst>
+        </p:spPr>
+        <p:txBody>
+          <a:bodyPr vert="horz" wrap="square" lIns="91440" tIns="45720" rIns="91440" bIns="45720" numCol="1" anchor="t" anchorCtr="0" compatLnSpc="1">
+            <a:prstTxWarp prst="textNoShape">
+              <a:avLst/>
+            </a:prstTxWarp>
+          </a:bodyPr>
+          <a:lstStyle/>
+          <a:p>
+            <a:endParaRPr lang="en-GB"/>
+          </a:p>
+        </p:txBody>
+      </p:sp>
+      <p:sp>
+        <p:nvSpPr>
+          <p:cNvPr id="11" name="AutoShape 8" descr="image.png"/>
+          <p:cNvSpPr>
+            <a:spLocks noChangeAspect="1" noChangeArrowheads="1"/>
+          </p:cNvSpPr>
+          <p:nvPr/>
+        </p:nvSpPr>
+        <p:spPr bwMode="auto">
+          <a:xfrm>
+            <a:off x="460375" y="160337"/>
+            <a:ext cx="304800" cy="304801"/>
+          </a:xfrm>
+          <a:prstGeom prst="rect">
+            <a:avLst/>
+          </a:prstGeom>
+          <a:noFill/>
+          <a:extLst>
+            <a:ext uri="{909E8E84-426E-40DD-AFC4-6F175D3DCCD1}">
+              <a14:hiddenFill xmlns:a14="http://schemas.microsoft.com/office/drawing/2010/main">
+                <a:solidFill>
+                  <a:srgbClr val="FFFFFF"/>
+                </a:solidFill>
+              </a14:hiddenFill>
+            </a:ext>
+          </a:extLst>
+        </p:spPr>
+        <p:txBody>
+          <a:bodyPr vert="horz" wrap="square" lIns="91440" tIns="45720" rIns="91440" bIns="45720" numCol="1" anchor="t" anchorCtr="0" compatLnSpc="1">
+            <a:prstTxWarp prst="textNoShape">
+              <a:avLst/>
+            </a:prstTxWarp>
+          </a:bodyPr>
+          <a:lstStyle/>
+          <a:p>
+            <a:endParaRPr lang="en-GB"/>
+          </a:p>
+        </p:txBody>
+      </p:sp>
+      <p:grpSp>
+        <p:nvGrpSpPr>
+          <p:cNvPr id="25" name="Group 24"/>
+          <p:cNvGrpSpPr/>
+          <p:nvPr/>
+        </p:nvGrpSpPr>
+        <p:grpSpPr>
+          <a:xfrm>
+            <a:off x="547911" y="1563638"/>
+            <a:ext cx="4384129" cy="2952328"/>
+            <a:chOff x="1043608" y="1563638"/>
+            <a:chExt cx="4384129" cy="2952328"/>
+          </a:xfrm>
+        </p:grpSpPr>
+        <p:pic>
+          <p:nvPicPr>
+            <p:cNvPr id="1036" name="Picture 12"/>
+            <p:cNvPicPr>
+              <a:picLocks noChangeAspect="1" noChangeArrowheads="1"/>
+            </p:cNvPicPr>
+            <p:nvPr/>
+          </p:nvPicPr>
+          <p:blipFill>
+            <a:blip r:embed="rId3">
+              <a:extLst>
+                <a:ext uri="{28A0092B-C50C-407E-A947-70E740481C1C}">
+                  <a14:useLocalDpi xmlns:a14="http://schemas.microsoft.com/office/drawing/2010/main" val="0"/>
+                </a:ext>
+              </a:extLst>
+            </a:blip>
+            <a:srcRect/>
+            <a:stretch>
+              <a:fillRect/>
+            </a:stretch>
+          </p:blipFill>
+          <p:spPr bwMode="auto">
+            <a:xfrm>
+              <a:off x="1043608" y="1563638"/>
+              <a:ext cx="1476375" cy="2924175"/>
+            </a:xfrm>
+            <a:prstGeom prst="rect">
+              <a:avLst/>
+            </a:prstGeom>
+            <a:noFill/>
+            <a:ln>
+              <a:noFill/>
+            </a:ln>
+            <a:effectLst/>
+            <a:extLst>
+              <a:ext uri="{909E8E84-426E-40DD-AFC4-6F175D3DCCD1}">
+                <a14:hiddenFill xmlns:a14="http://schemas.microsoft.com/office/drawing/2010/main">
+                  <a:solidFill>
+                    <a:schemeClr val="accent1"/>
+                  </a:solidFill>
+                </a14:hiddenFill>
+              </a:ext>
+              <a:ext uri="{91240B29-F687-4F45-9708-019B960494DF}">
+                <a14:hiddenLine xmlns:a14="http://schemas.microsoft.com/office/drawing/2010/main" w="9525">
+                  <a:solidFill>
+                    <a:schemeClr val="tx1"/>
+                  </a:solidFill>
+                  <a:miter lim="800000"/>
+                  <a:headEnd/>
+                  <a:tailEnd/>
+                </a14:hiddenLine>
+              </a:ext>
+              <a:ext uri="{AF507438-7753-43E0-B8FC-AC1667EBCBE1}">
+                <a14:hiddenEffects xmlns:a14="http://schemas.microsoft.com/office/drawing/2010/main">
+                  <a:effectLst>
+                    <a:outerShdw dist="35921" dir="2700000" algn="ctr" rotWithShape="0">
+                      <a:schemeClr val="bg2"/>
+                    </a:outerShdw>
+                  </a:effectLst>
+                </a14:hiddenEffects>
+              </a:ext>
+            </a:extLst>
+          </p:spPr>
+        </p:pic>
+        <p:pic>
+          <p:nvPicPr>
+            <p:cNvPr id="1037" name="Picture 13"/>
+            <p:cNvPicPr>
+              <a:picLocks noChangeAspect="1" noChangeArrowheads="1"/>
+            </p:cNvPicPr>
+            <p:nvPr/>
+          </p:nvPicPr>
+          <p:blipFill>
+            <a:blip r:embed="rId4">
+              <a:extLst>
+                <a:ext uri="{28A0092B-C50C-407E-A947-70E740481C1C}">
+                  <a14:useLocalDpi xmlns:a14="http://schemas.microsoft.com/office/drawing/2010/main" val="0"/>
+                </a:ext>
+              </a:extLst>
+            </a:blip>
+            <a:srcRect/>
+            <a:stretch>
+              <a:fillRect/>
+            </a:stretch>
+          </p:blipFill>
+          <p:spPr bwMode="auto">
+            <a:xfrm>
+              <a:off x="3779912" y="1565118"/>
+              <a:ext cx="1647825" cy="2950848"/>
+            </a:xfrm>
+            <a:prstGeom prst="rect">
+              <a:avLst/>
+            </a:prstGeom>
+            <a:noFill/>
+            <a:ln>
+              <a:noFill/>
+            </a:ln>
+            <a:effectLst/>
+            <a:extLst>
+              <a:ext uri="{909E8E84-426E-40DD-AFC4-6F175D3DCCD1}">
+                <a14:hiddenFill xmlns:a14="http://schemas.microsoft.com/office/drawing/2010/main">
+                  <a:solidFill>
+                    <a:schemeClr val="accent1"/>
+                  </a:solidFill>
+                </a14:hiddenFill>
+              </a:ext>
+              <a:ext uri="{91240B29-F687-4F45-9708-019B960494DF}">
+                <a14:hiddenLine xmlns:a14="http://schemas.microsoft.com/office/drawing/2010/main" w="9525">
+                  <a:solidFill>
+                    <a:schemeClr val="tx1"/>
+                  </a:solidFill>
+                  <a:miter lim="800000"/>
+                  <a:headEnd/>
+                  <a:tailEnd/>
+                </a14:hiddenLine>
+              </a:ext>
+              <a:ext uri="{AF507438-7753-43E0-B8FC-AC1667EBCBE1}">
+                <a14:hiddenEffects xmlns:a14="http://schemas.microsoft.com/office/drawing/2010/main">
+                  <a:effectLst>
+                    <a:outerShdw dist="35921" dir="2700000" algn="ctr" rotWithShape="0">
+                      <a:schemeClr val="bg2"/>
+                    </a:outerShdw>
+                  </a:effectLst>
+                </a14:hiddenEffects>
+              </a:ext>
+            </a:extLst>
+          </p:spPr>
+        </p:pic>
+        <p:sp>
+          <p:nvSpPr>
+            <p:cNvPr id="24" name="Rectangle 23"/>
+            <p:cNvSpPr/>
+            <p:nvPr/>
+          </p:nvSpPr>
+          <p:spPr>
+            <a:xfrm>
+              <a:off x="2555776" y="1563638"/>
+              <a:ext cx="1152128" cy="2894062"/>
+            </a:xfrm>
+            <a:prstGeom prst="rect">
+              <a:avLst/>
+            </a:prstGeom>
+            <a:solidFill>
+              <a:schemeClr val="bg1"/>
+            </a:solidFill>
+          </p:spPr>
+          <p:style>
+            <a:lnRef idx="2">
+              <a:schemeClr val="accent1">
+                <a:shade val="50000"/>
+              </a:schemeClr>
+            </a:lnRef>
+            <a:fillRef idx="1">
+              <a:schemeClr val="accent1"/>
+            </a:fillRef>
+            <a:effectRef idx="0">
+              <a:schemeClr val="accent1"/>
+            </a:effectRef>
+            <a:fontRef idx="minor">
+              <a:schemeClr val="lt1"/>
+            </a:fontRef>
+          </p:style>
+          <p:txBody>
+            <a:bodyPr rtlCol="0" anchor="ctr"/>
+            <a:lstStyle/>
+            <a:p>
+              <a:pPr algn="ctr"/>
+              <a:endParaRPr lang="en-GB" dirty="0"/>
+            </a:p>
+          </p:txBody>
+        </p:sp>
+      </p:grpSp>
+      <p:sp>
+        <p:nvSpPr>
+          <p:cNvPr id="26" name="Rectangle 25"/>
+          <p:cNvSpPr/>
+          <p:nvPr/>
+        </p:nvSpPr>
+        <p:spPr>
+          <a:xfrm>
+            <a:off x="515615" y="1707654"/>
+            <a:ext cx="2120528" cy="288032"/>
+          </a:xfrm>
+          <a:prstGeom prst="rect">
+            <a:avLst/>
+          </a:prstGeom>
+          <a:noFill/>
+          <a:ln w="38100">
             <a:solidFill>
               <a:srgbClr val="FF0000"/>
             </a:solidFill>
@@ -13672,27 +12763,39 @@
           <a:bodyPr rtlCol="0" anchor="ctr"/>
           <a:lstStyle/>
           <a:p>
-            <a:pPr algn="ctr"/>
-            <a:endParaRPr lang="en-GB" dirty="0"/>
-          </a:p>
-        </p:txBody>
-      </p:sp>
-      <p:sp>
-        <p:nvSpPr>
-          <p:cNvPr id="13" name="Rectangle 12"/>
+            <a:pPr algn="r"/>
+            <a:r>
+              <a:rPr lang="en-GB" dirty="0" smtClean="0">
+                <a:solidFill>
+                  <a:schemeClr val="tx1"/>
+                </a:solidFill>
+              </a:rPr>
+              <a:t>ADC</a:t>
+            </a:r>
+            <a:endParaRPr lang="en-GB" dirty="0">
+              <a:solidFill>
+                <a:schemeClr val="tx1"/>
+              </a:solidFill>
+            </a:endParaRPr>
+          </a:p>
+        </p:txBody>
+      </p:sp>
+      <p:sp>
+        <p:nvSpPr>
+          <p:cNvPr id="15" name="Rectangle 14"/>
           <p:cNvSpPr/>
           <p:nvPr/>
         </p:nvSpPr>
         <p:spPr>
           <a:xfrm>
-            <a:off x="1646238" y="2877526"/>
-            <a:ext cx="1368152" cy="144016"/>
+            <a:off x="460375" y="3435846"/>
+            <a:ext cx="2120528" cy="864096"/>
           </a:xfrm>
           <a:prstGeom prst="rect">
             <a:avLst/>
           </a:prstGeom>
           <a:noFill/>
-          <a:ln>
+          <a:ln w="38100">
             <a:solidFill>
               <a:srgbClr val="FF0000"/>
             </a:solidFill>
@@ -13718,77 +12821,76 @@
           <a:bodyPr rtlCol="0" anchor="ctr"/>
           <a:lstStyle/>
           <a:p>
-            <a:pPr algn="ctr"/>
-            <a:endParaRPr lang="en-GB" dirty="0"/>
-          </a:p>
-        </p:txBody>
-      </p:sp>
-      <p:pic>
-        <p:nvPicPr>
-          <p:cNvPr id="14" name="Picture 2"/>
-          <p:cNvPicPr>
-            <a:picLocks noChangeAspect="1" noChangeArrowheads="1"/>
-          </p:cNvPicPr>
+            <a:pPr algn="r"/>
+            <a:r>
+              <a:rPr lang="en-GB" dirty="0" smtClean="0">
+                <a:solidFill>
+                  <a:schemeClr val="tx1"/>
+                </a:solidFill>
+              </a:rPr>
+              <a:t>LED</a:t>
+            </a:r>
+            <a:endParaRPr lang="en-GB" dirty="0">
+              <a:solidFill>
+                <a:schemeClr val="tx1"/>
+              </a:solidFill>
+            </a:endParaRPr>
+          </a:p>
+        </p:txBody>
+      </p:sp>
+      <p:sp>
+        <p:nvSpPr>
+          <p:cNvPr id="16" name="Rectangle 15"/>
+          <p:cNvSpPr/>
           <p:nvPr/>
-        </p:nvPicPr>
-        <p:blipFill>
-          <a:blip r:embed="rId3" cstate="print"/>
-          <a:srcRect/>
-          <a:stretch>
-            <a:fillRect/>
-          </a:stretch>
-        </p:blipFill>
-        <p:spPr bwMode="auto">
+        </p:nvSpPr>
+        <p:spPr>
           <a:xfrm>
-            <a:off x="6026986" y="2440971"/>
-            <a:ext cx="3056087" cy="2643758"/>
+            <a:off x="507256" y="2283718"/>
+            <a:ext cx="2120528" cy="288032"/>
           </a:xfrm>
           <a:prstGeom prst="rect">
             <a:avLst/>
           </a:prstGeom>
           <a:noFill/>
-          <a:ln w="9525">
-            <a:noFill/>
-            <a:miter lim="800000"/>
-            <a:headEnd/>
-            <a:tailEnd/>
+          <a:ln w="38100">
+            <a:solidFill>
+              <a:srgbClr val="FF0000"/>
+            </a:solidFill>
           </a:ln>
-          <a:effectLst/>
         </p:spPr>
-      </p:pic>
-      <p:sp>
-        <p:nvSpPr>
-          <p:cNvPr id="3" name="TextBox 2"/>
-          <p:cNvSpPr txBox="1"/>
-          <p:nvPr/>
-        </p:nvSpPr>
-        <p:spPr>
-          <a:xfrm>
-            <a:off x="881415" y="2758653"/>
-            <a:ext cx="829073" cy="353943"/>
-          </a:xfrm>
-          <a:prstGeom prst="rect">
-            <a:avLst/>
-          </a:prstGeom>
-          <a:noFill/>
-        </p:spPr>
-        <p:txBody>
-          <a:bodyPr wrap="none" rtlCol="0">
-            <a:spAutoFit/>
-          </a:bodyPr>
+        <p:style>
+          <a:lnRef idx="2">
+            <a:schemeClr val="accent1">
+              <a:shade val="50000"/>
+            </a:schemeClr>
+          </a:lnRef>
+          <a:fillRef idx="1">
+            <a:schemeClr val="accent1"/>
+          </a:fillRef>
+          <a:effectRef idx="0">
+            <a:schemeClr val="accent1"/>
+          </a:effectRef>
+          <a:fontRef idx="minor">
+            <a:schemeClr val="lt1"/>
+          </a:fontRef>
+        </p:style>
+        <p:txBody>
+          <a:bodyPr rtlCol="0" anchor="ctr"/>
           <a:lstStyle/>
           <a:p>
+            <a:pPr algn="r"/>
             <a:r>
               <a:rPr lang="en-GB" b="1" dirty="0" smtClean="0">
                 <a:solidFill>
-                  <a:srgbClr val="FF0000"/>
+                  <a:schemeClr val="tx1"/>
                 </a:solidFill>
               </a:rPr>
-              <a:t>Switch</a:t>
+              <a:t>SW</a:t>
             </a:r>
             <a:endParaRPr lang="en-GB" b="1" dirty="0">
               <a:solidFill>
-                <a:srgbClr val="FF0000"/>
+                <a:schemeClr val="tx1"/>
               </a:solidFill>
             </a:endParaRPr>
           </a:p>
@@ -13797,7 +12899,7 @@
     </p:spTree>
     <p:extLst>
       <p:ext uri="{BB962C8B-B14F-4D97-AF65-F5344CB8AC3E}">
-        <p14:creationId xmlns:p14="http://schemas.microsoft.com/office/powerpoint/2010/main" val="1407943707"/>
+        <p14:creationId xmlns:p14="http://schemas.microsoft.com/office/powerpoint/2010/main" val="4122855412"/>
       </p:ext>
     </p:extLst>
   </p:cSld>
@@ -13879,39 +12981,33 @@
           <a:lstStyle/>
           <a:p>
             <a:r>
-              <a:rPr lang="en-GB" dirty="0" smtClean="0"/>
+              <a:rPr lang="en-GB" dirty="0"/>
               <a:t>Prototype Board</a:t>
             </a:r>
-            <a:endParaRPr lang="en-GB" dirty="0"/>
-          </a:p>
-          <a:p>
-            <a:r>
-              <a:rPr lang="en-GB" dirty="0" smtClean="0"/>
+          </a:p>
+          <a:p>
+            <a:r>
+              <a:rPr lang="en-GB" dirty="0"/>
               <a:t>Power 5v0</a:t>
             </a:r>
           </a:p>
           <a:p>
             <a:r>
-              <a:rPr lang="en-GB" dirty="0" smtClean="0"/>
+              <a:rPr lang="en-GB" dirty="0"/>
               <a:t>Programmer</a:t>
             </a:r>
           </a:p>
           <a:p>
             <a:r>
-              <a:rPr lang="en-GB" dirty="0" smtClean="0"/>
-              <a:t>LEDs &amp; </a:t>
-            </a:r>
-            <a:r>
-              <a:rPr lang="en-GB" dirty="0" smtClean="0"/>
-              <a:t>resistors</a:t>
-            </a:r>
-          </a:p>
-          <a:p>
-            <a:r>
-              <a:rPr lang="en-GB" dirty="0" smtClean="0"/>
+              <a:rPr lang="en-GB" dirty="0"/>
+              <a:t>LEDs &amp; resistors</a:t>
+            </a:r>
+          </a:p>
+          <a:p>
+            <a:r>
+              <a:rPr lang="en-GB" dirty="0"/>
               <a:t>Switch &amp; resistors</a:t>
             </a:r>
-            <a:endParaRPr lang="en-GB" dirty="0" smtClean="0"/>
           </a:p>
           <a:p>
             <a:endParaRPr lang="en-GB" dirty="0"/>
@@ -13927,7 +13023,7 @@
         <p:spPr>
           <a:xfrm>
             <a:off x="2123728" y="1635646"/>
-            <a:ext cx="5328592" cy="3416320"/>
+            <a:ext cx="5328592" cy="3600986"/>
           </a:xfrm>
           <a:prstGeom prst="rect">
             <a:avLst/>
@@ -13950,11 +13046,18 @@
           </a:p>
           <a:p>
             <a:r>
+              <a:rPr lang="en-GB" sz="1200" b="1" dirty="0" smtClean="0">
+                <a:latin typeface="Courier New" panose="02070309020205020404" pitchFamily="49" charset="0"/>
+                <a:cs typeface="Courier New" panose="02070309020205020404" pitchFamily="49" charset="0"/>
+              </a:rPr>
+              <a:t>'' </a:t>
+            </a:r>
+            <a:r>
               <a:rPr lang="en-GB" sz="1200" b="1" dirty="0">
                 <a:latin typeface="Courier New" panose="02070309020205020404" pitchFamily="49" charset="0"/>
                 <a:cs typeface="Courier New" panose="02070309020205020404" pitchFamily="49" charset="0"/>
               </a:rPr>
-              <a:t>    -------------------PORTA----------------</a:t>
+              <a:t>-------------------PORTA----------------</a:t>
             </a:r>
           </a:p>
           <a:p>
@@ -13963,7 +13066,7 @@
                 <a:latin typeface="Courier New" panose="02070309020205020404" pitchFamily="49" charset="0"/>
                 <a:cs typeface="Courier New" panose="02070309020205020404" pitchFamily="49" charset="0"/>
               </a:rPr>
-              <a:t>    Bit#:  -7---6---5---4---3---2---1---0---</a:t>
+              <a:t>'' Bit#:  -7---6---5---4---3---2---1---0---</a:t>
             </a:r>
           </a:p>
           <a:p>
@@ -13972,21 +13075,34 @@
                 <a:latin typeface="Courier New" panose="02070309020205020404" pitchFamily="49" charset="0"/>
                 <a:cs typeface="Courier New" panose="02070309020205020404" pitchFamily="49" charset="0"/>
               </a:rPr>
-              <a:t>    IO:    </a:t>
+              <a:t>'' IO:    </a:t>
             </a:r>
             <a:r>
               <a:rPr lang="en-GB" sz="1200" b="1" dirty="0" smtClean="0">
                 <a:latin typeface="Courier New" panose="02070309020205020404" pitchFamily="49" charset="0"/>
                 <a:cs typeface="Courier New" panose="02070309020205020404" pitchFamily="49" charset="0"/>
               </a:rPr>
-              <a:t>----------------SW----------ADC-</a:t>
-            </a:r>
+              <a:t>---------------- SW---------</a:t>
+            </a:r>
+            <a:r>
+              <a:rPr lang="en-GB" sz="1200" b="1" dirty="0" smtClean="0">
+                <a:latin typeface="Courier New" panose="02070309020205020404" pitchFamily="49" charset="0"/>
+                <a:cs typeface="Courier New" panose="02070309020205020404" pitchFamily="49" charset="0"/>
+              </a:rPr>
+              <a:t>ADC--</a:t>
+            </a:r>
+            <a:endParaRPr lang="en-GB" sz="1200" b="1" dirty="0">
+              <a:latin typeface="Courier New" panose="02070309020205020404" pitchFamily="49" charset="0"/>
+              <a:cs typeface="Courier New" panose="02070309020205020404" pitchFamily="49" charset="0"/>
+            </a:endParaRPr>
+          </a:p>
+          <a:p>
             <a:r>
               <a:rPr lang="en-GB" sz="1200" b="1" dirty="0">
                 <a:latin typeface="Courier New" panose="02070309020205020404" pitchFamily="49" charset="0"/>
                 <a:cs typeface="Courier New" panose="02070309020205020404" pitchFamily="49" charset="0"/>
               </a:rPr>
-              <a:t>- </a:t>
+              <a:t>''-----------------------------------------</a:t>
             </a:r>
           </a:p>
           <a:p>
@@ -13995,8 +13111,14 @@
                 <a:latin typeface="Courier New" panose="02070309020205020404" pitchFamily="49" charset="0"/>
                 <a:cs typeface="Courier New" panose="02070309020205020404" pitchFamily="49" charset="0"/>
               </a:rPr>
-              <a:t>    ----------------------------------------</a:t>
-            </a:r>
+              <a:t>''</a:t>
+            </a:r>
+          </a:p>
+          <a:p>
+            <a:endParaRPr lang="en-GB" sz="1200" b="1" dirty="0">
+              <a:latin typeface="Courier New" panose="02070309020205020404" pitchFamily="49" charset="0"/>
+              <a:cs typeface="Courier New" panose="02070309020205020404" pitchFamily="49" charset="0"/>
+            </a:endParaRPr>
           </a:p>
           <a:p>
             <a:r>
@@ -14004,20 +13126,25 @@
                 <a:latin typeface="Courier New" panose="02070309020205020404" pitchFamily="49" charset="0"/>
                 <a:cs typeface="Courier New" panose="02070309020205020404" pitchFamily="49" charset="0"/>
               </a:rPr>
-              <a:t/>
-            </a:r>
-            <a:br>
+              <a:t>'' -------------------PORTB----------------</a:t>
+            </a:r>
+          </a:p>
+          <a:p>
+            <a:r>
               <a:rPr lang="en-GB" sz="1200" b="1" dirty="0">
                 <a:latin typeface="Courier New" panose="02070309020205020404" pitchFamily="49" charset="0"/>
                 <a:cs typeface="Courier New" panose="02070309020205020404" pitchFamily="49" charset="0"/>
               </a:rPr>
-            </a:br>
+              <a:t>'' Bit#:  -7---6---5---4---3---2---1---0---</a:t>
+            </a:r>
+          </a:p>
+          <a:p>
             <a:r>
               <a:rPr lang="en-GB" sz="1200" b="1" dirty="0">
                 <a:latin typeface="Courier New" panose="02070309020205020404" pitchFamily="49" charset="0"/>
                 <a:cs typeface="Courier New" panose="02070309020205020404" pitchFamily="49" charset="0"/>
               </a:rPr>
-              <a:t>    -------------------PORTB----------------</a:t>
+              <a:t>'' IO:    ---------------------------------</a:t>
             </a:r>
           </a:p>
           <a:p>
@@ -14026,7 +13153,7 @@
                 <a:latin typeface="Courier New" panose="02070309020205020404" pitchFamily="49" charset="0"/>
                 <a:cs typeface="Courier New" panose="02070309020205020404" pitchFamily="49" charset="0"/>
               </a:rPr>
-              <a:t>    Bit#:  -7---6---5---4---3---2---1---0---</a:t>
+              <a:t>''-----------------------------------------</a:t>
             </a:r>
           </a:p>
           <a:p>
@@ -14035,8 +13162,14 @@
                 <a:latin typeface="Courier New" panose="02070309020205020404" pitchFamily="49" charset="0"/>
                 <a:cs typeface="Courier New" panose="02070309020205020404" pitchFamily="49" charset="0"/>
               </a:rPr>
-              <a:t>    IO:    ----------------LED-LED-LED-LED--</a:t>
-            </a:r>
+              <a:t>''</a:t>
+            </a:r>
+          </a:p>
+          <a:p>
+            <a:endParaRPr lang="en-GB" sz="1200" b="1" dirty="0">
+              <a:latin typeface="Courier New" panose="02070309020205020404" pitchFamily="49" charset="0"/>
+              <a:cs typeface="Courier New" panose="02070309020205020404" pitchFamily="49" charset="0"/>
+            </a:endParaRPr>
           </a:p>
           <a:p>
             <a:r>
@@ -14044,7 +13177,7 @@
                 <a:latin typeface="Courier New" panose="02070309020205020404" pitchFamily="49" charset="0"/>
                 <a:cs typeface="Courier New" panose="02070309020205020404" pitchFamily="49" charset="0"/>
               </a:rPr>
-              <a:t>    ----------------------------------------</a:t>
+              <a:t>'' ------------------PORTC-----------------</a:t>
             </a:r>
           </a:p>
           <a:p>
@@ -14053,7 +13186,7 @@
                 <a:latin typeface="Courier New" panose="02070309020205020404" pitchFamily="49" charset="0"/>
                 <a:cs typeface="Courier New" panose="02070309020205020404" pitchFamily="49" charset="0"/>
               </a:rPr>
-              <a:t>    </a:t>
+              <a:t>'' Bit#:  -7---6---5---4---3---2---1---0---</a:t>
             </a:r>
           </a:p>
           <a:p>
@@ -14062,7 +13195,7 @@
                 <a:latin typeface="Courier New" panose="02070309020205020404" pitchFamily="49" charset="0"/>
                 <a:cs typeface="Courier New" panose="02070309020205020404" pitchFamily="49" charset="0"/>
               </a:rPr>
-              <a:t>    ------------------PORTC-----------------</a:t>
+              <a:t>'' IO:    ---------------LED--LED-LED-LED--</a:t>
             </a:r>
           </a:p>
           <a:p>
@@ -14071,7 +13204,7 @@
                 <a:latin typeface="Courier New" panose="02070309020205020404" pitchFamily="49" charset="0"/>
                 <a:cs typeface="Courier New" panose="02070309020205020404" pitchFamily="49" charset="0"/>
               </a:rPr>
-              <a:t>    Bit#:  -X---6---5---4---3---2---1---0---</a:t>
+              <a:t>''-----------------------------------------</a:t>
             </a:r>
           </a:p>
           <a:p>
@@ -14080,52 +13213,7 @@
                 <a:latin typeface="Courier New" panose="02070309020205020404" pitchFamily="49" charset="0"/>
                 <a:cs typeface="Courier New" panose="02070309020205020404" pitchFamily="49" charset="0"/>
               </a:rPr>
-              <a:t>    IO:    -^-------------------------------</a:t>
-            </a:r>
-          </a:p>
-          <a:p>
-            <a:r>
-              <a:rPr lang="en-GB" sz="1200" b="1" dirty="0">
-                <a:latin typeface="Courier New" panose="02070309020205020404" pitchFamily="49" charset="0"/>
-                <a:cs typeface="Courier New" panose="02070309020205020404" pitchFamily="49" charset="0"/>
-              </a:rPr>
-              <a:t>    -----VDDIO2----------------------------- </a:t>
-            </a:r>
-            <a:endParaRPr lang="en-GB" sz="1200" b="1" dirty="0" smtClean="0">
-              <a:latin typeface="Courier New" panose="02070309020205020404" pitchFamily="49" charset="0"/>
-              <a:cs typeface="Courier New" panose="02070309020205020404" pitchFamily="49" charset="0"/>
-            </a:endParaRPr>
-          </a:p>
-          <a:p>
-            <a:r>
-              <a:rPr lang="en-GB" sz="1200" b="1" dirty="0">
-                <a:latin typeface="Courier New" panose="02070309020205020404" pitchFamily="49" charset="0"/>
-                <a:cs typeface="Courier New" panose="02070309020205020404" pitchFamily="49" charset="0"/>
-              </a:rPr>
-              <a:t> </a:t>
-            </a:r>
-            <a:r>
-              <a:rPr lang="en-GB" sz="1200" b="1" dirty="0" smtClean="0">
-                <a:latin typeface="Courier New" panose="02070309020205020404" pitchFamily="49" charset="0"/>
-                <a:cs typeface="Courier New" panose="02070309020205020404" pitchFamily="49" charset="0"/>
-              </a:rPr>
-              <a:t>   You </a:t>
-            </a:r>
-            <a:r>
-              <a:rPr lang="en-GB" sz="1200" b="1" dirty="0">
-                <a:latin typeface="Courier New" panose="02070309020205020404" pitchFamily="49" charset="0"/>
-                <a:cs typeface="Courier New" panose="02070309020205020404" pitchFamily="49" charset="0"/>
-              </a:rPr>
-              <a:t>must apply correct Voltage</a:t>
-            </a:r>
-          </a:p>
-          <a:p>
-            <a:r>
-              <a:rPr lang="en-GB" sz="1200" b="1" dirty="0">
-                <a:latin typeface="Courier New" panose="02070309020205020404" pitchFamily="49" charset="0"/>
-                <a:cs typeface="Courier New" panose="02070309020205020404" pitchFamily="49" charset="0"/>
-              </a:rPr>
-              <a:t/>
+              <a:t>''</a:t>
             </a:r>
             <a:br>
               <a:rPr lang="en-GB" sz="1200" b="1" dirty="0">
@@ -14141,6 +13229,11 @@
         </p:txBody>
       </p:sp>
     </p:spTree>
+    <p:extLst>
+      <p:ext uri="{BB962C8B-B14F-4D97-AF65-F5344CB8AC3E}">
+        <p14:creationId xmlns:p14="http://schemas.microsoft.com/office/powerpoint/2010/main" val="1365204576"/>
+      </p:ext>
+    </p:extLst>
   </p:cSld>
   <p:clrMapOvr>
     <a:masterClrMapping/>
@@ -14354,7 +13447,7 @@
   <a:extraClrSchemeLst/>
   <a:extLst>
     <a:ext uri="{05A4C25C-085E-4340-85A3-A5531E510DB2}">
-      <thm15:themeFamily xmlns:thm15="http://schemas.microsoft.com/office/thememl/2012/main" xmlns="" name="GCstudioThemeLight" id="{4C740F94-33C0-4EEC-9234-F56C348A0987}" vid="{A43F8B96-90D8-489D-B80F-92F9D6F351CC}"/>
+      <thm15:themeFamily xmlns="" xmlns:thm15="http://schemas.microsoft.com/office/thememl/2012/main" name="GCstudioThemeLight" id="{4C740F94-33C0-4EEC-9234-F56C348A0987}" vid="{A43F8B96-90D8-489D-B80F-92F9D6F351CC}"/>
     </a:ext>
   </a:extLst>
 </a:theme>

--- a/Vendor_Boards/Great_Cow_Basic_Demo_Board/16F17556_chiprange_demonstrations/tutorials/GCBASIC_Part5_SwitchSetsLEDs.pptx
+++ b/Vendor_Boards/Great_Cow_Basic_Demo_Board/16F17556_chiprange_demonstrations/tutorials/GCBASIC_Part5_SwitchSetsLEDs.pptx
@@ -5,27 +5,26 @@
     <p:sldMasterId id="2147483660" r:id="rId1"/>
   </p:sldMasterIdLst>
   <p:notesMasterIdLst>
-    <p:notesMasterId r:id="rId17"/>
+    <p:notesMasterId r:id="rId16"/>
   </p:notesMasterIdLst>
   <p:handoutMasterIdLst>
-    <p:handoutMasterId r:id="rId18"/>
+    <p:handoutMasterId r:id="rId17"/>
   </p:handoutMasterIdLst>
   <p:sldIdLst>
     <p:sldId id="294" r:id="rId2"/>
     <p:sldId id="256" r:id="rId3"/>
     <p:sldId id="295" r:id="rId4"/>
-    <p:sldId id="324" r:id="rId5"/>
-    <p:sldId id="296" r:id="rId6"/>
-    <p:sldId id="325" r:id="rId7"/>
-    <p:sldId id="291" r:id="rId8"/>
-    <p:sldId id="326" r:id="rId9"/>
-    <p:sldId id="327" r:id="rId10"/>
-    <p:sldId id="321" r:id="rId11"/>
-    <p:sldId id="322" r:id="rId12"/>
-    <p:sldId id="288" r:id="rId13"/>
-    <p:sldId id="323" r:id="rId14"/>
-    <p:sldId id="305" r:id="rId15"/>
-    <p:sldId id="320" r:id="rId16"/>
+    <p:sldId id="296" r:id="rId5"/>
+    <p:sldId id="329" r:id="rId6"/>
+    <p:sldId id="291" r:id="rId7"/>
+    <p:sldId id="326" r:id="rId8"/>
+    <p:sldId id="327" r:id="rId9"/>
+    <p:sldId id="321" r:id="rId10"/>
+    <p:sldId id="322" r:id="rId11"/>
+    <p:sldId id="288" r:id="rId12"/>
+    <p:sldId id="323" r:id="rId13"/>
+    <p:sldId id="305" r:id="rId14"/>
+    <p:sldId id="320" r:id="rId15"/>
   </p:sldIdLst>
   <p:sldSz cx="9144000" cy="5143500" type="screen16x9"/>
   <p:notesSz cx="6858000" cy="9144000"/>
@@ -210,7 +209,7 @@
             <a:fld id="{742E545A-AB39-44F0-B5A6-04A90C6C9399}" type="datetimeFigureOut">
               <a:rPr lang="en-GB" smtClean="0"/>
               <a:pPr/>
-              <a:t>18/11/2025</a:t>
+              <a:t>24/11/2025</a:t>
             </a:fld>
             <a:endParaRPr lang="en-GB" dirty="0"/>
           </a:p>
@@ -377,7 +376,7 @@
             <a:fld id="{FF100B3C-2E11-428B-8555-A77018253716}" type="datetimeFigureOut">
               <a:rPr lang="en-GB" smtClean="0"/>
               <a:pPr/>
-              <a:t>18/11/2025</a:t>
+              <a:t>24/11/2025</a:t>
             </a:fld>
             <a:endParaRPr lang="en-GB" dirty="0"/>
           </a:p>
@@ -1292,7 +1291,7 @@
             <a:fld id="{C473AACB-D821-4991-9D88-46EB8D29E619}" type="datetimeFigureOut">
               <a:rPr lang="en-GB" smtClean="0"/>
               <a:pPr/>
-              <a:t>18/11/2025</a:t>
+              <a:t>24/11/2025</a:t>
             </a:fld>
             <a:endParaRPr lang="en-GB" dirty="0"/>
           </a:p>
@@ -1586,7 +1585,7 @@
             <a:fld id="{C473AACB-D821-4991-9D88-46EB8D29E619}" type="datetimeFigureOut">
               <a:rPr lang="en-GB" smtClean="0"/>
               <a:pPr/>
-              <a:t>18/11/2025</a:t>
+              <a:t>24/11/2025</a:t>
             </a:fld>
             <a:endParaRPr lang="en-GB" dirty="0"/>
           </a:p>
@@ -1839,7 +1838,7 @@
             <a:fld id="{C473AACB-D821-4991-9D88-46EB8D29E619}" type="datetimeFigureOut">
               <a:rPr lang="en-GB" smtClean="0"/>
               <a:pPr/>
-              <a:t>18/11/2025</a:t>
+              <a:t>24/11/2025</a:t>
             </a:fld>
             <a:endParaRPr lang="en-GB" dirty="0"/>
           </a:p>
@@ -2184,7 +2183,7 @@
             <a:fld id="{C473AACB-D821-4991-9D88-46EB8D29E619}" type="datetimeFigureOut">
               <a:rPr lang="en-GB" smtClean="0"/>
               <a:pPr/>
-              <a:t>18/11/2025</a:t>
+              <a:t>24/11/2025</a:t>
             </a:fld>
             <a:endParaRPr lang="en-GB" dirty="0"/>
           </a:p>
@@ -2556,7 +2555,7 @@
             <a:fld id="{C473AACB-D821-4991-9D88-46EB8D29E619}" type="datetimeFigureOut">
               <a:rPr lang="en-GB" smtClean="0"/>
               <a:pPr/>
-              <a:t>18/11/2025</a:t>
+              <a:t>24/11/2025</a:t>
             </a:fld>
             <a:endParaRPr lang="en-GB" dirty="0"/>
           </a:p>
@@ -2902,7 +2901,7 @@
             <a:fld id="{C473AACB-D821-4991-9D88-46EB8D29E619}" type="datetimeFigureOut">
               <a:rPr lang="en-GB" smtClean="0"/>
               <a:pPr/>
-              <a:t>18/11/2025</a:t>
+              <a:t>24/11/2025</a:t>
             </a:fld>
             <a:endParaRPr lang="en-GB" dirty="0"/>
           </a:p>
@@ -3326,7 +3325,7 @@
             <a:fld id="{C473AACB-D821-4991-9D88-46EB8D29E619}" type="datetimeFigureOut">
               <a:rPr lang="en-GB" smtClean="0"/>
               <a:pPr/>
-              <a:t>18/11/2025</a:t>
+              <a:t>24/11/2025</a:t>
             </a:fld>
             <a:endParaRPr lang="en-GB" dirty="0"/>
           </a:p>
@@ -3561,7 +3560,7 @@
             <a:fld id="{C473AACB-D821-4991-9D88-46EB8D29E619}" type="datetimeFigureOut">
               <a:rPr lang="en-GB" smtClean="0"/>
               <a:pPr/>
-              <a:t>18/11/2025</a:t>
+              <a:t>24/11/2025</a:t>
             </a:fld>
             <a:endParaRPr lang="en-GB" dirty="0"/>
           </a:p>
@@ -3772,7 +3771,7 @@
             <a:fld id="{C473AACB-D821-4991-9D88-46EB8D29E619}" type="datetimeFigureOut">
               <a:rPr lang="en-GB" smtClean="0"/>
               <a:pPr/>
-              <a:t>18/11/2025</a:t>
+              <a:t>24/11/2025</a:t>
             </a:fld>
             <a:endParaRPr lang="en-GB" dirty="0"/>
           </a:p>
@@ -3990,7 +3989,7 @@
             <a:fld id="{C473AACB-D821-4991-9D88-46EB8D29E619}" type="datetimeFigureOut">
               <a:rPr lang="en-GB" smtClean="0"/>
               <a:pPr/>
-              <a:t>18/11/2025</a:t>
+              <a:t>24/11/2025</a:t>
             </a:fld>
             <a:endParaRPr lang="en-GB" dirty="0"/>
           </a:p>
@@ -4805,7 +4804,7 @@
             <a:fld id="{C473AACB-D821-4991-9D88-46EB8D29E619}" type="datetimeFigureOut">
               <a:rPr lang="en-GB" smtClean="0"/>
               <a:pPr/>
-              <a:t>18/11/2025</a:t>
+              <a:t>24/11/2025</a:t>
             </a:fld>
             <a:endParaRPr lang="en-GB" dirty="0"/>
           </a:p>
@@ -5619,7 +5618,7 @@
             <a:fld id="{C473AACB-D821-4991-9D88-46EB8D29E619}" type="datetimeFigureOut">
               <a:rPr lang="en-GB" smtClean="0"/>
               <a:pPr/>
-              <a:t>18/11/2025</a:t>
+              <a:t>24/11/2025</a:t>
             </a:fld>
             <a:endParaRPr lang="en-GB" dirty="0"/>
           </a:p>
@@ -5868,7 +5867,7 @@
             <a:fld id="{C473AACB-D821-4991-9D88-46EB8D29E619}" type="datetimeFigureOut">
               <a:rPr lang="en-GB" smtClean="0"/>
               <a:pPr/>
-              <a:t>18/11/2025</a:t>
+              <a:t>24/11/2025</a:t>
             </a:fld>
             <a:endParaRPr lang="en-GB" dirty="0"/>
           </a:p>
@@ -6132,7 +6131,7 @@
             <a:fld id="{C473AACB-D821-4991-9D88-46EB8D29E619}" type="datetimeFigureOut">
               <a:rPr lang="en-GB" smtClean="0"/>
               <a:pPr/>
-              <a:t>18/11/2025</a:t>
+              <a:t>24/11/2025</a:t>
             </a:fld>
             <a:endParaRPr lang="en-GB" dirty="0"/>
           </a:p>
@@ -6572,7 +6571,7 @@
             <a:fld id="{C473AACB-D821-4991-9D88-46EB8D29E619}" type="datetimeFigureOut">
               <a:rPr lang="en-GB" smtClean="0"/>
               <a:pPr/>
-              <a:t>18/11/2025</a:t>
+              <a:t>24/11/2025</a:t>
             </a:fld>
             <a:endParaRPr lang="en-GB" dirty="0"/>
           </a:p>
@@ -6727,7 +6726,7 @@
             <a:fld id="{C473AACB-D821-4991-9D88-46EB8D29E619}" type="datetimeFigureOut">
               <a:rPr lang="en-GB" smtClean="0"/>
               <a:pPr/>
-              <a:t>18/11/2025</a:t>
+              <a:t>24/11/2025</a:t>
             </a:fld>
             <a:endParaRPr lang="en-GB" dirty="0"/>
           </a:p>
@@ -6824,7 +6823,7 @@
             <a:fld id="{C473AACB-D821-4991-9D88-46EB8D29E619}" type="datetimeFigureOut">
               <a:rPr lang="en-GB" smtClean="0"/>
               <a:pPr/>
-              <a:t>18/11/2025</a:t>
+              <a:t>24/11/2025</a:t>
             </a:fld>
             <a:endParaRPr lang="en-GB" dirty="0"/>
           </a:p>
@@ -7601,7 +7600,7 @@
             <a:fld id="{C473AACB-D821-4991-9D88-46EB8D29E619}" type="datetimeFigureOut">
               <a:rPr lang="en-GB" smtClean="0"/>
               <a:pPr/>
-              <a:t>18/11/2025</a:t>
+              <a:t>24/11/2025</a:t>
             </a:fld>
             <a:endParaRPr lang="en-GB" dirty="0"/>
           </a:p>
@@ -8172,7 +8171,6 @@
               <a:rPr lang="en-GB" dirty="0" smtClean="0"/>
               <a:t>PIC16F175xx</a:t>
             </a:r>
-            <a:endParaRPr lang="en-GB" dirty="0" smtClean="0"/>
           </a:p>
           <a:p>
             <a:r>
@@ -8204,6 +8202,4178 @@
 </file>
 
 <file path=ppt/slides/slide10.xml><?xml version="1.0" encoding="utf-8"?>
+<p:sld xmlns:a="http://schemas.openxmlformats.org/drawingml/2006/main" xmlns:r="http://schemas.openxmlformats.org/officeDocument/2006/relationships" xmlns:p="http://schemas.openxmlformats.org/presentationml/2006/main">
+  <p:cSld>
+    <p:spTree>
+      <p:nvGrpSpPr>
+        <p:cNvPr id="1" name=""/>
+        <p:cNvGrpSpPr/>
+        <p:nvPr/>
+      </p:nvGrpSpPr>
+      <p:grpSpPr>
+        <a:xfrm>
+          <a:off x="0" y="0"/>
+          <a:ext cx="0" cy="0"/>
+          <a:chOff x="0" y="0"/>
+          <a:chExt cx="0" cy="0"/>
+        </a:xfrm>
+      </p:grpSpPr>
+      <p:sp>
+        <p:nvSpPr>
+          <p:cNvPr id="2" name="Title 1"/>
+          <p:cNvSpPr>
+            <a:spLocks noGrp="1"/>
+          </p:cNvSpPr>
+          <p:nvPr>
+            <p:ph type="title"/>
+          </p:nvPr>
+        </p:nvSpPr>
+        <p:spPr/>
+        <p:txBody>
+          <a:bodyPr vert="horz" lIns="85064" tIns="42531" rIns="85064" bIns="42531" rtlCol="0" anchor="t">
+            <a:normAutofit/>
+          </a:bodyPr>
+          <a:lstStyle/>
+          <a:p>
+            <a:pPr algn="l"/>
+            <a:r>
+              <a:rPr lang="en-GB" dirty="0" smtClean="0"/>
+              <a:t>Lab</a:t>
+            </a:r>
+          </a:p>
+        </p:txBody>
+      </p:sp>
+      <p:sp>
+        <p:nvSpPr>
+          <p:cNvPr id="4" name="Content Placeholder 2"/>
+          <p:cNvSpPr>
+            <a:spLocks noGrp="1"/>
+          </p:cNvSpPr>
+          <p:nvPr>
+            <p:ph idx="1"/>
+          </p:nvPr>
+        </p:nvSpPr>
+        <p:spPr/>
+        <p:txBody>
+          <a:bodyPr/>
+          <a:lstStyle/>
+          <a:p>
+            <a:r>
+              <a:rPr lang="en-GB" dirty="0" smtClean="0"/>
+              <a:t>Review GCSTUDIO options</a:t>
+            </a:r>
+          </a:p>
+          <a:p>
+            <a:endParaRPr lang="en-GB" dirty="0" smtClean="0"/>
+          </a:p>
+          <a:p>
+            <a:r>
+              <a:rPr lang="en-GB" dirty="0" smtClean="0"/>
+              <a:t>Examine the sample code</a:t>
+            </a:r>
+          </a:p>
+          <a:p>
+            <a:r>
+              <a:rPr lang="en-GB" dirty="0" smtClean="0"/>
+              <a:t>Review the results</a:t>
+            </a:r>
+            <a:endParaRPr lang="en-GB" dirty="0"/>
+          </a:p>
+        </p:txBody>
+      </p:sp>
+    </p:spTree>
+    <p:extLst>
+      <p:ext uri="{BB962C8B-B14F-4D97-AF65-F5344CB8AC3E}">
+        <p14:creationId xmlns:p14="http://schemas.microsoft.com/office/powerpoint/2010/main" val="4232917398"/>
+      </p:ext>
+    </p:extLst>
+  </p:cSld>
+  <p:clrMapOvr>
+    <a:masterClrMapping/>
+  </p:clrMapOvr>
+  <mc:AlternateContent xmlns:mc="http://schemas.openxmlformats.org/markup-compatibility/2006" xmlns:p14="http://schemas.microsoft.com/office/powerpoint/2010/main">
+    <mc:Choice Requires="p14">
+      <p:transition spd="slow" p14:dur="2000" advClick="0"/>
+    </mc:Choice>
+    <mc:Fallback xmlns="">
+      <p:transition spd="slow" advClick="0"/>
+    </mc:Fallback>
+  </mc:AlternateContent>
+  <p:timing>
+    <p:tnLst>
+      <p:par>
+        <p:cTn id="1" dur="indefinite" restart="never" nodeType="tmRoot"/>
+      </p:par>
+    </p:tnLst>
+  </p:timing>
+</p:sld>
+</file>
+
+<file path=ppt/slides/slide11.xml><?xml version="1.0" encoding="utf-8"?>
+<p:sld xmlns:a="http://schemas.openxmlformats.org/drawingml/2006/main" xmlns:r="http://schemas.openxmlformats.org/officeDocument/2006/relationships" xmlns:p="http://schemas.openxmlformats.org/presentationml/2006/main">
+  <p:cSld>
+    <p:spTree>
+      <p:nvGrpSpPr>
+        <p:cNvPr id="1" name=""/>
+        <p:cNvGrpSpPr/>
+        <p:nvPr/>
+      </p:nvGrpSpPr>
+      <p:grpSpPr>
+        <a:xfrm>
+          <a:off x="0" y="0"/>
+          <a:ext cx="0" cy="0"/>
+          <a:chOff x="0" y="0"/>
+          <a:chExt cx="0" cy="0"/>
+        </a:xfrm>
+      </p:grpSpPr>
+      <p:sp>
+        <p:nvSpPr>
+          <p:cNvPr id="2" name="Title 1"/>
+          <p:cNvSpPr>
+            <a:spLocks noGrp="1"/>
+          </p:cNvSpPr>
+          <p:nvPr>
+            <p:ph type="title"/>
+          </p:nvPr>
+        </p:nvSpPr>
+        <p:spPr/>
+        <p:txBody>
+          <a:bodyPr/>
+          <a:lstStyle/>
+          <a:p>
+            <a:endParaRPr lang="en-GB" dirty="0"/>
+          </a:p>
+        </p:txBody>
+      </p:sp>
+      <p:sp>
+        <p:nvSpPr>
+          <p:cNvPr id="3" name="Content Placeholder 2"/>
+          <p:cNvSpPr>
+            <a:spLocks noGrp="1"/>
+          </p:cNvSpPr>
+          <p:nvPr>
+            <p:ph idx="1"/>
+          </p:nvPr>
+        </p:nvSpPr>
+        <p:spPr/>
+        <p:txBody>
+          <a:bodyPr/>
+          <a:lstStyle/>
+          <a:p>
+            <a:endParaRPr lang="en-GB" dirty="0"/>
+          </a:p>
+        </p:txBody>
+      </p:sp>
+    </p:spTree>
+  </p:cSld>
+  <p:clrMapOvr>
+    <a:masterClrMapping/>
+  </p:clrMapOvr>
+  <mc:AlternateContent xmlns:mc="http://schemas.openxmlformats.org/markup-compatibility/2006" xmlns:p14="http://schemas.microsoft.com/office/powerpoint/2010/main">
+    <mc:Choice Requires="p14">
+      <p:transition spd="slow" p14:dur="2000"/>
+    </mc:Choice>
+    <mc:Fallback xmlns="">
+      <p:transition spd="slow"/>
+    </mc:Fallback>
+  </mc:AlternateContent>
+  <p:timing>
+    <p:tnLst>
+      <p:par>
+        <p:cTn id="1" dur="indefinite" restart="never" nodeType="tmRoot"/>
+      </p:par>
+    </p:tnLst>
+  </p:timing>
+</p:sld>
+</file>
+
+<file path=ppt/slides/slide12.xml><?xml version="1.0" encoding="utf-8"?>
+<p:sld xmlns:a="http://schemas.openxmlformats.org/drawingml/2006/main" xmlns:r="http://schemas.openxmlformats.org/officeDocument/2006/relationships" xmlns:p="http://schemas.openxmlformats.org/presentationml/2006/main">
+  <p:cSld>
+    <p:spTree>
+      <p:nvGrpSpPr>
+        <p:cNvPr id="1" name=""/>
+        <p:cNvGrpSpPr/>
+        <p:nvPr/>
+      </p:nvGrpSpPr>
+      <p:grpSpPr>
+        <a:xfrm>
+          <a:off x="0" y="0"/>
+          <a:ext cx="0" cy="0"/>
+          <a:chOff x="0" y="0"/>
+          <a:chExt cx="0" cy="0"/>
+        </a:xfrm>
+      </p:grpSpPr>
+      <p:sp>
+        <p:nvSpPr>
+          <p:cNvPr id="2" name="Rectangle 1"/>
+          <p:cNvSpPr/>
+          <p:nvPr/>
+        </p:nvSpPr>
+        <p:spPr>
+          <a:xfrm>
+            <a:off x="88900" y="-20538"/>
+            <a:ext cx="4572000" cy="5216813"/>
+          </a:xfrm>
+          <a:prstGeom prst="rect">
+            <a:avLst/>
+          </a:prstGeom>
+          <a:solidFill>
+            <a:schemeClr val="bg1"/>
+          </a:solidFill>
+        </p:spPr>
+        <p:txBody>
+          <a:bodyPr>
+            <a:spAutoFit/>
+          </a:bodyPr>
+          <a:lstStyle/>
+          <a:p>
+            <a:r>
+              <a:rPr lang="en-GB" sz="900" dirty="0">
+                <a:latin typeface="Courier New" panose="02070309020205020404" pitchFamily="49" charset="0"/>
+                <a:cs typeface="Courier New" panose="02070309020205020404" pitchFamily="49" charset="0"/>
+              </a:rPr>
+              <a:t>// Function to debounce a switch and return the stable state</a:t>
+            </a:r>
+          </a:p>
+          <a:p>
+            <a:r>
+              <a:rPr lang="en-GB" sz="900" dirty="0">
+                <a:latin typeface="Courier New" panose="02070309020205020404" pitchFamily="49" charset="0"/>
+                <a:cs typeface="Courier New" panose="02070309020205020404" pitchFamily="49" charset="0"/>
+              </a:rPr>
+              <a:t>Function DebounceSwitch as Bit</a:t>
+            </a:r>
+          </a:p>
+          <a:p>
+            <a:r>
+              <a:rPr lang="en-GB" sz="900" dirty="0">
+                <a:latin typeface="Courier New" panose="02070309020205020404" pitchFamily="49" charset="0"/>
+                <a:cs typeface="Courier New" panose="02070309020205020404" pitchFamily="49" charset="0"/>
+              </a:rPr>
+              <a:t>    </a:t>
+            </a:r>
+          </a:p>
+          <a:p>
+            <a:r>
+              <a:rPr lang="en-GB" sz="900" dirty="0">
+                <a:latin typeface="Courier New" panose="02070309020205020404" pitchFamily="49" charset="0"/>
+                <a:cs typeface="Courier New" panose="02070309020205020404" pitchFamily="49" charset="0"/>
+              </a:rPr>
+              <a:t>    // Define variables</a:t>
+            </a:r>
+          </a:p>
+          <a:p>
+            <a:r>
+              <a:rPr lang="en-GB" sz="900" dirty="0">
+                <a:latin typeface="Courier New" panose="02070309020205020404" pitchFamily="49" charset="0"/>
+                <a:cs typeface="Courier New" panose="02070309020205020404" pitchFamily="49" charset="0"/>
+              </a:rPr>
+              <a:t>    Dim CurrentState As Bit</a:t>
+            </a:r>
+          </a:p>
+          <a:p>
+            <a:r>
+              <a:rPr lang="en-GB" sz="900" dirty="0">
+                <a:latin typeface="Courier New" panose="02070309020205020404" pitchFamily="49" charset="0"/>
+                <a:cs typeface="Courier New" panose="02070309020205020404" pitchFamily="49" charset="0"/>
+              </a:rPr>
+              <a:t>    Dim LastState As Bit</a:t>
+            </a:r>
+          </a:p>
+          <a:p>
+            <a:r>
+              <a:rPr lang="en-GB" sz="900" dirty="0">
+                <a:latin typeface="Courier New" panose="02070309020205020404" pitchFamily="49" charset="0"/>
+                <a:cs typeface="Courier New" panose="02070309020205020404" pitchFamily="49" charset="0"/>
+              </a:rPr>
+              <a:t>    Dim StableState As Bit</a:t>
+            </a:r>
+          </a:p>
+          <a:p>
+            <a:r>
+              <a:rPr lang="en-GB" sz="900" dirty="0">
+                <a:latin typeface="Courier New" panose="02070309020205020404" pitchFamily="49" charset="0"/>
+                <a:cs typeface="Courier New" panose="02070309020205020404" pitchFamily="49" charset="0"/>
+              </a:rPr>
+              <a:t>    Dim Counter As Byte</a:t>
+            </a:r>
+          </a:p>
+          <a:p>
+            <a:endParaRPr lang="en-GB" sz="900" dirty="0">
+              <a:latin typeface="Courier New" panose="02070309020205020404" pitchFamily="49" charset="0"/>
+              <a:cs typeface="Courier New" panose="02070309020205020404" pitchFamily="49" charset="0"/>
+            </a:endParaRPr>
+          </a:p>
+          <a:p>
+            <a:r>
+              <a:rPr lang="en-GB" sz="900" dirty="0">
+                <a:latin typeface="Courier New" panose="02070309020205020404" pitchFamily="49" charset="0"/>
+                <a:cs typeface="Courier New" panose="02070309020205020404" pitchFamily="49" charset="0"/>
+              </a:rPr>
+              <a:t>    // Initialize states and counter</a:t>
+            </a:r>
+          </a:p>
+          <a:p>
+            <a:r>
+              <a:rPr lang="en-GB" sz="900" dirty="0">
+                <a:latin typeface="Courier New" panose="02070309020205020404" pitchFamily="49" charset="0"/>
+                <a:cs typeface="Courier New" panose="02070309020205020404" pitchFamily="49" charset="0"/>
+              </a:rPr>
+              <a:t>    LastState = SWITCHIN</a:t>
+            </a:r>
+          </a:p>
+          <a:p>
+            <a:r>
+              <a:rPr lang="en-GB" sz="900" dirty="0">
+                <a:latin typeface="Courier New" panose="02070309020205020404" pitchFamily="49" charset="0"/>
+                <a:cs typeface="Courier New" panose="02070309020205020404" pitchFamily="49" charset="0"/>
+              </a:rPr>
+              <a:t>    StableState = LastState</a:t>
+            </a:r>
+          </a:p>
+          <a:p>
+            <a:r>
+              <a:rPr lang="en-GB" sz="900" dirty="0">
+                <a:latin typeface="Courier New" panose="02070309020205020404" pitchFamily="49" charset="0"/>
+                <a:cs typeface="Courier New" panose="02070309020205020404" pitchFamily="49" charset="0"/>
+              </a:rPr>
+              <a:t>    Counter = 0</a:t>
+            </a:r>
+          </a:p>
+          <a:p>
+            <a:endParaRPr lang="en-GB" sz="900" dirty="0">
+              <a:latin typeface="Courier New" panose="02070309020205020404" pitchFamily="49" charset="0"/>
+              <a:cs typeface="Courier New" panose="02070309020205020404" pitchFamily="49" charset="0"/>
+            </a:endParaRPr>
+          </a:p>
+          <a:p>
+            <a:r>
+              <a:rPr lang="en-GB" sz="900" dirty="0">
+                <a:latin typeface="Courier New" panose="02070309020205020404" pitchFamily="49" charset="0"/>
+                <a:cs typeface="Courier New" panose="02070309020205020404" pitchFamily="49" charset="0"/>
+              </a:rPr>
+              <a:t>    // Debounce loop: checks the state multiple times to ensure stability</a:t>
+            </a:r>
+          </a:p>
+          <a:p>
+            <a:r>
+              <a:rPr lang="en-GB" sz="900" dirty="0">
+                <a:latin typeface="Courier New" panose="02070309020205020404" pitchFamily="49" charset="0"/>
+                <a:cs typeface="Courier New" panose="02070309020205020404" pitchFamily="49" charset="0"/>
+              </a:rPr>
+              <a:t>    For Counter = 0 To 10</a:t>
+            </a:r>
+          </a:p>
+          <a:p>
+            <a:r>
+              <a:rPr lang="en-GB" sz="900" dirty="0">
+                <a:latin typeface="Courier New" panose="02070309020205020404" pitchFamily="49" charset="0"/>
+                <a:cs typeface="Courier New" panose="02070309020205020404" pitchFamily="49" charset="0"/>
+              </a:rPr>
+              <a:t>        wait 5 ms  // Small delay to allow switch to settle</a:t>
+            </a:r>
+          </a:p>
+          <a:p>
+            <a:endParaRPr lang="en-GB" sz="900" dirty="0">
+              <a:latin typeface="Courier New" panose="02070309020205020404" pitchFamily="49" charset="0"/>
+              <a:cs typeface="Courier New" panose="02070309020205020404" pitchFamily="49" charset="0"/>
+            </a:endParaRPr>
+          </a:p>
+          <a:p>
+            <a:r>
+              <a:rPr lang="en-GB" sz="900" dirty="0">
+                <a:latin typeface="Courier New" panose="02070309020205020404" pitchFamily="49" charset="0"/>
+                <a:cs typeface="Courier New" panose="02070309020205020404" pitchFamily="49" charset="0"/>
+              </a:rPr>
+              <a:t>        // Read the current state of the switch</a:t>
+            </a:r>
+          </a:p>
+          <a:p>
+            <a:r>
+              <a:rPr lang="en-GB" sz="900" dirty="0">
+                <a:latin typeface="Courier New" panose="02070309020205020404" pitchFamily="49" charset="0"/>
+                <a:cs typeface="Courier New" panose="02070309020205020404" pitchFamily="49" charset="0"/>
+              </a:rPr>
+              <a:t>        CurrentState = SWITCHIN</a:t>
+            </a:r>
+          </a:p>
+          <a:p>
+            <a:endParaRPr lang="en-GB" sz="900" dirty="0">
+              <a:latin typeface="Courier New" panose="02070309020205020404" pitchFamily="49" charset="0"/>
+              <a:cs typeface="Courier New" panose="02070309020205020404" pitchFamily="49" charset="0"/>
+            </a:endParaRPr>
+          </a:p>
+          <a:p>
+            <a:r>
+              <a:rPr lang="en-GB" sz="900" dirty="0">
+                <a:latin typeface="Courier New" panose="02070309020205020404" pitchFamily="49" charset="0"/>
+                <a:cs typeface="Courier New" panose="02070309020205020404" pitchFamily="49" charset="0"/>
+              </a:rPr>
+              <a:t>        // If the state is stable (consistent for the duration of the loop)</a:t>
+            </a:r>
+          </a:p>
+          <a:p>
+            <a:r>
+              <a:rPr lang="en-GB" sz="900" dirty="0">
+                <a:latin typeface="Courier New" panose="02070309020205020404" pitchFamily="49" charset="0"/>
+                <a:cs typeface="Courier New" panose="02070309020205020404" pitchFamily="49" charset="0"/>
+              </a:rPr>
+              <a:t>        If (CurrentState = LastState) Then</a:t>
+            </a:r>
+          </a:p>
+          <a:p>
+            <a:r>
+              <a:rPr lang="en-GB" sz="900" dirty="0">
+                <a:latin typeface="Courier New" panose="02070309020205020404" pitchFamily="49" charset="0"/>
+                <a:cs typeface="Courier New" panose="02070309020205020404" pitchFamily="49" charset="0"/>
+              </a:rPr>
+              <a:t>            StableState = CurrentState</a:t>
+            </a:r>
+          </a:p>
+          <a:p>
+            <a:r>
+              <a:rPr lang="en-GB" sz="900" dirty="0">
+                <a:latin typeface="Courier New" panose="02070309020205020404" pitchFamily="49" charset="0"/>
+                <a:cs typeface="Courier New" panose="02070309020205020404" pitchFamily="49" charset="0"/>
+              </a:rPr>
+              <a:t>        Else</a:t>
+            </a:r>
+          </a:p>
+          <a:p>
+            <a:r>
+              <a:rPr lang="en-GB" sz="900" dirty="0">
+                <a:latin typeface="Courier New" panose="02070309020205020404" pitchFamily="49" charset="0"/>
+                <a:cs typeface="Courier New" panose="02070309020205020404" pitchFamily="49" charset="0"/>
+              </a:rPr>
+              <a:t>            // Reset counter if state changes</a:t>
+            </a:r>
+          </a:p>
+          <a:p>
+            <a:r>
+              <a:rPr lang="en-GB" sz="900" dirty="0">
+                <a:latin typeface="Courier New" panose="02070309020205020404" pitchFamily="49" charset="0"/>
+                <a:cs typeface="Courier New" panose="02070309020205020404" pitchFamily="49" charset="0"/>
+              </a:rPr>
+              <a:t>            Counter = 0</a:t>
+            </a:r>
+          </a:p>
+          <a:p>
+            <a:r>
+              <a:rPr lang="en-GB" sz="900" dirty="0">
+                <a:latin typeface="Courier New" panose="02070309020205020404" pitchFamily="49" charset="0"/>
+                <a:cs typeface="Courier New" panose="02070309020205020404" pitchFamily="49" charset="0"/>
+              </a:rPr>
+              <a:t>            LastState = CurrentState</a:t>
+            </a:r>
+          </a:p>
+          <a:p>
+            <a:r>
+              <a:rPr lang="en-GB" sz="900" dirty="0">
+                <a:latin typeface="Courier New" panose="02070309020205020404" pitchFamily="49" charset="0"/>
+                <a:cs typeface="Courier New" panose="02070309020205020404" pitchFamily="49" charset="0"/>
+              </a:rPr>
+              <a:t>        End If</a:t>
+            </a:r>
+          </a:p>
+          <a:p>
+            <a:r>
+              <a:rPr lang="en-GB" sz="900" dirty="0">
+                <a:latin typeface="Courier New" panose="02070309020205020404" pitchFamily="49" charset="0"/>
+                <a:cs typeface="Courier New" panose="02070309020205020404" pitchFamily="49" charset="0"/>
+              </a:rPr>
+              <a:t>    Next</a:t>
+            </a:r>
+          </a:p>
+          <a:p>
+            <a:endParaRPr lang="en-GB" sz="900" dirty="0">
+              <a:latin typeface="Courier New" panose="02070309020205020404" pitchFamily="49" charset="0"/>
+              <a:cs typeface="Courier New" panose="02070309020205020404" pitchFamily="49" charset="0"/>
+            </a:endParaRPr>
+          </a:p>
+          <a:p>
+            <a:r>
+              <a:rPr lang="en-GB" sz="900" dirty="0">
+                <a:latin typeface="Courier New" panose="02070309020205020404" pitchFamily="49" charset="0"/>
+                <a:cs typeface="Courier New" panose="02070309020205020404" pitchFamily="49" charset="0"/>
+              </a:rPr>
+              <a:t>    // Return the stable state of the switch</a:t>
+            </a:r>
+          </a:p>
+          <a:p>
+            <a:r>
+              <a:rPr lang="en-GB" sz="900" dirty="0">
+                <a:latin typeface="Courier New" panose="02070309020205020404" pitchFamily="49" charset="0"/>
+                <a:cs typeface="Courier New" panose="02070309020205020404" pitchFamily="49" charset="0"/>
+              </a:rPr>
+              <a:t>    DebounceSwitch = StableState</a:t>
+            </a:r>
+          </a:p>
+          <a:p>
+            <a:endParaRPr lang="en-GB" sz="900" dirty="0">
+              <a:latin typeface="Courier New" panose="02070309020205020404" pitchFamily="49" charset="0"/>
+              <a:cs typeface="Courier New" panose="02070309020205020404" pitchFamily="49" charset="0"/>
+            </a:endParaRPr>
+          </a:p>
+          <a:p>
+            <a:r>
+              <a:rPr lang="en-GB" sz="900" dirty="0">
+                <a:latin typeface="Courier New" panose="02070309020205020404" pitchFamily="49" charset="0"/>
+                <a:cs typeface="Courier New" panose="02070309020205020404" pitchFamily="49" charset="0"/>
+              </a:rPr>
+              <a:t>End Function</a:t>
+            </a:r>
+          </a:p>
+        </p:txBody>
+      </p:sp>
+      <p:sp>
+        <p:nvSpPr>
+          <p:cNvPr id="4" name="TextBox 3"/>
+          <p:cNvSpPr txBox="1"/>
+          <p:nvPr/>
+        </p:nvSpPr>
+        <p:spPr>
+          <a:xfrm>
+            <a:off x="4701108" y="835298"/>
+            <a:ext cx="4373488" cy="3785652"/>
+          </a:xfrm>
+          <a:prstGeom prst="rect">
+            <a:avLst/>
+          </a:prstGeom>
+          <a:solidFill>
+            <a:schemeClr val="bg1"/>
+          </a:solidFill>
+        </p:spPr>
+        <p:txBody>
+          <a:bodyPr wrap="square" rtlCol="0">
+            <a:spAutoFit/>
+          </a:bodyPr>
+          <a:lstStyle/>
+          <a:p>
+            <a:r>
+              <a:rPr lang="en-GB" sz="1000" b="1" dirty="0"/>
+              <a:t>Explanation:</a:t>
+            </a:r>
+          </a:p>
+          <a:p>
+            <a:r>
+              <a:rPr lang="en-GB" sz="1000" b="1" dirty="0"/>
+              <a:t>Variable Definition:</a:t>
+            </a:r>
+            <a:endParaRPr lang="en-GB" sz="1000" dirty="0"/>
+          </a:p>
+          <a:p>
+            <a:pPr lvl="1"/>
+            <a:r>
+              <a:rPr lang="en-GB" sz="1000" dirty="0"/>
+              <a:t>CurrentState, LastState, and StableState are declared as Bit to store the current, previous, and stable states of the switch.</a:t>
+            </a:r>
+          </a:p>
+          <a:p>
+            <a:pPr lvl="1"/>
+            <a:r>
+              <a:rPr lang="en-GB" sz="1000" dirty="0"/>
+              <a:t>Counter is declared as Byte to act as a loop counter.</a:t>
+            </a:r>
+          </a:p>
+          <a:p>
+            <a:r>
+              <a:rPr lang="en-GB" sz="1000" b="1" dirty="0"/>
+              <a:t>Initialization:</a:t>
+            </a:r>
+            <a:endParaRPr lang="en-GB" sz="1000" dirty="0"/>
+          </a:p>
+          <a:p>
+            <a:pPr lvl="1"/>
+            <a:r>
+              <a:rPr lang="en-GB" sz="1000" dirty="0"/>
+              <a:t>LastState is initialized to the current state of the switch (SWITCHIN).</a:t>
+            </a:r>
+          </a:p>
+          <a:p>
+            <a:pPr lvl="1"/>
+            <a:r>
+              <a:rPr lang="en-GB" sz="1000" dirty="0"/>
+              <a:t>StableState is initialized to LastState.</a:t>
+            </a:r>
+          </a:p>
+          <a:p>
+            <a:pPr lvl="1"/>
+            <a:r>
+              <a:rPr lang="en-GB" sz="1000" dirty="0"/>
+              <a:t>Counter is initialized to 0.</a:t>
+            </a:r>
+          </a:p>
+          <a:p>
+            <a:r>
+              <a:rPr lang="en-GB" sz="1000" b="1" dirty="0"/>
+              <a:t>Debounce Loop:</a:t>
+            </a:r>
+            <a:endParaRPr lang="en-GB" sz="1000" dirty="0"/>
+          </a:p>
+          <a:p>
+            <a:pPr lvl="1"/>
+            <a:r>
+              <a:rPr lang="en-GB" sz="1000" dirty="0"/>
+              <a:t>The loop runs 10 times, checking the switch state every 5 milliseconds.</a:t>
+            </a:r>
+          </a:p>
+          <a:p>
+            <a:pPr lvl="1"/>
+            <a:r>
+              <a:rPr lang="en-GB" sz="1000" dirty="0"/>
+              <a:t>CurrentState is updated with the current state of the switch (SWITCHIN).</a:t>
+            </a:r>
+          </a:p>
+          <a:p>
+            <a:pPr lvl="1"/>
+            <a:r>
+              <a:rPr lang="en-GB" sz="1000" dirty="0"/>
+              <a:t>If the CurrentState matches the LastState consistently for the duration of the loop, StableState is set to CurrentState.</a:t>
+            </a:r>
+          </a:p>
+          <a:p>
+            <a:pPr lvl="1"/>
+            <a:r>
+              <a:rPr lang="en-GB" sz="1000" dirty="0"/>
+              <a:t>If the state changes, the counter is reset, and LastState is updated with CurrentState.</a:t>
+            </a:r>
+          </a:p>
+          <a:p>
+            <a:r>
+              <a:rPr lang="en-GB" sz="1000" b="1" dirty="0"/>
+              <a:t>Return Stable State:</a:t>
+            </a:r>
+            <a:endParaRPr lang="en-GB" sz="1000" dirty="0"/>
+          </a:p>
+          <a:p>
+            <a:pPr lvl="1"/>
+            <a:r>
+              <a:rPr lang="en-GB" sz="1000" dirty="0"/>
+              <a:t>The function returns the StableState of the switch, which has been debounced.</a:t>
+            </a:r>
+          </a:p>
+          <a:p>
+            <a:r>
+              <a:rPr lang="en-GB" sz="1000" dirty="0"/>
+              <a:t>This function ensures that the state of the switch is stable before returning it, effectively debouncing the switch. If you have any further questions or need more details, feel free to let me know! 😊✨</a:t>
+            </a:r>
+          </a:p>
+          <a:p>
+            <a:endParaRPr lang="en-GB" sz="1000" dirty="0"/>
+          </a:p>
+        </p:txBody>
+      </p:sp>
+    </p:spTree>
+    <p:extLst>
+      <p:ext uri="{BB962C8B-B14F-4D97-AF65-F5344CB8AC3E}">
+        <p14:creationId xmlns:p14="http://schemas.microsoft.com/office/powerpoint/2010/main" val="2332948251"/>
+      </p:ext>
+    </p:extLst>
+  </p:cSld>
+  <p:clrMapOvr>
+    <a:masterClrMapping/>
+  </p:clrMapOvr>
+  <p:timing>
+    <p:tnLst>
+      <p:par>
+        <p:cTn id="1" dur="indefinite" restart="never" nodeType="tmRoot"/>
+      </p:par>
+    </p:tnLst>
+  </p:timing>
+</p:sld>
+</file>
+
+<file path=ppt/slides/slide13.xml><?xml version="1.0" encoding="utf-8"?>
+<p:sld xmlns:a="http://schemas.openxmlformats.org/drawingml/2006/main" xmlns:r="http://schemas.openxmlformats.org/officeDocument/2006/relationships" xmlns:p="http://schemas.openxmlformats.org/presentationml/2006/main">
+  <p:cSld>
+    <p:spTree>
+      <p:nvGrpSpPr>
+        <p:cNvPr id="1" name=""/>
+        <p:cNvGrpSpPr/>
+        <p:nvPr/>
+      </p:nvGrpSpPr>
+      <p:grpSpPr>
+        <a:xfrm>
+          <a:off x="0" y="0"/>
+          <a:ext cx="0" cy="0"/>
+          <a:chOff x="0" y="0"/>
+          <a:chExt cx="0" cy="0"/>
+        </a:xfrm>
+      </p:grpSpPr>
+      <p:sp>
+        <p:nvSpPr>
+          <p:cNvPr id="2" name="Title 1"/>
+          <p:cNvSpPr>
+            <a:spLocks noGrp="1"/>
+          </p:cNvSpPr>
+          <p:nvPr>
+            <p:ph type="title"/>
+          </p:nvPr>
+        </p:nvSpPr>
+        <p:spPr/>
+        <p:txBody>
+          <a:bodyPr>
+            <a:normAutofit/>
+          </a:bodyPr>
+          <a:lstStyle/>
+          <a:p>
+            <a:r>
+              <a:rPr lang="en-GB" dirty="0" smtClean="0"/>
+              <a:t>Videos...</a:t>
+            </a:r>
+            <a:endParaRPr lang="en-GB" dirty="0"/>
+          </a:p>
+        </p:txBody>
+      </p:sp>
+      <p:sp>
+        <p:nvSpPr>
+          <p:cNvPr id="3" name="Content Placeholder 2"/>
+          <p:cNvSpPr>
+            <a:spLocks noGrp="1"/>
+          </p:cNvSpPr>
+          <p:nvPr>
+            <p:ph idx="1"/>
+          </p:nvPr>
+        </p:nvSpPr>
+        <p:spPr>
+          <a:xfrm>
+            <a:off x="467544" y="987574"/>
+            <a:ext cx="6447501" cy="4111476"/>
+          </a:xfrm>
+          <a:solidFill>
+            <a:schemeClr val="bg1"/>
+          </a:solidFill>
+        </p:spPr>
+        <p:txBody>
+          <a:bodyPr>
+            <a:noAutofit/>
+          </a:bodyPr>
+          <a:lstStyle/>
+          <a:p>
+            <a:pPr marL="180000" indent="-478483">
+              <a:spcBef>
+                <a:spcPts val="300"/>
+              </a:spcBef>
+              <a:buFont typeface="+mj-lt"/>
+              <a:buAutoNum type="arabicPeriod"/>
+            </a:pPr>
+            <a:r>
+              <a:rPr lang="en-GB" sz="1100" dirty="0"/>
+              <a:t>Install the hardware and make the board work – three LED programs</a:t>
+            </a:r>
+          </a:p>
+          <a:p>
+            <a:pPr marL="180000" indent="-478483">
+              <a:spcBef>
+                <a:spcPts val="300"/>
+              </a:spcBef>
+              <a:buFont typeface="+mj-lt"/>
+              <a:buAutoNum type="arabicPeriod"/>
+            </a:pPr>
+            <a:r>
+              <a:rPr lang="en-GB" sz="1100" dirty="0"/>
+              <a:t>Make  four LEDs flash in a sequence</a:t>
+            </a:r>
+          </a:p>
+          <a:p>
+            <a:pPr marL="180000" indent="-478483">
+              <a:spcBef>
+                <a:spcPts val="300"/>
+              </a:spcBef>
+              <a:buFont typeface="+mj-lt"/>
+              <a:buAutoNum type="arabicPeriod"/>
+            </a:pPr>
+            <a:r>
+              <a:rPr lang="en-GB" sz="1100" dirty="0"/>
+              <a:t>Set the LEDs to represent the value of ADC</a:t>
+            </a:r>
+          </a:p>
+          <a:p>
+            <a:pPr marL="180000" indent="-478483">
+              <a:spcBef>
+                <a:spcPts val="300"/>
+              </a:spcBef>
+              <a:buFont typeface="+mj-lt"/>
+              <a:buAutoNum type="arabicPeriod"/>
+            </a:pPr>
+            <a:r>
+              <a:rPr lang="en-GB" sz="1100" dirty="0"/>
+              <a:t>Sequence the LEDs with a delay using the value of ADC</a:t>
+            </a:r>
+          </a:p>
+          <a:p>
+            <a:pPr marL="180000" indent="-478483">
+              <a:spcBef>
+                <a:spcPts val="300"/>
+              </a:spcBef>
+              <a:buFont typeface="+mj-lt"/>
+              <a:buAutoNum type="arabicPeriod"/>
+            </a:pPr>
+            <a:r>
+              <a:rPr lang="en-GB" sz="1100" dirty="0"/>
+              <a:t>Using an input to set the state of the LEDs</a:t>
+            </a:r>
+          </a:p>
+          <a:p>
+            <a:pPr marL="180000" indent="-478483">
+              <a:spcBef>
+                <a:spcPts val="300"/>
+              </a:spcBef>
+              <a:buFont typeface="+mj-lt"/>
+              <a:buAutoNum type="arabicPeriod"/>
+            </a:pPr>
+            <a:r>
+              <a:rPr lang="en-GB" sz="1100" b="1" dirty="0"/>
+              <a:t>Using the reset switch</a:t>
+            </a:r>
+          </a:p>
+          <a:p>
+            <a:pPr marL="180000" indent="-478483">
+              <a:spcBef>
+                <a:spcPts val="300"/>
+              </a:spcBef>
+              <a:buFont typeface="+mj-lt"/>
+              <a:buAutoNum type="arabicPeriod"/>
+            </a:pPr>
+            <a:r>
+              <a:rPr lang="en-GB" sz="1100" dirty="0"/>
+              <a:t>Using the switch, ADC – make the LEDs flash in a sequence with reverse</a:t>
+            </a:r>
+          </a:p>
+          <a:p>
+            <a:pPr marL="180000" indent="-478483">
+              <a:spcBef>
+                <a:spcPts val="300"/>
+              </a:spcBef>
+              <a:buFont typeface="+mj-lt"/>
+              <a:buAutoNum type="arabicPeriod"/>
+            </a:pPr>
+            <a:r>
+              <a:rPr lang="en-GB" sz="1100" dirty="0"/>
+              <a:t>Using the serial to display values</a:t>
+            </a:r>
+          </a:p>
+          <a:p>
+            <a:pPr marL="180000" indent="-478483">
+              <a:spcBef>
+                <a:spcPts val="300"/>
+              </a:spcBef>
+              <a:buFont typeface="+mj-lt"/>
+              <a:buAutoNum type="arabicPeriod"/>
+            </a:pPr>
+            <a:r>
+              <a:rPr lang="en-GB" sz="1100" dirty="0"/>
+              <a:t>Using the timer0 overflow, 8bit timer, 16bit timer to flash the LEDs</a:t>
+            </a:r>
+          </a:p>
+          <a:p>
+            <a:pPr marL="180000" indent="-478483">
+              <a:spcBef>
+                <a:spcPts val="300"/>
+              </a:spcBef>
+              <a:buFont typeface="+mj-lt"/>
+              <a:buAutoNum type="arabicPeriod"/>
+            </a:pPr>
+            <a:r>
+              <a:rPr lang="en-GB" sz="1100" dirty="0"/>
+              <a:t>Using </a:t>
+            </a:r>
+            <a:r>
+              <a:rPr lang="en-GB" sz="1100" dirty="0" err="1"/>
+              <a:t>EEProm</a:t>
+            </a:r>
+            <a:r>
+              <a:rPr lang="en-GB" sz="1100" dirty="0"/>
+              <a:t> – showing values on the serial terminal, and more constants insights</a:t>
+            </a:r>
+          </a:p>
+          <a:p>
+            <a:pPr marL="180000" indent="-478483">
+              <a:spcBef>
+                <a:spcPts val="300"/>
+              </a:spcBef>
+              <a:buFont typeface="+mj-lt"/>
+              <a:buAutoNum type="arabicPeriod"/>
+            </a:pPr>
+            <a:r>
+              <a:rPr lang="en-GB" sz="1100" dirty="0"/>
+              <a:t>Using I2C with serial to discover I2C devices</a:t>
+            </a:r>
+          </a:p>
+          <a:p>
+            <a:pPr marL="180000" indent="-478483">
+              <a:spcBef>
+                <a:spcPts val="300"/>
+              </a:spcBef>
+              <a:buFont typeface="+mj-lt"/>
+              <a:buAutoNum type="arabicPeriod"/>
+            </a:pPr>
+            <a:r>
+              <a:rPr lang="en-GB" sz="1100" dirty="0"/>
+              <a:t>Using an I2C GCLD display</a:t>
+            </a:r>
+          </a:p>
+          <a:p>
+            <a:pPr marL="180000" indent="-478483">
+              <a:spcBef>
+                <a:spcPts val="300"/>
+              </a:spcBef>
+              <a:buFont typeface="+mj-lt"/>
+              <a:buAutoNum type="arabicPeriod"/>
+            </a:pPr>
+            <a:r>
+              <a:rPr lang="en-GB" sz="1100" dirty="0"/>
+              <a:t>Using a SPI GCLD display</a:t>
+            </a:r>
+          </a:p>
+          <a:p>
+            <a:pPr marL="180000" indent="-478483">
+              <a:spcBef>
+                <a:spcPts val="300"/>
+              </a:spcBef>
+              <a:buFont typeface="+mj-lt"/>
+              <a:buAutoNum type="arabicPeriod"/>
+            </a:pPr>
+            <a:r>
+              <a:rPr lang="en-GB" sz="1100" dirty="0"/>
+              <a:t>Using PWM, 7  ways,  to dim the LEDS</a:t>
+            </a:r>
+          </a:p>
+          <a:p>
+            <a:pPr marL="180000" indent="-478483">
+              <a:spcBef>
+                <a:spcPts val="300"/>
+              </a:spcBef>
+              <a:buFont typeface="+mj-lt"/>
+              <a:buAutoNum type="arabicPeriod"/>
+            </a:pPr>
+            <a:r>
+              <a:rPr lang="en-GB" sz="1100" dirty="0"/>
+              <a:t>Using an external interrupt to control an LED</a:t>
+            </a:r>
+          </a:p>
+          <a:p>
+            <a:pPr marL="180000" indent="-478483">
+              <a:spcBef>
+                <a:spcPts val="300"/>
+              </a:spcBef>
+              <a:buFont typeface="+mj-lt"/>
+              <a:buAutoNum type="arabicPeriod"/>
+            </a:pPr>
+            <a:r>
+              <a:rPr lang="en-GB" sz="1100" dirty="0"/>
+              <a:t>Using storage within the chip – </a:t>
+            </a:r>
+            <a:r>
+              <a:rPr lang="en-GB" sz="1100" dirty="0" err="1"/>
+              <a:t>Progmem</a:t>
+            </a:r>
+            <a:r>
+              <a:rPr lang="en-GB" sz="1100" dirty="0"/>
+              <a:t>, SAF memory, EEPROM and DATA blocks</a:t>
+            </a:r>
+          </a:p>
+          <a:p>
+            <a:pPr marL="180000" indent="-478483">
+              <a:spcBef>
+                <a:spcPts val="300"/>
+              </a:spcBef>
+              <a:buFont typeface="+mj-lt"/>
+              <a:buAutoNum type="arabicPeriod"/>
+            </a:pPr>
+            <a:r>
+              <a:rPr lang="en-GB" sz="1100" dirty="0"/>
+              <a:t>Using CLC</a:t>
+            </a:r>
+          </a:p>
+          <a:p>
+            <a:pPr marL="180000" indent="-478483">
+              <a:spcBef>
+                <a:spcPts val="300"/>
+              </a:spcBef>
+              <a:buFont typeface="+mj-lt"/>
+              <a:buAutoNum type="arabicPeriod"/>
+            </a:pPr>
+            <a:r>
+              <a:rPr lang="en-GB" sz="1100" dirty="0"/>
+              <a:t>The GCBASIC tool chain</a:t>
+            </a:r>
+          </a:p>
+          <a:p>
+            <a:pPr marL="180000" indent="-478483">
+              <a:spcBef>
+                <a:spcPts val="300"/>
+              </a:spcBef>
+              <a:buFont typeface="+mj-lt"/>
+              <a:buAutoNum type="arabicPeriod"/>
+            </a:pPr>
+            <a:r>
+              <a:rPr lang="en-GB" sz="1100" dirty="0"/>
+              <a:t>Assembly , alternatives assemblers and MPLAB-X</a:t>
+            </a:r>
+          </a:p>
+          <a:p>
+            <a:pPr marL="180000" indent="-478483">
+              <a:spcBef>
+                <a:spcPts val="300"/>
+              </a:spcBef>
+              <a:buFont typeface="+mj-lt"/>
+              <a:buAutoNum type="arabicPeriod"/>
+            </a:pPr>
+            <a:r>
+              <a:rPr lang="en-GB" sz="1100" dirty="0"/>
+              <a:t>Summary</a:t>
+            </a:r>
+          </a:p>
+          <a:p>
+            <a:pPr marL="180000" indent="-478483">
+              <a:spcBef>
+                <a:spcPts val="300"/>
+              </a:spcBef>
+              <a:buFont typeface="+mj-lt"/>
+              <a:buAutoNum type="arabicPeriod"/>
+            </a:pPr>
+            <a:endParaRPr lang="en-GB" sz="400" dirty="0" smtClean="0">
+              <a:solidFill>
+                <a:schemeClr val="bg1">
+                  <a:lumMod val="75000"/>
+                </a:schemeClr>
+              </a:solidFill>
+            </a:endParaRPr>
+          </a:p>
+          <a:p>
+            <a:pPr marL="180000" indent="-478483">
+              <a:spcBef>
+                <a:spcPts val="300"/>
+              </a:spcBef>
+              <a:buNone/>
+            </a:pPr>
+            <a:endParaRPr lang="en-GB" sz="700" dirty="0" smtClean="0"/>
+          </a:p>
+          <a:p>
+            <a:pPr marL="180000" indent="-478483">
+              <a:spcBef>
+                <a:spcPts val="300"/>
+              </a:spcBef>
+              <a:buFont typeface="+mj-lt"/>
+              <a:buAutoNum type="arabicPeriod"/>
+            </a:pPr>
+            <a:endParaRPr lang="en-GB" sz="700" dirty="0" smtClean="0"/>
+          </a:p>
+          <a:p>
+            <a:pPr marL="180000" indent="-478483">
+              <a:spcBef>
+                <a:spcPts val="300"/>
+              </a:spcBef>
+              <a:buFont typeface="+mj-lt"/>
+              <a:buAutoNum type="arabicPeriod"/>
+            </a:pPr>
+            <a:endParaRPr lang="en-GB" sz="500" dirty="0" smtClean="0"/>
+          </a:p>
+          <a:p>
+            <a:pPr marL="180000" indent="-478483">
+              <a:spcBef>
+                <a:spcPts val="300"/>
+              </a:spcBef>
+              <a:buFont typeface="+mj-lt"/>
+              <a:buAutoNum type="arabicPeriod"/>
+            </a:pPr>
+            <a:endParaRPr lang="en-GB" sz="500" dirty="0" smtClean="0"/>
+          </a:p>
+          <a:p>
+            <a:pPr marL="180000" indent="-478483">
+              <a:spcBef>
+                <a:spcPts val="300"/>
+              </a:spcBef>
+              <a:buFont typeface="+mj-lt"/>
+              <a:buAutoNum type="arabicPeriod"/>
+            </a:pPr>
+            <a:endParaRPr lang="en-GB" sz="500" dirty="0" smtClean="0"/>
+          </a:p>
+          <a:p>
+            <a:pPr marL="180000" indent="-478483">
+              <a:spcBef>
+                <a:spcPts val="300"/>
+              </a:spcBef>
+              <a:buFont typeface="+mj-lt"/>
+              <a:buAutoNum type="arabicPeriod"/>
+            </a:pPr>
+            <a:endParaRPr lang="en-GB" sz="500" dirty="0"/>
+          </a:p>
+        </p:txBody>
+      </p:sp>
+    </p:spTree>
+    <p:extLst>
+      <p:ext uri="{BB962C8B-B14F-4D97-AF65-F5344CB8AC3E}">
+        <p14:creationId xmlns:p14="http://schemas.microsoft.com/office/powerpoint/2010/main" val="1039989469"/>
+      </p:ext>
+    </p:extLst>
+  </p:cSld>
+  <p:clrMapOvr>
+    <a:masterClrMapping/>
+  </p:clrMapOvr>
+  <mc:AlternateContent xmlns:mc="http://schemas.openxmlformats.org/markup-compatibility/2006" xmlns:p14="http://schemas.microsoft.com/office/powerpoint/2010/main">
+    <mc:Choice Requires="p14">
+      <p:transition spd="slow" p14:dur="2000"/>
+    </mc:Choice>
+    <mc:Fallback xmlns="">
+      <p:transition spd="slow"/>
+    </mc:Fallback>
+  </mc:AlternateContent>
+  <p:timing>
+    <p:tnLst>
+      <p:par>
+        <p:cTn id="1" dur="indefinite" restart="never" nodeType="tmRoot"/>
+      </p:par>
+    </p:tnLst>
+  </p:timing>
+</p:sld>
+</file>
+
+<file path=ppt/slides/slide14.xml><?xml version="1.0" encoding="utf-8"?>
+<p:sld xmlns:a="http://schemas.openxmlformats.org/drawingml/2006/main" xmlns:r="http://schemas.openxmlformats.org/officeDocument/2006/relationships" xmlns:p="http://schemas.openxmlformats.org/presentationml/2006/main">
+  <p:cSld>
+    <p:spTree>
+      <p:nvGrpSpPr>
+        <p:cNvPr id="1" name=""/>
+        <p:cNvGrpSpPr/>
+        <p:nvPr/>
+      </p:nvGrpSpPr>
+      <p:grpSpPr>
+        <a:xfrm>
+          <a:off x="0" y="0"/>
+          <a:ext cx="0" cy="0"/>
+          <a:chOff x="0" y="0"/>
+          <a:chExt cx="0" cy="0"/>
+        </a:xfrm>
+      </p:grpSpPr>
+      <p:sp>
+        <p:nvSpPr>
+          <p:cNvPr id="2" name="Title 1"/>
+          <p:cNvSpPr>
+            <a:spLocks noGrp="1"/>
+          </p:cNvSpPr>
+          <p:nvPr>
+            <p:ph type="ctrTitle"/>
+          </p:nvPr>
+        </p:nvSpPr>
+        <p:spPr/>
+        <p:txBody>
+          <a:bodyPr/>
+          <a:lstStyle/>
+          <a:p>
+            <a:r>
+              <a:rPr lang="en-GB" dirty="0" smtClean="0"/>
+              <a:t>GCBASIC</a:t>
+            </a:r>
+            <a:endParaRPr lang="en-GB" dirty="0"/>
+          </a:p>
+        </p:txBody>
+      </p:sp>
+      <p:pic>
+        <p:nvPicPr>
+          <p:cNvPr id="1026" name="Picture 2" descr="D:\Build\AnobiumTransparent.jpg"/>
+          <p:cNvPicPr>
+            <a:picLocks noChangeAspect="1" noChangeArrowheads="1"/>
+          </p:cNvPicPr>
+          <p:nvPr/>
+        </p:nvPicPr>
+        <p:blipFill>
+          <a:blip r:embed="rId2" cstate="print"/>
+          <a:srcRect/>
+          <a:stretch>
+            <a:fillRect/>
+          </a:stretch>
+        </p:blipFill>
+        <p:spPr bwMode="auto">
+          <a:xfrm>
+            <a:off x="5292080" y="911052"/>
+            <a:ext cx="1828859" cy="771550"/>
+          </a:xfrm>
+          <a:prstGeom prst="rect">
+            <a:avLst/>
+          </a:prstGeom>
+          <a:noFill/>
+        </p:spPr>
+      </p:pic>
+      <p:sp>
+        <p:nvSpPr>
+          <p:cNvPr id="4" name="AutoShape 2" descr="ICSP connection"/>
+          <p:cNvSpPr>
+            <a:spLocks noChangeAspect="1" noChangeArrowheads="1"/>
+          </p:cNvSpPr>
+          <p:nvPr/>
+        </p:nvSpPr>
+        <p:spPr bwMode="auto">
+          <a:xfrm>
+            <a:off x="155575" y="-144462"/>
+            <a:ext cx="304800" cy="304801"/>
+          </a:xfrm>
+          <a:prstGeom prst="rect">
+            <a:avLst/>
+          </a:prstGeom>
+          <a:noFill/>
+        </p:spPr>
+        <p:txBody>
+          <a:bodyPr vert="horz" wrap="square" lIns="85064" tIns="42531" rIns="85064" bIns="42531" numCol="1" anchor="t" anchorCtr="0" compatLnSpc="1">
+            <a:prstTxWarp prst="textNoShape">
+              <a:avLst/>
+            </a:prstTxWarp>
+          </a:bodyPr>
+          <a:lstStyle/>
+          <a:p>
+            <a:endParaRPr lang="en-GB" dirty="0"/>
+          </a:p>
+        </p:txBody>
+      </p:sp>
+      <p:sp>
+        <p:nvSpPr>
+          <p:cNvPr id="8" name="Text Placeholder 4"/>
+          <p:cNvSpPr txBox="1">
+            <a:spLocks/>
+          </p:cNvSpPr>
+          <p:nvPr/>
+        </p:nvSpPr>
+        <p:spPr>
+          <a:xfrm>
+            <a:off x="3805512" y="2931790"/>
+            <a:ext cx="3342861" cy="645300"/>
+          </a:xfrm>
+          <a:prstGeom prst="rect">
+            <a:avLst/>
+          </a:prstGeom>
+        </p:spPr>
+        <p:txBody>
+          <a:bodyPr vert="horz" lIns="68580" tIns="34290" rIns="68580" bIns="34290" rtlCol="0" anchor="t">
+            <a:normAutofit/>
+          </a:bodyPr>
+          <a:lstStyle>
+            <a:lvl1pPr marL="0" indent="0" algn="r" defTabSz="342900" rtl="0" eaLnBrk="1" latinLnBrk="0" hangingPunct="1">
+              <a:spcBef>
+                <a:spcPts val="750"/>
+              </a:spcBef>
+              <a:spcAft>
+                <a:spcPts val="0"/>
+              </a:spcAft>
+              <a:buClr>
+                <a:schemeClr val="accent1"/>
+              </a:buClr>
+              <a:buSzPct val="80000"/>
+              <a:buFont typeface="Wingdings 3" charset="2"/>
+              <a:buNone/>
+              <a:defRPr sz="1400" kern="1200">
+                <a:solidFill>
+                  <a:schemeClr val="tx1">
+                    <a:lumMod val="50000"/>
+                    <a:lumOff val="50000"/>
+                  </a:schemeClr>
+                </a:solidFill>
+                <a:latin typeface="+mn-lt"/>
+                <a:ea typeface="+mn-ea"/>
+                <a:cs typeface="+mn-cs"/>
+              </a:defRPr>
+            </a:lvl1pPr>
+            <a:lvl2pPr marL="342900" indent="0" algn="ctr" defTabSz="342900" rtl="0" eaLnBrk="1" latinLnBrk="0" hangingPunct="1">
+              <a:spcBef>
+                <a:spcPts val="750"/>
+              </a:spcBef>
+              <a:spcAft>
+                <a:spcPts val="0"/>
+              </a:spcAft>
+              <a:buClr>
+                <a:schemeClr val="accent1"/>
+              </a:buClr>
+              <a:buSzPct val="80000"/>
+              <a:buFont typeface="Wingdings 3" charset="2"/>
+              <a:buNone/>
+              <a:defRPr sz="1200" kern="1200">
+                <a:solidFill>
+                  <a:schemeClr val="tx1">
+                    <a:tint val="75000"/>
+                  </a:schemeClr>
+                </a:solidFill>
+                <a:latin typeface="+mn-lt"/>
+                <a:ea typeface="+mn-ea"/>
+                <a:cs typeface="+mn-cs"/>
+              </a:defRPr>
+            </a:lvl2pPr>
+            <a:lvl3pPr marL="685800" indent="0" algn="ctr" defTabSz="342900" rtl="0" eaLnBrk="1" latinLnBrk="0" hangingPunct="1">
+              <a:spcBef>
+                <a:spcPts val="750"/>
+              </a:spcBef>
+              <a:spcAft>
+                <a:spcPts val="0"/>
+              </a:spcAft>
+              <a:buClr>
+                <a:schemeClr val="accent1"/>
+              </a:buClr>
+              <a:buSzPct val="80000"/>
+              <a:buFont typeface="Wingdings 3" charset="2"/>
+              <a:buNone/>
+              <a:defRPr sz="1100" kern="1200">
+                <a:solidFill>
+                  <a:schemeClr val="tx1">
+                    <a:tint val="75000"/>
+                  </a:schemeClr>
+                </a:solidFill>
+                <a:latin typeface="+mn-lt"/>
+                <a:ea typeface="+mn-ea"/>
+                <a:cs typeface="+mn-cs"/>
+              </a:defRPr>
+            </a:lvl3pPr>
+            <a:lvl4pPr marL="1028700" indent="0" algn="ctr" defTabSz="342900" rtl="0" eaLnBrk="1" latinLnBrk="0" hangingPunct="1">
+              <a:spcBef>
+                <a:spcPts val="750"/>
+              </a:spcBef>
+              <a:spcAft>
+                <a:spcPts val="0"/>
+              </a:spcAft>
+              <a:buClr>
+                <a:schemeClr val="accent1"/>
+              </a:buClr>
+              <a:buSzPct val="80000"/>
+              <a:buFont typeface="Wingdings 3" charset="2"/>
+              <a:buNone/>
+              <a:defRPr sz="900" kern="1200">
+                <a:solidFill>
+                  <a:schemeClr val="tx1">
+                    <a:tint val="75000"/>
+                  </a:schemeClr>
+                </a:solidFill>
+                <a:latin typeface="+mn-lt"/>
+                <a:ea typeface="+mn-ea"/>
+                <a:cs typeface="+mn-cs"/>
+              </a:defRPr>
+            </a:lvl4pPr>
+            <a:lvl5pPr marL="1371600" indent="0" algn="ctr" defTabSz="342900" rtl="0" eaLnBrk="1" latinLnBrk="0" hangingPunct="1">
+              <a:spcBef>
+                <a:spcPts val="750"/>
+              </a:spcBef>
+              <a:spcAft>
+                <a:spcPts val="0"/>
+              </a:spcAft>
+              <a:buClr>
+                <a:schemeClr val="accent1"/>
+              </a:buClr>
+              <a:buSzPct val="80000"/>
+              <a:buFont typeface="Wingdings 3" charset="2"/>
+              <a:buNone/>
+              <a:defRPr sz="900" kern="1200">
+                <a:solidFill>
+                  <a:schemeClr val="tx1">
+                    <a:tint val="75000"/>
+                  </a:schemeClr>
+                </a:solidFill>
+                <a:latin typeface="+mn-lt"/>
+                <a:ea typeface="+mn-ea"/>
+                <a:cs typeface="+mn-cs"/>
+              </a:defRPr>
+            </a:lvl5pPr>
+            <a:lvl6pPr marL="1714500" indent="0" algn="ctr" defTabSz="342900" rtl="0" eaLnBrk="1" latinLnBrk="0" hangingPunct="1">
+              <a:spcBef>
+                <a:spcPts val="750"/>
+              </a:spcBef>
+              <a:spcAft>
+                <a:spcPts val="0"/>
+              </a:spcAft>
+              <a:buClr>
+                <a:schemeClr val="accent1"/>
+              </a:buClr>
+              <a:buSzPct val="80000"/>
+              <a:buFont typeface="Wingdings 3" charset="2"/>
+              <a:buNone/>
+              <a:defRPr sz="900" kern="1200">
+                <a:solidFill>
+                  <a:schemeClr val="tx1">
+                    <a:tint val="75000"/>
+                  </a:schemeClr>
+                </a:solidFill>
+                <a:latin typeface="+mn-lt"/>
+                <a:ea typeface="+mn-ea"/>
+                <a:cs typeface="+mn-cs"/>
+              </a:defRPr>
+            </a:lvl6pPr>
+            <a:lvl7pPr marL="2057400" indent="0" algn="ctr" defTabSz="342900" rtl="0" eaLnBrk="1" latinLnBrk="0" hangingPunct="1">
+              <a:spcBef>
+                <a:spcPts val="750"/>
+              </a:spcBef>
+              <a:spcAft>
+                <a:spcPts val="0"/>
+              </a:spcAft>
+              <a:buClr>
+                <a:schemeClr val="accent1"/>
+              </a:buClr>
+              <a:buSzPct val="80000"/>
+              <a:buFont typeface="Wingdings 3" charset="2"/>
+              <a:buNone/>
+              <a:defRPr sz="900" kern="1200">
+                <a:solidFill>
+                  <a:schemeClr val="tx1">
+                    <a:tint val="75000"/>
+                  </a:schemeClr>
+                </a:solidFill>
+                <a:latin typeface="+mn-lt"/>
+                <a:ea typeface="+mn-ea"/>
+                <a:cs typeface="+mn-cs"/>
+              </a:defRPr>
+            </a:lvl7pPr>
+            <a:lvl8pPr marL="2400300" indent="0" algn="ctr" defTabSz="342900" rtl="0" eaLnBrk="1" latinLnBrk="0" hangingPunct="1">
+              <a:spcBef>
+                <a:spcPts val="750"/>
+              </a:spcBef>
+              <a:spcAft>
+                <a:spcPts val="0"/>
+              </a:spcAft>
+              <a:buClr>
+                <a:schemeClr val="accent1"/>
+              </a:buClr>
+              <a:buSzPct val="80000"/>
+              <a:buFont typeface="Wingdings 3" charset="2"/>
+              <a:buNone/>
+              <a:defRPr sz="900" kern="1200">
+                <a:solidFill>
+                  <a:schemeClr val="tx1">
+                    <a:tint val="75000"/>
+                  </a:schemeClr>
+                </a:solidFill>
+                <a:latin typeface="+mn-lt"/>
+                <a:ea typeface="+mn-ea"/>
+                <a:cs typeface="+mn-cs"/>
+              </a:defRPr>
+            </a:lvl8pPr>
+            <a:lvl9pPr marL="2743200" indent="0" algn="ctr" defTabSz="342900" rtl="0" eaLnBrk="1" latinLnBrk="0" hangingPunct="1">
+              <a:spcBef>
+                <a:spcPts val="750"/>
+              </a:spcBef>
+              <a:spcAft>
+                <a:spcPts val="0"/>
+              </a:spcAft>
+              <a:buClr>
+                <a:schemeClr val="accent1"/>
+              </a:buClr>
+              <a:buSzPct val="80000"/>
+              <a:buFont typeface="Wingdings 3" charset="2"/>
+              <a:buNone/>
+              <a:defRPr sz="900" kern="1200">
+                <a:solidFill>
+                  <a:schemeClr val="tx1">
+                    <a:tint val="75000"/>
+                  </a:schemeClr>
+                </a:solidFill>
+                <a:latin typeface="+mn-lt"/>
+                <a:ea typeface="+mn-ea"/>
+                <a:cs typeface="+mn-cs"/>
+              </a:defRPr>
+            </a:lvl9pPr>
+          </a:lstStyle>
+          <a:p>
+            <a:r>
+              <a:rPr lang="en-GB" dirty="0" smtClean="0"/>
+              <a:t>PIC16F175xx</a:t>
+            </a:r>
+          </a:p>
+          <a:p>
+            <a:r>
+              <a:rPr lang="en-GB" dirty="0"/>
+              <a:t>Part 5 – a switch  sets the LEDs state</a:t>
+            </a:r>
+          </a:p>
+        </p:txBody>
+      </p:sp>
+      <p:pic>
+        <p:nvPicPr>
+          <p:cNvPr id="7" name="Picture 4" descr="PIC16F17556 | Microchip Technology"/>
+          <p:cNvPicPr>
+            <a:picLocks noChangeAspect="1" noChangeArrowheads="1"/>
+          </p:cNvPicPr>
+          <p:nvPr/>
+        </p:nvPicPr>
+        <p:blipFill>
+          <a:blip r:embed="rId3" cstate="print">
+            <a:extLst>
+              <a:ext uri="{28A0092B-C50C-407E-A947-70E740481C1C}">
+                <a14:useLocalDpi xmlns:a14="http://schemas.microsoft.com/office/drawing/2010/main" val="0"/>
+              </a:ext>
+            </a:extLst>
+          </a:blip>
+          <a:srcRect/>
+          <a:stretch>
+            <a:fillRect/>
+          </a:stretch>
+        </p:blipFill>
+        <p:spPr bwMode="auto">
+          <a:xfrm>
+            <a:off x="6750880" y="3974993"/>
+            <a:ext cx="2415427" cy="1178257"/>
+          </a:xfrm>
+          <a:prstGeom prst="rect">
+            <a:avLst/>
+          </a:prstGeom>
+          <a:noFill/>
+          <a:extLst>
+            <a:ext uri="{909E8E84-426E-40DD-AFC4-6F175D3DCCD1}">
+              <a14:hiddenFill xmlns:a14="http://schemas.microsoft.com/office/drawing/2010/main">
+                <a:solidFill>
+                  <a:srgbClr val="FFFFFF"/>
+                </a:solidFill>
+              </a14:hiddenFill>
+            </a:ext>
+          </a:extLst>
+        </p:spPr>
+      </p:pic>
+      <p:pic>
+        <p:nvPicPr>
+          <p:cNvPr id="9" name="Picture 6" descr="PIC16F19175 | Microchip Technology"/>
+          <p:cNvPicPr>
+            <a:picLocks noChangeAspect="1" noChangeArrowheads="1"/>
+          </p:cNvPicPr>
+          <p:nvPr/>
+        </p:nvPicPr>
+        <p:blipFill>
+          <a:blip r:embed="rId4" cstate="print">
+            <a:extLst>
+              <a:ext uri="{28A0092B-C50C-407E-A947-70E740481C1C}">
+                <a14:useLocalDpi xmlns:a14="http://schemas.microsoft.com/office/drawing/2010/main" val="0"/>
+              </a:ext>
+            </a:extLst>
+          </a:blip>
+          <a:srcRect/>
+          <a:stretch>
+            <a:fillRect/>
+          </a:stretch>
+        </p:blipFill>
+        <p:spPr bwMode="auto">
+          <a:xfrm>
+            <a:off x="2644136" y="3943142"/>
+            <a:ext cx="1384038" cy="1192111"/>
+          </a:xfrm>
+          <a:prstGeom prst="rect">
+            <a:avLst/>
+          </a:prstGeom>
+          <a:noFill/>
+          <a:extLst>
+            <a:ext uri="{909E8E84-426E-40DD-AFC4-6F175D3DCCD1}">
+              <a14:hiddenFill xmlns:a14="http://schemas.microsoft.com/office/drawing/2010/main">
+                <a:solidFill>
+                  <a:srgbClr val="FFFFFF"/>
+                </a:solidFill>
+              </a14:hiddenFill>
+            </a:ext>
+          </a:extLst>
+        </p:spPr>
+      </p:pic>
+    </p:spTree>
+    <p:extLst>
+      <p:ext uri="{BB962C8B-B14F-4D97-AF65-F5344CB8AC3E}">
+        <p14:creationId xmlns:p14="http://schemas.microsoft.com/office/powerpoint/2010/main" val="3407982396"/>
+      </p:ext>
+    </p:extLst>
+  </p:cSld>
+  <p:clrMapOvr>
+    <a:masterClrMapping/>
+  </p:clrMapOvr>
+  <mc:AlternateContent xmlns:mc="http://schemas.openxmlformats.org/markup-compatibility/2006" xmlns:p14="http://schemas.microsoft.com/office/powerpoint/2010/main">
+    <mc:Choice Requires="p14">
+      <p:transition spd="slow" p14:dur="2000"/>
+    </mc:Choice>
+    <mc:Fallback xmlns="">
+      <p:transition spd="slow"/>
+    </mc:Fallback>
+  </mc:AlternateContent>
+  <p:timing>
+    <p:tnLst>
+      <p:par>
+        <p:cTn id="1" dur="indefinite" restart="never" nodeType="tmRoot"/>
+      </p:par>
+    </p:tnLst>
+  </p:timing>
+</p:sld>
+</file>
+
+<file path=ppt/slides/slide2.xml><?xml version="1.0" encoding="utf-8"?>
+<p:sld xmlns:a="http://schemas.openxmlformats.org/drawingml/2006/main" xmlns:r="http://schemas.openxmlformats.org/officeDocument/2006/relationships" xmlns:p="http://schemas.openxmlformats.org/presentationml/2006/main">
+  <p:cSld>
+    <p:spTree>
+      <p:nvGrpSpPr>
+        <p:cNvPr id="1" name=""/>
+        <p:cNvGrpSpPr/>
+        <p:nvPr/>
+      </p:nvGrpSpPr>
+      <p:grpSpPr>
+        <a:xfrm>
+          <a:off x="0" y="0"/>
+          <a:ext cx="0" cy="0"/>
+          <a:chOff x="0" y="0"/>
+          <a:chExt cx="0" cy="0"/>
+        </a:xfrm>
+      </p:grpSpPr>
+      <p:sp>
+        <p:nvSpPr>
+          <p:cNvPr id="2" name="Title 1"/>
+          <p:cNvSpPr>
+            <a:spLocks noGrp="1"/>
+          </p:cNvSpPr>
+          <p:nvPr>
+            <p:ph type="ctrTitle"/>
+          </p:nvPr>
+        </p:nvSpPr>
+        <p:spPr/>
+        <p:txBody>
+          <a:bodyPr/>
+          <a:lstStyle/>
+          <a:p>
+            <a:r>
+              <a:rPr lang="en-GB" dirty="0" smtClean="0"/>
+              <a:t>GCBASIC</a:t>
+            </a:r>
+            <a:endParaRPr lang="en-GB" dirty="0"/>
+          </a:p>
+        </p:txBody>
+      </p:sp>
+      <p:pic>
+        <p:nvPicPr>
+          <p:cNvPr id="1026" name="Picture 2" descr="D:\Build\AnobiumTransparent.jpg"/>
+          <p:cNvPicPr>
+            <a:picLocks noChangeAspect="1" noChangeArrowheads="1"/>
+          </p:cNvPicPr>
+          <p:nvPr/>
+        </p:nvPicPr>
+        <p:blipFill>
+          <a:blip r:embed="rId2" cstate="print"/>
+          <a:srcRect/>
+          <a:stretch>
+            <a:fillRect/>
+          </a:stretch>
+        </p:blipFill>
+        <p:spPr bwMode="auto">
+          <a:xfrm>
+            <a:off x="5292080" y="911052"/>
+            <a:ext cx="1828859" cy="771550"/>
+          </a:xfrm>
+          <a:prstGeom prst="rect">
+            <a:avLst/>
+          </a:prstGeom>
+          <a:noFill/>
+        </p:spPr>
+      </p:pic>
+      <p:sp>
+        <p:nvSpPr>
+          <p:cNvPr id="4" name="AutoShape 2" descr="ICSP connection"/>
+          <p:cNvSpPr>
+            <a:spLocks noChangeAspect="1" noChangeArrowheads="1"/>
+          </p:cNvSpPr>
+          <p:nvPr/>
+        </p:nvSpPr>
+        <p:spPr bwMode="auto">
+          <a:xfrm>
+            <a:off x="155575" y="-144462"/>
+            <a:ext cx="304800" cy="304801"/>
+          </a:xfrm>
+          <a:prstGeom prst="rect">
+            <a:avLst/>
+          </a:prstGeom>
+          <a:noFill/>
+        </p:spPr>
+        <p:txBody>
+          <a:bodyPr vert="horz" wrap="square" lIns="85064" tIns="42531" rIns="85064" bIns="42531" numCol="1" anchor="t" anchorCtr="0" compatLnSpc="1">
+            <a:prstTxWarp prst="textNoShape">
+              <a:avLst/>
+            </a:prstTxWarp>
+          </a:bodyPr>
+          <a:lstStyle/>
+          <a:p>
+            <a:endParaRPr lang="en-GB" dirty="0"/>
+          </a:p>
+        </p:txBody>
+      </p:sp>
+      <p:sp>
+        <p:nvSpPr>
+          <p:cNvPr id="8" name="Text Placeholder 4"/>
+          <p:cNvSpPr txBox="1">
+            <a:spLocks/>
+          </p:cNvSpPr>
+          <p:nvPr/>
+        </p:nvSpPr>
+        <p:spPr>
+          <a:xfrm>
+            <a:off x="3805512" y="2931790"/>
+            <a:ext cx="3342861" cy="645300"/>
+          </a:xfrm>
+          <a:prstGeom prst="rect">
+            <a:avLst/>
+          </a:prstGeom>
+        </p:spPr>
+        <p:txBody>
+          <a:bodyPr vert="horz" lIns="68580" tIns="34290" rIns="68580" bIns="34290" rtlCol="0" anchor="t">
+            <a:normAutofit/>
+          </a:bodyPr>
+          <a:lstStyle>
+            <a:lvl1pPr marL="0" indent="0" algn="r" defTabSz="342900" rtl="0" eaLnBrk="1" latinLnBrk="0" hangingPunct="1">
+              <a:spcBef>
+                <a:spcPts val="750"/>
+              </a:spcBef>
+              <a:spcAft>
+                <a:spcPts val="0"/>
+              </a:spcAft>
+              <a:buClr>
+                <a:schemeClr val="accent1"/>
+              </a:buClr>
+              <a:buSzPct val="80000"/>
+              <a:buFont typeface="Wingdings 3" charset="2"/>
+              <a:buNone/>
+              <a:defRPr sz="1400" kern="1200">
+                <a:solidFill>
+                  <a:schemeClr val="tx1">
+                    <a:lumMod val="50000"/>
+                    <a:lumOff val="50000"/>
+                  </a:schemeClr>
+                </a:solidFill>
+                <a:latin typeface="+mn-lt"/>
+                <a:ea typeface="+mn-ea"/>
+                <a:cs typeface="+mn-cs"/>
+              </a:defRPr>
+            </a:lvl1pPr>
+            <a:lvl2pPr marL="342900" indent="0" algn="ctr" defTabSz="342900" rtl="0" eaLnBrk="1" latinLnBrk="0" hangingPunct="1">
+              <a:spcBef>
+                <a:spcPts val="750"/>
+              </a:spcBef>
+              <a:spcAft>
+                <a:spcPts val="0"/>
+              </a:spcAft>
+              <a:buClr>
+                <a:schemeClr val="accent1"/>
+              </a:buClr>
+              <a:buSzPct val="80000"/>
+              <a:buFont typeface="Wingdings 3" charset="2"/>
+              <a:buNone/>
+              <a:defRPr sz="1200" kern="1200">
+                <a:solidFill>
+                  <a:schemeClr val="tx1">
+                    <a:tint val="75000"/>
+                  </a:schemeClr>
+                </a:solidFill>
+                <a:latin typeface="+mn-lt"/>
+                <a:ea typeface="+mn-ea"/>
+                <a:cs typeface="+mn-cs"/>
+              </a:defRPr>
+            </a:lvl2pPr>
+            <a:lvl3pPr marL="685800" indent="0" algn="ctr" defTabSz="342900" rtl="0" eaLnBrk="1" latinLnBrk="0" hangingPunct="1">
+              <a:spcBef>
+                <a:spcPts val="750"/>
+              </a:spcBef>
+              <a:spcAft>
+                <a:spcPts val="0"/>
+              </a:spcAft>
+              <a:buClr>
+                <a:schemeClr val="accent1"/>
+              </a:buClr>
+              <a:buSzPct val="80000"/>
+              <a:buFont typeface="Wingdings 3" charset="2"/>
+              <a:buNone/>
+              <a:defRPr sz="1100" kern="1200">
+                <a:solidFill>
+                  <a:schemeClr val="tx1">
+                    <a:tint val="75000"/>
+                  </a:schemeClr>
+                </a:solidFill>
+                <a:latin typeface="+mn-lt"/>
+                <a:ea typeface="+mn-ea"/>
+                <a:cs typeface="+mn-cs"/>
+              </a:defRPr>
+            </a:lvl3pPr>
+            <a:lvl4pPr marL="1028700" indent="0" algn="ctr" defTabSz="342900" rtl="0" eaLnBrk="1" latinLnBrk="0" hangingPunct="1">
+              <a:spcBef>
+                <a:spcPts val="750"/>
+              </a:spcBef>
+              <a:spcAft>
+                <a:spcPts val="0"/>
+              </a:spcAft>
+              <a:buClr>
+                <a:schemeClr val="accent1"/>
+              </a:buClr>
+              <a:buSzPct val="80000"/>
+              <a:buFont typeface="Wingdings 3" charset="2"/>
+              <a:buNone/>
+              <a:defRPr sz="900" kern="1200">
+                <a:solidFill>
+                  <a:schemeClr val="tx1">
+                    <a:tint val="75000"/>
+                  </a:schemeClr>
+                </a:solidFill>
+                <a:latin typeface="+mn-lt"/>
+                <a:ea typeface="+mn-ea"/>
+                <a:cs typeface="+mn-cs"/>
+              </a:defRPr>
+            </a:lvl4pPr>
+            <a:lvl5pPr marL="1371600" indent="0" algn="ctr" defTabSz="342900" rtl="0" eaLnBrk="1" latinLnBrk="0" hangingPunct="1">
+              <a:spcBef>
+                <a:spcPts val="750"/>
+              </a:spcBef>
+              <a:spcAft>
+                <a:spcPts val="0"/>
+              </a:spcAft>
+              <a:buClr>
+                <a:schemeClr val="accent1"/>
+              </a:buClr>
+              <a:buSzPct val="80000"/>
+              <a:buFont typeface="Wingdings 3" charset="2"/>
+              <a:buNone/>
+              <a:defRPr sz="900" kern="1200">
+                <a:solidFill>
+                  <a:schemeClr val="tx1">
+                    <a:tint val="75000"/>
+                  </a:schemeClr>
+                </a:solidFill>
+                <a:latin typeface="+mn-lt"/>
+                <a:ea typeface="+mn-ea"/>
+                <a:cs typeface="+mn-cs"/>
+              </a:defRPr>
+            </a:lvl5pPr>
+            <a:lvl6pPr marL="1714500" indent="0" algn="ctr" defTabSz="342900" rtl="0" eaLnBrk="1" latinLnBrk="0" hangingPunct="1">
+              <a:spcBef>
+                <a:spcPts val="750"/>
+              </a:spcBef>
+              <a:spcAft>
+                <a:spcPts val="0"/>
+              </a:spcAft>
+              <a:buClr>
+                <a:schemeClr val="accent1"/>
+              </a:buClr>
+              <a:buSzPct val="80000"/>
+              <a:buFont typeface="Wingdings 3" charset="2"/>
+              <a:buNone/>
+              <a:defRPr sz="900" kern="1200">
+                <a:solidFill>
+                  <a:schemeClr val="tx1">
+                    <a:tint val="75000"/>
+                  </a:schemeClr>
+                </a:solidFill>
+                <a:latin typeface="+mn-lt"/>
+                <a:ea typeface="+mn-ea"/>
+                <a:cs typeface="+mn-cs"/>
+              </a:defRPr>
+            </a:lvl6pPr>
+            <a:lvl7pPr marL="2057400" indent="0" algn="ctr" defTabSz="342900" rtl="0" eaLnBrk="1" latinLnBrk="0" hangingPunct="1">
+              <a:spcBef>
+                <a:spcPts val="750"/>
+              </a:spcBef>
+              <a:spcAft>
+                <a:spcPts val="0"/>
+              </a:spcAft>
+              <a:buClr>
+                <a:schemeClr val="accent1"/>
+              </a:buClr>
+              <a:buSzPct val="80000"/>
+              <a:buFont typeface="Wingdings 3" charset="2"/>
+              <a:buNone/>
+              <a:defRPr sz="900" kern="1200">
+                <a:solidFill>
+                  <a:schemeClr val="tx1">
+                    <a:tint val="75000"/>
+                  </a:schemeClr>
+                </a:solidFill>
+                <a:latin typeface="+mn-lt"/>
+                <a:ea typeface="+mn-ea"/>
+                <a:cs typeface="+mn-cs"/>
+              </a:defRPr>
+            </a:lvl7pPr>
+            <a:lvl8pPr marL="2400300" indent="0" algn="ctr" defTabSz="342900" rtl="0" eaLnBrk="1" latinLnBrk="0" hangingPunct="1">
+              <a:spcBef>
+                <a:spcPts val="750"/>
+              </a:spcBef>
+              <a:spcAft>
+                <a:spcPts val="0"/>
+              </a:spcAft>
+              <a:buClr>
+                <a:schemeClr val="accent1"/>
+              </a:buClr>
+              <a:buSzPct val="80000"/>
+              <a:buFont typeface="Wingdings 3" charset="2"/>
+              <a:buNone/>
+              <a:defRPr sz="900" kern="1200">
+                <a:solidFill>
+                  <a:schemeClr val="tx1">
+                    <a:tint val="75000"/>
+                  </a:schemeClr>
+                </a:solidFill>
+                <a:latin typeface="+mn-lt"/>
+                <a:ea typeface="+mn-ea"/>
+                <a:cs typeface="+mn-cs"/>
+              </a:defRPr>
+            </a:lvl8pPr>
+            <a:lvl9pPr marL="2743200" indent="0" algn="ctr" defTabSz="342900" rtl="0" eaLnBrk="1" latinLnBrk="0" hangingPunct="1">
+              <a:spcBef>
+                <a:spcPts val="750"/>
+              </a:spcBef>
+              <a:spcAft>
+                <a:spcPts val="0"/>
+              </a:spcAft>
+              <a:buClr>
+                <a:schemeClr val="accent1"/>
+              </a:buClr>
+              <a:buSzPct val="80000"/>
+              <a:buFont typeface="Wingdings 3" charset="2"/>
+              <a:buNone/>
+              <a:defRPr sz="900" kern="1200">
+                <a:solidFill>
+                  <a:schemeClr val="tx1">
+                    <a:tint val="75000"/>
+                  </a:schemeClr>
+                </a:solidFill>
+                <a:latin typeface="+mn-lt"/>
+                <a:ea typeface="+mn-ea"/>
+                <a:cs typeface="+mn-cs"/>
+              </a:defRPr>
+            </a:lvl9pPr>
+          </a:lstStyle>
+          <a:p>
+            <a:r>
+              <a:rPr lang="en-GB" dirty="0" smtClean="0"/>
+              <a:t>PIC16F175xx</a:t>
+            </a:r>
+          </a:p>
+          <a:p>
+            <a:r>
+              <a:rPr lang="en-GB" dirty="0"/>
+              <a:t>Part 5 – a switch  sets the LEDs state</a:t>
+            </a:r>
+          </a:p>
+        </p:txBody>
+      </p:sp>
+      <p:pic>
+        <p:nvPicPr>
+          <p:cNvPr id="7" name="Picture 4" descr="PIC16F17556 | Microchip Technology"/>
+          <p:cNvPicPr>
+            <a:picLocks noChangeAspect="1" noChangeArrowheads="1"/>
+          </p:cNvPicPr>
+          <p:nvPr/>
+        </p:nvPicPr>
+        <p:blipFill>
+          <a:blip r:embed="rId3" cstate="print">
+            <a:extLst>
+              <a:ext uri="{28A0092B-C50C-407E-A947-70E740481C1C}">
+                <a14:useLocalDpi xmlns:a14="http://schemas.microsoft.com/office/drawing/2010/main" val="0"/>
+              </a:ext>
+            </a:extLst>
+          </a:blip>
+          <a:srcRect/>
+          <a:stretch>
+            <a:fillRect/>
+          </a:stretch>
+        </p:blipFill>
+        <p:spPr bwMode="auto">
+          <a:xfrm>
+            <a:off x="6750880" y="3974993"/>
+            <a:ext cx="2415427" cy="1178257"/>
+          </a:xfrm>
+          <a:prstGeom prst="rect">
+            <a:avLst/>
+          </a:prstGeom>
+          <a:noFill/>
+          <a:extLst>
+            <a:ext uri="{909E8E84-426E-40DD-AFC4-6F175D3DCCD1}">
+              <a14:hiddenFill xmlns:a14="http://schemas.microsoft.com/office/drawing/2010/main">
+                <a:solidFill>
+                  <a:srgbClr val="FFFFFF"/>
+                </a:solidFill>
+              </a14:hiddenFill>
+            </a:ext>
+          </a:extLst>
+        </p:spPr>
+      </p:pic>
+      <p:pic>
+        <p:nvPicPr>
+          <p:cNvPr id="9" name="Picture 6" descr="PIC16F19175 | Microchip Technology"/>
+          <p:cNvPicPr>
+            <a:picLocks noChangeAspect="1" noChangeArrowheads="1"/>
+          </p:cNvPicPr>
+          <p:nvPr/>
+        </p:nvPicPr>
+        <p:blipFill>
+          <a:blip r:embed="rId4" cstate="print">
+            <a:extLst>
+              <a:ext uri="{28A0092B-C50C-407E-A947-70E740481C1C}">
+                <a14:useLocalDpi xmlns:a14="http://schemas.microsoft.com/office/drawing/2010/main" val="0"/>
+              </a:ext>
+            </a:extLst>
+          </a:blip>
+          <a:srcRect/>
+          <a:stretch>
+            <a:fillRect/>
+          </a:stretch>
+        </p:blipFill>
+        <p:spPr bwMode="auto">
+          <a:xfrm>
+            <a:off x="2644136" y="3943142"/>
+            <a:ext cx="1384038" cy="1192111"/>
+          </a:xfrm>
+          <a:prstGeom prst="rect">
+            <a:avLst/>
+          </a:prstGeom>
+          <a:noFill/>
+          <a:extLst>
+            <a:ext uri="{909E8E84-426E-40DD-AFC4-6F175D3DCCD1}">
+              <a14:hiddenFill xmlns:a14="http://schemas.microsoft.com/office/drawing/2010/main">
+                <a:solidFill>
+                  <a:srgbClr val="FFFFFF"/>
+                </a:solidFill>
+              </a14:hiddenFill>
+            </a:ext>
+          </a:extLst>
+        </p:spPr>
+      </p:pic>
+    </p:spTree>
+  </p:cSld>
+  <p:clrMapOvr>
+    <a:masterClrMapping/>
+  </p:clrMapOvr>
+  <mc:AlternateContent xmlns:mc="http://schemas.openxmlformats.org/markup-compatibility/2006" xmlns:p14="http://schemas.microsoft.com/office/powerpoint/2010/main">
+    <mc:Choice Requires="p14">
+      <p:transition spd="slow" p14:dur="2000"/>
+    </mc:Choice>
+    <mc:Fallback xmlns="">
+      <p:transition spd="slow"/>
+    </mc:Fallback>
+  </mc:AlternateContent>
+  <p:timing>
+    <p:tnLst>
+      <p:par>
+        <p:cTn id="1" dur="indefinite" restart="never" nodeType="tmRoot"/>
+      </p:par>
+    </p:tnLst>
+  </p:timing>
+</p:sld>
+</file>
+
+<file path=ppt/slides/slide3.xml><?xml version="1.0" encoding="utf-8"?>
+<p:sld xmlns:a="http://schemas.openxmlformats.org/drawingml/2006/main" xmlns:r="http://schemas.openxmlformats.org/officeDocument/2006/relationships" xmlns:p="http://schemas.openxmlformats.org/presentationml/2006/main">
+  <p:cSld>
+    <p:spTree>
+      <p:nvGrpSpPr>
+        <p:cNvPr id="1" name=""/>
+        <p:cNvGrpSpPr/>
+        <p:nvPr/>
+      </p:nvGrpSpPr>
+      <p:grpSpPr>
+        <a:xfrm>
+          <a:off x="0" y="0"/>
+          <a:ext cx="0" cy="0"/>
+          <a:chOff x="0" y="0"/>
+          <a:chExt cx="0" cy="0"/>
+        </a:xfrm>
+      </p:grpSpPr>
+      <p:sp>
+        <p:nvSpPr>
+          <p:cNvPr id="2" name="Title 1"/>
+          <p:cNvSpPr>
+            <a:spLocks noGrp="1"/>
+          </p:cNvSpPr>
+          <p:nvPr>
+            <p:ph type="title"/>
+          </p:nvPr>
+        </p:nvSpPr>
+        <p:spPr/>
+        <p:txBody>
+          <a:bodyPr/>
+          <a:lstStyle/>
+          <a:p>
+            <a:r>
+              <a:rPr lang="en-GB" dirty="0" smtClean="0"/>
+              <a:t>GCBASIC</a:t>
+            </a:r>
+            <a:endParaRPr lang="en-GB" dirty="0"/>
+          </a:p>
+        </p:txBody>
+      </p:sp>
+      <p:pic>
+        <p:nvPicPr>
+          <p:cNvPr id="1026" name="Picture 2" descr="D:\Build\AnobiumTransparent.jpg"/>
+          <p:cNvPicPr>
+            <a:picLocks noChangeAspect="1" noChangeArrowheads="1"/>
+          </p:cNvPicPr>
+          <p:nvPr/>
+        </p:nvPicPr>
+        <p:blipFill>
+          <a:blip r:embed="rId2" cstate="print"/>
+          <a:srcRect/>
+          <a:stretch>
+            <a:fillRect/>
+          </a:stretch>
+        </p:blipFill>
+        <p:spPr bwMode="auto">
+          <a:xfrm>
+            <a:off x="5292080" y="911052"/>
+            <a:ext cx="1828859" cy="771550"/>
+          </a:xfrm>
+          <a:prstGeom prst="rect">
+            <a:avLst/>
+          </a:prstGeom>
+          <a:noFill/>
+        </p:spPr>
+      </p:pic>
+      <p:sp>
+        <p:nvSpPr>
+          <p:cNvPr id="4" name="AutoShape 2" descr="ICSP connection"/>
+          <p:cNvSpPr>
+            <a:spLocks noChangeAspect="1" noChangeArrowheads="1"/>
+          </p:cNvSpPr>
+          <p:nvPr/>
+        </p:nvSpPr>
+        <p:spPr bwMode="auto">
+          <a:xfrm>
+            <a:off x="155575" y="-144462"/>
+            <a:ext cx="304800" cy="304801"/>
+          </a:xfrm>
+          <a:prstGeom prst="rect">
+            <a:avLst/>
+          </a:prstGeom>
+          <a:noFill/>
+        </p:spPr>
+        <p:txBody>
+          <a:bodyPr vert="horz" wrap="square" lIns="85064" tIns="42531" rIns="85064" bIns="42531" numCol="1" anchor="t" anchorCtr="0" compatLnSpc="1">
+            <a:prstTxWarp prst="textNoShape">
+              <a:avLst/>
+            </a:prstTxWarp>
+          </a:bodyPr>
+          <a:lstStyle/>
+          <a:p>
+            <a:endParaRPr lang="en-GB" dirty="0"/>
+          </a:p>
+        </p:txBody>
+      </p:sp>
+      <p:sp>
+        <p:nvSpPr>
+          <p:cNvPr id="7" name="Rectangle 6"/>
+          <p:cNvSpPr/>
+          <p:nvPr/>
+        </p:nvSpPr>
+        <p:spPr>
+          <a:xfrm>
+            <a:off x="539552" y="2067694"/>
+            <a:ext cx="7367888" cy="707886"/>
+          </a:xfrm>
+          <a:prstGeom prst="rect">
+            <a:avLst/>
+          </a:prstGeom>
+          <a:noFill/>
+        </p:spPr>
+        <p:txBody>
+          <a:bodyPr wrap="square" lIns="91440" tIns="45720" rIns="91440" bIns="45720">
+            <a:spAutoFit/>
+          </a:bodyPr>
+          <a:lstStyle/>
+          <a:p>
+            <a:pPr algn="ctr"/>
+            <a:r>
+              <a:rPr lang="en-US" sz="4000" b="1" dirty="0" smtClean="0">
+                <a:ln w="10541" cmpd="sng">
+                  <a:solidFill>
+                    <a:srgbClr val="7D7D7D">
+                      <a:tint val="100000"/>
+                      <a:shade val="100000"/>
+                      <a:satMod val="110000"/>
+                    </a:srgbClr>
+                  </a:solidFill>
+                  <a:prstDash val="solid"/>
+                </a:ln>
+                <a:solidFill>
+                  <a:srgbClr val="FF0000"/>
+                </a:solidFill>
+              </a:rPr>
+              <a:t>Like and subscribe</a:t>
+            </a:r>
+            <a:r>
+              <a:rPr lang="en-US" sz="4000" b="1" dirty="0">
+                <a:ln w="10541" cmpd="sng">
+                  <a:solidFill>
+                    <a:srgbClr val="7D7D7D">
+                      <a:tint val="100000"/>
+                      <a:shade val="100000"/>
+                      <a:satMod val="110000"/>
+                    </a:srgbClr>
+                  </a:solidFill>
+                  <a:prstDash val="solid"/>
+                </a:ln>
+                <a:solidFill>
+                  <a:srgbClr val="FF0000"/>
+                </a:solidFill>
+              </a:rPr>
+              <a:t>!</a:t>
+            </a:r>
+            <a:endParaRPr lang="en-US" sz="4000" b="1" dirty="0" smtClean="0">
+              <a:ln w="10541" cmpd="sng">
+                <a:solidFill>
+                  <a:srgbClr val="7D7D7D">
+                    <a:tint val="100000"/>
+                    <a:shade val="100000"/>
+                    <a:satMod val="110000"/>
+                  </a:srgbClr>
+                </a:solidFill>
+                <a:prstDash val="solid"/>
+              </a:ln>
+              <a:solidFill>
+                <a:srgbClr val="FF0000"/>
+              </a:solidFill>
+            </a:endParaRPr>
+          </a:p>
+        </p:txBody>
+      </p:sp>
+      <p:sp>
+        <p:nvSpPr>
+          <p:cNvPr id="11" name="Date Placeholder 3"/>
+          <p:cNvSpPr>
+            <a:spLocks noGrp="1"/>
+          </p:cNvSpPr>
+          <p:nvPr>
+            <p:ph type="dt" sz="half" idx="10"/>
+          </p:nvPr>
+        </p:nvSpPr>
+        <p:spPr>
+          <a:xfrm>
+            <a:off x="6113182" y="4384422"/>
+            <a:ext cx="354882" cy="305233"/>
+          </a:xfrm>
+        </p:spPr>
+        <p:txBody>
+          <a:bodyPr/>
+          <a:lstStyle/>
+          <a:p>
+            <a:fld id="{1E700B27-DE4C-4B9E-BB11-B9027034A00F}" type="datetimeFigureOut">
+              <a:rPr lang="en-US" smtClean="0"/>
+              <a:pPr/>
+              <a:t>11/24/2025</a:t>
+            </a:fld>
+            <a:endParaRPr lang="en-US" dirty="0"/>
+          </a:p>
+        </p:txBody>
+      </p:sp>
+      <p:pic>
+        <p:nvPicPr>
+          <p:cNvPr id="9" name="Picture 4" descr="PIC16F17556 | Microchip Technology"/>
+          <p:cNvPicPr>
+            <a:picLocks noChangeAspect="1" noChangeArrowheads="1"/>
+          </p:cNvPicPr>
+          <p:nvPr/>
+        </p:nvPicPr>
+        <p:blipFill>
+          <a:blip r:embed="rId3" cstate="print">
+            <a:extLst>
+              <a:ext uri="{28A0092B-C50C-407E-A947-70E740481C1C}">
+                <a14:useLocalDpi xmlns:a14="http://schemas.microsoft.com/office/drawing/2010/main" val="0"/>
+              </a:ext>
+            </a:extLst>
+          </a:blip>
+          <a:srcRect/>
+          <a:stretch>
+            <a:fillRect/>
+          </a:stretch>
+        </p:blipFill>
+        <p:spPr bwMode="auto">
+          <a:xfrm>
+            <a:off x="6750880" y="3974993"/>
+            <a:ext cx="2415427" cy="1178257"/>
+          </a:xfrm>
+          <a:prstGeom prst="rect">
+            <a:avLst/>
+          </a:prstGeom>
+          <a:noFill/>
+          <a:extLst>
+            <a:ext uri="{909E8E84-426E-40DD-AFC4-6F175D3DCCD1}">
+              <a14:hiddenFill xmlns:a14="http://schemas.microsoft.com/office/drawing/2010/main">
+                <a:solidFill>
+                  <a:srgbClr val="FFFFFF"/>
+                </a:solidFill>
+              </a14:hiddenFill>
+            </a:ext>
+          </a:extLst>
+        </p:spPr>
+      </p:pic>
+      <p:pic>
+        <p:nvPicPr>
+          <p:cNvPr id="12" name="Picture 6" descr="PIC16F19175 | Microchip Technology"/>
+          <p:cNvPicPr>
+            <a:picLocks noChangeAspect="1" noChangeArrowheads="1"/>
+          </p:cNvPicPr>
+          <p:nvPr/>
+        </p:nvPicPr>
+        <p:blipFill>
+          <a:blip r:embed="rId4" cstate="print">
+            <a:extLst>
+              <a:ext uri="{28A0092B-C50C-407E-A947-70E740481C1C}">
+                <a14:useLocalDpi xmlns:a14="http://schemas.microsoft.com/office/drawing/2010/main" val="0"/>
+              </a:ext>
+            </a:extLst>
+          </a:blip>
+          <a:srcRect/>
+          <a:stretch>
+            <a:fillRect/>
+          </a:stretch>
+        </p:blipFill>
+        <p:spPr bwMode="auto">
+          <a:xfrm>
+            <a:off x="2644136" y="3943142"/>
+            <a:ext cx="1384038" cy="1192111"/>
+          </a:xfrm>
+          <a:prstGeom prst="rect">
+            <a:avLst/>
+          </a:prstGeom>
+          <a:noFill/>
+          <a:extLst>
+            <a:ext uri="{909E8E84-426E-40DD-AFC4-6F175D3DCCD1}">
+              <a14:hiddenFill xmlns:a14="http://schemas.microsoft.com/office/drawing/2010/main">
+                <a:solidFill>
+                  <a:srgbClr val="FFFFFF"/>
+                </a:solidFill>
+              </a14:hiddenFill>
+            </a:ext>
+          </a:extLst>
+        </p:spPr>
+      </p:pic>
+    </p:spTree>
+    <p:extLst>
+      <p:ext uri="{BB962C8B-B14F-4D97-AF65-F5344CB8AC3E}">
+        <p14:creationId xmlns:p14="http://schemas.microsoft.com/office/powerpoint/2010/main" val="2553573428"/>
+      </p:ext>
+    </p:extLst>
+  </p:cSld>
+  <p:clrMapOvr>
+    <a:masterClrMapping/>
+  </p:clrMapOvr>
+  <mc:AlternateContent xmlns:mc="http://schemas.openxmlformats.org/markup-compatibility/2006" xmlns:p14="http://schemas.microsoft.com/office/powerpoint/2010/main">
+    <mc:Choice Requires="p14">
+      <p:transition spd="slow" p14:dur="2000"/>
+    </mc:Choice>
+    <mc:Fallback xmlns="">
+      <p:transition spd="slow"/>
+    </mc:Fallback>
+  </mc:AlternateContent>
+  <p:timing>
+    <p:tnLst>
+      <p:par>
+        <p:cTn id="1" dur="indefinite" restart="never" nodeType="tmRoot"/>
+      </p:par>
+    </p:tnLst>
+  </p:timing>
+</p:sld>
+</file>
+
+<file path=ppt/slides/slide4.xml><?xml version="1.0" encoding="utf-8"?>
+<p:sld xmlns:a="http://schemas.openxmlformats.org/drawingml/2006/main" xmlns:r="http://schemas.openxmlformats.org/officeDocument/2006/relationships" xmlns:p="http://schemas.openxmlformats.org/presentationml/2006/main">
+  <p:cSld>
+    <p:spTree>
+      <p:nvGrpSpPr>
+        <p:cNvPr id="1" name=""/>
+        <p:cNvGrpSpPr/>
+        <p:nvPr/>
+      </p:nvGrpSpPr>
+      <p:grpSpPr>
+        <a:xfrm>
+          <a:off x="0" y="0"/>
+          <a:ext cx="0" cy="0"/>
+          <a:chOff x="0" y="0"/>
+          <a:chExt cx="0" cy="0"/>
+        </a:xfrm>
+      </p:grpSpPr>
+      <p:sp>
+        <p:nvSpPr>
+          <p:cNvPr id="2" name="Title 1"/>
+          <p:cNvSpPr>
+            <a:spLocks noGrp="1"/>
+          </p:cNvSpPr>
+          <p:nvPr>
+            <p:ph type="title"/>
+          </p:nvPr>
+        </p:nvSpPr>
+        <p:spPr/>
+        <p:txBody>
+          <a:bodyPr>
+            <a:normAutofit/>
+          </a:bodyPr>
+          <a:lstStyle/>
+          <a:p>
+            <a:r>
+              <a:rPr lang="en-GB" dirty="0" smtClean="0"/>
+              <a:t>Videos...</a:t>
+            </a:r>
+            <a:endParaRPr lang="en-GB" dirty="0"/>
+          </a:p>
+        </p:txBody>
+      </p:sp>
+      <p:sp>
+        <p:nvSpPr>
+          <p:cNvPr id="3" name="Content Placeholder 2"/>
+          <p:cNvSpPr>
+            <a:spLocks noGrp="1"/>
+          </p:cNvSpPr>
+          <p:nvPr>
+            <p:ph idx="1"/>
+          </p:nvPr>
+        </p:nvSpPr>
+        <p:spPr>
+          <a:xfrm>
+            <a:off x="467544" y="987574"/>
+            <a:ext cx="6447501" cy="4111476"/>
+          </a:xfrm>
+          <a:solidFill>
+            <a:schemeClr val="bg1"/>
+          </a:solidFill>
+        </p:spPr>
+        <p:txBody>
+          <a:bodyPr>
+            <a:noAutofit/>
+          </a:bodyPr>
+          <a:lstStyle/>
+          <a:p>
+            <a:pPr marL="180000" indent="-478483">
+              <a:spcBef>
+                <a:spcPts val="300"/>
+              </a:spcBef>
+              <a:buFont typeface="+mj-lt"/>
+              <a:buAutoNum type="arabicPeriod"/>
+            </a:pPr>
+            <a:r>
+              <a:rPr lang="en-GB" sz="1100" dirty="0"/>
+              <a:t>Install the hardware and make the board work – three LED programs</a:t>
+            </a:r>
+          </a:p>
+          <a:p>
+            <a:pPr marL="180000" indent="-478483">
+              <a:spcBef>
+                <a:spcPts val="300"/>
+              </a:spcBef>
+              <a:buFont typeface="+mj-lt"/>
+              <a:buAutoNum type="arabicPeriod"/>
+            </a:pPr>
+            <a:r>
+              <a:rPr lang="en-GB" sz="1100" dirty="0"/>
+              <a:t>Make  four LEDs flash in a sequence</a:t>
+            </a:r>
+          </a:p>
+          <a:p>
+            <a:pPr marL="180000" indent="-478483">
+              <a:spcBef>
+                <a:spcPts val="300"/>
+              </a:spcBef>
+              <a:buFont typeface="+mj-lt"/>
+              <a:buAutoNum type="arabicPeriod"/>
+            </a:pPr>
+            <a:r>
+              <a:rPr lang="en-GB" sz="1100" dirty="0"/>
+              <a:t>Set the LEDs to represent the value of ADC</a:t>
+            </a:r>
+          </a:p>
+          <a:p>
+            <a:pPr marL="180000" indent="-478483">
+              <a:spcBef>
+                <a:spcPts val="300"/>
+              </a:spcBef>
+              <a:buFont typeface="+mj-lt"/>
+              <a:buAutoNum type="arabicPeriod"/>
+            </a:pPr>
+            <a:r>
+              <a:rPr lang="en-GB" sz="1100" dirty="0"/>
+              <a:t>Sequence the LEDs with a delay using the value of ADC</a:t>
+            </a:r>
+          </a:p>
+          <a:p>
+            <a:pPr marL="180000" indent="-478483">
+              <a:spcBef>
+                <a:spcPts val="300"/>
+              </a:spcBef>
+              <a:buFont typeface="+mj-lt"/>
+              <a:buAutoNum type="arabicPeriod"/>
+            </a:pPr>
+            <a:r>
+              <a:rPr lang="en-GB" sz="1100" b="1" dirty="0"/>
+              <a:t>Using an input to set the state of the LEDs</a:t>
+            </a:r>
+          </a:p>
+          <a:p>
+            <a:pPr marL="180000" indent="-478483">
+              <a:spcBef>
+                <a:spcPts val="300"/>
+              </a:spcBef>
+              <a:buFont typeface="+mj-lt"/>
+              <a:buAutoNum type="arabicPeriod"/>
+            </a:pPr>
+            <a:r>
+              <a:rPr lang="en-GB" sz="1100" dirty="0"/>
+              <a:t>Using the reset switch</a:t>
+            </a:r>
+          </a:p>
+          <a:p>
+            <a:pPr marL="180000" indent="-478483">
+              <a:spcBef>
+                <a:spcPts val="300"/>
+              </a:spcBef>
+              <a:buFont typeface="+mj-lt"/>
+              <a:buAutoNum type="arabicPeriod"/>
+            </a:pPr>
+            <a:r>
+              <a:rPr lang="en-GB" sz="1100" dirty="0"/>
+              <a:t>Using the switch, ADC – make the LEDs flash in a sequence with reverse</a:t>
+            </a:r>
+          </a:p>
+          <a:p>
+            <a:pPr marL="180000" indent="-478483">
+              <a:spcBef>
+                <a:spcPts val="300"/>
+              </a:spcBef>
+              <a:buFont typeface="+mj-lt"/>
+              <a:buAutoNum type="arabicPeriod"/>
+            </a:pPr>
+            <a:r>
+              <a:rPr lang="en-GB" sz="1100" dirty="0"/>
+              <a:t>Using the serial to display values</a:t>
+            </a:r>
+          </a:p>
+          <a:p>
+            <a:pPr marL="180000" indent="-478483">
+              <a:spcBef>
+                <a:spcPts val="300"/>
+              </a:spcBef>
+              <a:buFont typeface="+mj-lt"/>
+              <a:buAutoNum type="arabicPeriod"/>
+            </a:pPr>
+            <a:r>
+              <a:rPr lang="en-GB" sz="1100" dirty="0"/>
+              <a:t>Using the timer0 overflow, 8bit timer, 16bit timer to flash the LEDs</a:t>
+            </a:r>
+          </a:p>
+          <a:p>
+            <a:pPr marL="180000" indent="-478483">
+              <a:spcBef>
+                <a:spcPts val="300"/>
+              </a:spcBef>
+              <a:buFont typeface="+mj-lt"/>
+              <a:buAutoNum type="arabicPeriod"/>
+            </a:pPr>
+            <a:r>
+              <a:rPr lang="en-GB" sz="1100" dirty="0"/>
+              <a:t>Using EEProm – showing values on the serial terminal, and more constants insights</a:t>
+            </a:r>
+          </a:p>
+          <a:p>
+            <a:pPr marL="180000" indent="-478483">
+              <a:spcBef>
+                <a:spcPts val="300"/>
+              </a:spcBef>
+              <a:buFont typeface="+mj-lt"/>
+              <a:buAutoNum type="arabicPeriod"/>
+            </a:pPr>
+            <a:r>
+              <a:rPr lang="en-GB" sz="1100" dirty="0"/>
+              <a:t>Using I2C with serial to discover I2C devices</a:t>
+            </a:r>
+          </a:p>
+          <a:p>
+            <a:pPr marL="180000" indent="-478483">
+              <a:spcBef>
+                <a:spcPts val="300"/>
+              </a:spcBef>
+              <a:buFont typeface="+mj-lt"/>
+              <a:buAutoNum type="arabicPeriod"/>
+            </a:pPr>
+            <a:r>
+              <a:rPr lang="en-GB" sz="1100" dirty="0"/>
+              <a:t>Using an I2C GCLD display</a:t>
+            </a:r>
+          </a:p>
+          <a:p>
+            <a:pPr marL="180000" indent="-478483">
+              <a:spcBef>
+                <a:spcPts val="300"/>
+              </a:spcBef>
+              <a:buFont typeface="+mj-lt"/>
+              <a:buAutoNum type="arabicPeriod"/>
+            </a:pPr>
+            <a:r>
+              <a:rPr lang="en-GB" sz="1100" dirty="0"/>
+              <a:t>Using a SPI GCLD display</a:t>
+            </a:r>
+          </a:p>
+          <a:p>
+            <a:pPr marL="180000" indent="-478483">
+              <a:spcBef>
+                <a:spcPts val="300"/>
+              </a:spcBef>
+              <a:buFont typeface="+mj-lt"/>
+              <a:buAutoNum type="arabicPeriod"/>
+            </a:pPr>
+            <a:r>
+              <a:rPr lang="en-GB" sz="1100" dirty="0"/>
+              <a:t>Using PWM, 7  ways,  to dim the LEDS</a:t>
+            </a:r>
+          </a:p>
+          <a:p>
+            <a:pPr marL="180000" indent="-478483">
+              <a:spcBef>
+                <a:spcPts val="300"/>
+              </a:spcBef>
+              <a:buFont typeface="+mj-lt"/>
+              <a:buAutoNum type="arabicPeriod"/>
+            </a:pPr>
+            <a:r>
+              <a:rPr lang="en-GB" sz="1100" dirty="0"/>
+              <a:t>Using an external interrupt to control an LED</a:t>
+            </a:r>
+          </a:p>
+          <a:p>
+            <a:pPr marL="180000" indent="-478483">
+              <a:spcBef>
+                <a:spcPts val="300"/>
+              </a:spcBef>
+              <a:buFont typeface="+mj-lt"/>
+              <a:buAutoNum type="arabicPeriod"/>
+            </a:pPr>
+            <a:r>
+              <a:rPr lang="en-GB" sz="1100" dirty="0"/>
+              <a:t>Using storage within the chip – Progmem, SAF memory, EEPROM and DATA blocks</a:t>
+            </a:r>
+          </a:p>
+          <a:p>
+            <a:pPr marL="180000" indent="-478483">
+              <a:spcBef>
+                <a:spcPts val="300"/>
+              </a:spcBef>
+              <a:buFont typeface="+mj-lt"/>
+              <a:buAutoNum type="arabicPeriod"/>
+            </a:pPr>
+            <a:r>
+              <a:rPr lang="en-GB" sz="1100" dirty="0"/>
+              <a:t>Using CLC</a:t>
+            </a:r>
+          </a:p>
+          <a:p>
+            <a:pPr marL="180000" indent="-478483">
+              <a:spcBef>
+                <a:spcPts val="300"/>
+              </a:spcBef>
+              <a:buFont typeface="+mj-lt"/>
+              <a:buAutoNum type="arabicPeriod"/>
+            </a:pPr>
+            <a:r>
+              <a:rPr lang="en-GB" sz="1100" dirty="0"/>
+              <a:t>The GCBASIC tool chain</a:t>
+            </a:r>
+          </a:p>
+          <a:p>
+            <a:pPr marL="180000" indent="-478483">
+              <a:spcBef>
+                <a:spcPts val="300"/>
+              </a:spcBef>
+              <a:buFont typeface="+mj-lt"/>
+              <a:buAutoNum type="arabicPeriod"/>
+            </a:pPr>
+            <a:r>
+              <a:rPr lang="en-GB" sz="1100" dirty="0"/>
+              <a:t>Assembly , alternatives assemblers and MPLAB-X</a:t>
+            </a:r>
+          </a:p>
+          <a:p>
+            <a:pPr marL="180000" indent="-478483">
+              <a:spcBef>
+                <a:spcPts val="300"/>
+              </a:spcBef>
+              <a:buFont typeface="+mj-lt"/>
+              <a:buAutoNum type="arabicPeriod"/>
+            </a:pPr>
+            <a:r>
+              <a:rPr lang="en-GB" sz="1100" dirty="0"/>
+              <a:t>Summary</a:t>
+            </a:r>
+          </a:p>
+          <a:p>
+            <a:pPr marL="180000" indent="-478483">
+              <a:spcBef>
+                <a:spcPts val="300"/>
+              </a:spcBef>
+              <a:buFont typeface="+mj-lt"/>
+              <a:buAutoNum type="arabicPeriod"/>
+            </a:pPr>
+            <a:endParaRPr lang="en-GB" sz="400" dirty="0" smtClean="0">
+              <a:solidFill>
+                <a:schemeClr val="bg1">
+                  <a:lumMod val="75000"/>
+                </a:schemeClr>
+              </a:solidFill>
+            </a:endParaRPr>
+          </a:p>
+          <a:p>
+            <a:pPr marL="180000" indent="-478483">
+              <a:spcBef>
+                <a:spcPts val="300"/>
+              </a:spcBef>
+              <a:buNone/>
+            </a:pPr>
+            <a:endParaRPr lang="en-GB" sz="700" dirty="0" smtClean="0"/>
+          </a:p>
+          <a:p>
+            <a:pPr marL="180000" indent="-478483">
+              <a:spcBef>
+                <a:spcPts val="300"/>
+              </a:spcBef>
+              <a:buFont typeface="+mj-lt"/>
+              <a:buAutoNum type="arabicPeriod"/>
+            </a:pPr>
+            <a:endParaRPr lang="en-GB" sz="700" dirty="0" smtClean="0"/>
+          </a:p>
+          <a:p>
+            <a:pPr marL="180000" indent="-478483">
+              <a:spcBef>
+                <a:spcPts val="300"/>
+              </a:spcBef>
+              <a:buFont typeface="+mj-lt"/>
+              <a:buAutoNum type="arabicPeriod"/>
+            </a:pPr>
+            <a:endParaRPr lang="en-GB" sz="500" dirty="0" smtClean="0"/>
+          </a:p>
+          <a:p>
+            <a:pPr marL="180000" indent="-478483">
+              <a:spcBef>
+                <a:spcPts val="300"/>
+              </a:spcBef>
+              <a:buFont typeface="+mj-lt"/>
+              <a:buAutoNum type="arabicPeriod"/>
+            </a:pPr>
+            <a:endParaRPr lang="en-GB" sz="500" dirty="0" smtClean="0"/>
+          </a:p>
+          <a:p>
+            <a:pPr marL="180000" indent="-478483">
+              <a:spcBef>
+                <a:spcPts val="300"/>
+              </a:spcBef>
+              <a:buFont typeface="+mj-lt"/>
+              <a:buAutoNum type="arabicPeriod"/>
+            </a:pPr>
+            <a:endParaRPr lang="en-GB" sz="500" dirty="0" smtClean="0"/>
+          </a:p>
+          <a:p>
+            <a:pPr marL="180000" indent="-478483">
+              <a:spcBef>
+                <a:spcPts val="300"/>
+              </a:spcBef>
+              <a:buFont typeface="+mj-lt"/>
+              <a:buAutoNum type="arabicPeriod"/>
+            </a:pPr>
+            <a:endParaRPr lang="en-GB" sz="500" dirty="0"/>
+          </a:p>
+        </p:txBody>
+      </p:sp>
+    </p:spTree>
+    <p:extLst>
+      <p:ext uri="{BB962C8B-B14F-4D97-AF65-F5344CB8AC3E}">
+        <p14:creationId xmlns:p14="http://schemas.microsoft.com/office/powerpoint/2010/main" val="1947865557"/>
+      </p:ext>
+    </p:extLst>
+  </p:cSld>
+  <p:clrMapOvr>
+    <a:masterClrMapping/>
+  </p:clrMapOvr>
+  <mc:AlternateContent xmlns:mc="http://schemas.openxmlformats.org/markup-compatibility/2006" xmlns:p14="http://schemas.microsoft.com/office/powerpoint/2010/main">
+    <mc:Choice Requires="p14">
+      <p:transition spd="slow" p14:dur="2000"/>
+    </mc:Choice>
+    <mc:Fallback xmlns="">
+      <p:transition spd="slow"/>
+    </mc:Fallback>
+  </mc:AlternateContent>
+  <p:timing>
+    <p:tnLst>
+      <p:par>
+        <p:cTn id="1" dur="indefinite" restart="never" nodeType="tmRoot"/>
+      </p:par>
+    </p:tnLst>
+  </p:timing>
+</p:sld>
+</file>
+
+<file path=ppt/slides/slide5.xml><?xml version="1.0" encoding="utf-8"?>
+<p:sld xmlns:a="http://schemas.openxmlformats.org/drawingml/2006/main" xmlns:r="http://schemas.openxmlformats.org/officeDocument/2006/relationships" xmlns:p="http://schemas.openxmlformats.org/presentationml/2006/main">
+  <p:cSld>
+    <p:spTree>
+      <p:nvGrpSpPr>
+        <p:cNvPr id="1" name=""/>
+        <p:cNvGrpSpPr/>
+        <p:nvPr/>
+      </p:nvGrpSpPr>
+      <p:grpSpPr>
+        <a:xfrm>
+          <a:off x="0" y="0"/>
+          <a:ext cx="0" cy="0"/>
+          <a:chOff x="0" y="0"/>
+          <a:chExt cx="0" cy="0"/>
+        </a:xfrm>
+      </p:grpSpPr>
+      <p:sp>
+        <p:nvSpPr>
+          <p:cNvPr id="2" name="Title 1"/>
+          <p:cNvSpPr>
+            <a:spLocks noGrp="1"/>
+          </p:cNvSpPr>
+          <p:nvPr>
+            <p:ph type="title"/>
+          </p:nvPr>
+        </p:nvSpPr>
+        <p:spPr/>
+        <p:txBody>
+          <a:bodyPr/>
+          <a:lstStyle/>
+          <a:p>
+            <a:pPr algn="l"/>
+            <a:r>
+              <a:rPr lang="en-GB" dirty="0" smtClean="0"/>
+              <a:t>PIC16F175xx</a:t>
+            </a:r>
+            <a:endParaRPr lang="en-GB" dirty="0"/>
+          </a:p>
+        </p:txBody>
+      </p:sp>
+      <p:sp>
+        <p:nvSpPr>
+          <p:cNvPr id="3" name="Content Placeholder 2"/>
+          <p:cNvSpPr>
+            <a:spLocks noGrp="1"/>
+          </p:cNvSpPr>
+          <p:nvPr>
+            <p:ph idx="1"/>
+          </p:nvPr>
+        </p:nvSpPr>
+        <p:spPr/>
+        <p:txBody>
+          <a:bodyPr>
+            <a:normAutofit fontScale="92500"/>
+          </a:bodyPr>
+          <a:lstStyle/>
+          <a:p>
+            <a:r>
+              <a:rPr lang="en-GB" dirty="0" smtClean="0"/>
+              <a:t>PIC16165xx  is a high performance PIC16</a:t>
+            </a:r>
+          </a:p>
+          <a:p>
+            <a:pPr lvl="1"/>
+            <a:r>
+              <a:rPr lang="en-GB" b="1" dirty="0"/>
+              <a:t>Digital and </a:t>
+            </a:r>
+            <a:r>
+              <a:rPr lang="en-GB" b="1" dirty="0" err="1"/>
+              <a:t>analog</a:t>
+            </a:r>
+            <a:r>
+              <a:rPr lang="en-GB" b="1" dirty="0"/>
+              <a:t> peripherals</a:t>
+            </a:r>
+            <a:r>
+              <a:rPr lang="en-GB" dirty="0"/>
+              <a:t> for flexible embedded control</a:t>
+            </a:r>
+          </a:p>
+          <a:p>
+            <a:pPr lvl="1"/>
+            <a:r>
+              <a:rPr lang="en-GB" b="1" dirty="0"/>
+              <a:t>10-bit ADC</a:t>
+            </a:r>
+            <a:r>
+              <a:rPr lang="en-GB" dirty="0"/>
+              <a:t> for accurate </a:t>
+            </a:r>
+            <a:r>
+              <a:rPr lang="en-GB" dirty="0" err="1"/>
+              <a:t>analog</a:t>
+            </a:r>
+            <a:r>
+              <a:rPr lang="en-GB" dirty="0"/>
+              <a:t> signal conversion</a:t>
+            </a:r>
+          </a:p>
+          <a:p>
+            <a:pPr lvl="1"/>
+            <a:r>
+              <a:rPr lang="en-GB" b="1" dirty="0"/>
+              <a:t>Multiple communication interfaces</a:t>
+            </a:r>
+            <a:r>
+              <a:rPr lang="en-GB" dirty="0"/>
+              <a:t> including UART (serial), I²C, and SPI</a:t>
+            </a:r>
+          </a:p>
+          <a:p>
+            <a:pPr lvl="1"/>
+            <a:r>
+              <a:rPr lang="en-GB" b="1" dirty="0"/>
+              <a:t>PWM modules</a:t>
+            </a:r>
+            <a:r>
+              <a:rPr lang="en-GB" dirty="0"/>
+              <a:t> with CCP and 16-bit resolution for precise timing and motor control</a:t>
+            </a:r>
+          </a:p>
+          <a:p>
+            <a:pPr lvl="1"/>
+            <a:r>
+              <a:rPr lang="en-GB" b="1" dirty="0"/>
+              <a:t>Configurable Logic Cells (CLCs)</a:t>
+            </a:r>
+            <a:r>
+              <a:rPr lang="en-GB" dirty="0"/>
+              <a:t> for custom hardware-level logic without external components</a:t>
+            </a:r>
+          </a:p>
+          <a:p>
+            <a:pPr lvl="1"/>
+            <a:r>
+              <a:rPr lang="en-GB" b="1" dirty="0"/>
+              <a:t>Integrated op amps</a:t>
+            </a:r>
+            <a:r>
+              <a:rPr lang="en-GB" dirty="0"/>
+              <a:t> for </a:t>
+            </a:r>
+            <a:r>
+              <a:rPr lang="en-GB" dirty="0" err="1"/>
+              <a:t>onboard</a:t>
+            </a:r>
+            <a:r>
+              <a:rPr lang="en-GB" dirty="0"/>
+              <a:t> </a:t>
+            </a:r>
+            <a:r>
+              <a:rPr lang="en-GB" dirty="0" err="1"/>
+              <a:t>analog</a:t>
+            </a:r>
+            <a:r>
+              <a:rPr lang="en-GB" dirty="0"/>
+              <a:t> signal conditioning and amplification</a:t>
+            </a:r>
+          </a:p>
+          <a:p>
+            <a:endParaRPr lang="en-GB" dirty="0" smtClean="0"/>
+          </a:p>
+          <a:p>
+            <a:r>
+              <a:rPr lang="en-GB" dirty="0" smtClean="0"/>
+              <a:t>The PIC16175xx offers 14, 20, 28, 40 and 44-pin products in small footprint packages to support customers in a wide variety of applications. </a:t>
+            </a:r>
+          </a:p>
+          <a:p>
+            <a:endParaRPr lang="en-GB" dirty="0"/>
+          </a:p>
+        </p:txBody>
+      </p:sp>
+    </p:spTree>
+    <p:extLst>
+      <p:ext uri="{BB962C8B-B14F-4D97-AF65-F5344CB8AC3E}">
+        <p14:creationId xmlns:p14="http://schemas.microsoft.com/office/powerpoint/2010/main" val="3701176808"/>
+      </p:ext>
+    </p:extLst>
+  </p:cSld>
+  <p:clrMapOvr>
+    <a:masterClrMapping/>
+  </p:clrMapOvr>
+  <mc:AlternateContent xmlns:mc="http://schemas.openxmlformats.org/markup-compatibility/2006" xmlns:p14="http://schemas.microsoft.com/office/powerpoint/2010/main">
+    <mc:Choice Requires="p14">
+      <p:transition spd="slow" p14:dur="2000"/>
+    </mc:Choice>
+    <mc:Fallback xmlns="">
+      <p:transition spd="slow"/>
+    </mc:Fallback>
+  </mc:AlternateContent>
+  <p:timing>
+    <p:tnLst>
+      <p:par>
+        <p:cTn id="1" dur="indefinite" restart="never" nodeType="tmRoot"/>
+      </p:par>
+    </p:tnLst>
+  </p:timing>
+</p:sld>
+</file>
+
+<file path=ppt/slides/slide6.xml><?xml version="1.0" encoding="utf-8"?>
+<p:sld xmlns:a="http://schemas.openxmlformats.org/drawingml/2006/main" xmlns:r="http://schemas.openxmlformats.org/officeDocument/2006/relationships" xmlns:p="http://schemas.openxmlformats.org/presentationml/2006/main">
+  <p:cSld>
+    <p:bg>
+      <p:bgPr>
+        <a:solidFill>
+          <a:schemeClr val="bg1"/>
+        </a:solidFill>
+        <a:effectLst/>
+      </p:bgPr>
+    </p:bg>
+    <p:spTree>
+      <p:nvGrpSpPr>
+        <p:cNvPr id="1" name=""/>
+        <p:cNvGrpSpPr/>
+        <p:nvPr/>
+      </p:nvGrpSpPr>
+      <p:grpSpPr>
+        <a:xfrm>
+          <a:off x="0" y="0"/>
+          <a:ext cx="0" cy="0"/>
+          <a:chOff x="0" y="0"/>
+          <a:chExt cx="0" cy="0"/>
+        </a:xfrm>
+      </p:grpSpPr>
+      <p:sp>
+        <p:nvSpPr>
+          <p:cNvPr id="2" name="Title 1"/>
+          <p:cNvSpPr>
+            <a:spLocks noGrp="1"/>
+          </p:cNvSpPr>
+          <p:nvPr>
+            <p:ph type="title"/>
+          </p:nvPr>
+        </p:nvSpPr>
+        <p:spPr/>
+        <p:txBody>
+          <a:bodyPr/>
+          <a:lstStyle/>
+          <a:p>
+            <a:pPr algn="l"/>
+            <a:r>
+              <a:rPr lang="en-GB" dirty="0" smtClean="0"/>
+              <a:t>Prerequisites </a:t>
+            </a:r>
+            <a:endParaRPr lang="en-GB" dirty="0"/>
+          </a:p>
+        </p:txBody>
+      </p:sp>
+      <p:sp>
+        <p:nvSpPr>
+          <p:cNvPr id="3" name="Content Placeholder 2"/>
+          <p:cNvSpPr>
+            <a:spLocks noGrp="1"/>
+          </p:cNvSpPr>
+          <p:nvPr>
+            <p:ph idx="1"/>
+          </p:nvPr>
+        </p:nvSpPr>
+        <p:spPr/>
+        <p:txBody>
+          <a:bodyPr/>
+          <a:lstStyle/>
+          <a:p>
+            <a:r>
+              <a:rPr lang="en-GB" dirty="0" smtClean="0"/>
+              <a:t>Assumes you have </a:t>
+            </a:r>
+          </a:p>
+          <a:p>
+            <a:pPr marL="778521" lvl="1" indent="-478483"/>
+            <a:r>
+              <a:rPr lang="en-GB" dirty="0" smtClean="0"/>
+              <a:t>Installed the GCBASIC software</a:t>
+            </a:r>
+          </a:p>
+          <a:p>
+            <a:pPr marL="778521" lvl="1" indent="-478483"/>
+            <a:r>
+              <a:rPr lang="en-GB" dirty="0" smtClean="0"/>
+              <a:t>Installed your programmer software</a:t>
+            </a:r>
+          </a:p>
+          <a:p>
+            <a:pPr marL="778521" lvl="1" indent="-478483"/>
+            <a:r>
+              <a:rPr lang="en-GB" dirty="0" smtClean="0"/>
+              <a:t>Test that you have the 16F175xx attached</a:t>
+            </a:r>
+          </a:p>
+          <a:p>
+            <a:pPr marL="778521" lvl="1" indent="-478483"/>
+            <a:r>
+              <a:rPr lang="en-GB" dirty="0" smtClean="0"/>
+              <a:t>You have the 4 LEDs operating</a:t>
+            </a:r>
+          </a:p>
+          <a:p>
+            <a:pPr marL="778521" lvl="1" indent="-478483"/>
+            <a:r>
+              <a:rPr lang="en-GB" dirty="0" smtClean="0"/>
+              <a:t>You have a POT connected</a:t>
+            </a:r>
+          </a:p>
+          <a:p>
+            <a:pPr marL="778521" lvl="1" indent="-478483"/>
+            <a:r>
+              <a:rPr lang="en-GB" dirty="0" smtClean="0"/>
+              <a:t>You have a SWITCH connected</a:t>
+            </a:r>
+          </a:p>
+          <a:p>
+            <a:pPr marL="0" indent="0">
+              <a:buNone/>
+            </a:pPr>
+            <a:endParaRPr lang="en-GB" dirty="0" smtClean="0"/>
+          </a:p>
+          <a:p>
+            <a:pPr marL="0" indent="0">
+              <a:buNone/>
+            </a:pPr>
+            <a:endParaRPr lang="en-GB" dirty="0"/>
+          </a:p>
+        </p:txBody>
+      </p:sp>
+    </p:spTree>
+  </p:cSld>
+  <p:clrMapOvr>
+    <a:overrideClrMapping bg1="lt1" tx1="dk1" bg2="lt2" tx2="dk2" accent1="accent1" accent2="accent2" accent3="accent3" accent4="accent4" accent5="accent5" accent6="accent6" hlink="hlink" folHlink="folHlink"/>
+  </p:clrMapOvr>
+  <mc:AlternateContent xmlns:mc="http://schemas.openxmlformats.org/markup-compatibility/2006" xmlns:p14="http://schemas.microsoft.com/office/powerpoint/2010/main">
+    <mc:Choice Requires="p14">
+      <p:transition spd="slow" p14:dur="2000"/>
+    </mc:Choice>
+    <mc:Fallback xmlns="">
+      <p:transition spd="slow"/>
+    </mc:Fallback>
+  </mc:AlternateContent>
+  <p:timing>
+    <p:tnLst>
+      <p:par>
+        <p:cTn id="1" dur="indefinite" restart="never" nodeType="tmRoot"/>
+      </p:par>
+    </p:tnLst>
+  </p:timing>
+</p:sld>
+</file>
+
+<file path=ppt/slides/slide7.xml><?xml version="1.0" encoding="utf-8"?>
+<p:sld xmlns:a="http://schemas.openxmlformats.org/drawingml/2006/main" xmlns:r="http://schemas.openxmlformats.org/officeDocument/2006/relationships" xmlns:p="http://schemas.openxmlformats.org/presentationml/2006/main">
+  <p:cSld>
+    <p:spTree>
+      <p:nvGrpSpPr>
+        <p:cNvPr id="1" name=""/>
+        <p:cNvGrpSpPr/>
+        <p:nvPr/>
+      </p:nvGrpSpPr>
+      <p:grpSpPr>
+        <a:xfrm>
+          <a:off x="0" y="0"/>
+          <a:ext cx="0" cy="0"/>
+          <a:chOff x="0" y="0"/>
+          <a:chExt cx="0" cy="0"/>
+        </a:xfrm>
+      </p:grpSpPr>
+      <p:sp>
+        <p:nvSpPr>
+          <p:cNvPr id="2" name="Title 1"/>
+          <p:cNvSpPr>
+            <a:spLocks noGrp="1"/>
+          </p:cNvSpPr>
+          <p:nvPr>
+            <p:ph type="title"/>
+          </p:nvPr>
+        </p:nvSpPr>
+        <p:spPr>
+          <a:xfrm>
+            <a:off x="155575" y="501030"/>
+            <a:ext cx="5400600" cy="990600"/>
+          </a:xfrm>
+        </p:spPr>
+        <p:txBody>
+          <a:bodyPr vert="horz" lIns="85064" tIns="42531" rIns="85064" bIns="42531" rtlCol="0" anchor="t">
+            <a:normAutofit/>
+          </a:bodyPr>
+          <a:lstStyle/>
+          <a:p>
+            <a:r>
+              <a:rPr lang="en-GB" dirty="0"/>
+              <a:t>Digital input</a:t>
+            </a:r>
+          </a:p>
+        </p:txBody>
+      </p:sp>
+      <p:sp>
+        <p:nvSpPr>
+          <p:cNvPr id="6" name="Oval 5"/>
+          <p:cNvSpPr/>
+          <p:nvPr/>
+        </p:nvSpPr>
+        <p:spPr>
+          <a:xfrm>
+            <a:off x="6876256" y="2787774"/>
+            <a:ext cx="1547664" cy="1512168"/>
+          </a:xfrm>
+          <a:prstGeom prst="ellipse">
+            <a:avLst/>
+          </a:prstGeom>
+          <a:noFill/>
+          <a:ln>
+            <a:solidFill>
+              <a:srgbClr val="FF0000"/>
+            </a:solidFill>
+          </a:ln>
+        </p:spPr>
+        <p:style>
+          <a:lnRef idx="2">
+            <a:schemeClr val="accent1">
+              <a:shade val="50000"/>
+            </a:schemeClr>
+          </a:lnRef>
+          <a:fillRef idx="1">
+            <a:schemeClr val="accent1"/>
+          </a:fillRef>
+          <a:effectRef idx="0">
+            <a:schemeClr val="accent1"/>
+          </a:effectRef>
+          <a:fontRef idx="minor">
+            <a:schemeClr val="lt1"/>
+          </a:fontRef>
+        </p:style>
+        <p:txBody>
+          <a:bodyPr rtlCol="0" anchor="ctr"/>
+          <a:lstStyle/>
+          <a:p>
+            <a:pPr algn="ctr"/>
+            <a:endParaRPr lang="en-GB"/>
+          </a:p>
+        </p:txBody>
+      </p:sp>
+      <p:sp>
+        <p:nvSpPr>
+          <p:cNvPr id="5" name="AutoShape 4" descr="Uploaded image"/>
+          <p:cNvSpPr>
+            <a:spLocks noChangeAspect="1" noChangeArrowheads="1"/>
+          </p:cNvSpPr>
+          <p:nvPr/>
+        </p:nvSpPr>
+        <p:spPr bwMode="auto">
+          <a:xfrm>
+            <a:off x="155575" y="-144463"/>
+            <a:ext cx="304800" cy="304801"/>
+          </a:xfrm>
+          <a:prstGeom prst="rect">
+            <a:avLst/>
+          </a:prstGeom>
+          <a:noFill/>
+          <a:extLst>
+            <a:ext uri="{909E8E84-426E-40DD-AFC4-6F175D3DCCD1}">
+              <a14:hiddenFill xmlns:a14="http://schemas.microsoft.com/office/drawing/2010/main">
+                <a:solidFill>
+                  <a:srgbClr val="FFFFFF"/>
+                </a:solidFill>
+              </a14:hiddenFill>
+            </a:ext>
+          </a:extLst>
+        </p:spPr>
+        <p:txBody>
+          <a:bodyPr vert="horz" wrap="square" lIns="91440" tIns="45720" rIns="91440" bIns="45720" numCol="1" anchor="t" anchorCtr="0" compatLnSpc="1">
+            <a:prstTxWarp prst="textNoShape">
+              <a:avLst/>
+            </a:prstTxWarp>
+          </a:bodyPr>
+          <a:lstStyle/>
+          <a:p>
+            <a:endParaRPr lang="en-GB"/>
+          </a:p>
+        </p:txBody>
+      </p:sp>
+      <p:sp>
+        <p:nvSpPr>
+          <p:cNvPr id="8" name="AutoShape 6" descr="Uploaded image"/>
+          <p:cNvSpPr>
+            <a:spLocks noChangeAspect="1" noChangeArrowheads="1"/>
+          </p:cNvSpPr>
+          <p:nvPr/>
+        </p:nvSpPr>
+        <p:spPr bwMode="auto">
+          <a:xfrm>
+            <a:off x="307975" y="7937"/>
+            <a:ext cx="304800" cy="304801"/>
+          </a:xfrm>
+          <a:prstGeom prst="rect">
+            <a:avLst/>
+          </a:prstGeom>
+          <a:noFill/>
+          <a:extLst>
+            <a:ext uri="{909E8E84-426E-40DD-AFC4-6F175D3DCCD1}">
+              <a14:hiddenFill xmlns:a14="http://schemas.microsoft.com/office/drawing/2010/main">
+                <a:solidFill>
+                  <a:srgbClr val="FFFFFF"/>
+                </a:solidFill>
+              </a14:hiddenFill>
+            </a:ext>
+          </a:extLst>
+        </p:spPr>
+        <p:txBody>
+          <a:bodyPr vert="horz" wrap="square" lIns="91440" tIns="45720" rIns="91440" bIns="45720" numCol="1" anchor="t" anchorCtr="0" compatLnSpc="1">
+            <a:prstTxWarp prst="textNoShape">
+              <a:avLst/>
+            </a:prstTxWarp>
+          </a:bodyPr>
+          <a:lstStyle/>
+          <a:p>
+            <a:endParaRPr lang="en-GB"/>
+          </a:p>
+        </p:txBody>
+      </p:sp>
+      <p:sp>
+        <p:nvSpPr>
+          <p:cNvPr id="11" name="AutoShape 8" descr="image.png"/>
+          <p:cNvSpPr>
+            <a:spLocks noChangeAspect="1" noChangeArrowheads="1"/>
+          </p:cNvSpPr>
+          <p:nvPr/>
+        </p:nvSpPr>
+        <p:spPr bwMode="auto">
+          <a:xfrm>
+            <a:off x="460375" y="160337"/>
+            <a:ext cx="304800" cy="304801"/>
+          </a:xfrm>
+          <a:prstGeom prst="rect">
+            <a:avLst/>
+          </a:prstGeom>
+          <a:noFill/>
+          <a:extLst>
+            <a:ext uri="{909E8E84-426E-40DD-AFC4-6F175D3DCCD1}">
+              <a14:hiddenFill xmlns:a14="http://schemas.microsoft.com/office/drawing/2010/main">
+                <a:solidFill>
+                  <a:srgbClr val="FFFFFF"/>
+                </a:solidFill>
+              </a14:hiddenFill>
+            </a:ext>
+          </a:extLst>
+        </p:spPr>
+        <p:txBody>
+          <a:bodyPr vert="horz" wrap="square" lIns="91440" tIns="45720" rIns="91440" bIns="45720" numCol="1" anchor="t" anchorCtr="0" compatLnSpc="1">
+            <a:prstTxWarp prst="textNoShape">
+              <a:avLst/>
+            </a:prstTxWarp>
+          </a:bodyPr>
+          <a:lstStyle/>
+          <a:p>
+            <a:endParaRPr lang="en-GB"/>
+          </a:p>
+        </p:txBody>
+      </p:sp>
+      <p:grpSp>
+        <p:nvGrpSpPr>
+          <p:cNvPr id="25" name="Group 24"/>
+          <p:cNvGrpSpPr/>
+          <p:nvPr/>
+        </p:nvGrpSpPr>
+        <p:grpSpPr>
+          <a:xfrm>
+            <a:off x="547911" y="1563638"/>
+            <a:ext cx="4384129" cy="2952328"/>
+            <a:chOff x="1043608" y="1563638"/>
+            <a:chExt cx="4384129" cy="2952328"/>
+          </a:xfrm>
+        </p:grpSpPr>
+        <p:pic>
+          <p:nvPicPr>
+            <p:cNvPr id="1036" name="Picture 12"/>
+            <p:cNvPicPr>
+              <a:picLocks noChangeAspect="1" noChangeArrowheads="1"/>
+            </p:cNvPicPr>
+            <p:nvPr/>
+          </p:nvPicPr>
+          <p:blipFill>
+            <a:blip r:embed="rId2">
+              <a:extLst>
+                <a:ext uri="{28A0092B-C50C-407E-A947-70E740481C1C}">
+                  <a14:useLocalDpi xmlns:a14="http://schemas.microsoft.com/office/drawing/2010/main" val="0"/>
+                </a:ext>
+              </a:extLst>
+            </a:blip>
+            <a:srcRect/>
+            <a:stretch>
+              <a:fillRect/>
+            </a:stretch>
+          </p:blipFill>
+          <p:spPr bwMode="auto">
+            <a:xfrm>
+              <a:off x="1043608" y="1563638"/>
+              <a:ext cx="1476375" cy="2924175"/>
+            </a:xfrm>
+            <a:prstGeom prst="rect">
+              <a:avLst/>
+            </a:prstGeom>
+            <a:noFill/>
+            <a:ln>
+              <a:noFill/>
+            </a:ln>
+            <a:effectLst/>
+            <a:extLst>
+              <a:ext uri="{909E8E84-426E-40DD-AFC4-6F175D3DCCD1}">
+                <a14:hiddenFill xmlns:a14="http://schemas.microsoft.com/office/drawing/2010/main">
+                  <a:solidFill>
+                    <a:schemeClr val="accent1"/>
+                  </a:solidFill>
+                </a14:hiddenFill>
+              </a:ext>
+              <a:ext uri="{91240B29-F687-4F45-9708-019B960494DF}">
+                <a14:hiddenLine xmlns:a14="http://schemas.microsoft.com/office/drawing/2010/main" w="9525">
+                  <a:solidFill>
+                    <a:schemeClr val="tx1"/>
+                  </a:solidFill>
+                  <a:miter lim="800000"/>
+                  <a:headEnd/>
+                  <a:tailEnd/>
+                </a14:hiddenLine>
+              </a:ext>
+              <a:ext uri="{AF507438-7753-43E0-B8FC-AC1667EBCBE1}">
+                <a14:hiddenEffects xmlns:a14="http://schemas.microsoft.com/office/drawing/2010/main">
+                  <a:effectLst>
+                    <a:outerShdw dist="35921" dir="2700000" algn="ctr" rotWithShape="0">
+                      <a:schemeClr val="bg2"/>
+                    </a:outerShdw>
+                  </a:effectLst>
+                </a14:hiddenEffects>
+              </a:ext>
+            </a:extLst>
+          </p:spPr>
+        </p:pic>
+        <p:pic>
+          <p:nvPicPr>
+            <p:cNvPr id="1037" name="Picture 13"/>
+            <p:cNvPicPr>
+              <a:picLocks noChangeAspect="1" noChangeArrowheads="1"/>
+            </p:cNvPicPr>
+            <p:nvPr/>
+          </p:nvPicPr>
+          <p:blipFill>
+            <a:blip r:embed="rId3">
+              <a:extLst>
+                <a:ext uri="{28A0092B-C50C-407E-A947-70E740481C1C}">
+                  <a14:useLocalDpi xmlns:a14="http://schemas.microsoft.com/office/drawing/2010/main" val="0"/>
+                </a:ext>
+              </a:extLst>
+            </a:blip>
+            <a:srcRect/>
+            <a:stretch>
+              <a:fillRect/>
+            </a:stretch>
+          </p:blipFill>
+          <p:spPr bwMode="auto">
+            <a:xfrm>
+              <a:off x="3779912" y="1565118"/>
+              <a:ext cx="1647825" cy="2950848"/>
+            </a:xfrm>
+            <a:prstGeom prst="rect">
+              <a:avLst/>
+            </a:prstGeom>
+            <a:noFill/>
+            <a:ln>
+              <a:noFill/>
+            </a:ln>
+            <a:effectLst/>
+            <a:extLst>
+              <a:ext uri="{909E8E84-426E-40DD-AFC4-6F175D3DCCD1}">
+                <a14:hiddenFill xmlns:a14="http://schemas.microsoft.com/office/drawing/2010/main">
+                  <a:solidFill>
+                    <a:schemeClr val="accent1"/>
+                  </a:solidFill>
+                </a14:hiddenFill>
+              </a:ext>
+              <a:ext uri="{91240B29-F687-4F45-9708-019B960494DF}">
+                <a14:hiddenLine xmlns:a14="http://schemas.microsoft.com/office/drawing/2010/main" w="9525">
+                  <a:solidFill>
+                    <a:schemeClr val="tx1"/>
+                  </a:solidFill>
+                  <a:miter lim="800000"/>
+                  <a:headEnd/>
+                  <a:tailEnd/>
+                </a14:hiddenLine>
+              </a:ext>
+              <a:ext uri="{AF507438-7753-43E0-B8FC-AC1667EBCBE1}">
+                <a14:hiddenEffects xmlns:a14="http://schemas.microsoft.com/office/drawing/2010/main">
+                  <a:effectLst>
+                    <a:outerShdw dist="35921" dir="2700000" algn="ctr" rotWithShape="0">
+                      <a:schemeClr val="bg2"/>
+                    </a:outerShdw>
+                  </a:effectLst>
+                </a14:hiddenEffects>
+              </a:ext>
+            </a:extLst>
+          </p:spPr>
+        </p:pic>
+        <p:sp>
+          <p:nvSpPr>
+            <p:cNvPr id="24" name="Rectangle 23"/>
+            <p:cNvSpPr/>
+            <p:nvPr/>
+          </p:nvSpPr>
+          <p:spPr>
+            <a:xfrm>
+              <a:off x="2555776" y="1563638"/>
+              <a:ext cx="1152128" cy="2894062"/>
+            </a:xfrm>
+            <a:prstGeom prst="rect">
+              <a:avLst/>
+            </a:prstGeom>
+            <a:solidFill>
+              <a:schemeClr val="bg1"/>
+            </a:solidFill>
+          </p:spPr>
+          <p:style>
+            <a:lnRef idx="2">
+              <a:schemeClr val="accent1">
+                <a:shade val="50000"/>
+              </a:schemeClr>
+            </a:lnRef>
+            <a:fillRef idx="1">
+              <a:schemeClr val="accent1"/>
+            </a:fillRef>
+            <a:effectRef idx="0">
+              <a:schemeClr val="accent1"/>
+            </a:effectRef>
+            <a:fontRef idx="minor">
+              <a:schemeClr val="lt1"/>
+            </a:fontRef>
+          </p:style>
+          <p:txBody>
+            <a:bodyPr rtlCol="0" anchor="ctr"/>
+            <a:lstStyle/>
+            <a:p>
+              <a:pPr algn="ctr"/>
+              <a:endParaRPr lang="en-GB" dirty="0"/>
+            </a:p>
+          </p:txBody>
+        </p:sp>
+      </p:grpSp>
+      <p:sp>
+        <p:nvSpPr>
+          <p:cNvPr id="26" name="Rectangle 25"/>
+          <p:cNvSpPr/>
+          <p:nvPr/>
+        </p:nvSpPr>
+        <p:spPr>
+          <a:xfrm>
+            <a:off x="515615" y="1707654"/>
+            <a:ext cx="2120528" cy="288032"/>
+          </a:xfrm>
+          <a:prstGeom prst="rect">
+            <a:avLst/>
+          </a:prstGeom>
+          <a:noFill/>
+          <a:ln w="38100">
+            <a:solidFill>
+              <a:srgbClr val="FF0000"/>
+            </a:solidFill>
+          </a:ln>
+        </p:spPr>
+        <p:style>
+          <a:lnRef idx="2">
+            <a:schemeClr val="accent1">
+              <a:shade val="50000"/>
+            </a:schemeClr>
+          </a:lnRef>
+          <a:fillRef idx="1">
+            <a:schemeClr val="accent1"/>
+          </a:fillRef>
+          <a:effectRef idx="0">
+            <a:schemeClr val="accent1"/>
+          </a:effectRef>
+          <a:fontRef idx="minor">
+            <a:schemeClr val="lt1"/>
+          </a:fontRef>
+        </p:style>
+        <p:txBody>
+          <a:bodyPr rtlCol="0" anchor="ctr"/>
+          <a:lstStyle/>
+          <a:p>
+            <a:pPr algn="r"/>
+            <a:r>
+              <a:rPr lang="en-GB" dirty="0" smtClean="0">
+                <a:solidFill>
+                  <a:schemeClr val="tx1"/>
+                </a:solidFill>
+              </a:rPr>
+              <a:t>ADC</a:t>
+            </a:r>
+            <a:endParaRPr lang="en-GB" dirty="0">
+              <a:solidFill>
+                <a:schemeClr val="tx1"/>
+              </a:solidFill>
+            </a:endParaRPr>
+          </a:p>
+        </p:txBody>
+      </p:sp>
+      <p:sp>
+        <p:nvSpPr>
+          <p:cNvPr id="15" name="Rectangle 14"/>
+          <p:cNvSpPr/>
+          <p:nvPr/>
+        </p:nvSpPr>
+        <p:spPr>
+          <a:xfrm>
+            <a:off x="460375" y="3435846"/>
+            <a:ext cx="2120528" cy="864096"/>
+          </a:xfrm>
+          <a:prstGeom prst="rect">
+            <a:avLst/>
+          </a:prstGeom>
+          <a:noFill/>
+          <a:ln w="38100">
+            <a:solidFill>
+              <a:srgbClr val="FF0000"/>
+            </a:solidFill>
+          </a:ln>
+        </p:spPr>
+        <p:style>
+          <a:lnRef idx="2">
+            <a:schemeClr val="accent1">
+              <a:shade val="50000"/>
+            </a:schemeClr>
+          </a:lnRef>
+          <a:fillRef idx="1">
+            <a:schemeClr val="accent1"/>
+          </a:fillRef>
+          <a:effectRef idx="0">
+            <a:schemeClr val="accent1"/>
+          </a:effectRef>
+          <a:fontRef idx="minor">
+            <a:schemeClr val="lt1"/>
+          </a:fontRef>
+        </p:style>
+        <p:txBody>
+          <a:bodyPr rtlCol="0" anchor="ctr"/>
+          <a:lstStyle/>
+          <a:p>
+            <a:pPr algn="r"/>
+            <a:r>
+              <a:rPr lang="en-GB" dirty="0" smtClean="0">
+                <a:solidFill>
+                  <a:schemeClr val="tx1"/>
+                </a:solidFill>
+              </a:rPr>
+              <a:t>LED</a:t>
+            </a:r>
+            <a:endParaRPr lang="en-GB" dirty="0">
+              <a:solidFill>
+                <a:schemeClr val="tx1"/>
+              </a:solidFill>
+            </a:endParaRPr>
+          </a:p>
+        </p:txBody>
+      </p:sp>
+      <p:sp>
+        <p:nvSpPr>
+          <p:cNvPr id="16" name="Rectangle 15"/>
+          <p:cNvSpPr/>
+          <p:nvPr/>
+        </p:nvSpPr>
+        <p:spPr>
+          <a:xfrm>
+            <a:off x="507256" y="2283718"/>
+            <a:ext cx="2120528" cy="288032"/>
+          </a:xfrm>
+          <a:prstGeom prst="rect">
+            <a:avLst/>
+          </a:prstGeom>
+          <a:noFill/>
+          <a:ln w="38100">
+            <a:solidFill>
+              <a:srgbClr val="FF0000"/>
+            </a:solidFill>
+          </a:ln>
+        </p:spPr>
+        <p:style>
+          <a:lnRef idx="2">
+            <a:schemeClr val="accent1">
+              <a:shade val="50000"/>
+            </a:schemeClr>
+          </a:lnRef>
+          <a:fillRef idx="1">
+            <a:schemeClr val="accent1"/>
+          </a:fillRef>
+          <a:effectRef idx="0">
+            <a:schemeClr val="accent1"/>
+          </a:effectRef>
+          <a:fontRef idx="minor">
+            <a:schemeClr val="lt1"/>
+          </a:fontRef>
+        </p:style>
+        <p:txBody>
+          <a:bodyPr rtlCol="0" anchor="ctr"/>
+          <a:lstStyle/>
+          <a:p>
+            <a:pPr algn="r"/>
+            <a:r>
+              <a:rPr lang="en-GB" b="1" dirty="0" smtClean="0">
+                <a:solidFill>
+                  <a:schemeClr val="tx1"/>
+                </a:solidFill>
+              </a:rPr>
+              <a:t>SW</a:t>
+            </a:r>
+            <a:endParaRPr lang="en-GB" b="1" dirty="0">
+              <a:solidFill>
+                <a:schemeClr val="tx1"/>
+              </a:solidFill>
+            </a:endParaRPr>
+          </a:p>
+        </p:txBody>
+      </p:sp>
+      <p:pic>
+        <p:nvPicPr>
+          <p:cNvPr id="17" name="Picture 2"/>
+          <p:cNvPicPr>
+            <a:picLocks noChangeAspect="1" noChangeArrowheads="1"/>
+          </p:cNvPicPr>
+          <p:nvPr/>
+        </p:nvPicPr>
+        <p:blipFill>
+          <a:blip r:embed="rId4" cstate="print"/>
+          <a:srcRect/>
+          <a:stretch>
+            <a:fillRect/>
+          </a:stretch>
+        </p:blipFill>
+        <p:spPr bwMode="auto">
+          <a:xfrm>
+            <a:off x="6026986" y="2440971"/>
+            <a:ext cx="3056087" cy="2643758"/>
+          </a:xfrm>
+          <a:prstGeom prst="rect">
+            <a:avLst/>
+          </a:prstGeom>
+          <a:noFill/>
+          <a:ln w="9525">
+            <a:noFill/>
+            <a:miter lim="800000"/>
+            <a:headEnd/>
+            <a:tailEnd/>
+          </a:ln>
+          <a:effectLst/>
+        </p:spPr>
+      </p:pic>
+      <p:sp>
+        <p:nvSpPr>
+          <p:cNvPr id="4" name="Rectangle 3"/>
+          <p:cNvSpPr/>
+          <p:nvPr/>
+        </p:nvSpPr>
+        <p:spPr>
+          <a:xfrm>
+            <a:off x="6732240" y="3651870"/>
+            <a:ext cx="432048" cy="318266"/>
+          </a:xfrm>
+          <a:prstGeom prst="rect">
+            <a:avLst/>
+          </a:prstGeom>
+          <a:solidFill>
+            <a:schemeClr val="bg1"/>
+          </a:solidFill>
+          <a:ln>
+            <a:solidFill>
+              <a:schemeClr val="bg1"/>
+            </a:solidFill>
+          </a:ln>
+        </p:spPr>
+        <p:style>
+          <a:lnRef idx="2">
+            <a:schemeClr val="accent1">
+              <a:shade val="50000"/>
+            </a:schemeClr>
+          </a:lnRef>
+          <a:fillRef idx="1">
+            <a:schemeClr val="accent1"/>
+          </a:fillRef>
+          <a:effectRef idx="0">
+            <a:schemeClr val="accent1"/>
+          </a:effectRef>
+          <a:fontRef idx="minor">
+            <a:schemeClr val="lt1"/>
+          </a:fontRef>
+        </p:style>
+        <p:txBody>
+          <a:bodyPr rtlCol="0" anchor="ctr"/>
+          <a:lstStyle/>
+          <a:p>
+            <a:pPr algn="ctr"/>
+            <a:endParaRPr lang="en-GB"/>
+          </a:p>
+        </p:txBody>
+      </p:sp>
+      <p:cxnSp>
+        <p:nvCxnSpPr>
+          <p:cNvPr id="10" name="Straight Connector 9"/>
+          <p:cNvCxnSpPr/>
+          <p:nvPr/>
+        </p:nvCxnSpPr>
+        <p:spPr>
+          <a:xfrm>
+            <a:off x="6660232" y="3867894"/>
+            <a:ext cx="648072" cy="0"/>
+          </a:xfrm>
+          <a:prstGeom prst="line">
+            <a:avLst/>
+          </a:prstGeom>
+        </p:spPr>
+        <p:style>
+          <a:lnRef idx="1">
+            <a:schemeClr val="accent1"/>
+          </a:lnRef>
+          <a:fillRef idx="0">
+            <a:schemeClr val="accent1"/>
+          </a:fillRef>
+          <a:effectRef idx="0">
+            <a:schemeClr val="accent1"/>
+          </a:effectRef>
+          <a:fontRef idx="minor">
+            <a:schemeClr val="tx1"/>
+          </a:fontRef>
+        </p:style>
+      </p:cxnSp>
+    </p:spTree>
+    <p:extLst>
+      <p:ext uri="{BB962C8B-B14F-4D97-AF65-F5344CB8AC3E}">
+        <p14:creationId xmlns:p14="http://schemas.microsoft.com/office/powerpoint/2010/main" val="4122855412"/>
+      </p:ext>
+    </p:extLst>
+  </p:cSld>
+  <p:clrMapOvr>
+    <a:masterClrMapping/>
+  </p:clrMapOvr>
+  <mc:AlternateContent xmlns:mc="http://schemas.openxmlformats.org/markup-compatibility/2006" xmlns:p14="http://schemas.microsoft.com/office/powerpoint/2010/main">
+    <mc:Choice Requires="p14">
+      <p:transition spd="slow" p14:dur="2000" advClick="0"/>
+    </mc:Choice>
+    <mc:Fallback xmlns="">
+      <p:transition spd="slow" advClick="0"/>
+    </mc:Fallback>
+  </mc:AlternateContent>
+  <p:timing>
+    <p:tnLst>
+      <p:par>
+        <p:cTn id="1" dur="indefinite" restart="never" nodeType="tmRoot"/>
+      </p:par>
+    </p:tnLst>
+  </p:timing>
+</p:sld>
+</file>
+
+<file path=ppt/slides/slide8.xml><?xml version="1.0" encoding="utf-8"?>
+<p:sld xmlns:a="http://schemas.openxmlformats.org/drawingml/2006/main" xmlns:r="http://schemas.openxmlformats.org/officeDocument/2006/relationships" xmlns:p="http://schemas.openxmlformats.org/presentationml/2006/main">
+  <p:cSld>
+    <p:spTree>
+      <p:nvGrpSpPr>
+        <p:cNvPr id="1" name=""/>
+        <p:cNvGrpSpPr/>
+        <p:nvPr/>
+      </p:nvGrpSpPr>
+      <p:grpSpPr>
+        <a:xfrm>
+          <a:off x="0" y="0"/>
+          <a:ext cx="0" cy="0"/>
+          <a:chOff x="0" y="0"/>
+          <a:chExt cx="0" cy="0"/>
+        </a:xfrm>
+      </p:grpSpPr>
+      <p:sp>
+        <p:nvSpPr>
+          <p:cNvPr id="2" name="Title 1"/>
+          <p:cNvSpPr>
+            <a:spLocks noGrp="1"/>
+          </p:cNvSpPr>
+          <p:nvPr>
+            <p:ph type="title"/>
+          </p:nvPr>
+        </p:nvSpPr>
+        <p:spPr/>
+        <p:txBody>
+          <a:bodyPr/>
+          <a:lstStyle/>
+          <a:p>
+            <a:pPr algn="l"/>
+            <a:r>
+              <a:rPr lang="en-GB" dirty="0" smtClean="0"/>
+              <a:t>Hardware</a:t>
+            </a:r>
+            <a:endParaRPr lang="en-GB" dirty="0"/>
+          </a:p>
+        </p:txBody>
+      </p:sp>
+      <p:sp>
+        <p:nvSpPr>
+          <p:cNvPr id="3" name="Content Placeholder 2"/>
+          <p:cNvSpPr>
+            <a:spLocks noGrp="1"/>
+          </p:cNvSpPr>
+          <p:nvPr>
+            <p:ph idx="1"/>
+          </p:nvPr>
+        </p:nvSpPr>
+        <p:spPr/>
+        <p:txBody>
+          <a:bodyPr/>
+          <a:lstStyle/>
+          <a:p>
+            <a:r>
+              <a:rPr lang="en-GB" dirty="0"/>
+              <a:t>Prototype Board</a:t>
+            </a:r>
+          </a:p>
+          <a:p>
+            <a:r>
+              <a:rPr lang="en-GB" dirty="0"/>
+              <a:t>Power 5v0</a:t>
+            </a:r>
+          </a:p>
+          <a:p>
+            <a:r>
+              <a:rPr lang="en-GB" dirty="0"/>
+              <a:t>Programmer</a:t>
+            </a:r>
+          </a:p>
+          <a:p>
+            <a:r>
+              <a:rPr lang="en-GB" dirty="0"/>
+              <a:t>LEDs &amp; resistors</a:t>
+            </a:r>
+          </a:p>
+          <a:p>
+            <a:r>
+              <a:rPr lang="en-GB" dirty="0"/>
+              <a:t>Switch &amp; resistors</a:t>
+            </a:r>
+          </a:p>
+          <a:p>
+            <a:endParaRPr lang="en-GB" dirty="0"/>
+          </a:p>
+        </p:txBody>
+      </p:sp>
+      <p:sp>
+        <p:nvSpPr>
+          <p:cNvPr id="4" name="TextBox 3"/>
+          <p:cNvSpPr txBox="1"/>
+          <p:nvPr/>
+        </p:nvSpPr>
+        <p:spPr>
+          <a:xfrm>
+            <a:off x="2123728" y="1635646"/>
+            <a:ext cx="5328592" cy="3600986"/>
+          </a:xfrm>
+          <a:prstGeom prst="rect">
+            <a:avLst/>
+          </a:prstGeom>
+          <a:noFill/>
+        </p:spPr>
+        <p:txBody>
+          <a:bodyPr wrap="square" rtlCol="0">
+            <a:spAutoFit/>
+          </a:bodyPr>
+          <a:lstStyle/>
+          <a:p>
+            <a:r>
+              <a:rPr lang="en-GB" sz="1200" b="1" dirty="0">
+                <a:latin typeface="Courier New" panose="02070309020205020404" pitchFamily="49" charset="0"/>
+                <a:cs typeface="Courier New" panose="02070309020205020404" pitchFamily="49" charset="0"/>
+              </a:rPr>
+              <a:t>    Hardware</a:t>
+            </a:r>
+          </a:p>
+          <a:p>
+            <a:r>
+              <a:rPr lang="en-GB" sz="1200" b="1" dirty="0" smtClean="0">
+                <a:latin typeface="Courier New" panose="02070309020205020404" pitchFamily="49" charset="0"/>
+                <a:cs typeface="Courier New" panose="02070309020205020404" pitchFamily="49" charset="0"/>
+              </a:rPr>
+              <a:t>'' </a:t>
+            </a:r>
+            <a:r>
+              <a:rPr lang="en-GB" sz="1200" b="1" dirty="0">
+                <a:latin typeface="Courier New" panose="02070309020205020404" pitchFamily="49" charset="0"/>
+                <a:cs typeface="Courier New" panose="02070309020205020404" pitchFamily="49" charset="0"/>
+              </a:rPr>
+              <a:t>-------------------PORTA----------------</a:t>
+            </a:r>
+          </a:p>
+          <a:p>
+            <a:r>
+              <a:rPr lang="en-GB" sz="1200" b="1" dirty="0">
+                <a:latin typeface="Courier New" panose="02070309020205020404" pitchFamily="49" charset="0"/>
+                <a:cs typeface="Courier New" panose="02070309020205020404" pitchFamily="49" charset="0"/>
+              </a:rPr>
+              <a:t>'' Bit#:  -7---6---5---4---3---2---1---0---</a:t>
+            </a:r>
+          </a:p>
+          <a:p>
+            <a:r>
+              <a:rPr lang="en-GB" sz="1200" b="1" dirty="0">
+                <a:latin typeface="Courier New" panose="02070309020205020404" pitchFamily="49" charset="0"/>
+                <a:cs typeface="Courier New" panose="02070309020205020404" pitchFamily="49" charset="0"/>
+              </a:rPr>
+              <a:t>'' IO:    </a:t>
+            </a:r>
+            <a:r>
+              <a:rPr lang="en-GB" sz="1200" b="1" dirty="0" smtClean="0">
+                <a:latin typeface="Courier New" panose="02070309020205020404" pitchFamily="49" charset="0"/>
+                <a:cs typeface="Courier New" panose="02070309020205020404" pitchFamily="49" charset="0"/>
+              </a:rPr>
+              <a:t>---------------- SW---------ADC--</a:t>
+            </a:r>
+            <a:endParaRPr lang="en-GB" sz="1200" b="1" dirty="0">
+              <a:latin typeface="Courier New" panose="02070309020205020404" pitchFamily="49" charset="0"/>
+              <a:cs typeface="Courier New" panose="02070309020205020404" pitchFamily="49" charset="0"/>
+            </a:endParaRPr>
+          </a:p>
+          <a:p>
+            <a:r>
+              <a:rPr lang="en-GB" sz="1200" b="1" dirty="0">
+                <a:latin typeface="Courier New" panose="02070309020205020404" pitchFamily="49" charset="0"/>
+                <a:cs typeface="Courier New" panose="02070309020205020404" pitchFamily="49" charset="0"/>
+              </a:rPr>
+              <a:t>''-----------------------------------------</a:t>
+            </a:r>
+          </a:p>
+          <a:p>
+            <a:r>
+              <a:rPr lang="en-GB" sz="1200" b="1" dirty="0">
+                <a:latin typeface="Courier New" panose="02070309020205020404" pitchFamily="49" charset="0"/>
+                <a:cs typeface="Courier New" panose="02070309020205020404" pitchFamily="49" charset="0"/>
+              </a:rPr>
+              <a:t>''</a:t>
+            </a:r>
+          </a:p>
+          <a:p>
+            <a:endParaRPr lang="en-GB" sz="1200" b="1" dirty="0">
+              <a:latin typeface="Courier New" panose="02070309020205020404" pitchFamily="49" charset="0"/>
+              <a:cs typeface="Courier New" panose="02070309020205020404" pitchFamily="49" charset="0"/>
+            </a:endParaRPr>
+          </a:p>
+          <a:p>
+            <a:r>
+              <a:rPr lang="en-GB" sz="1200" b="1" dirty="0">
+                <a:latin typeface="Courier New" panose="02070309020205020404" pitchFamily="49" charset="0"/>
+                <a:cs typeface="Courier New" panose="02070309020205020404" pitchFamily="49" charset="0"/>
+              </a:rPr>
+              <a:t>'' -------------------PORTB----------------</a:t>
+            </a:r>
+          </a:p>
+          <a:p>
+            <a:r>
+              <a:rPr lang="en-GB" sz="1200" b="1" dirty="0">
+                <a:latin typeface="Courier New" panose="02070309020205020404" pitchFamily="49" charset="0"/>
+                <a:cs typeface="Courier New" panose="02070309020205020404" pitchFamily="49" charset="0"/>
+              </a:rPr>
+              <a:t>'' Bit#:  -7---6---5---4---3---2---1---0---</a:t>
+            </a:r>
+          </a:p>
+          <a:p>
+            <a:r>
+              <a:rPr lang="en-GB" sz="1200" b="1" dirty="0">
+                <a:latin typeface="Courier New" panose="02070309020205020404" pitchFamily="49" charset="0"/>
+                <a:cs typeface="Courier New" panose="02070309020205020404" pitchFamily="49" charset="0"/>
+              </a:rPr>
+              <a:t>'' IO:    ---------------------------------</a:t>
+            </a:r>
+          </a:p>
+          <a:p>
+            <a:r>
+              <a:rPr lang="en-GB" sz="1200" b="1" dirty="0">
+                <a:latin typeface="Courier New" panose="02070309020205020404" pitchFamily="49" charset="0"/>
+                <a:cs typeface="Courier New" panose="02070309020205020404" pitchFamily="49" charset="0"/>
+              </a:rPr>
+              <a:t>''-----------------------------------------</a:t>
+            </a:r>
+          </a:p>
+          <a:p>
+            <a:r>
+              <a:rPr lang="en-GB" sz="1200" b="1" dirty="0">
+                <a:latin typeface="Courier New" panose="02070309020205020404" pitchFamily="49" charset="0"/>
+                <a:cs typeface="Courier New" panose="02070309020205020404" pitchFamily="49" charset="0"/>
+              </a:rPr>
+              <a:t>''</a:t>
+            </a:r>
+          </a:p>
+          <a:p>
+            <a:endParaRPr lang="en-GB" sz="1200" b="1" dirty="0">
+              <a:latin typeface="Courier New" panose="02070309020205020404" pitchFamily="49" charset="0"/>
+              <a:cs typeface="Courier New" panose="02070309020205020404" pitchFamily="49" charset="0"/>
+            </a:endParaRPr>
+          </a:p>
+          <a:p>
+            <a:r>
+              <a:rPr lang="en-GB" sz="1200" b="1" dirty="0">
+                <a:latin typeface="Courier New" panose="02070309020205020404" pitchFamily="49" charset="0"/>
+                <a:cs typeface="Courier New" panose="02070309020205020404" pitchFamily="49" charset="0"/>
+              </a:rPr>
+              <a:t>'' ------------------PORTC-----------------</a:t>
+            </a:r>
+          </a:p>
+          <a:p>
+            <a:r>
+              <a:rPr lang="en-GB" sz="1200" b="1" dirty="0">
+                <a:latin typeface="Courier New" panose="02070309020205020404" pitchFamily="49" charset="0"/>
+                <a:cs typeface="Courier New" panose="02070309020205020404" pitchFamily="49" charset="0"/>
+              </a:rPr>
+              <a:t>'' Bit#:  -7---6---5---4---3---2---1---0---</a:t>
+            </a:r>
+          </a:p>
+          <a:p>
+            <a:r>
+              <a:rPr lang="en-GB" sz="1200" b="1" dirty="0">
+                <a:latin typeface="Courier New" panose="02070309020205020404" pitchFamily="49" charset="0"/>
+                <a:cs typeface="Courier New" panose="02070309020205020404" pitchFamily="49" charset="0"/>
+              </a:rPr>
+              <a:t>'' IO:    ---------------LED--LED-LED-LED--</a:t>
+            </a:r>
+          </a:p>
+          <a:p>
+            <a:r>
+              <a:rPr lang="en-GB" sz="1200" b="1" dirty="0">
+                <a:latin typeface="Courier New" panose="02070309020205020404" pitchFamily="49" charset="0"/>
+                <a:cs typeface="Courier New" panose="02070309020205020404" pitchFamily="49" charset="0"/>
+              </a:rPr>
+              <a:t>''-----------------------------------------</a:t>
+            </a:r>
+          </a:p>
+          <a:p>
+            <a:r>
+              <a:rPr lang="en-GB" sz="1200" b="1" dirty="0">
+                <a:latin typeface="Courier New" panose="02070309020205020404" pitchFamily="49" charset="0"/>
+                <a:cs typeface="Courier New" panose="02070309020205020404" pitchFamily="49" charset="0"/>
+              </a:rPr>
+              <a:t>''</a:t>
+            </a:r>
+            <a:br>
+              <a:rPr lang="en-GB" sz="1200" b="1" dirty="0">
+                <a:latin typeface="Courier New" panose="02070309020205020404" pitchFamily="49" charset="0"/>
+                <a:cs typeface="Courier New" panose="02070309020205020404" pitchFamily="49" charset="0"/>
+              </a:rPr>
+            </a:br>
+            <a:endParaRPr lang="en-GB" sz="1200" b="1" dirty="0">
+              <a:latin typeface="Courier New" panose="02070309020205020404" pitchFamily="49" charset="0"/>
+              <a:cs typeface="Courier New" panose="02070309020205020404" pitchFamily="49" charset="0"/>
+            </a:endParaRPr>
+          </a:p>
+        </p:txBody>
+      </p:sp>
+    </p:spTree>
+    <p:extLst>
+      <p:ext uri="{BB962C8B-B14F-4D97-AF65-F5344CB8AC3E}">
+        <p14:creationId xmlns:p14="http://schemas.microsoft.com/office/powerpoint/2010/main" val="1365204576"/>
+      </p:ext>
+    </p:extLst>
+  </p:cSld>
+  <p:clrMapOvr>
+    <a:masterClrMapping/>
+  </p:clrMapOvr>
+  <mc:AlternateContent xmlns:mc="http://schemas.openxmlformats.org/markup-compatibility/2006" xmlns:p14="http://schemas.microsoft.com/office/powerpoint/2010/main">
+    <mc:Choice Requires="p14">
+      <p:transition spd="slow" p14:dur="2000"/>
+    </mc:Choice>
+    <mc:Fallback xmlns="">
+      <p:transition spd="slow"/>
+    </mc:Fallback>
+  </mc:AlternateContent>
+  <p:timing>
+    <p:tnLst>
+      <p:par>
+        <p:cTn id="1" dur="indefinite" restart="never" nodeType="tmRoot"/>
+      </p:par>
+    </p:tnLst>
+  </p:timing>
+</p:sld>
+</file>
+
+<file path=ppt/slides/slide9.xml><?xml version="1.0" encoding="utf-8"?>
 <p:sld xmlns:a="http://schemas.openxmlformats.org/drawingml/2006/main" xmlns:r="http://schemas.openxmlformats.org/officeDocument/2006/relationships" xmlns:p="http://schemas.openxmlformats.org/presentationml/2006/main">
   <p:cSld>
     <p:spTree>
@@ -8932,4318 +13102,6 @@
     </mc:Choice>
     <mc:Fallback xmlns="">
       <p:transition spd="slow" advClick="0"/>
-    </mc:Fallback>
-  </mc:AlternateContent>
-  <p:timing>
-    <p:tnLst>
-      <p:par>
-        <p:cTn id="1" dur="indefinite" restart="never" nodeType="tmRoot"/>
-      </p:par>
-    </p:tnLst>
-  </p:timing>
-</p:sld>
-</file>
-
-<file path=ppt/slides/slide11.xml><?xml version="1.0" encoding="utf-8"?>
-<p:sld xmlns:a="http://schemas.openxmlformats.org/drawingml/2006/main" xmlns:r="http://schemas.openxmlformats.org/officeDocument/2006/relationships" xmlns:p="http://schemas.openxmlformats.org/presentationml/2006/main">
-  <p:cSld>
-    <p:spTree>
-      <p:nvGrpSpPr>
-        <p:cNvPr id="1" name=""/>
-        <p:cNvGrpSpPr/>
-        <p:nvPr/>
-      </p:nvGrpSpPr>
-      <p:grpSpPr>
-        <a:xfrm>
-          <a:off x="0" y="0"/>
-          <a:ext cx="0" cy="0"/>
-          <a:chOff x="0" y="0"/>
-          <a:chExt cx="0" cy="0"/>
-        </a:xfrm>
-      </p:grpSpPr>
-      <p:sp>
-        <p:nvSpPr>
-          <p:cNvPr id="2" name="Title 1"/>
-          <p:cNvSpPr>
-            <a:spLocks noGrp="1"/>
-          </p:cNvSpPr>
-          <p:nvPr>
-            <p:ph type="title"/>
-          </p:nvPr>
-        </p:nvSpPr>
-        <p:spPr/>
-        <p:txBody>
-          <a:bodyPr vert="horz" lIns="85064" tIns="42531" rIns="85064" bIns="42531" rtlCol="0" anchor="t">
-            <a:normAutofit/>
-          </a:bodyPr>
-          <a:lstStyle/>
-          <a:p>
-            <a:pPr algn="l"/>
-            <a:r>
-              <a:rPr lang="en-GB" dirty="0" smtClean="0"/>
-              <a:t>Lab</a:t>
-            </a:r>
-          </a:p>
-        </p:txBody>
-      </p:sp>
-      <p:sp>
-        <p:nvSpPr>
-          <p:cNvPr id="4" name="Content Placeholder 2"/>
-          <p:cNvSpPr>
-            <a:spLocks noGrp="1"/>
-          </p:cNvSpPr>
-          <p:nvPr>
-            <p:ph idx="1"/>
-          </p:nvPr>
-        </p:nvSpPr>
-        <p:spPr/>
-        <p:txBody>
-          <a:bodyPr/>
-          <a:lstStyle/>
-          <a:p>
-            <a:r>
-              <a:rPr lang="en-GB" dirty="0" smtClean="0"/>
-              <a:t>Review GCSTUDIO options</a:t>
-            </a:r>
-          </a:p>
-          <a:p>
-            <a:endParaRPr lang="en-GB" dirty="0" smtClean="0"/>
-          </a:p>
-          <a:p>
-            <a:r>
-              <a:rPr lang="en-GB" dirty="0" smtClean="0"/>
-              <a:t>Examine the sample code</a:t>
-            </a:r>
-          </a:p>
-          <a:p>
-            <a:r>
-              <a:rPr lang="en-GB" dirty="0" smtClean="0"/>
-              <a:t>Review the results</a:t>
-            </a:r>
-            <a:endParaRPr lang="en-GB" dirty="0"/>
-          </a:p>
-        </p:txBody>
-      </p:sp>
-    </p:spTree>
-    <p:extLst>
-      <p:ext uri="{BB962C8B-B14F-4D97-AF65-F5344CB8AC3E}">
-        <p14:creationId xmlns:p14="http://schemas.microsoft.com/office/powerpoint/2010/main" val="4232917398"/>
-      </p:ext>
-    </p:extLst>
-  </p:cSld>
-  <p:clrMapOvr>
-    <a:masterClrMapping/>
-  </p:clrMapOvr>
-  <mc:AlternateContent xmlns:mc="http://schemas.openxmlformats.org/markup-compatibility/2006" xmlns:p14="http://schemas.microsoft.com/office/powerpoint/2010/main">
-    <mc:Choice Requires="p14">
-      <p:transition spd="slow" p14:dur="2000" advClick="0"/>
-    </mc:Choice>
-    <mc:Fallback xmlns="">
-      <p:transition spd="slow" advClick="0"/>
-    </mc:Fallback>
-  </mc:AlternateContent>
-  <p:timing>
-    <p:tnLst>
-      <p:par>
-        <p:cTn id="1" dur="indefinite" restart="never" nodeType="tmRoot"/>
-      </p:par>
-    </p:tnLst>
-  </p:timing>
-</p:sld>
-</file>
-
-<file path=ppt/slides/slide12.xml><?xml version="1.0" encoding="utf-8"?>
-<p:sld xmlns:a="http://schemas.openxmlformats.org/drawingml/2006/main" xmlns:r="http://schemas.openxmlformats.org/officeDocument/2006/relationships" xmlns:p="http://schemas.openxmlformats.org/presentationml/2006/main">
-  <p:cSld>
-    <p:spTree>
-      <p:nvGrpSpPr>
-        <p:cNvPr id="1" name=""/>
-        <p:cNvGrpSpPr/>
-        <p:nvPr/>
-      </p:nvGrpSpPr>
-      <p:grpSpPr>
-        <a:xfrm>
-          <a:off x="0" y="0"/>
-          <a:ext cx="0" cy="0"/>
-          <a:chOff x="0" y="0"/>
-          <a:chExt cx="0" cy="0"/>
-        </a:xfrm>
-      </p:grpSpPr>
-      <p:sp>
-        <p:nvSpPr>
-          <p:cNvPr id="2" name="Title 1"/>
-          <p:cNvSpPr>
-            <a:spLocks noGrp="1"/>
-          </p:cNvSpPr>
-          <p:nvPr>
-            <p:ph type="title"/>
-          </p:nvPr>
-        </p:nvSpPr>
-        <p:spPr/>
-        <p:txBody>
-          <a:bodyPr/>
-          <a:lstStyle/>
-          <a:p>
-            <a:endParaRPr lang="en-GB" dirty="0"/>
-          </a:p>
-        </p:txBody>
-      </p:sp>
-      <p:sp>
-        <p:nvSpPr>
-          <p:cNvPr id="3" name="Content Placeholder 2"/>
-          <p:cNvSpPr>
-            <a:spLocks noGrp="1"/>
-          </p:cNvSpPr>
-          <p:nvPr>
-            <p:ph idx="1"/>
-          </p:nvPr>
-        </p:nvSpPr>
-        <p:spPr/>
-        <p:txBody>
-          <a:bodyPr/>
-          <a:lstStyle/>
-          <a:p>
-            <a:endParaRPr lang="en-GB" dirty="0"/>
-          </a:p>
-        </p:txBody>
-      </p:sp>
-    </p:spTree>
-  </p:cSld>
-  <p:clrMapOvr>
-    <a:masterClrMapping/>
-  </p:clrMapOvr>
-  <mc:AlternateContent xmlns:mc="http://schemas.openxmlformats.org/markup-compatibility/2006" xmlns:p14="http://schemas.microsoft.com/office/powerpoint/2010/main">
-    <mc:Choice Requires="p14">
-      <p:transition spd="slow" p14:dur="2000"/>
-    </mc:Choice>
-    <mc:Fallback xmlns="">
-      <p:transition spd="slow"/>
-    </mc:Fallback>
-  </mc:AlternateContent>
-  <p:timing>
-    <p:tnLst>
-      <p:par>
-        <p:cTn id="1" dur="indefinite" restart="never" nodeType="tmRoot"/>
-      </p:par>
-    </p:tnLst>
-  </p:timing>
-</p:sld>
-</file>
-
-<file path=ppt/slides/slide13.xml><?xml version="1.0" encoding="utf-8"?>
-<p:sld xmlns:a="http://schemas.openxmlformats.org/drawingml/2006/main" xmlns:r="http://schemas.openxmlformats.org/officeDocument/2006/relationships" xmlns:p="http://schemas.openxmlformats.org/presentationml/2006/main">
-  <p:cSld>
-    <p:spTree>
-      <p:nvGrpSpPr>
-        <p:cNvPr id="1" name=""/>
-        <p:cNvGrpSpPr/>
-        <p:nvPr/>
-      </p:nvGrpSpPr>
-      <p:grpSpPr>
-        <a:xfrm>
-          <a:off x="0" y="0"/>
-          <a:ext cx="0" cy="0"/>
-          <a:chOff x="0" y="0"/>
-          <a:chExt cx="0" cy="0"/>
-        </a:xfrm>
-      </p:grpSpPr>
-      <p:sp>
-        <p:nvSpPr>
-          <p:cNvPr id="2" name="Rectangle 1"/>
-          <p:cNvSpPr/>
-          <p:nvPr/>
-        </p:nvSpPr>
-        <p:spPr>
-          <a:xfrm>
-            <a:off x="88900" y="-20538"/>
-            <a:ext cx="4572000" cy="5216813"/>
-          </a:xfrm>
-          <a:prstGeom prst="rect">
-            <a:avLst/>
-          </a:prstGeom>
-          <a:solidFill>
-            <a:schemeClr val="bg1"/>
-          </a:solidFill>
-        </p:spPr>
-        <p:txBody>
-          <a:bodyPr>
-            <a:spAutoFit/>
-          </a:bodyPr>
-          <a:lstStyle/>
-          <a:p>
-            <a:r>
-              <a:rPr lang="en-GB" sz="900" dirty="0">
-                <a:latin typeface="Courier New" panose="02070309020205020404" pitchFamily="49" charset="0"/>
-                <a:cs typeface="Courier New" panose="02070309020205020404" pitchFamily="49" charset="0"/>
-              </a:rPr>
-              <a:t>// Function to debounce a switch and return the stable state</a:t>
-            </a:r>
-          </a:p>
-          <a:p>
-            <a:r>
-              <a:rPr lang="en-GB" sz="900" dirty="0">
-                <a:latin typeface="Courier New" panose="02070309020205020404" pitchFamily="49" charset="0"/>
-                <a:cs typeface="Courier New" panose="02070309020205020404" pitchFamily="49" charset="0"/>
-              </a:rPr>
-              <a:t>Function DebounceSwitch as Bit</a:t>
-            </a:r>
-          </a:p>
-          <a:p>
-            <a:r>
-              <a:rPr lang="en-GB" sz="900" dirty="0">
-                <a:latin typeface="Courier New" panose="02070309020205020404" pitchFamily="49" charset="0"/>
-                <a:cs typeface="Courier New" panose="02070309020205020404" pitchFamily="49" charset="0"/>
-              </a:rPr>
-              <a:t>    </a:t>
-            </a:r>
-          </a:p>
-          <a:p>
-            <a:r>
-              <a:rPr lang="en-GB" sz="900" dirty="0">
-                <a:latin typeface="Courier New" panose="02070309020205020404" pitchFamily="49" charset="0"/>
-                <a:cs typeface="Courier New" panose="02070309020205020404" pitchFamily="49" charset="0"/>
-              </a:rPr>
-              <a:t>    // Define variables</a:t>
-            </a:r>
-          </a:p>
-          <a:p>
-            <a:r>
-              <a:rPr lang="en-GB" sz="900" dirty="0">
-                <a:latin typeface="Courier New" panose="02070309020205020404" pitchFamily="49" charset="0"/>
-                <a:cs typeface="Courier New" panose="02070309020205020404" pitchFamily="49" charset="0"/>
-              </a:rPr>
-              <a:t>    Dim CurrentState As Bit</a:t>
-            </a:r>
-          </a:p>
-          <a:p>
-            <a:r>
-              <a:rPr lang="en-GB" sz="900" dirty="0">
-                <a:latin typeface="Courier New" panose="02070309020205020404" pitchFamily="49" charset="0"/>
-                <a:cs typeface="Courier New" panose="02070309020205020404" pitchFamily="49" charset="0"/>
-              </a:rPr>
-              <a:t>    Dim LastState As Bit</a:t>
-            </a:r>
-          </a:p>
-          <a:p>
-            <a:r>
-              <a:rPr lang="en-GB" sz="900" dirty="0">
-                <a:latin typeface="Courier New" panose="02070309020205020404" pitchFamily="49" charset="0"/>
-                <a:cs typeface="Courier New" panose="02070309020205020404" pitchFamily="49" charset="0"/>
-              </a:rPr>
-              <a:t>    Dim StableState As Bit</a:t>
-            </a:r>
-          </a:p>
-          <a:p>
-            <a:r>
-              <a:rPr lang="en-GB" sz="900" dirty="0">
-                <a:latin typeface="Courier New" panose="02070309020205020404" pitchFamily="49" charset="0"/>
-                <a:cs typeface="Courier New" panose="02070309020205020404" pitchFamily="49" charset="0"/>
-              </a:rPr>
-              <a:t>    Dim Counter As Byte</a:t>
-            </a:r>
-          </a:p>
-          <a:p>
-            <a:endParaRPr lang="en-GB" sz="900" dirty="0">
-              <a:latin typeface="Courier New" panose="02070309020205020404" pitchFamily="49" charset="0"/>
-              <a:cs typeface="Courier New" panose="02070309020205020404" pitchFamily="49" charset="0"/>
-            </a:endParaRPr>
-          </a:p>
-          <a:p>
-            <a:r>
-              <a:rPr lang="en-GB" sz="900" dirty="0">
-                <a:latin typeface="Courier New" panose="02070309020205020404" pitchFamily="49" charset="0"/>
-                <a:cs typeface="Courier New" panose="02070309020205020404" pitchFamily="49" charset="0"/>
-              </a:rPr>
-              <a:t>    // Initialize states and counter</a:t>
-            </a:r>
-          </a:p>
-          <a:p>
-            <a:r>
-              <a:rPr lang="en-GB" sz="900" dirty="0">
-                <a:latin typeface="Courier New" panose="02070309020205020404" pitchFamily="49" charset="0"/>
-                <a:cs typeface="Courier New" panose="02070309020205020404" pitchFamily="49" charset="0"/>
-              </a:rPr>
-              <a:t>    LastState = SWITCHIN</a:t>
-            </a:r>
-          </a:p>
-          <a:p>
-            <a:r>
-              <a:rPr lang="en-GB" sz="900" dirty="0">
-                <a:latin typeface="Courier New" panose="02070309020205020404" pitchFamily="49" charset="0"/>
-                <a:cs typeface="Courier New" panose="02070309020205020404" pitchFamily="49" charset="0"/>
-              </a:rPr>
-              <a:t>    StableState = LastState</a:t>
-            </a:r>
-          </a:p>
-          <a:p>
-            <a:r>
-              <a:rPr lang="en-GB" sz="900" dirty="0">
-                <a:latin typeface="Courier New" panose="02070309020205020404" pitchFamily="49" charset="0"/>
-                <a:cs typeface="Courier New" panose="02070309020205020404" pitchFamily="49" charset="0"/>
-              </a:rPr>
-              <a:t>    Counter = 0</a:t>
-            </a:r>
-          </a:p>
-          <a:p>
-            <a:endParaRPr lang="en-GB" sz="900" dirty="0">
-              <a:latin typeface="Courier New" panose="02070309020205020404" pitchFamily="49" charset="0"/>
-              <a:cs typeface="Courier New" panose="02070309020205020404" pitchFamily="49" charset="0"/>
-            </a:endParaRPr>
-          </a:p>
-          <a:p>
-            <a:r>
-              <a:rPr lang="en-GB" sz="900" dirty="0">
-                <a:latin typeface="Courier New" panose="02070309020205020404" pitchFamily="49" charset="0"/>
-                <a:cs typeface="Courier New" panose="02070309020205020404" pitchFamily="49" charset="0"/>
-              </a:rPr>
-              <a:t>    // Debounce loop: checks the state multiple times to ensure stability</a:t>
-            </a:r>
-          </a:p>
-          <a:p>
-            <a:r>
-              <a:rPr lang="en-GB" sz="900" dirty="0">
-                <a:latin typeface="Courier New" panose="02070309020205020404" pitchFamily="49" charset="0"/>
-                <a:cs typeface="Courier New" panose="02070309020205020404" pitchFamily="49" charset="0"/>
-              </a:rPr>
-              <a:t>    For Counter = 0 To 10</a:t>
-            </a:r>
-          </a:p>
-          <a:p>
-            <a:r>
-              <a:rPr lang="en-GB" sz="900" dirty="0">
-                <a:latin typeface="Courier New" panose="02070309020205020404" pitchFamily="49" charset="0"/>
-                <a:cs typeface="Courier New" panose="02070309020205020404" pitchFamily="49" charset="0"/>
-              </a:rPr>
-              <a:t>        wait 5 ms  // Small delay to allow switch to settle</a:t>
-            </a:r>
-          </a:p>
-          <a:p>
-            <a:endParaRPr lang="en-GB" sz="900" dirty="0">
-              <a:latin typeface="Courier New" panose="02070309020205020404" pitchFamily="49" charset="0"/>
-              <a:cs typeface="Courier New" panose="02070309020205020404" pitchFamily="49" charset="0"/>
-            </a:endParaRPr>
-          </a:p>
-          <a:p>
-            <a:r>
-              <a:rPr lang="en-GB" sz="900" dirty="0">
-                <a:latin typeface="Courier New" panose="02070309020205020404" pitchFamily="49" charset="0"/>
-                <a:cs typeface="Courier New" panose="02070309020205020404" pitchFamily="49" charset="0"/>
-              </a:rPr>
-              <a:t>        // Read the current state of the switch</a:t>
-            </a:r>
-          </a:p>
-          <a:p>
-            <a:r>
-              <a:rPr lang="en-GB" sz="900" dirty="0">
-                <a:latin typeface="Courier New" panose="02070309020205020404" pitchFamily="49" charset="0"/>
-                <a:cs typeface="Courier New" panose="02070309020205020404" pitchFamily="49" charset="0"/>
-              </a:rPr>
-              <a:t>        CurrentState = SWITCHIN</a:t>
-            </a:r>
-          </a:p>
-          <a:p>
-            <a:endParaRPr lang="en-GB" sz="900" dirty="0">
-              <a:latin typeface="Courier New" panose="02070309020205020404" pitchFamily="49" charset="0"/>
-              <a:cs typeface="Courier New" panose="02070309020205020404" pitchFamily="49" charset="0"/>
-            </a:endParaRPr>
-          </a:p>
-          <a:p>
-            <a:r>
-              <a:rPr lang="en-GB" sz="900" dirty="0">
-                <a:latin typeface="Courier New" panose="02070309020205020404" pitchFamily="49" charset="0"/>
-                <a:cs typeface="Courier New" panose="02070309020205020404" pitchFamily="49" charset="0"/>
-              </a:rPr>
-              <a:t>        // If the state is stable (consistent for the duration of the loop)</a:t>
-            </a:r>
-          </a:p>
-          <a:p>
-            <a:r>
-              <a:rPr lang="en-GB" sz="900" dirty="0">
-                <a:latin typeface="Courier New" panose="02070309020205020404" pitchFamily="49" charset="0"/>
-                <a:cs typeface="Courier New" panose="02070309020205020404" pitchFamily="49" charset="0"/>
-              </a:rPr>
-              <a:t>        If (CurrentState = LastState) Then</a:t>
-            </a:r>
-          </a:p>
-          <a:p>
-            <a:r>
-              <a:rPr lang="en-GB" sz="900" dirty="0">
-                <a:latin typeface="Courier New" panose="02070309020205020404" pitchFamily="49" charset="0"/>
-                <a:cs typeface="Courier New" panose="02070309020205020404" pitchFamily="49" charset="0"/>
-              </a:rPr>
-              <a:t>            StableState = CurrentState</a:t>
-            </a:r>
-          </a:p>
-          <a:p>
-            <a:r>
-              <a:rPr lang="en-GB" sz="900" dirty="0">
-                <a:latin typeface="Courier New" panose="02070309020205020404" pitchFamily="49" charset="0"/>
-                <a:cs typeface="Courier New" panose="02070309020205020404" pitchFamily="49" charset="0"/>
-              </a:rPr>
-              <a:t>        Else</a:t>
-            </a:r>
-          </a:p>
-          <a:p>
-            <a:r>
-              <a:rPr lang="en-GB" sz="900" dirty="0">
-                <a:latin typeface="Courier New" panose="02070309020205020404" pitchFamily="49" charset="0"/>
-                <a:cs typeface="Courier New" panose="02070309020205020404" pitchFamily="49" charset="0"/>
-              </a:rPr>
-              <a:t>            // Reset counter if state changes</a:t>
-            </a:r>
-          </a:p>
-          <a:p>
-            <a:r>
-              <a:rPr lang="en-GB" sz="900" dirty="0">
-                <a:latin typeface="Courier New" panose="02070309020205020404" pitchFamily="49" charset="0"/>
-                <a:cs typeface="Courier New" panose="02070309020205020404" pitchFamily="49" charset="0"/>
-              </a:rPr>
-              <a:t>            Counter = 0</a:t>
-            </a:r>
-          </a:p>
-          <a:p>
-            <a:r>
-              <a:rPr lang="en-GB" sz="900" dirty="0">
-                <a:latin typeface="Courier New" panose="02070309020205020404" pitchFamily="49" charset="0"/>
-                <a:cs typeface="Courier New" panose="02070309020205020404" pitchFamily="49" charset="0"/>
-              </a:rPr>
-              <a:t>            LastState = CurrentState</a:t>
-            </a:r>
-          </a:p>
-          <a:p>
-            <a:r>
-              <a:rPr lang="en-GB" sz="900" dirty="0">
-                <a:latin typeface="Courier New" panose="02070309020205020404" pitchFamily="49" charset="0"/>
-                <a:cs typeface="Courier New" panose="02070309020205020404" pitchFamily="49" charset="0"/>
-              </a:rPr>
-              <a:t>        End If</a:t>
-            </a:r>
-          </a:p>
-          <a:p>
-            <a:r>
-              <a:rPr lang="en-GB" sz="900" dirty="0">
-                <a:latin typeface="Courier New" panose="02070309020205020404" pitchFamily="49" charset="0"/>
-                <a:cs typeface="Courier New" panose="02070309020205020404" pitchFamily="49" charset="0"/>
-              </a:rPr>
-              <a:t>    Next</a:t>
-            </a:r>
-          </a:p>
-          <a:p>
-            <a:endParaRPr lang="en-GB" sz="900" dirty="0">
-              <a:latin typeface="Courier New" panose="02070309020205020404" pitchFamily="49" charset="0"/>
-              <a:cs typeface="Courier New" panose="02070309020205020404" pitchFamily="49" charset="0"/>
-            </a:endParaRPr>
-          </a:p>
-          <a:p>
-            <a:r>
-              <a:rPr lang="en-GB" sz="900" dirty="0">
-                <a:latin typeface="Courier New" panose="02070309020205020404" pitchFamily="49" charset="0"/>
-                <a:cs typeface="Courier New" panose="02070309020205020404" pitchFamily="49" charset="0"/>
-              </a:rPr>
-              <a:t>    // Return the stable state of the switch</a:t>
-            </a:r>
-          </a:p>
-          <a:p>
-            <a:r>
-              <a:rPr lang="en-GB" sz="900" dirty="0">
-                <a:latin typeface="Courier New" panose="02070309020205020404" pitchFamily="49" charset="0"/>
-                <a:cs typeface="Courier New" panose="02070309020205020404" pitchFamily="49" charset="0"/>
-              </a:rPr>
-              <a:t>    DebounceSwitch = StableState</a:t>
-            </a:r>
-          </a:p>
-          <a:p>
-            <a:endParaRPr lang="en-GB" sz="900" dirty="0">
-              <a:latin typeface="Courier New" panose="02070309020205020404" pitchFamily="49" charset="0"/>
-              <a:cs typeface="Courier New" panose="02070309020205020404" pitchFamily="49" charset="0"/>
-            </a:endParaRPr>
-          </a:p>
-          <a:p>
-            <a:r>
-              <a:rPr lang="en-GB" sz="900" dirty="0">
-                <a:latin typeface="Courier New" panose="02070309020205020404" pitchFamily="49" charset="0"/>
-                <a:cs typeface="Courier New" panose="02070309020205020404" pitchFamily="49" charset="0"/>
-              </a:rPr>
-              <a:t>End Function</a:t>
-            </a:r>
-          </a:p>
-        </p:txBody>
-      </p:sp>
-      <p:sp>
-        <p:nvSpPr>
-          <p:cNvPr id="4" name="TextBox 3"/>
-          <p:cNvSpPr txBox="1"/>
-          <p:nvPr/>
-        </p:nvSpPr>
-        <p:spPr>
-          <a:xfrm>
-            <a:off x="4701108" y="835298"/>
-            <a:ext cx="4373488" cy="3785652"/>
-          </a:xfrm>
-          <a:prstGeom prst="rect">
-            <a:avLst/>
-          </a:prstGeom>
-          <a:solidFill>
-            <a:schemeClr val="bg1"/>
-          </a:solidFill>
-        </p:spPr>
-        <p:txBody>
-          <a:bodyPr wrap="square" rtlCol="0">
-            <a:spAutoFit/>
-          </a:bodyPr>
-          <a:lstStyle/>
-          <a:p>
-            <a:r>
-              <a:rPr lang="en-GB" sz="1000" b="1" dirty="0"/>
-              <a:t>Explanation:</a:t>
-            </a:r>
-          </a:p>
-          <a:p>
-            <a:r>
-              <a:rPr lang="en-GB" sz="1000" b="1" dirty="0"/>
-              <a:t>Variable Definition:</a:t>
-            </a:r>
-            <a:endParaRPr lang="en-GB" sz="1000" dirty="0"/>
-          </a:p>
-          <a:p>
-            <a:pPr lvl="1"/>
-            <a:r>
-              <a:rPr lang="en-GB" sz="1000" dirty="0"/>
-              <a:t>CurrentState, LastState, and StableState are declared as Bit to store the current, previous, and stable states of the switch.</a:t>
-            </a:r>
-          </a:p>
-          <a:p>
-            <a:pPr lvl="1"/>
-            <a:r>
-              <a:rPr lang="en-GB" sz="1000" dirty="0"/>
-              <a:t>Counter is declared as Byte to act as a loop counter.</a:t>
-            </a:r>
-          </a:p>
-          <a:p>
-            <a:r>
-              <a:rPr lang="en-GB" sz="1000" b="1" dirty="0"/>
-              <a:t>Initialization:</a:t>
-            </a:r>
-            <a:endParaRPr lang="en-GB" sz="1000" dirty="0"/>
-          </a:p>
-          <a:p>
-            <a:pPr lvl="1"/>
-            <a:r>
-              <a:rPr lang="en-GB" sz="1000" dirty="0"/>
-              <a:t>LastState is initialized to the current state of the switch (SWITCHIN).</a:t>
-            </a:r>
-          </a:p>
-          <a:p>
-            <a:pPr lvl="1"/>
-            <a:r>
-              <a:rPr lang="en-GB" sz="1000" dirty="0"/>
-              <a:t>StableState is initialized to LastState.</a:t>
-            </a:r>
-          </a:p>
-          <a:p>
-            <a:pPr lvl="1"/>
-            <a:r>
-              <a:rPr lang="en-GB" sz="1000" dirty="0"/>
-              <a:t>Counter is initialized to 0.</a:t>
-            </a:r>
-          </a:p>
-          <a:p>
-            <a:r>
-              <a:rPr lang="en-GB" sz="1000" b="1" dirty="0"/>
-              <a:t>Debounce Loop:</a:t>
-            </a:r>
-            <a:endParaRPr lang="en-GB" sz="1000" dirty="0"/>
-          </a:p>
-          <a:p>
-            <a:pPr lvl="1"/>
-            <a:r>
-              <a:rPr lang="en-GB" sz="1000" dirty="0"/>
-              <a:t>The loop runs 10 times, checking the switch state every 5 milliseconds.</a:t>
-            </a:r>
-          </a:p>
-          <a:p>
-            <a:pPr lvl="1"/>
-            <a:r>
-              <a:rPr lang="en-GB" sz="1000" dirty="0"/>
-              <a:t>CurrentState is updated with the current state of the switch (SWITCHIN).</a:t>
-            </a:r>
-          </a:p>
-          <a:p>
-            <a:pPr lvl="1"/>
-            <a:r>
-              <a:rPr lang="en-GB" sz="1000" dirty="0"/>
-              <a:t>If the CurrentState matches the LastState consistently for the duration of the loop, StableState is set to CurrentState.</a:t>
-            </a:r>
-          </a:p>
-          <a:p>
-            <a:pPr lvl="1"/>
-            <a:r>
-              <a:rPr lang="en-GB" sz="1000" dirty="0"/>
-              <a:t>If the state changes, the counter is reset, and LastState is updated with CurrentState.</a:t>
-            </a:r>
-          </a:p>
-          <a:p>
-            <a:r>
-              <a:rPr lang="en-GB" sz="1000" b="1" dirty="0"/>
-              <a:t>Return Stable State:</a:t>
-            </a:r>
-            <a:endParaRPr lang="en-GB" sz="1000" dirty="0"/>
-          </a:p>
-          <a:p>
-            <a:pPr lvl="1"/>
-            <a:r>
-              <a:rPr lang="en-GB" sz="1000" dirty="0"/>
-              <a:t>The function returns the StableState of the switch, which has been debounced.</a:t>
-            </a:r>
-          </a:p>
-          <a:p>
-            <a:r>
-              <a:rPr lang="en-GB" sz="1000" dirty="0"/>
-              <a:t>This function ensures that the state of the switch is stable before returning it, effectively debouncing the switch. If you have any further questions or need more details, feel free to let me know! 😊✨</a:t>
-            </a:r>
-          </a:p>
-          <a:p>
-            <a:endParaRPr lang="en-GB" sz="1000" dirty="0"/>
-          </a:p>
-        </p:txBody>
-      </p:sp>
-    </p:spTree>
-    <p:extLst>
-      <p:ext uri="{BB962C8B-B14F-4D97-AF65-F5344CB8AC3E}">
-        <p14:creationId xmlns:p14="http://schemas.microsoft.com/office/powerpoint/2010/main" val="2332948251"/>
-      </p:ext>
-    </p:extLst>
-  </p:cSld>
-  <p:clrMapOvr>
-    <a:masterClrMapping/>
-  </p:clrMapOvr>
-  <p:timing>
-    <p:tnLst>
-      <p:par>
-        <p:cTn id="1" dur="indefinite" restart="never" nodeType="tmRoot"/>
-      </p:par>
-    </p:tnLst>
-  </p:timing>
-</p:sld>
-</file>
-
-<file path=ppt/slides/slide14.xml><?xml version="1.0" encoding="utf-8"?>
-<p:sld xmlns:a="http://schemas.openxmlformats.org/drawingml/2006/main" xmlns:r="http://schemas.openxmlformats.org/officeDocument/2006/relationships" xmlns:p="http://schemas.openxmlformats.org/presentationml/2006/main">
-  <p:cSld>
-    <p:spTree>
-      <p:nvGrpSpPr>
-        <p:cNvPr id="1" name=""/>
-        <p:cNvGrpSpPr/>
-        <p:nvPr/>
-      </p:nvGrpSpPr>
-      <p:grpSpPr>
-        <a:xfrm>
-          <a:off x="0" y="0"/>
-          <a:ext cx="0" cy="0"/>
-          <a:chOff x="0" y="0"/>
-          <a:chExt cx="0" cy="0"/>
-        </a:xfrm>
-      </p:grpSpPr>
-      <p:sp>
-        <p:nvSpPr>
-          <p:cNvPr id="2" name="Title 1"/>
-          <p:cNvSpPr>
-            <a:spLocks noGrp="1"/>
-          </p:cNvSpPr>
-          <p:nvPr>
-            <p:ph type="title"/>
-          </p:nvPr>
-        </p:nvSpPr>
-        <p:spPr/>
-        <p:txBody>
-          <a:bodyPr>
-            <a:normAutofit/>
-          </a:bodyPr>
-          <a:lstStyle/>
-          <a:p>
-            <a:r>
-              <a:rPr lang="en-GB" dirty="0" smtClean="0"/>
-              <a:t>Videos...</a:t>
-            </a:r>
-            <a:endParaRPr lang="en-GB" dirty="0"/>
-          </a:p>
-        </p:txBody>
-      </p:sp>
-      <p:sp>
-        <p:nvSpPr>
-          <p:cNvPr id="3" name="Content Placeholder 2"/>
-          <p:cNvSpPr>
-            <a:spLocks noGrp="1"/>
-          </p:cNvSpPr>
-          <p:nvPr>
-            <p:ph idx="1"/>
-          </p:nvPr>
-        </p:nvSpPr>
-        <p:spPr>
-          <a:xfrm>
-            <a:off x="467544" y="987574"/>
-            <a:ext cx="6447501" cy="4111476"/>
-          </a:xfrm>
-          <a:solidFill>
-            <a:schemeClr val="bg1"/>
-          </a:solidFill>
-        </p:spPr>
-        <p:txBody>
-          <a:bodyPr>
-            <a:noAutofit/>
-          </a:bodyPr>
-          <a:lstStyle/>
-          <a:p>
-            <a:pPr marL="180000" indent="-478483">
-              <a:spcBef>
-                <a:spcPts val="300"/>
-              </a:spcBef>
-              <a:buFont typeface="+mj-lt"/>
-              <a:buAutoNum type="arabicPeriod"/>
-            </a:pPr>
-            <a:r>
-              <a:rPr lang="en-GB" sz="1100" dirty="0"/>
-              <a:t>Install the hardware and make the board work – three LED programs</a:t>
-            </a:r>
-          </a:p>
-          <a:p>
-            <a:pPr marL="180000" indent="-478483">
-              <a:spcBef>
-                <a:spcPts val="300"/>
-              </a:spcBef>
-              <a:buFont typeface="+mj-lt"/>
-              <a:buAutoNum type="arabicPeriod"/>
-            </a:pPr>
-            <a:r>
-              <a:rPr lang="en-GB" sz="1100" dirty="0"/>
-              <a:t>Make  four LEDs flash in a sequence</a:t>
-            </a:r>
-          </a:p>
-          <a:p>
-            <a:pPr marL="180000" indent="-478483">
-              <a:spcBef>
-                <a:spcPts val="300"/>
-              </a:spcBef>
-              <a:buFont typeface="+mj-lt"/>
-              <a:buAutoNum type="arabicPeriod"/>
-            </a:pPr>
-            <a:r>
-              <a:rPr lang="en-GB" sz="1100" dirty="0"/>
-              <a:t>Set the LEDs to represent the value of ADC</a:t>
-            </a:r>
-          </a:p>
-          <a:p>
-            <a:pPr marL="180000" indent="-478483">
-              <a:spcBef>
-                <a:spcPts val="300"/>
-              </a:spcBef>
-              <a:buFont typeface="+mj-lt"/>
-              <a:buAutoNum type="arabicPeriod"/>
-            </a:pPr>
-            <a:r>
-              <a:rPr lang="en-GB" sz="1100" dirty="0"/>
-              <a:t>Sequence the LEDs with a delay using the value of ADC</a:t>
-            </a:r>
-          </a:p>
-          <a:p>
-            <a:pPr marL="180000" indent="-478483">
-              <a:spcBef>
-                <a:spcPts val="300"/>
-              </a:spcBef>
-              <a:buFont typeface="+mj-lt"/>
-              <a:buAutoNum type="arabicPeriod"/>
-            </a:pPr>
-            <a:r>
-              <a:rPr lang="en-GB" sz="1100" dirty="0"/>
-              <a:t>Using an input to set the state of the LEDs</a:t>
-            </a:r>
-          </a:p>
-          <a:p>
-            <a:pPr marL="180000" indent="-478483">
-              <a:spcBef>
-                <a:spcPts val="300"/>
-              </a:spcBef>
-              <a:buFont typeface="+mj-lt"/>
-              <a:buAutoNum type="arabicPeriod"/>
-            </a:pPr>
-            <a:r>
-              <a:rPr lang="en-GB" sz="1100" b="1" dirty="0"/>
-              <a:t>Using the reset switch</a:t>
-            </a:r>
-          </a:p>
-          <a:p>
-            <a:pPr marL="180000" indent="-478483">
-              <a:spcBef>
-                <a:spcPts val="300"/>
-              </a:spcBef>
-              <a:buFont typeface="+mj-lt"/>
-              <a:buAutoNum type="arabicPeriod"/>
-            </a:pPr>
-            <a:r>
-              <a:rPr lang="en-GB" sz="1100" dirty="0"/>
-              <a:t>Using the switch, ADC – make the LEDs flash in a sequence with reverse</a:t>
-            </a:r>
-          </a:p>
-          <a:p>
-            <a:pPr marL="180000" indent="-478483">
-              <a:spcBef>
-                <a:spcPts val="300"/>
-              </a:spcBef>
-              <a:buFont typeface="+mj-lt"/>
-              <a:buAutoNum type="arabicPeriod"/>
-            </a:pPr>
-            <a:r>
-              <a:rPr lang="en-GB" sz="1100" dirty="0"/>
-              <a:t>Using the serial to display values</a:t>
-            </a:r>
-          </a:p>
-          <a:p>
-            <a:pPr marL="180000" indent="-478483">
-              <a:spcBef>
-                <a:spcPts val="300"/>
-              </a:spcBef>
-              <a:buFont typeface="+mj-lt"/>
-              <a:buAutoNum type="arabicPeriod"/>
-            </a:pPr>
-            <a:r>
-              <a:rPr lang="en-GB" sz="1100" dirty="0"/>
-              <a:t>Using the timer0 overflow, 8bit timer, 16bit timer to flash the LEDs</a:t>
-            </a:r>
-          </a:p>
-          <a:p>
-            <a:pPr marL="180000" indent="-478483">
-              <a:spcBef>
-                <a:spcPts val="300"/>
-              </a:spcBef>
-              <a:buFont typeface="+mj-lt"/>
-              <a:buAutoNum type="arabicPeriod"/>
-            </a:pPr>
-            <a:r>
-              <a:rPr lang="en-GB" sz="1100" dirty="0"/>
-              <a:t>Using </a:t>
-            </a:r>
-            <a:r>
-              <a:rPr lang="en-GB" sz="1100" dirty="0" err="1"/>
-              <a:t>EEProm</a:t>
-            </a:r>
-            <a:r>
-              <a:rPr lang="en-GB" sz="1100" dirty="0"/>
-              <a:t> – showing values on the serial terminal, and more constants insights</a:t>
-            </a:r>
-          </a:p>
-          <a:p>
-            <a:pPr marL="180000" indent="-478483">
-              <a:spcBef>
-                <a:spcPts val="300"/>
-              </a:spcBef>
-              <a:buFont typeface="+mj-lt"/>
-              <a:buAutoNum type="arabicPeriod"/>
-            </a:pPr>
-            <a:r>
-              <a:rPr lang="en-GB" sz="1100" dirty="0"/>
-              <a:t>Using I2C with serial to discover I2C devices</a:t>
-            </a:r>
-          </a:p>
-          <a:p>
-            <a:pPr marL="180000" indent="-478483">
-              <a:spcBef>
-                <a:spcPts val="300"/>
-              </a:spcBef>
-              <a:buFont typeface="+mj-lt"/>
-              <a:buAutoNum type="arabicPeriod"/>
-            </a:pPr>
-            <a:r>
-              <a:rPr lang="en-GB" sz="1100" dirty="0"/>
-              <a:t>Using an I2C GCLD display</a:t>
-            </a:r>
-          </a:p>
-          <a:p>
-            <a:pPr marL="180000" indent="-478483">
-              <a:spcBef>
-                <a:spcPts val="300"/>
-              </a:spcBef>
-              <a:buFont typeface="+mj-lt"/>
-              <a:buAutoNum type="arabicPeriod"/>
-            </a:pPr>
-            <a:r>
-              <a:rPr lang="en-GB" sz="1100" dirty="0"/>
-              <a:t>Using a SPI GCLD display</a:t>
-            </a:r>
-          </a:p>
-          <a:p>
-            <a:pPr marL="180000" indent="-478483">
-              <a:spcBef>
-                <a:spcPts val="300"/>
-              </a:spcBef>
-              <a:buFont typeface="+mj-lt"/>
-              <a:buAutoNum type="arabicPeriod"/>
-            </a:pPr>
-            <a:r>
-              <a:rPr lang="en-GB" sz="1100" dirty="0"/>
-              <a:t>Using PWM, 7  ways,  to dim the LEDS</a:t>
-            </a:r>
-          </a:p>
-          <a:p>
-            <a:pPr marL="180000" indent="-478483">
-              <a:spcBef>
-                <a:spcPts val="300"/>
-              </a:spcBef>
-              <a:buFont typeface="+mj-lt"/>
-              <a:buAutoNum type="arabicPeriod"/>
-            </a:pPr>
-            <a:r>
-              <a:rPr lang="en-GB" sz="1100" dirty="0"/>
-              <a:t>Using an external interrupt to control an LED</a:t>
-            </a:r>
-          </a:p>
-          <a:p>
-            <a:pPr marL="180000" indent="-478483">
-              <a:spcBef>
-                <a:spcPts val="300"/>
-              </a:spcBef>
-              <a:buFont typeface="+mj-lt"/>
-              <a:buAutoNum type="arabicPeriod"/>
-            </a:pPr>
-            <a:r>
-              <a:rPr lang="en-GB" sz="1100" dirty="0"/>
-              <a:t>Using storage within the chip – </a:t>
-            </a:r>
-            <a:r>
-              <a:rPr lang="en-GB" sz="1100" dirty="0" err="1"/>
-              <a:t>Progmem</a:t>
-            </a:r>
-            <a:r>
-              <a:rPr lang="en-GB" sz="1100" dirty="0"/>
-              <a:t>, SAF memory, EEPROM and DATA blocks</a:t>
-            </a:r>
-          </a:p>
-          <a:p>
-            <a:pPr marL="180000" indent="-478483">
-              <a:spcBef>
-                <a:spcPts val="300"/>
-              </a:spcBef>
-              <a:buFont typeface="+mj-lt"/>
-              <a:buAutoNum type="arabicPeriod"/>
-            </a:pPr>
-            <a:r>
-              <a:rPr lang="en-GB" sz="1100" dirty="0"/>
-              <a:t>Using CLC</a:t>
-            </a:r>
-          </a:p>
-          <a:p>
-            <a:pPr marL="180000" indent="-478483">
-              <a:spcBef>
-                <a:spcPts val="300"/>
-              </a:spcBef>
-              <a:buFont typeface="+mj-lt"/>
-              <a:buAutoNum type="arabicPeriod"/>
-            </a:pPr>
-            <a:r>
-              <a:rPr lang="en-GB" sz="1100" dirty="0"/>
-              <a:t>The GCBASIC tool chain</a:t>
-            </a:r>
-          </a:p>
-          <a:p>
-            <a:pPr marL="180000" indent="-478483">
-              <a:spcBef>
-                <a:spcPts val="300"/>
-              </a:spcBef>
-              <a:buFont typeface="+mj-lt"/>
-              <a:buAutoNum type="arabicPeriod"/>
-            </a:pPr>
-            <a:r>
-              <a:rPr lang="en-GB" sz="1100" dirty="0"/>
-              <a:t>Assembly , alternatives assemblers and MPLAB-X</a:t>
-            </a:r>
-          </a:p>
-          <a:p>
-            <a:pPr marL="180000" indent="-478483">
-              <a:spcBef>
-                <a:spcPts val="300"/>
-              </a:spcBef>
-              <a:buFont typeface="+mj-lt"/>
-              <a:buAutoNum type="arabicPeriod"/>
-            </a:pPr>
-            <a:r>
-              <a:rPr lang="en-GB" sz="1100" dirty="0"/>
-              <a:t>Summary</a:t>
-            </a:r>
-          </a:p>
-          <a:p>
-            <a:pPr marL="180000" indent="-478483">
-              <a:spcBef>
-                <a:spcPts val="300"/>
-              </a:spcBef>
-              <a:buFont typeface="+mj-lt"/>
-              <a:buAutoNum type="arabicPeriod"/>
-            </a:pPr>
-            <a:endParaRPr lang="en-GB" sz="400" dirty="0" smtClean="0">
-              <a:solidFill>
-                <a:schemeClr val="bg1">
-                  <a:lumMod val="75000"/>
-                </a:schemeClr>
-              </a:solidFill>
-            </a:endParaRPr>
-          </a:p>
-          <a:p>
-            <a:pPr marL="180000" indent="-478483">
-              <a:spcBef>
-                <a:spcPts val="300"/>
-              </a:spcBef>
-              <a:buNone/>
-            </a:pPr>
-            <a:endParaRPr lang="en-GB" sz="700" dirty="0" smtClean="0"/>
-          </a:p>
-          <a:p>
-            <a:pPr marL="180000" indent="-478483">
-              <a:spcBef>
-                <a:spcPts val="300"/>
-              </a:spcBef>
-              <a:buFont typeface="+mj-lt"/>
-              <a:buAutoNum type="arabicPeriod"/>
-            </a:pPr>
-            <a:endParaRPr lang="en-GB" sz="700" dirty="0" smtClean="0"/>
-          </a:p>
-          <a:p>
-            <a:pPr marL="180000" indent="-478483">
-              <a:spcBef>
-                <a:spcPts val="300"/>
-              </a:spcBef>
-              <a:buFont typeface="+mj-lt"/>
-              <a:buAutoNum type="arabicPeriod"/>
-            </a:pPr>
-            <a:endParaRPr lang="en-GB" sz="500" dirty="0" smtClean="0"/>
-          </a:p>
-          <a:p>
-            <a:pPr marL="180000" indent="-478483">
-              <a:spcBef>
-                <a:spcPts val="300"/>
-              </a:spcBef>
-              <a:buFont typeface="+mj-lt"/>
-              <a:buAutoNum type="arabicPeriod"/>
-            </a:pPr>
-            <a:endParaRPr lang="en-GB" sz="500" dirty="0" smtClean="0"/>
-          </a:p>
-          <a:p>
-            <a:pPr marL="180000" indent="-478483">
-              <a:spcBef>
-                <a:spcPts val="300"/>
-              </a:spcBef>
-              <a:buFont typeface="+mj-lt"/>
-              <a:buAutoNum type="arabicPeriod"/>
-            </a:pPr>
-            <a:endParaRPr lang="en-GB" sz="500" dirty="0" smtClean="0"/>
-          </a:p>
-          <a:p>
-            <a:pPr marL="180000" indent="-478483">
-              <a:spcBef>
-                <a:spcPts val="300"/>
-              </a:spcBef>
-              <a:buFont typeface="+mj-lt"/>
-              <a:buAutoNum type="arabicPeriod"/>
-            </a:pPr>
-            <a:endParaRPr lang="en-GB" sz="500" dirty="0"/>
-          </a:p>
-        </p:txBody>
-      </p:sp>
-    </p:spTree>
-    <p:extLst>
-      <p:ext uri="{BB962C8B-B14F-4D97-AF65-F5344CB8AC3E}">
-        <p14:creationId xmlns:p14="http://schemas.microsoft.com/office/powerpoint/2010/main" val="1039989469"/>
-      </p:ext>
-    </p:extLst>
-  </p:cSld>
-  <p:clrMapOvr>
-    <a:masterClrMapping/>
-  </p:clrMapOvr>
-  <mc:AlternateContent xmlns:mc="http://schemas.openxmlformats.org/markup-compatibility/2006" xmlns:p14="http://schemas.microsoft.com/office/powerpoint/2010/main">
-    <mc:Choice Requires="p14">
-      <p:transition spd="slow" p14:dur="2000"/>
-    </mc:Choice>
-    <mc:Fallback xmlns="">
-      <p:transition spd="slow"/>
-    </mc:Fallback>
-  </mc:AlternateContent>
-  <p:timing>
-    <p:tnLst>
-      <p:par>
-        <p:cTn id="1" dur="indefinite" restart="never" nodeType="tmRoot"/>
-      </p:par>
-    </p:tnLst>
-  </p:timing>
-</p:sld>
-</file>
-
-<file path=ppt/slides/slide15.xml><?xml version="1.0" encoding="utf-8"?>
-<p:sld xmlns:a="http://schemas.openxmlformats.org/drawingml/2006/main" xmlns:r="http://schemas.openxmlformats.org/officeDocument/2006/relationships" xmlns:p="http://schemas.openxmlformats.org/presentationml/2006/main">
-  <p:cSld>
-    <p:spTree>
-      <p:nvGrpSpPr>
-        <p:cNvPr id="1" name=""/>
-        <p:cNvGrpSpPr/>
-        <p:nvPr/>
-      </p:nvGrpSpPr>
-      <p:grpSpPr>
-        <a:xfrm>
-          <a:off x="0" y="0"/>
-          <a:ext cx="0" cy="0"/>
-          <a:chOff x="0" y="0"/>
-          <a:chExt cx="0" cy="0"/>
-        </a:xfrm>
-      </p:grpSpPr>
-      <p:sp>
-        <p:nvSpPr>
-          <p:cNvPr id="2" name="Title 1"/>
-          <p:cNvSpPr>
-            <a:spLocks noGrp="1"/>
-          </p:cNvSpPr>
-          <p:nvPr>
-            <p:ph type="ctrTitle"/>
-          </p:nvPr>
-        </p:nvSpPr>
-        <p:spPr/>
-        <p:txBody>
-          <a:bodyPr/>
-          <a:lstStyle/>
-          <a:p>
-            <a:r>
-              <a:rPr lang="en-GB" dirty="0" smtClean="0"/>
-              <a:t>GCBASIC</a:t>
-            </a:r>
-            <a:endParaRPr lang="en-GB" dirty="0"/>
-          </a:p>
-        </p:txBody>
-      </p:sp>
-      <p:pic>
-        <p:nvPicPr>
-          <p:cNvPr id="1026" name="Picture 2" descr="D:\Build\AnobiumTransparent.jpg"/>
-          <p:cNvPicPr>
-            <a:picLocks noChangeAspect="1" noChangeArrowheads="1"/>
-          </p:cNvPicPr>
-          <p:nvPr/>
-        </p:nvPicPr>
-        <p:blipFill>
-          <a:blip r:embed="rId2" cstate="print"/>
-          <a:srcRect/>
-          <a:stretch>
-            <a:fillRect/>
-          </a:stretch>
-        </p:blipFill>
-        <p:spPr bwMode="auto">
-          <a:xfrm>
-            <a:off x="5292080" y="911052"/>
-            <a:ext cx="1828859" cy="771550"/>
-          </a:xfrm>
-          <a:prstGeom prst="rect">
-            <a:avLst/>
-          </a:prstGeom>
-          <a:noFill/>
-        </p:spPr>
-      </p:pic>
-      <p:sp>
-        <p:nvSpPr>
-          <p:cNvPr id="4" name="AutoShape 2" descr="ICSP connection"/>
-          <p:cNvSpPr>
-            <a:spLocks noChangeAspect="1" noChangeArrowheads="1"/>
-          </p:cNvSpPr>
-          <p:nvPr/>
-        </p:nvSpPr>
-        <p:spPr bwMode="auto">
-          <a:xfrm>
-            <a:off x="155575" y="-144462"/>
-            <a:ext cx="304800" cy="304801"/>
-          </a:xfrm>
-          <a:prstGeom prst="rect">
-            <a:avLst/>
-          </a:prstGeom>
-          <a:noFill/>
-        </p:spPr>
-        <p:txBody>
-          <a:bodyPr vert="horz" wrap="square" lIns="85064" tIns="42531" rIns="85064" bIns="42531" numCol="1" anchor="t" anchorCtr="0" compatLnSpc="1">
-            <a:prstTxWarp prst="textNoShape">
-              <a:avLst/>
-            </a:prstTxWarp>
-          </a:bodyPr>
-          <a:lstStyle/>
-          <a:p>
-            <a:endParaRPr lang="en-GB" dirty="0"/>
-          </a:p>
-        </p:txBody>
-      </p:sp>
-      <p:sp>
-        <p:nvSpPr>
-          <p:cNvPr id="8" name="Text Placeholder 4"/>
-          <p:cNvSpPr txBox="1">
-            <a:spLocks/>
-          </p:cNvSpPr>
-          <p:nvPr/>
-        </p:nvSpPr>
-        <p:spPr>
-          <a:xfrm>
-            <a:off x="3805512" y="2931790"/>
-            <a:ext cx="3342861" cy="645300"/>
-          </a:xfrm>
-          <a:prstGeom prst="rect">
-            <a:avLst/>
-          </a:prstGeom>
-        </p:spPr>
-        <p:txBody>
-          <a:bodyPr vert="horz" lIns="68580" tIns="34290" rIns="68580" bIns="34290" rtlCol="0" anchor="t">
-            <a:normAutofit/>
-          </a:bodyPr>
-          <a:lstStyle>
-            <a:lvl1pPr marL="0" indent="0" algn="r" defTabSz="342900" rtl="0" eaLnBrk="1" latinLnBrk="0" hangingPunct="1">
-              <a:spcBef>
-                <a:spcPts val="750"/>
-              </a:spcBef>
-              <a:spcAft>
-                <a:spcPts val="0"/>
-              </a:spcAft>
-              <a:buClr>
-                <a:schemeClr val="accent1"/>
-              </a:buClr>
-              <a:buSzPct val="80000"/>
-              <a:buFont typeface="Wingdings 3" charset="2"/>
-              <a:buNone/>
-              <a:defRPr sz="1400" kern="1200">
-                <a:solidFill>
-                  <a:schemeClr val="tx1">
-                    <a:lumMod val="50000"/>
-                    <a:lumOff val="50000"/>
-                  </a:schemeClr>
-                </a:solidFill>
-                <a:latin typeface="+mn-lt"/>
-                <a:ea typeface="+mn-ea"/>
-                <a:cs typeface="+mn-cs"/>
-              </a:defRPr>
-            </a:lvl1pPr>
-            <a:lvl2pPr marL="342900" indent="0" algn="ctr" defTabSz="342900" rtl="0" eaLnBrk="1" latinLnBrk="0" hangingPunct="1">
-              <a:spcBef>
-                <a:spcPts val="750"/>
-              </a:spcBef>
-              <a:spcAft>
-                <a:spcPts val="0"/>
-              </a:spcAft>
-              <a:buClr>
-                <a:schemeClr val="accent1"/>
-              </a:buClr>
-              <a:buSzPct val="80000"/>
-              <a:buFont typeface="Wingdings 3" charset="2"/>
-              <a:buNone/>
-              <a:defRPr sz="1200" kern="1200">
-                <a:solidFill>
-                  <a:schemeClr val="tx1">
-                    <a:tint val="75000"/>
-                  </a:schemeClr>
-                </a:solidFill>
-                <a:latin typeface="+mn-lt"/>
-                <a:ea typeface="+mn-ea"/>
-                <a:cs typeface="+mn-cs"/>
-              </a:defRPr>
-            </a:lvl2pPr>
-            <a:lvl3pPr marL="685800" indent="0" algn="ctr" defTabSz="342900" rtl="0" eaLnBrk="1" latinLnBrk="0" hangingPunct="1">
-              <a:spcBef>
-                <a:spcPts val="750"/>
-              </a:spcBef>
-              <a:spcAft>
-                <a:spcPts val="0"/>
-              </a:spcAft>
-              <a:buClr>
-                <a:schemeClr val="accent1"/>
-              </a:buClr>
-              <a:buSzPct val="80000"/>
-              <a:buFont typeface="Wingdings 3" charset="2"/>
-              <a:buNone/>
-              <a:defRPr sz="1100" kern="1200">
-                <a:solidFill>
-                  <a:schemeClr val="tx1">
-                    <a:tint val="75000"/>
-                  </a:schemeClr>
-                </a:solidFill>
-                <a:latin typeface="+mn-lt"/>
-                <a:ea typeface="+mn-ea"/>
-                <a:cs typeface="+mn-cs"/>
-              </a:defRPr>
-            </a:lvl3pPr>
-            <a:lvl4pPr marL="1028700" indent="0" algn="ctr" defTabSz="342900" rtl="0" eaLnBrk="1" latinLnBrk="0" hangingPunct="1">
-              <a:spcBef>
-                <a:spcPts val="750"/>
-              </a:spcBef>
-              <a:spcAft>
-                <a:spcPts val="0"/>
-              </a:spcAft>
-              <a:buClr>
-                <a:schemeClr val="accent1"/>
-              </a:buClr>
-              <a:buSzPct val="80000"/>
-              <a:buFont typeface="Wingdings 3" charset="2"/>
-              <a:buNone/>
-              <a:defRPr sz="900" kern="1200">
-                <a:solidFill>
-                  <a:schemeClr val="tx1">
-                    <a:tint val="75000"/>
-                  </a:schemeClr>
-                </a:solidFill>
-                <a:latin typeface="+mn-lt"/>
-                <a:ea typeface="+mn-ea"/>
-                <a:cs typeface="+mn-cs"/>
-              </a:defRPr>
-            </a:lvl4pPr>
-            <a:lvl5pPr marL="1371600" indent="0" algn="ctr" defTabSz="342900" rtl="0" eaLnBrk="1" latinLnBrk="0" hangingPunct="1">
-              <a:spcBef>
-                <a:spcPts val="750"/>
-              </a:spcBef>
-              <a:spcAft>
-                <a:spcPts val="0"/>
-              </a:spcAft>
-              <a:buClr>
-                <a:schemeClr val="accent1"/>
-              </a:buClr>
-              <a:buSzPct val="80000"/>
-              <a:buFont typeface="Wingdings 3" charset="2"/>
-              <a:buNone/>
-              <a:defRPr sz="900" kern="1200">
-                <a:solidFill>
-                  <a:schemeClr val="tx1">
-                    <a:tint val="75000"/>
-                  </a:schemeClr>
-                </a:solidFill>
-                <a:latin typeface="+mn-lt"/>
-                <a:ea typeface="+mn-ea"/>
-                <a:cs typeface="+mn-cs"/>
-              </a:defRPr>
-            </a:lvl5pPr>
-            <a:lvl6pPr marL="1714500" indent="0" algn="ctr" defTabSz="342900" rtl="0" eaLnBrk="1" latinLnBrk="0" hangingPunct="1">
-              <a:spcBef>
-                <a:spcPts val="750"/>
-              </a:spcBef>
-              <a:spcAft>
-                <a:spcPts val="0"/>
-              </a:spcAft>
-              <a:buClr>
-                <a:schemeClr val="accent1"/>
-              </a:buClr>
-              <a:buSzPct val="80000"/>
-              <a:buFont typeface="Wingdings 3" charset="2"/>
-              <a:buNone/>
-              <a:defRPr sz="900" kern="1200">
-                <a:solidFill>
-                  <a:schemeClr val="tx1">
-                    <a:tint val="75000"/>
-                  </a:schemeClr>
-                </a:solidFill>
-                <a:latin typeface="+mn-lt"/>
-                <a:ea typeface="+mn-ea"/>
-                <a:cs typeface="+mn-cs"/>
-              </a:defRPr>
-            </a:lvl6pPr>
-            <a:lvl7pPr marL="2057400" indent="0" algn="ctr" defTabSz="342900" rtl="0" eaLnBrk="1" latinLnBrk="0" hangingPunct="1">
-              <a:spcBef>
-                <a:spcPts val="750"/>
-              </a:spcBef>
-              <a:spcAft>
-                <a:spcPts val="0"/>
-              </a:spcAft>
-              <a:buClr>
-                <a:schemeClr val="accent1"/>
-              </a:buClr>
-              <a:buSzPct val="80000"/>
-              <a:buFont typeface="Wingdings 3" charset="2"/>
-              <a:buNone/>
-              <a:defRPr sz="900" kern="1200">
-                <a:solidFill>
-                  <a:schemeClr val="tx1">
-                    <a:tint val="75000"/>
-                  </a:schemeClr>
-                </a:solidFill>
-                <a:latin typeface="+mn-lt"/>
-                <a:ea typeface="+mn-ea"/>
-                <a:cs typeface="+mn-cs"/>
-              </a:defRPr>
-            </a:lvl7pPr>
-            <a:lvl8pPr marL="2400300" indent="0" algn="ctr" defTabSz="342900" rtl="0" eaLnBrk="1" latinLnBrk="0" hangingPunct="1">
-              <a:spcBef>
-                <a:spcPts val="750"/>
-              </a:spcBef>
-              <a:spcAft>
-                <a:spcPts val="0"/>
-              </a:spcAft>
-              <a:buClr>
-                <a:schemeClr val="accent1"/>
-              </a:buClr>
-              <a:buSzPct val="80000"/>
-              <a:buFont typeface="Wingdings 3" charset="2"/>
-              <a:buNone/>
-              <a:defRPr sz="900" kern="1200">
-                <a:solidFill>
-                  <a:schemeClr val="tx1">
-                    <a:tint val="75000"/>
-                  </a:schemeClr>
-                </a:solidFill>
-                <a:latin typeface="+mn-lt"/>
-                <a:ea typeface="+mn-ea"/>
-                <a:cs typeface="+mn-cs"/>
-              </a:defRPr>
-            </a:lvl8pPr>
-            <a:lvl9pPr marL="2743200" indent="0" algn="ctr" defTabSz="342900" rtl="0" eaLnBrk="1" latinLnBrk="0" hangingPunct="1">
-              <a:spcBef>
-                <a:spcPts val="750"/>
-              </a:spcBef>
-              <a:spcAft>
-                <a:spcPts val="0"/>
-              </a:spcAft>
-              <a:buClr>
-                <a:schemeClr val="accent1"/>
-              </a:buClr>
-              <a:buSzPct val="80000"/>
-              <a:buFont typeface="Wingdings 3" charset="2"/>
-              <a:buNone/>
-              <a:defRPr sz="900" kern="1200">
-                <a:solidFill>
-                  <a:schemeClr val="tx1">
-                    <a:tint val="75000"/>
-                  </a:schemeClr>
-                </a:solidFill>
-                <a:latin typeface="+mn-lt"/>
-                <a:ea typeface="+mn-ea"/>
-                <a:cs typeface="+mn-cs"/>
-              </a:defRPr>
-            </a:lvl9pPr>
-          </a:lstStyle>
-          <a:p>
-            <a:r>
-              <a:rPr lang="en-GB" dirty="0" smtClean="0"/>
-              <a:t>PIC16F175xx</a:t>
-            </a:r>
-            <a:endParaRPr lang="en-GB" dirty="0" smtClean="0"/>
-          </a:p>
-          <a:p>
-            <a:r>
-              <a:rPr lang="en-GB" dirty="0"/>
-              <a:t>Part 5 – a switch  sets the LEDs state</a:t>
-            </a:r>
-          </a:p>
-        </p:txBody>
-      </p:sp>
-      <p:pic>
-        <p:nvPicPr>
-          <p:cNvPr id="7" name="Picture 4" descr="PIC16F17556 | Microchip Technology"/>
-          <p:cNvPicPr>
-            <a:picLocks noChangeAspect="1" noChangeArrowheads="1"/>
-          </p:cNvPicPr>
-          <p:nvPr/>
-        </p:nvPicPr>
-        <p:blipFill>
-          <a:blip r:embed="rId3" cstate="print">
-            <a:extLst>
-              <a:ext uri="{28A0092B-C50C-407E-A947-70E740481C1C}">
-                <a14:useLocalDpi xmlns:a14="http://schemas.microsoft.com/office/drawing/2010/main" val="0"/>
-              </a:ext>
-            </a:extLst>
-          </a:blip>
-          <a:srcRect/>
-          <a:stretch>
-            <a:fillRect/>
-          </a:stretch>
-        </p:blipFill>
-        <p:spPr bwMode="auto">
-          <a:xfrm>
-            <a:off x="6750880" y="3974993"/>
-            <a:ext cx="2415427" cy="1178257"/>
-          </a:xfrm>
-          <a:prstGeom prst="rect">
-            <a:avLst/>
-          </a:prstGeom>
-          <a:noFill/>
-          <a:extLst>
-            <a:ext uri="{909E8E84-426E-40DD-AFC4-6F175D3DCCD1}">
-              <a14:hiddenFill xmlns:a14="http://schemas.microsoft.com/office/drawing/2010/main">
-                <a:solidFill>
-                  <a:srgbClr val="FFFFFF"/>
-                </a:solidFill>
-              </a14:hiddenFill>
-            </a:ext>
-          </a:extLst>
-        </p:spPr>
-      </p:pic>
-      <p:pic>
-        <p:nvPicPr>
-          <p:cNvPr id="9" name="Picture 6" descr="PIC16F19175 | Microchip Technology"/>
-          <p:cNvPicPr>
-            <a:picLocks noChangeAspect="1" noChangeArrowheads="1"/>
-          </p:cNvPicPr>
-          <p:nvPr/>
-        </p:nvPicPr>
-        <p:blipFill>
-          <a:blip r:embed="rId4" cstate="print">
-            <a:extLst>
-              <a:ext uri="{28A0092B-C50C-407E-A947-70E740481C1C}">
-                <a14:useLocalDpi xmlns:a14="http://schemas.microsoft.com/office/drawing/2010/main" val="0"/>
-              </a:ext>
-            </a:extLst>
-          </a:blip>
-          <a:srcRect/>
-          <a:stretch>
-            <a:fillRect/>
-          </a:stretch>
-        </p:blipFill>
-        <p:spPr bwMode="auto">
-          <a:xfrm>
-            <a:off x="2644136" y="3943142"/>
-            <a:ext cx="1384038" cy="1192111"/>
-          </a:xfrm>
-          <a:prstGeom prst="rect">
-            <a:avLst/>
-          </a:prstGeom>
-          <a:noFill/>
-          <a:extLst>
-            <a:ext uri="{909E8E84-426E-40DD-AFC4-6F175D3DCCD1}">
-              <a14:hiddenFill xmlns:a14="http://schemas.microsoft.com/office/drawing/2010/main">
-                <a:solidFill>
-                  <a:srgbClr val="FFFFFF"/>
-                </a:solidFill>
-              </a14:hiddenFill>
-            </a:ext>
-          </a:extLst>
-        </p:spPr>
-      </p:pic>
-    </p:spTree>
-    <p:extLst>
-      <p:ext uri="{BB962C8B-B14F-4D97-AF65-F5344CB8AC3E}">
-        <p14:creationId xmlns:p14="http://schemas.microsoft.com/office/powerpoint/2010/main" val="3407982396"/>
-      </p:ext>
-    </p:extLst>
-  </p:cSld>
-  <p:clrMapOvr>
-    <a:masterClrMapping/>
-  </p:clrMapOvr>
-  <mc:AlternateContent xmlns:mc="http://schemas.openxmlformats.org/markup-compatibility/2006" xmlns:p14="http://schemas.microsoft.com/office/powerpoint/2010/main">
-    <mc:Choice Requires="p14">
-      <p:transition spd="slow" p14:dur="2000"/>
-    </mc:Choice>
-    <mc:Fallback xmlns="">
-      <p:transition spd="slow"/>
-    </mc:Fallback>
-  </mc:AlternateContent>
-  <p:timing>
-    <p:tnLst>
-      <p:par>
-        <p:cTn id="1" dur="indefinite" restart="never" nodeType="tmRoot"/>
-      </p:par>
-    </p:tnLst>
-  </p:timing>
-</p:sld>
-</file>
-
-<file path=ppt/slides/slide2.xml><?xml version="1.0" encoding="utf-8"?>
-<p:sld xmlns:a="http://schemas.openxmlformats.org/drawingml/2006/main" xmlns:r="http://schemas.openxmlformats.org/officeDocument/2006/relationships" xmlns:p="http://schemas.openxmlformats.org/presentationml/2006/main">
-  <p:cSld>
-    <p:spTree>
-      <p:nvGrpSpPr>
-        <p:cNvPr id="1" name=""/>
-        <p:cNvGrpSpPr/>
-        <p:nvPr/>
-      </p:nvGrpSpPr>
-      <p:grpSpPr>
-        <a:xfrm>
-          <a:off x="0" y="0"/>
-          <a:ext cx="0" cy="0"/>
-          <a:chOff x="0" y="0"/>
-          <a:chExt cx="0" cy="0"/>
-        </a:xfrm>
-      </p:grpSpPr>
-      <p:sp>
-        <p:nvSpPr>
-          <p:cNvPr id="2" name="Title 1"/>
-          <p:cNvSpPr>
-            <a:spLocks noGrp="1"/>
-          </p:cNvSpPr>
-          <p:nvPr>
-            <p:ph type="ctrTitle"/>
-          </p:nvPr>
-        </p:nvSpPr>
-        <p:spPr/>
-        <p:txBody>
-          <a:bodyPr/>
-          <a:lstStyle/>
-          <a:p>
-            <a:r>
-              <a:rPr lang="en-GB" dirty="0" smtClean="0"/>
-              <a:t>GCBASIC</a:t>
-            </a:r>
-            <a:endParaRPr lang="en-GB" dirty="0"/>
-          </a:p>
-        </p:txBody>
-      </p:sp>
-      <p:pic>
-        <p:nvPicPr>
-          <p:cNvPr id="1026" name="Picture 2" descr="D:\Build\AnobiumTransparent.jpg"/>
-          <p:cNvPicPr>
-            <a:picLocks noChangeAspect="1" noChangeArrowheads="1"/>
-          </p:cNvPicPr>
-          <p:nvPr/>
-        </p:nvPicPr>
-        <p:blipFill>
-          <a:blip r:embed="rId2" cstate="print"/>
-          <a:srcRect/>
-          <a:stretch>
-            <a:fillRect/>
-          </a:stretch>
-        </p:blipFill>
-        <p:spPr bwMode="auto">
-          <a:xfrm>
-            <a:off x="5292080" y="911052"/>
-            <a:ext cx="1828859" cy="771550"/>
-          </a:xfrm>
-          <a:prstGeom prst="rect">
-            <a:avLst/>
-          </a:prstGeom>
-          <a:noFill/>
-        </p:spPr>
-      </p:pic>
-      <p:sp>
-        <p:nvSpPr>
-          <p:cNvPr id="4" name="AutoShape 2" descr="ICSP connection"/>
-          <p:cNvSpPr>
-            <a:spLocks noChangeAspect="1" noChangeArrowheads="1"/>
-          </p:cNvSpPr>
-          <p:nvPr/>
-        </p:nvSpPr>
-        <p:spPr bwMode="auto">
-          <a:xfrm>
-            <a:off x="155575" y="-144462"/>
-            <a:ext cx="304800" cy="304801"/>
-          </a:xfrm>
-          <a:prstGeom prst="rect">
-            <a:avLst/>
-          </a:prstGeom>
-          <a:noFill/>
-        </p:spPr>
-        <p:txBody>
-          <a:bodyPr vert="horz" wrap="square" lIns="85064" tIns="42531" rIns="85064" bIns="42531" numCol="1" anchor="t" anchorCtr="0" compatLnSpc="1">
-            <a:prstTxWarp prst="textNoShape">
-              <a:avLst/>
-            </a:prstTxWarp>
-          </a:bodyPr>
-          <a:lstStyle/>
-          <a:p>
-            <a:endParaRPr lang="en-GB" dirty="0"/>
-          </a:p>
-        </p:txBody>
-      </p:sp>
-      <p:sp>
-        <p:nvSpPr>
-          <p:cNvPr id="8" name="Text Placeholder 4"/>
-          <p:cNvSpPr txBox="1">
-            <a:spLocks/>
-          </p:cNvSpPr>
-          <p:nvPr/>
-        </p:nvSpPr>
-        <p:spPr>
-          <a:xfrm>
-            <a:off x="3805512" y="2931790"/>
-            <a:ext cx="3342861" cy="645300"/>
-          </a:xfrm>
-          <a:prstGeom prst="rect">
-            <a:avLst/>
-          </a:prstGeom>
-        </p:spPr>
-        <p:txBody>
-          <a:bodyPr vert="horz" lIns="68580" tIns="34290" rIns="68580" bIns="34290" rtlCol="0" anchor="t">
-            <a:normAutofit/>
-          </a:bodyPr>
-          <a:lstStyle>
-            <a:lvl1pPr marL="0" indent="0" algn="r" defTabSz="342900" rtl="0" eaLnBrk="1" latinLnBrk="0" hangingPunct="1">
-              <a:spcBef>
-                <a:spcPts val="750"/>
-              </a:spcBef>
-              <a:spcAft>
-                <a:spcPts val="0"/>
-              </a:spcAft>
-              <a:buClr>
-                <a:schemeClr val="accent1"/>
-              </a:buClr>
-              <a:buSzPct val="80000"/>
-              <a:buFont typeface="Wingdings 3" charset="2"/>
-              <a:buNone/>
-              <a:defRPr sz="1400" kern="1200">
-                <a:solidFill>
-                  <a:schemeClr val="tx1">
-                    <a:lumMod val="50000"/>
-                    <a:lumOff val="50000"/>
-                  </a:schemeClr>
-                </a:solidFill>
-                <a:latin typeface="+mn-lt"/>
-                <a:ea typeface="+mn-ea"/>
-                <a:cs typeface="+mn-cs"/>
-              </a:defRPr>
-            </a:lvl1pPr>
-            <a:lvl2pPr marL="342900" indent="0" algn="ctr" defTabSz="342900" rtl="0" eaLnBrk="1" latinLnBrk="0" hangingPunct="1">
-              <a:spcBef>
-                <a:spcPts val="750"/>
-              </a:spcBef>
-              <a:spcAft>
-                <a:spcPts val="0"/>
-              </a:spcAft>
-              <a:buClr>
-                <a:schemeClr val="accent1"/>
-              </a:buClr>
-              <a:buSzPct val="80000"/>
-              <a:buFont typeface="Wingdings 3" charset="2"/>
-              <a:buNone/>
-              <a:defRPr sz="1200" kern="1200">
-                <a:solidFill>
-                  <a:schemeClr val="tx1">
-                    <a:tint val="75000"/>
-                  </a:schemeClr>
-                </a:solidFill>
-                <a:latin typeface="+mn-lt"/>
-                <a:ea typeface="+mn-ea"/>
-                <a:cs typeface="+mn-cs"/>
-              </a:defRPr>
-            </a:lvl2pPr>
-            <a:lvl3pPr marL="685800" indent="0" algn="ctr" defTabSz="342900" rtl="0" eaLnBrk="1" latinLnBrk="0" hangingPunct="1">
-              <a:spcBef>
-                <a:spcPts val="750"/>
-              </a:spcBef>
-              <a:spcAft>
-                <a:spcPts val="0"/>
-              </a:spcAft>
-              <a:buClr>
-                <a:schemeClr val="accent1"/>
-              </a:buClr>
-              <a:buSzPct val="80000"/>
-              <a:buFont typeface="Wingdings 3" charset="2"/>
-              <a:buNone/>
-              <a:defRPr sz="1100" kern="1200">
-                <a:solidFill>
-                  <a:schemeClr val="tx1">
-                    <a:tint val="75000"/>
-                  </a:schemeClr>
-                </a:solidFill>
-                <a:latin typeface="+mn-lt"/>
-                <a:ea typeface="+mn-ea"/>
-                <a:cs typeface="+mn-cs"/>
-              </a:defRPr>
-            </a:lvl3pPr>
-            <a:lvl4pPr marL="1028700" indent="0" algn="ctr" defTabSz="342900" rtl="0" eaLnBrk="1" latinLnBrk="0" hangingPunct="1">
-              <a:spcBef>
-                <a:spcPts val="750"/>
-              </a:spcBef>
-              <a:spcAft>
-                <a:spcPts val="0"/>
-              </a:spcAft>
-              <a:buClr>
-                <a:schemeClr val="accent1"/>
-              </a:buClr>
-              <a:buSzPct val="80000"/>
-              <a:buFont typeface="Wingdings 3" charset="2"/>
-              <a:buNone/>
-              <a:defRPr sz="900" kern="1200">
-                <a:solidFill>
-                  <a:schemeClr val="tx1">
-                    <a:tint val="75000"/>
-                  </a:schemeClr>
-                </a:solidFill>
-                <a:latin typeface="+mn-lt"/>
-                <a:ea typeface="+mn-ea"/>
-                <a:cs typeface="+mn-cs"/>
-              </a:defRPr>
-            </a:lvl4pPr>
-            <a:lvl5pPr marL="1371600" indent="0" algn="ctr" defTabSz="342900" rtl="0" eaLnBrk="1" latinLnBrk="0" hangingPunct="1">
-              <a:spcBef>
-                <a:spcPts val="750"/>
-              </a:spcBef>
-              <a:spcAft>
-                <a:spcPts val="0"/>
-              </a:spcAft>
-              <a:buClr>
-                <a:schemeClr val="accent1"/>
-              </a:buClr>
-              <a:buSzPct val="80000"/>
-              <a:buFont typeface="Wingdings 3" charset="2"/>
-              <a:buNone/>
-              <a:defRPr sz="900" kern="1200">
-                <a:solidFill>
-                  <a:schemeClr val="tx1">
-                    <a:tint val="75000"/>
-                  </a:schemeClr>
-                </a:solidFill>
-                <a:latin typeface="+mn-lt"/>
-                <a:ea typeface="+mn-ea"/>
-                <a:cs typeface="+mn-cs"/>
-              </a:defRPr>
-            </a:lvl5pPr>
-            <a:lvl6pPr marL="1714500" indent="0" algn="ctr" defTabSz="342900" rtl="0" eaLnBrk="1" latinLnBrk="0" hangingPunct="1">
-              <a:spcBef>
-                <a:spcPts val="750"/>
-              </a:spcBef>
-              <a:spcAft>
-                <a:spcPts val="0"/>
-              </a:spcAft>
-              <a:buClr>
-                <a:schemeClr val="accent1"/>
-              </a:buClr>
-              <a:buSzPct val="80000"/>
-              <a:buFont typeface="Wingdings 3" charset="2"/>
-              <a:buNone/>
-              <a:defRPr sz="900" kern="1200">
-                <a:solidFill>
-                  <a:schemeClr val="tx1">
-                    <a:tint val="75000"/>
-                  </a:schemeClr>
-                </a:solidFill>
-                <a:latin typeface="+mn-lt"/>
-                <a:ea typeface="+mn-ea"/>
-                <a:cs typeface="+mn-cs"/>
-              </a:defRPr>
-            </a:lvl6pPr>
-            <a:lvl7pPr marL="2057400" indent="0" algn="ctr" defTabSz="342900" rtl="0" eaLnBrk="1" latinLnBrk="0" hangingPunct="1">
-              <a:spcBef>
-                <a:spcPts val="750"/>
-              </a:spcBef>
-              <a:spcAft>
-                <a:spcPts val="0"/>
-              </a:spcAft>
-              <a:buClr>
-                <a:schemeClr val="accent1"/>
-              </a:buClr>
-              <a:buSzPct val="80000"/>
-              <a:buFont typeface="Wingdings 3" charset="2"/>
-              <a:buNone/>
-              <a:defRPr sz="900" kern="1200">
-                <a:solidFill>
-                  <a:schemeClr val="tx1">
-                    <a:tint val="75000"/>
-                  </a:schemeClr>
-                </a:solidFill>
-                <a:latin typeface="+mn-lt"/>
-                <a:ea typeface="+mn-ea"/>
-                <a:cs typeface="+mn-cs"/>
-              </a:defRPr>
-            </a:lvl7pPr>
-            <a:lvl8pPr marL="2400300" indent="0" algn="ctr" defTabSz="342900" rtl="0" eaLnBrk="1" latinLnBrk="0" hangingPunct="1">
-              <a:spcBef>
-                <a:spcPts val="750"/>
-              </a:spcBef>
-              <a:spcAft>
-                <a:spcPts val="0"/>
-              </a:spcAft>
-              <a:buClr>
-                <a:schemeClr val="accent1"/>
-              </a:buClr>
-              <a:buSzPct val="80000"/>
-              <a:buFont typeface="Wingdings 3" charset="2"/>
-              <a:buNone/>
-              <a:defRPr sz="900" kern="1200">
-                <a:solidFill>
-                  <a:schemeClr val="tx1">
-                    <a:tint val="75000"/>
-                  </a:schemeClr>
-                </a:solidFill>
-                <a:latin typeface="+mn-lt"/>
-                <a:ea typeface="+mn-ea"/>
-                <a:cs typeface="+mn-cs"/>
-              </a:defRPr>
-            </a:lvl8pPr>
-            <a:lvl9pPr marL="2743200" indent="0" algn="ctr" defTabSz="342900" rtl="0" eaLnBrk="1" latinLnBrk="0" hangingPunct="1">
-              <a:spcBef>
-                <a:spcPts val="750"/>
-              </a:spcBef>
-              <a:spcAft>
-                <a:spcPts val="0"/>
-              </a:spcAft>
-              <a:buClr>
-                <a:schemeClr val="accent1"/>
-              </a:buClr>
-              <a:buSzPct val="80000"/>
-              <a:buFont typeface="Wingdings 3" charset="2"/>
-              <a:buNone/>
-              <a:defRPr sz="900" kern="1200">
-                <a:solidFill>
-                  <a:schemeClr val="tx1">
-                    <a:tint val="75000"/>
-                  </a:schemeClr>
-                </a:solidFill>
-                <a:latin typeface="+mn-lt"/>
-                <a:ea typeface="+mn-ea"/>
-                <a:cs typeface="+mn-cs"/>
-              </a:defRPr>
-            </a:lvl9pPr>
-          </a:lstStyle>
-          <a:p>
-            <a:r>
-              <a:rPr lang="en-GB" dirty="0" smtClean="0"/>
-              <a:t>PIC16F175xx</a:t>
-            </a:r>
-            <a:endParaRPr lang="en-GB" dirty="0" smtClean="0"/>
-          </a:p>
-          <a:p>
-            <a:r>
-              <a:rPr lang="en-GB" dirty="0"/>
-              <a:t>Part 5 – a switch  sets the LEDs state</a:t>
-            </a:r>
-          </a:p>
-        </p:txBody>
-      </p:sp>
-      <p:pic>
-        <p:nvPicPr>
-          <p:cNvPr id="7" name="Picture 4" descr="PIC16F17556 | Microchip Technology"/>
-          <p:cNvPicPr>
-            <a:picLocks noChangeAspect="1" noChangeArrowheads="1"/>
-          </p:cNvPicPr>
-          <p:nvPr/>
-        </p:nvPicPr>
-        <p:blipFill>
-          <a:blip r:embed="rId3" cstate="print">
-            <a:extLst>
-              <a:ext uri="{28A0092B-C50C-407E-A947-70E740481C1C}">
-                <a14:useLocalDpi xmlns:a14="http://schemas.microsoft.com/office/drawing/2010/main" val="0"/>
-              </a:ext>
-            </a:extLst>
-          </a:blip>
-          <a:srcRect/>
-          <a:stretch>
-            <a:fillRect/>
-          </a:stretch>
-        </p:blipFill>
-        <p:spPr bwMode="auto">
-          <a:xfrm>
-            <a:off x="6750880" y="3974993"/>
-            <a:ext cx="2415427" cy="1178257"/>
-          </a:xfrm>
-          <a:prstGeom prst="rect">
-            <a:avLst/>
-          </a:prstGeom>
-          <a:noFill/>
-          <a:extLst>
-            <a:ext uri="{909E8E84-426E-40DD-AFC4-6F175D3DCCD1}">
-              <a14:hiddenFill xmlns:a14="http://schemas.microsoft.com/office/drawing/2010/main">
-                <a:solidFill>
-                  <a:srgbClr val="FFFFFF"/>
-                </a:solidFill>
-              </a14:hiddenFill>
-            </a:ext>
-          </a:extLst>
-        </p:spPr>
-      </p:pic>
-      <p:pic>
-        <p:nvPicPr>
-          <p:cNvPr id="9" name="Picture 6" descr="PIC16F19175 | Microchip Technology"/>
-          <p:cNvPicPr>
-            <a:picLocks noChangeAspect="1" noChangeArrowheads="1"/>
-          </p:cNvPicPr>
-          <p:nvPr/>
-        </p:nvPicPr>
-        <p:blipFill>
-          <a:blip r:embed="rId4" cstate="print">
-            <a:extLst>
-              <a:ext uri="{28A0092B-C50C-407E-A947-70E740481C1C}">
-                <a14:useLocalDpi xmlns:a14="http://schemas.microsoft.com/office/drawing/2010/main" val="0"/>
-              </a:ext>
-            </a:extLst>
-          </a:blip>
-          <a:srcRect/>
-          <a:stretch>
-            <a:fillRect/>
-          </a:stretch>
-        </p:blipFill>
-        <p:spPr bwMode="auto">
-          <a:xfrm>
-            <a:off x="2644136" y="3943142"/>
-            <a:ext cx="1384038" cy="1192111"/>
-          </a:xfrm>
-          <a:prstGeom prst="rect">
-            <a:avLst/>
-          </a:prstGeom>
-          <a:noFill/>
-          <a:extLst>
-            <a:ext uri="{909E8E84-426E-40DD-AFC4-6F175D3DCCD1}">
-              <a14:hiddenFill xmlns:a14="http://schemas.microsoft.com/office/drawing/2010/main">
-                <a:solidFill>
-                  <a:srgbClr val="FFFFFF"/>
-                </a:solidFill>
-              </a14:hiddenFill>
-            </a:ext>
-          </a:extLst>
-        </p:spPr>
-      </p:pic>
-    </p:spTree>
-  </p:cSld>
-  <p:clrMapOvr>
-    <a:masterClrMapping/>
-  </p:clrMapOvr>
-  <mc:AlternateContent xmlns:mc="http://schemas.openxmlformats.org/markup-compatibility/2006" xmlns:p14="http://schemas.microsoft.com/office/powerpoint/2010/main">
-    <mc:Choice Requires="p14">
-      <p:transition spd="slow" p14:dur="2000"/>
-    </mc:Choice>
-    <mc:Fallback xmlns="">
-      <p:transition spd="slow"/>
-    </mc:Fallback>
-  </mc:AlternateContent>
-  <p:timing>
-    <p:tnLst>
-      <p:par>
-        <p:cTn id="1" dur="indefinite" restart="never" nodeType="tmRoot"/>
-      </p:par>
-    </p:tnLst>
-  </p:timing>
-</p:sld>
-</file>
-
-<file path=ppt/slides/slide3.xml><?xml version="1.0" encoding="utf-8"?>
-<p:sld xmlns:a="http://schemas.openxmlformats.org/drawingml/2006/main" xmlns:r="http://schemas.openxmlformats.org/officeDocument/2006/relationships" xmlns:p="http://schemas.openxmlformats.org/presentationml/2006/main">
-  <p:cSld>
-    <p:spTree>
-      <p:nvGrpSpPr>
-        <p:cNvPr id="1" name=""/>
-        <p:cNvGrpSpPr/>
-        <p:nvPr/>
-      </p:nvGrpSpPr>
-      <p:grpSpPr>
-        <a:xfrm>
-          <a:off x="0" y="0"/>
-          <a:ext cx="0" cy="0"/>
-          <a:chOff x="0" y="0"/>
-          <a:chExt cx="0" cy="0"/>
-        </a:xfrm>
-      </p:grpSpPr>
-      <p:sp>
-        <p:nvSpPr>
-          <p:cNvPr id="2" name="Title 1"/>
-          <p:cNvSpPr>
-            <a:spLocks noGrp="1"/>
-          </p:cNvSpPr>
-          <p:nvPr>
-            <p:ph type="title"/>
-          </p:nvPr>
-        </p:nvSpPr>
-        <p:spPr/>
-        <p:txBody>
-          <a:bodyPr/>
-          <a:lstStyle/>
-          <a:p>
-            <a:r>
-              <a:rPr lang="en-GB" dirty="0" smtClean="0"/>
-              <a:t>GCBASIC</a:t>
-            </a:r>
-            <a:endParaRPr lang="en-GB" dirty="0"/>
-          </a:p>
-        </p:txBody>
-      </p:sp>
-      <p:pic>
-        <p:nvPicPr>
-          <p:cNvPr id="1026" name="Picture 2" descr="D:\Build\AnobiumTransparent.jpg"/>
-          <p:cNvPicPr>
-            <a:picLocks noChangeAspect="1" noChangeArrowheads="1"/>
-          </p:cNvPicPr>
-          <p:nvPr/>
-        </p:nvPicPr>
-        <p:blipFill>
-          <a:blip r:embed="rId2" cstate="print"/>
-          <a:srcRect/>
-          <a:stretch>
-            <a:fillRect/>
-          </a:stretch>
-        </p:blipFill>
-        <p:spPr bwMode="auto">
-          <a:xfrm>
-            <a:off x="5292080" y="911052"/>
-            <a:ext cx="1828859" cy="771550"/>
-          </a:xfrm>
-          <a:prstGeom prst="rect">
-            <a:avLst/>
-          </a:prstGeom>
-          <a:noFill/>
-        </p:spPr>
-      </p:pic>
-      <p:sp>
-        <p:nvSpPr>
-          <p:cNvPr id="4" name="AutoShape 2" descr="ICSP connection"/>
-          <p:cNvSpPr>
-            <a:spLocks noChangeAspect="1" noChangeArrowheads="1"/>
-          </p:cNvSpPr>
-          <p:nvPr/>
-        </p:nvSpPr>
-        <p:spPr bwMode="auto">
-          <a:xfrm>
-            <a:off x="155575" y="-144462"/>
-            <a:ext cx="304800" cy="304801"/>
-          </a:xfrm>
-          <a:prstGeom prst="rect">
-            <a:avLst/>
-          </a:prstGeom>
-          <a:noFill/>
-        </p:spPr>
-        <p:txBody>
-          <a:bodyPr vert="horz" wrap="square" lIns="85064" tIns="42531" rIns="85064" bIns="42531" numCol="1" anchor="t" anchorCtr="0" compatLnSpc="1">
-            <a:prstTxWarp prst="textNoShape">
-              <a:avLst/>
-            </a:prstTxWarp>
-          </a:bodyPr>
-          <a:lstStyle/>
-          <a:p>
-            <a:endParaRPr lang="en-GB" dirty="0"/>
-          </a:p>
-        </p:txBody>
-      </p:sp>
-      <p:sp>
-        <p:nvSpPr>
-          <p:cNvPr id="7" name="Rectangle 6"/>
-          <p:cNvSpPr/>
-          <p:nvPr/>
-        </p:nvSpPr>
-        <p:spPr>
-          <a:xfrm>
-            <a:off x="539552" y="2067694"/>
-            <a:ext cx="7367888" cy="707886"/>
-          </a:xfrm>
-          <a:prstGeom prst="rect">
-            <a:avLst/>
-          </a:prstGeom>
-          <a:noFill/>
-        </p:spPr>
-        <p:txBody>
-          <a:bodyPr wrap="square" lIns="91440" tIns="45720" rIns="91440" bIns="45720">
-            <a:spAutoFit/>
-          </a:bodyPr>
-          <a:lstStyle/>
-          <a:p>
-            <a:pPr algn="ctr"/>
-            <a:r>
-              <a:rPr lang="en-US" sz="4000" b="1" dirty="0" smtClean="0">
-                <a:ln w="10541" cmpd="sng">
-                  <a:solidFill>
-                    <a:srgbClr val="7D7D7D">
-                      <a:tint val="100000"/>
-                      <a:shade val="100000"/>
-                      <a:satMod val="110000"/>
-                    </a:srgbClr>
-                  </a:solidFill>
-                  <a:prstDash val="solid"/>
-                </a:ln>
-                <a:solidFill>
-                  <a:srgbClr val="FF0000"/>
-                </a:solidFill>
-              </a:rPr>
-              <a:t>Like and subscribe</a:t>
-            </a:r>
-            <a:r>
-              <a:rPr lang="en-US" sz="4000" b="1" dirty="0">
-                <a:ln w="10541" cmpd="sng">
-                  <a:solidFill>
-                    <a:srgbClr val="7D7D7D">
-                      <a:tint val="100000"/>
-                      <a:shade val="100000"/>
-                      <a:satMod val="110000"/>
-                    </a:srgbClr>
-                  </a:solidFill>
-                  <a:prstDash val="solid"/>
-                </a:ln>
-                <a:solidFill>
-                  <a:srgbClr val="FF0000"/>
-                </a:solidFill>
-              </a:rPr>
-              <a:t>!</a:t>
-            </a:r>
-            <a:endParaRPr lang="en-US" sz="4000" b="1" dirty="0" smtClean="0">
-              <a:ln w="10541" cmpd="sng">
-                <a:solidFill>
-                  <a:srgbClr val="7D7D7D">
-                    <a:tint val="100000"/>
-                    <a:shade val="100000"/>
-                    <a:satMod val="110000"/>
-                  </a:srgbClr>
-                </a:solidFill>
-                <a:prstDash val="solid"/>
-              </a:ln>
-              <a:solidFill>
-                <a:srgbClr val="FF0000"/>
-              </a:solidFill>
-            </a:endParaRPr>
-          </a:p>
-        </p:txBody>
-      </p:sp>
-      <p:sp>
-        <p:nvSpPr>
-          <p:cNvPr id="11" name="Date Placeholder 3"/>
-          <p:cNvSpPr>
-            <a:spLocks noGrp="1"/>
-          </p:cNvSpPr>
-          <p:nvPr>
-            <p:ph type="dt" sz="half" idx="10"/>
-          </p:nvPr>
-        </p:nvSpPr>
-        <p:spPr>
-          <a:xfrm>
-            <a:off x="6113182" y="4384422"/>
-            <a:ext cx="354882" cy="305233"/>
-          </a:xfrm>
-        </p:spPr>
-        <p:txBody>
-          <a:bodyPr/>
-          <a:lstStyle/>
-          <a:p>
-            <a:fld id="{1E700B27-DE4C-4B9E-BB11-B9027034A00F}" type="datetimeFigureOut">
-              <a:rPr lang="en-US" smtClean="0"/>
-              <a:pPr/>
-              <a:t>11/18/2025</a:t>
-            </a:fld>
-            <a:endParaRPr lang="en-US" dirty="0"/>
-          </a:p>
-        </p:txBody>
-      </p:sp>
-      <p:pic>
-        <p:nvPicPr>
-          <p:cNvPr id="9" name="Picture 4" descr="PIC16F17556 | Microchip Technology"/>
-          <p:cNvPicPr>
-            <a:picLocks noChangeAspect="1" noChangeArrowheads="1"/>
-          </p:cNvPicPr>
-          <p:nvPr/>
-        </p:nvPicPr>
-        <p:blipFill>
-          <a:blip r:embed="rId3" cstate="print">
-            <a:extLst>
-              <a:ext uri="{28A0092B-C50C-407E-A947-70E740481C1C}">
-                <a14:useLocalDpi xmlns:a14="http://schemas.microsoft.com/office/drawing/2010/main" val="0"/>
-              </a:ext>
-            </a:extLst>
-          </a:blip>
-          <a:srcRect/>
-          <a:stretch>
-            <a:fillRect/>
-          </a:stretch>
-        </p:blipFill>
-        <p:spPr bwMode="auto">
-          <a:xfrm>
-            <a:off x="6750880" y="3974993"/>
-            <a:ext cx="2415427" cy="1178257"/>
-          </a:xfrm>
-          <a:prstGeom prst="rect">
-            <a:avLst/>
-          </a:prstGeom>
-          <a:noFill/>
-          <a:extLst>
-            <a:ext uri="{909E8E84-426E-40DD-AFC4-6F175D3DCCD1}">
-              <a14:hiddenFill xmlns:a14="http://schemas.microsoft.com/office/drawing/2010/main">
-                <a:solidFill>
-                  <a:srgbClr val="FFFFFF"/>
-                </a:solidFill>
-              </a14:hiddenFill>
-            </a:ext>
-          </a:extLst>
-        </p:spPr>
-      </p:pic>
-      <p:pic>
-        <p:nvPicPr>
-          <p:cNvPr id="12" name="Picture 6" descr="PIC16F19175 | Microchip Technology"/>
-          <p:cNvPicPr>
-            <a:picLocks noChangeAspect="1" noChangeArrowheads="1"/>
-          </p:cNvPicPr>
-          <p:nvPr/>
-        </p:nvPicPr>
-        <p:blipFill>
-          <a:blip r:embed="rId4" cstate="print">
-            <a:extLst>
-              <a:ext uri="{28A0092B-C50C-407E-A947-70E740481C1C}">
-                <a14:useLocalDpi xmlns:a14="http://schemas.microsoft.com/office/drawing/2010/main" val="0"/>
-              </a:ext>
-            </a:extLst>
-          </a:blip>
-          <a:srcRect/>
-          <a:stretch>
-            <a:fillRect/>
-          </a:stretch>
-        </p:blipFill>
-        <p:spPr bwMode="auto">
-          <a:xfrm>
-            <a:off x="2644136" y="3943142"/>
-            <a:ext cx="1384038" cy="1192111"/>
-          </a:xfrm>
-          <a:prstGeom prst="rect">
-            <a:avLst/>
-          </a:prstGeom>
-          <a:noFill/>
-          <a:extLst>
-            <a:ext uri="{909E8E84-426E-40DD-AFC4-6F175D3DCCD1}">
-              <a14:hiddenFill xmlns:a14="http://schemas.microsoft.com/office/drawing/2010/main">
-                <a:solidFill>
-                  <a:srgbClr val="FFFFFF"/>
-                </a:solidFill>
-              </a14:hiddenFill>
-            </a:ext>
-          </a:extLst>
-        </p:spPr>
-      </p:pic>
-    </p:spTree>
-    <p:extLst>
-      <p:ext uri="{BB962C8B-B14F-4D97-AF65-F5344CB8AC3E}">
-        <p14:creationId xmlns:p14="http://schemas.microsoft.com/office/powerpoint/2010/main" val="2553573428"/>
-      </p:ext>
-    </p:extLst>
-  </p:cSld>
-  <p:clrMapOvr>
-    <a:masterClrMapping/>
-  </p:clrMapOvr>
-  <mc:AlternateContent xmlns:mc="http://schemas.openxmlformats.org/markup-compatibility/2006" xmlns:p14="http://schemas.microsoft.com/office/powerpoint/2010/main">
-    <mc:Choice Requires="p14">
-      <p:transition spd="slow" p14:dur="2000"/>
-    </mc:Choice>
-    <mc:Fallback xmlns="">
-      <p:transition spd="slow"/>
-    </mc:Fallback>
-  </mc:AlternateContent>
-  <p:timing>
-    <p:tnLst>
-      <p:par>
-        <p:cTn id="1" dur="indefinite" restart="never" nodeType="tmRoot"/>
-      </p:par>
-    </p:tnLst>
-  </p:timing>
-</p:sld>
-</file>
-
-<file path=ppt/slides/slide4.xml><?xml version="1.0" encoding="utf-8"?>
-<p:sld xmlns:a="http://schemas.openxmlformats.org/drawingml/2006/main" xmlns:r="http://schemas.openxmlformats.org/officeDocument/2006/relationships" xmlns:p="http://schemas.openxmlformats.org/presentationml/2006/main" show="0">
-  <p:cSld>
-    <p:spTree>
-      <p:nvGrpSpPr>
-        <p:cNvPr id="1" name=""/>
-        <p:cNvGrpSpPr/>
-        <p:nvPr/>
-      </p:nvGrpSpPr>
-      <p:grpSpPr>
-        <a:xfrm>
-          <a:off x="0" y="0"/>
-          <a:ext cx="0" cy="0"/>
-          <a:chOff x="0" y="0"/>
-          <a:chExt cx="0" cy="0"/>
-        </a:xfrm>
-      </p:grpSpPr>
-      <p:sp>
-        <p:nvSpPr>
-          <p:cNvPr id="2" name="Title 1"/>
-          <p:cNvSpPr>
-            <a:spLocks noGrp="1"/>
-          </p:cNvSpPr>
-          <p:nvPr>
-            <p:ph type="title"/>
-          </p:nvPr>
-        </p:nvSpPr>
-        <p:spPr/>
-        <p:txBody>
-          <a:bodyPr/>
-          <a:lstStyle/>
-          <a:p>
-            <a:pPr algn="l"/>
-            <a:r>
-              <a:rPr lang="en-GB" dirty="0" smtClean="0"/>
-              <a:t>PIC16F175xx</a:t>
-            </a:r>
-            <a:endParaRPr lang="en-GB" dirty="0"/>
-          </a:p>
-        </p:txBody>
-      </p:sp>
-      <p:sp>
-        <p:nvSpPr>
-          <p:cNvPr id="3" name="Content Placeholder 2"/>
-          <p:cNvSpPr>
-            <a:spLocks noGrp="1"/>
-          </p:cNvSpPr>
-          <p:nvPr>
-            <p:ph idx="1"/>
-          </p:nvPr>
-        </p:nvSpPr>
-        <p:spPr/>
-        <p:txBody>
-          <a:bodyPr>
-            <a:normAutofit fontScale="92500" lnSpcReduction="10000"/>
-          </a:bodyPr>
-          <a:lstStyle/>
-          <a:p>
-            <a:r>
-              <a:rPr lang="en-GB" dirty="0" smtClean="0"/>
-              <a:t>PIC18-Q24 is a high performance PIC18 </a:t>
-            </a:r>
-          </a:p>
-          <a:p>
-            <a:pPr lvl="1"/>
-            <a:r>
-              <a:rPr lang="en-GB" dirty="0" smtClean="0"/>
-              <a:t>Digital and </a:t>
-            </a:r>
-            <a:r>
-              <a:rPr lang="en-GB" dirty="0" err="1" smtClean="0"/>
-              <a:t>Analog</a:t>
-            </a:r>
-            <a:r>
-              <a:rPr lang="en-GB" dirty="0" smtClean="0"/>
-              <a:t> peripherals </a:t>
-            </a:r>
-          </a:p>
-          <a:p>
-            <a:pPr lvl="1"/>
-            <a:r>
-              <a:rPr lang="en-GB" dirty="0" smtClean="0"/>
-              <a:t>10-bit ADC</a:t>
-            </a:r>
-          </a:p>
-          <a:p>
-            <a:pPr lvl="1"/>
-            <a:r>
-              <a:rPr lang="en-GB" dirty="0" smtClean="0"/>
-              <a:t>Multiple communication interfaces</a:t>
-            </a:r>
-          </a:p>
-          <a:p>
-            <a:pPr lvl="2"/>
-            <a:r>
-              <a:rPr lang="en-GB" dirty="0" smtClean="0"/>
-              <a:t>Serial, I2C and  SPI </a:t>
-            </a:r>
-          </a:p>
-          <a:p>
-            <a:pPr lvl="2"/>
-            <a:r>
-              <a:rPr lang="en-GB" dirty="0" smtClean="0"/>
-              <a:t>PWM – CCP/PWM and 16Bit</a:t>
-            </a:r>
-          </a:p>
-          <a:p>
-            <a:pPr lvl="1"/>
-            <a:r>
-              <a:rPr lang="en-GB" dirty="0" smtClean="0"/>
-              <a:t>Configurable Logic Cells</a:t>
-            </a:r>
-          </a:p>
-          <a:p>
-            <a:pPr lvl="1"/>
-            <a:r>
-              <a:rPr lang="en-GB" dirty="0" smtClean="0"/>
-              <a:t>Multi voltage domains</a:t>
-            </a:r>
-          </a:p>
-          <a:p>
-            <a:endParaRPr lang="en-GB" dirty="0" smtClean="0"/>
-          </a:p>
-          <a:p>
-            <a:r>
-              <a:rPr lang="en-GB" dirty="0" smtClean="0"/>
-              <a:t>The PIC18xxQ24 offers 28, 40 and 48-pin products in small footprint packages to support customers in a wide variety of applications. </a:t>
-            </a:r>
-          </a:p>
-          <a:p>
-            <a:endParaRPr lang="en-GB" dirty="0"/>
-          </a:p>
-        </p:txBody>
-      </p:sp>
-    </p:spTree>
-    <p:extLst>
-      <p:ext uri="{BB962C8B-B14F-4D97-AF65-F5344CB8AC3E}">
-        <p14:creationId xmlns:p14="http://schemas.microsoft.com/office/powerpoint/2010/main" val="4225656627"/>
-      </p:ext>
-    </p:extLst>
-  </p:cSld>
-  <p:clrMapOvr>
-    <a:masterClrMapping/>
-  </p:clrMapOvr>
-  <mc:AlternateContent xmlns:mc="http://schemas.openxmlformats.org/markup-compatibility/2006" xmlns:p14="http://schemas.microsoft.com/office/powerpoint/2010/main">
-    <mc:Choice Requires="p14">
-      <p:transition spd="slow" p14:dur="2000"/>
-    </mc:Choice>
-    <mc:Fallback xmlns="">
-      <p:transition spd="slow"/>
-    </mc:Fallback>
-  </mc:AlternateContent>
-  <p:timing>
-    <p:tnLst>
-      <p:par>
-        <p:cTn id="1" dur="indefinite" restart="never" nodeType="tmRoot"/>
-      </p:par>
-    </p:tnLst>
-  </p:timing>
-</p:sld>
-</file>
-
-<file path=ppt/slides/slide5.xml><?xml version="1.0" encoding="utf-8"?>
-<p:sld xmlns:a="http://schemas.openxmlformats.org/drawingml/2006/main" xmlns:r="http://schemas.openxmlformats.org/officeDocument/2006/relationships" xmlns:p="http://schemas.openxmlformats.org/presentationml/2006/main">
-  <p:cSld>
-    <p:spTree>
-      <p:nvGrpSpPr>
-        <p:cNvPr id="1" name=""/>
-        <p:cNvGrpSpPr/>
-        <p:nvPr/>
-      </p:nvGrpSpPr>
-      <p:grpSpPr>
-        <a:xfrm>
-          <a:off x="0" y="0"/>
-          <a:ext cx="0" cy="0"/>
-          <a:chOff x="0" y="0"/>
-          <a:chExt cx="0" cy="0"/>
-        </a:xfrm>
-      </p:grpSpPr>
-      <p:sp>
-        <p:nvSpPr>
-          <p:cNvPr id="2" name="Title 1"/>
-          <p:cNvSpPr>
-            <a:spLocks noGrp="1"/>
-          </p:cNvSpPr>
-          <p:nvPr>
-            <p:ph type="title"/>
-          </p:nvPr>
-        </p:nvSpPr>
-        <p:spPr/>
-        <p:txBody>
-          <a:bodyPr>
-            <a:normAutofit/>
-          </a:bodyPr>
-          <a:lstStyle/>
-          <a:p>
-            <a:r>
-              <a:rPr lang="en-GB" dirty="0" smtClean="0"/>
-              <a:t>Videos...</a:t>
-            </a:r>
-            <a:endParaRPr lang="en-GB" dirty="0"/>
-          </a:p>
-        </p:txBody>
-      </p:sp>
-      <p:sp>
-        <p:nvSpPr>
-          <p:cNvPr id="3" name="Content Placeholder 2"/>
-          <p:cNvSpPr>
-            <a:spLocks noGrp="1"/>
-          </p:cNvSpPr>
-          <p:nvPr>
-            <p:ph idx="1"/>
-          </p:nvPr>
-        </p:nvSpPr>
-        <p:spPr>
-          <a:xfrm>
-            <a:off x="467544" y="987574"/>
-            <a:ext cx="6447501" cy="4111476"/>
-          </a:xfrm>
-          <a:solidFill>
-            <a:schemeClr val="bg1"/>
-          </a:solidFill>
-        </p:spPr>
-        <p:txBody>
-          <a:bodyPr>
-            <a:noAutofit/>
-          </a:bodyPr>
-          <a:lstStyle/>
-          <a:p>
-            <a:pPr marL="180000" indent="-478483">
-              <a:spcBef>
-                <a:spcPts val="300"/>
-              </a:spcBef>
-              <a:buFont typeface="+mj-lt"/>
-              <a:buAutoNum type="arabicPeriod"/>
-            </a:pPr>
-            <a:r>
-              <a:rPr lang="en-GB" sz="1100" dirty="0"/>
-              <a:t>Install the hardware and make the board work – three LED programs</a:t>
-            </a:r>
-          </a:p>
-          <a:p>
-            <a:pPr marL="180000" indent="-478483">
-              <a:spcBef>
-                <a:spcPts val="300"/>
-              </a:spcBef>
-              <a:buFont typeface="+mj-lt"/>
-              <a:buAutoNum type="arabicPeriod"/>
-            </a:pPr>
-            <a:r>
-              <a:rPr lang="en-GB" sz="1100" dirty="0"/>
-              <a:t>Make  four LEDs flash in a sequence</a:t>
-            </a:r>
-          </a:p>
-          <a:p>
-            <a:pPr marL="180000" indent="-478483">
-              <a:spcBef>
-                <a:spcPts val="300"/>
-              </a:spcBef>
-              <a:buFont typeface="+mj-lt"/>
-              <a:buAutoNum type="arabicPeriod"/>
-            </a:pPr>
-            <a:r>
-              <a:rPr lang="en-GB" sz="1100" dirty="0"/>
-              <a:t>Set the LEDs to represent the value of ADC</a:t>
-            </a:r>
-          </a:p>
-          <a:p>
-            <a:pPr marL="180000" indent="-478483">
-              <a:spcBef>
-                <a:spcPts val="300"/>
-              </a:spcBef>
-              <a:buFont typeface="+mj-lt"/>
-              <a:buAutoNum type="arabicPeriod"/>
-            </a:pPr>
-            <a:r>
-              <a:rPr lang="en-GB" sz="1100" dirty="0"/>
-              <a:t>Sequence the LEDs with a delay using the value of ADC</a:t>
-            </a:r>
-          </a:p>
-          <a:p>
-            <a:pPr marL="180000" indent="-478483">
-              <a:spcBef>
-                <a:spcPts val="300"/>
-              </a:spcBef>
-              <a:buFont typeface="+mj-lt"/>
-              <a:buAutoNum type="arabicPeriod"/>
-            </a:pPr>
-            <a:r>
-              <a:rPr lang="en-GB" sz="1100" b="1" dirty="0"/>
-              <a:t>Using an input to set the state of the LEDs</a:t>
-            </a:r>
-          </a:p>
-          <a:p>
-            <a:pPr marL="180000" indent="-478483">
-              <a:spcBef>
-                <a:spcPts val="300"/>
-              </a:spcBef>
-              <a:buFont typeface="+mj-lt"/>
-              <a:buAutoNum type="arabicPeriod"/>
-            </a:pPr>
-            <a:r>
-              <a:rPr lang="en-GB" sz="1100" dirty="0"/>
-              <a:t>Using the reset switch</a:t>
-            </a:r>
-          </a:p>
-          <a:p>
-            <a:pPr marL="180000" indent="-478483">
-              <a:spcBef>
-                <a:spcPts val="300"/>
-              </a:spcBef>
-              <a:buFont typeface="+mj-lt"/>
-              <a:buAutoNum type="arabicPeriod"/>
-            </a:pPr>
-            <a:r>
-              <a:rPr lang="en-GB" sz="1100" dirty="0"/>
-              <a:t>Using the switch, ADC – make the LEDs flash in a sequence with reverse</a:t>
-            </a:r>
-          </a:p>
-          <a:p>
-            <a:pPr marL="180000" indent="-478483">
-              <a:spcBef>
-                <a:spcPts val="300"/>
-              </a:spcBef>
-              <a:buFont typeface="+mj-lt"/>
-              <a:buAutoNum type="arabicPeriod"/>
-            </a:pPr>
-            <a:r>
-              <a:rPr lang="en-GB" sz="1100" dirty="0"/>
-              <a:t>Using the serial to display values</a:t>
-            </a:r>
-          </a:p>
-          <a:p>
-            <a:pPr marL="180000" indent="-478483">
-              <a:spcBef>
-                <a:spcPts val="300"/>
-              </a:spcBef>
-              <a:buFont typeface="+mj-lt"/>
-              <a:buAutoNum type="arabicPeriod"/>
-            </a:pPr>
-            <a:r>
-              <a:rPr lang="en-GB" sz="1100" dirty="0"/>
-              <a:t>Using the timer0 overflow, 8bit timer, 16bit timer to flash the LEDs</a:t>
-            </a:r>
-          </a:p>
-          <a:p>
-            <a:pPr marL="180000" indent="-478483">
-              <a:spcBef>
-                <a:spcPts val="300"/>
-              </a:spcBef>
-              <a:buFont typeface="+mj-lt"/>
-              <a:buAutoNum type="arabicPeriod"/>
-            </a:pPr>
-            <a:r>
-              <a:rPr lang="en-GB" sz="1100" dirty="0"/>
-              <a:t>Using EEProm – showing values on the serial terminal, and more constants insights</a:t>
-            </a:r>
-          </a:p>
-          <a:p>
-            <a:pPr marL="180000" indent="-478483">
-              <a:spcBef>
-                <a:spcPts val="300"/>
-              </a:spcBef>
-              <a:buFont typeface="+mj-lt"/>
-              <a:buAutoNum type="arabicPeriod"/>
-            </a:pPr>
-            <a:r>
-              <a:rPr lang="en-GB" sz="1100" dirty="0"/>
-              <a:t>Using I2C with serial to discover I2C devices</a:t>
-            </a:r>
-          </a:p>
-          <a:p>
-            <a:pPr marL="180000" indent="-478483">
-              <a:spcBef>
-                <a:spcPts val="300"/>
-              </a:spcBef>
-              <a:buFont typeface="+mj-lt"/>
-              <a:buAutoNum type="arabicPeriod"/>
-            </a:pPr>
-            <a:r>
-              <a:rPr lang="en-GB" sz="1100" dirty="0"/>
-              <a:t>Using an I2C GCLD display</a:t>
-            </a:r>
-          </a:p>
-          <a:p>
-            <a:pPr marL="180000" indent="-478483">
-              <a:spcBef>
-                <a:spcPts val="300"/>
-              </a:spcBef>
-              <a:buFont typeface="+mj-lt"/>
-              <a:buAutoNum type="arabicPeriod"/>
-            </a:pPr>
-            <a:r>
-              <a:rPr lang="en-GB" sz="1100" dirty="0"/>
-              <a:t>Using a SPI GCLD display</a:t>
-            </a:r>
-          </a:p>
-          <a:p>
-            <a:pPr marL="180000" indent="-478483">
-              <a:spcBef>
-                <a:spcPts val="300"/>
-              </a:spcBef>
-              <a:buFont typeface="+mj-lt"/>
-              <a:buAutoNum type="arabicPeriod"/>
-            </a:pPr>
-            <a:r>
-              <a:rPr lang="en-GB" sz="1100" dirty="0"/>
-              <a:t>Using PWM, 7  ways,  to dim the LEDS</a:t>
-            </a:r>
-          </a:p>
-          <a:p>
-            <a:pPr marL="180000" indent="-478483">
-              <a:spcBef>
-                <a:spcPts val="300"/>
-              </a:spcBef>
-              <a:buFont typeface="+mj-lt"/>
-              <a:buAutoNum type="arabicPeriod"/>
-            </a:pPr>
-            <a:r>
-              <a:rPr lang="en-GB" sz="1100" dirty="0"/>
-              <a:t>Using an external interrupt to control an LED</a:t>
-            </a:r>
-          </a:p>
-          <a:p>
-            <a:pPr marL="180000" indent="-478483">
-              <a:spcBef>
-                <a:spcPts val="300"/>
-              </a:spcBef>
-              <a:buFont typeface="+mj-lt"/>
-              <a:buAutoNum type="arabicPeriod"/>
-            </a:pPr>
-            <a:r>
-              <a:rPr lang="en-GB" sz="1100" dirty="0"/>
-              <a:t>Using storage within the chip – Progmem, SAF memory, EEPROM and DATA blocks</a:t>
-            </a:r>
-          </a:p>
-          <a:p>
-            <a:pPr marL="180000" indent="-478483">
-              <a:spcBef>
-                <a:spcPts val="300"/>
-              </a:spcBef>
-              <a:buFont typeface="+mj-lt"/>
-              <a:buAutoNum type="arabicPeriod"/>
-            </a:pPr>
-            <a:r>
-              <a:rPr lang="en-GB" sz="1100" dirty="0"/>
-              <a:t>Using CLC</a:t>
-            </a:r>
-          </a:p>
-          <a:p>
-            <a:pPr marL="180000" indent="-478483">
-              <a:spcBef>
-                <a:spcPts val="300"/>
-              </a:spcBef>
-              <a:buFont typeface="+mj-lt"/>
-              <a:buAutoNum type="arabicPeriod"/>
-            </a:pPr>
-            <a:r>
-              <a:rPr lang="en-GB" sz="1100" dirty="0"/>
-              <a:t>The GCBASIC tool chain</a:t>
-            </a:r>
-          </a:p>
-          <a:p>
-            <a:pPr marL="180000" indent="-478483">
-              <a:spcBef>
-                <a:spcPts val="300"/>
-              </a:spcBef>
-              <a:buFont typeface="+mj-lt"/>
-              <a:buAutoNum type="arabicPeriod"/>
-            </a:pPr>
-            <a:r>
-              <a:rPr lang="en-GB" sz="1100" dirty="0"/>
-              <a:t>Assembly , alternatives assemblers and MPLAB-X</a:t>
-            </a:r>
-          </a:p>
-          <a:p>
-            <a:pPr marL="180000" indent="-478483">
-              <a:spcBef>
-                <a:spcPts val="300"/>
-              </a:spcBef>
-              <a:buFont typeface="+mj-lt"/>
-              <a:buAutoNum type="arabicPeriod"/>
-            </a:pPr>
-            <a:r>
-              <a:rPr lang="en-GB" sz="1100" dirty="0"/>
-              <a:t>Summary</a:t>
-            </a:r>
-          </a:p>
-          <a:p>
-            <a:pPr marL="180000" indent="-478483">
-              <a:spcBef>
-                <a:spcPts val="300"/>
-              </a:spcBef>
-              <a:buFont typeface="+mj-lt"/>
-              <a:buAutoNum type="arabicPeriod"/>
-            </a:pPr>
-            <a:endParaRPr lang="en-GB" sz="400" dirty="0" smtClean="0">
-              <a:solidFill>
-                <a:schemeClr val="bg1">
-                  <a:lumMod val="75000"/>
-                </a:schemeClr>
-              </a:solidFill>
-            </a:endParaRPr>
-          </a:p>
-          <a:p>
-            <a:pPr marL="180000" indent="-478483">
-              <a:spcBef>
-                <a:spcPts val="300"/>
-              </a:spcBef>
-              <a:buNone/>
-            </a:pPr>
-            <a:endParaRPr lang="en-GB" sz="700" dirty="0" smtClean="0"/>
-          </a:p>
-          <a:p>
-            <a:pPr marL="180000" indent="-478483">
-              <a:spcBef>
-                <a:spcPts val="300"/>
-              </a:spcBef>
-              <a:buFont typeface="+mj-lt"/>
-              <a:buAutoNum type="arabicPeriod"/>
-            </a:pPr>
-            <a:endParaRPr lang="en-GB" sz="700" dirty="0" smtClean="0"/>
-          </a:p>
-          <a:p>
-            <a:pPr marL="180000" indent="-478483">
-              <a:spcBef>
-                <a:spcPts val="300"/>
-              </a:spcBef>
-              <a:buFont typeface="+mj-lt"/>
-              <a:buAutoNum type="arabicPeriod"/>
-            </a:pPr>
-            <a:endParaRPr lang="en-GB" sz="500" dirty="0" smtClean="0"/>
-          </a:p>
-          <a:p>
-            <a:pPr marL="180000" indent="-478483">
-              <a:spcBef>
-                <a:spcPts val="300"/>
-              </a:spcBef>
-              <a:buFont typeface="+mj-lt"/>
-              <a:buAutoNum type="arabicPeriod"/>
-            </a:pPr>
-            <a:endParaRPr lang="en-GB" sz="500" dirty="0" smtClean="0"/>
-          </a:p>
-          <a:p>
-            <a:pPr marL="180000" indent="-478483">
-              <a:spcBef>
-                <a:spcPts val="300"/>
-              </a:spcBef>
-              <a:buFont typeface="+mj-lt"/>
-              <a:buAutoNum type="arabicPeriod"/>
-            </a:pPr>
-            <a:endParaRPr lang="en-GB" sz="500" dirty="0" smtClean="0"/>
-          </a:p>
-          <a:p>
-            <a:pPr marL="180000" indent="-478483">
-              <a:spcBef>
-                <a:spcPts val="300"/>
-              </a:spcBef>
-              <a:buFont typeface="+mj-lt"/>
-              <a:buAutoNum type="arabicPeriod"/>
-            </a:pPr>
-            <a:endParaRPr lang="en-GB" sz="500" dirty="0"/>
-          </a:p>
-        </p:txBody>
-      </p:sp>
-    </p:spTree>
-    <p:extLst>
-      <p:ext uri="{BB962C8B-B14F-4D97-AF65-F5344CB8AC3E}">
-        <p14:creationId xmlns:p14="http://schemas.microsoft.com/office/powerpoint/2010/main" val="1947865557"/>
-      </p:ext>
-    </p:extLst>
-  </p:cSld>
-  <p:clrMapOvr>
-    <a:masterClrMapping/>
-  </p:clrMapOvr>
-  <mc:AlternateContent xmlns:mc="http://schemas.openxmlformats.org/markup-compatibility/2006" xmlns:p14="http://schemas.microsoft.com/office/powerpoint/2010/main">
-    <mc:Choice Requires="p14">
-      <p:transition spd="slow" p14:dur="2000"/>
-    </mc:Choice>
-    <mc:Fallback xmlns="">
-      <p:transition spd="slow"/>
-    </mc:Fallback>
-  </mc:AlternateContent>
-  <p:timing>
-    <p:tnLst>
-      <p:par>
-        <p:cTn id="1" dur="indefinite" restart="never" nodeType="tmRoot"/>
-      </p:par>
-    </p:tnLst>
-  </p:timing>
-</p:sld>
-</file>
-
-<file path=ppt/slides/slide6.xml><?xml version="1.0" encoding="utf-8"?>
-<p:sld xmlns:a="http://schemas.openxmlformats.org/drawingml/2006/main" xmlns:r="http://schemas.openxmlformats.org/officeDocument/2006/relationships" xmlns:p="http://schemas.openxmlformats.org/presentationml/2006/main" show="0">
-  <p:cSld>
-    <p:spTree>
-      <p:nvGrpSpPr>
-        <p:cNvPr id="1" name=""/>
-        <p:cNvGrpSpPr/>
-        <p:nvPr/>
-      </p:nvGrpSpPr>
-      <p:grpSpPr>
-        <a:xfrm>
-          <a:off x="0" y="0"/>
-          <a:ext cx="0" cy="0"/>
-          <a:chOff x="0" y="0"/>
-          <a:chExt cx="0" cy="0"/>
-        </a:xfrm>
-      </p:grpSpPr>
-      <p:sp>
-        <p:nvSpPr>
-          <p:cNvPr id="2" name="Title 1"/>
-          <p:cNvSpPr>
-            <a:spLocks noGrp="1"/>
-          </p:cNvSpPr>
-          <p:nvPr>
-            <p:ph type="title"/>
-          </p:nvPr>
-        </p:nvSpPr>
-        <p:spPr/>
-        <p:txBody>
-          <a:bodyPr/>
-          <a:lstStyle/>
-          <a:p>
-            <a:pPr algn="l"/>
-            <a:r>
-              <a:rPr lang="en-GB" dirty="0" smtClean="0"/>
-              <a:t>PIC16F175xx</a:t>
-            </a:r>
-            <a:endParaRPr lang="en-GB" dirty="0"/>
-          </a:p>
-        </p:txBody>
-      </p:sp>
-      <p:sp>
-        <p:nvSpPr>
-          <p:cNvPr id="3" name="Content Placeholder 2"/>
-          <p:cNvSpPr>
-            <a:spLocks noGrp="1"/>
-          </p:cNvSpPr>
-          <p:nvPr>
-            <p:ph idx="1"/>
-          </p:nvPr>
-        </p:nvSpPr>
-        <p:spPr/>
-        <p:txBody>
-          <a:bodyPr>
-            <a:normAutofit fontScale="92500" lnSpcReduction="10000"/>
-          </a:bodyPr>
-          <a:lstStyle/>
-          <a:p>
-            <a:r>
-              <a:rPr lang="en-GB" dirty="0" smtClean="0"/>
-              <a:t>PIC18-Q24 is a high performance PIC18 </a:t>
-            </a:r>
-          </a:p>
-          <a:p>
-            <a:pPr lvl="1"/>
-            <a:r>
-              <a:rPr lang="en-GB" dirty="0" smtClean="0"/>
-              <a:t>Digital and </a:t>
-            </a:r>
-            <a:r>
-              <a:rPr lang="en-GB" dirty="0" err="1" smtClean="0"/>
-              <a:t>Analog</a:t>
-            </a:r>
-            <a:r>
-              <a:rPr lang="en-GB" dirty="0" smtClean="0"/>
-              <a:t> peripherals </a:t>
-            </a:r>
-          </a:p>
-          <a:p>
-            <a:pPr lvl="1"/>
-            <a:r>
-              <a:rPr lang="en-GB" dirty="0" smtClean="0"/>
-              <a:t>10-bit ADC</a:t>
-            </a:r>
-          </a:p>
-          <a:p>
-            <a:pPr lvl="1"/>
-            <a:r>
-              <a:rPr lang="en-GB" dirty="0" smtClean="0"/>
-              <a:t>Multiple communication interfaces</a:t>
-            </a:r>
-          </a:p>
-          <a:p>
-            <a:pPr lvl="2"/>
-            <a:r>
-              <a:rPr lang="en-GB" dirty="0" smtClean="0"/>
-              <a:t>Serial, I2C and  SPI </a:t>
-            </a:r>
-          </a:p>
-          <a:p>
-            <a:pPr lvl="2"/>
-            <a:r>
-              <a:rPr lang="en-GB" dirty="0" smtClean="0"/>
-              <a:t>PWM – CCP/PWM and 16Bit</a:t>
-            </a:r>
-          </a:p>
-          <a:p>
-            <a:pPr lvl="1"/>
-            <a:r>
-              <a:rPr lang="en-GB" dirty="0" smtClean="0"/>
-              <a:t>Configurable Logic Cells</a:t>
-            </a:r>
-          </a:p>
-          <a:p>
-            <a:pPr lvl="1"/>
-            <a:r>
-              <a:rPr lang="en-GB" dirty="0" smtClean="0"/>
-              <a:t>Multi voltage domains</a:t>
-            </a:r>
-          </a:p>
-          <a:p>
-            <a:endParaRPr lang="en-GB" dirty="0" smtClean="0"/>
-          </a:p>
-          <a:p>
-            <a:r>
-              <a:rPr lang="en-GB" dirty="0" smtClean="0"/>
-              <a:t>The PIC18xxQ24 offers 28, 40 and 48-pin products in small footprint packages to support customers in a wide variety of applications. </a:t>
-            </a:r>
-          </a:p>
-          <a:p>
-            <a:endParaRPr lang="en-GB" dirty="0"/>
-          </a:p>
-        </p:txBody>
-      </p:sp>
-    </p:spTree>
-    <p:extLst>
-      <p:ext uri="{BB962C8B-B14F-4D97-AF65-F5344CB8AC3E}">
-        <p14:creationId xmlns:p14="http://schemas.microsoft.com/office/powerpoint/2010/main" val="1859301846"/>
-      </p:ext>
-    </p:extLst>
-  </p:cSld>
-  <p:clrMapOvr>
-    <a:masterClrMapping/>
-  </p:clrMapOvr>
-  <mc:AlternateContent xmlns:mc="http://schemas.openxmlformats.org/markup-compatibility/2006" xmlns:p14="http://schemas.microsoft.com/office/powerpoint/2010/main">
-    <mc:Choice Requires="p14">
-      <p:transition spd="slow" p14:dur="2000"/>
-    </mc:Choice>
-    <mc:Fallback xmlns="">
-      <p:transition spd="slow"/>
-    </mc:Fallback>
-  </mc:AlternateContent>
-  <p:timing>
-    <p:tnLst>
-      <p:par>
-        <p:cTn id="1" dur="indefinite" restart="never" nodeType="tmRoot"/>
-      </p:par>
-    </p:tnLst>
-  </p:timing>
-</p:sld>
-</file>
-
-<file path=ppt/slides/slide7.xml><?xml version="1.0" encoding="utf-8"?>
-<p:sld xmlns:a="http://schemas.openxmlformats.org/drawingml/2006/main" xmlns:r="http://schemas.openxmlformats.org/officeDocument/2006/relationships" xmlns:p="http://schemas.openxmlformats.org/presentationml/2006/main">
-  <p:cSld>
-    <p:bg>
-      <p:bgPr>
-        <a:solidFill>
-          <a:schemeClr val="bg1"/>
-        </a:solidFill>
-        <a:effectLst/>
-      </p:bgPr>
-    </p:bg>
-    <p:spTree>
-      <p:nvGrpSpPr>
-        <p:cNvPr id="1" name=""/>
-        <p:cNvGrpSpPr/>
-        <p:nvPr/>
-      </p:nvGrpSpPr>
-      <p:grpSpPr>
-        <a:xfrm>
-          <a:off x="0" y="0"/>
-          <a:ext cx="0" cy="0"/>
-          <a:chOff x="0" y="0"/>
-          <a:chExt cx="0" cy="0"/>
-        </a:xfrm>
-      </p:grpSpPr>
-      <p:sp>
-        <p:nvSpPr>
-          <p:cNvPr id="2" name="Title 1"/>
-          <p:cNvSpPr>
-            <a:spLocks noGrp="1"/>
-          </p:cNvSpPr>
-          <p:nvPr>
-            <p:ph type="title"/>
-          </p:nvPr>
-        </p:nvSpPr>
-        <p:spPr/>
-        <p:txBody>
-          <a:bodyPr/>
-          <a:lstStyle/>
-          <a:p>
-            <a:pPr algn="l"/>
-            <a:r>
-              <a:rPr lang="en-GB" dirty="0" smtClean="0"/>
-              <a:t>Prerequisites </a:t>
-            </a:r>
-            <a:endParaRPr lang="en-GB" dirty="0"/>
-          </a:p>
-        </p:txBody>
-      </p:sp>
-      <p:sp>
-        <p:nvSpPr>
-          <p:cNvPr id="3" name="Content Placeholder 2"/>
-          <p:cNvSpPr>
-            <a:spLocks noGrp="1"/>
-          </p:cNvSpPr>
-          <p:nvPr>
-            <p:ph idx="1"/>
-          </p:nvPr>
-        </p:nvSpPr>
-        <p:spPr/>
-        <p:txBody>
-          <a:bodyPr/>
-          <a:lstStyle/>
-          <a:p>
-            <a:r>
-              <a:rPr lang="en-GB" dirty="0" smtClean="0"/>
-              <a:t>Assumes you have </a:t>
-            </a:r>
-          </a:p>
-          <a:p>
-            <a:pPr marL="778521" lvl="1" indent="-478483"/>
-            <a:r>
-              <a:rPr lang="en-GB" dirty="0" smtClean="0"/>
-              <a:t>Installed the GCBASIC software</a:t>
-            </a:r>
-          </a:p>
-          <a:p>
-            <a:pPr marL="778521" lvl="1" indent="-478483"/>
-            <a:r>
-              <a:rPr lang="en-GB" dirty="0" smtClean="0"/>
-              <a:t>Installed your programmer software</a:t>
-            </a:r>
-          </a:p>
-          <a:p>
-            <a:pPr marL="778521" lvl="1" indent="-478483"/>
-            <a:r>
-              <a:rPr lang="en-GB" dirty="0" smtClean="0"/>
-              <a:t>Test that you have the </a:t>
-            </a:r>
-            <a:r>
-              <a:rPr lang="en-GB" dirty="0" smtClean="0"/>
-              <a:t>16F175xx </a:t>
-            </a:r>
-            <a:r>
-              <a:rPr lang="en-GB" dirty="0" smtClean="0"/>
-              <a:t>attached</a:t>
-            </a:r>
-          </a:p>
-          <a:p>
-            <a:pPr marL="778521" lvl="1" indent="-478483"/>
-            <a:r>
-              <a:rPr lang="en-GB" dirty="0" smtClean="0"/>
-              <a:t>You have the 4 LEDs operating</a:t>
-            </a:r>
-          </a:p>
-          <a:p>
-            <a:pPr marL="778521" lvl="1" indent="-478483"/>
-            <a:r>
-              <a:rPr lang="en-GB" dirty="0" smtClean="0"/>
-              <a:t>You have a POT connected</a:t>
-            </a:r>
-          </a:p>
-          <a:p>
-            <a:pPr marL="778521" lvl="1" indent="-478483"/>
-            <a:r>
-              <a:rPr lang="en-GB" dirty="0" smtClean="0"/>
-              <a:t>You have a SWITCH connected</a:t>
-            </a:r>
-          </a:p>
-          <a:p>
-            <a:pPr marL="0" indent="0">
-              <a:buNone/>
-            </a:pPr>
-            <a:endParaRPr lang="en-GB" dirty="0" smtClean="0"/>
-          </a:p>
-          <a:p>
-            <a:pPr marL="0" indent="0">
-              <a:buNone/>
-            </a:pPr>
-            <a:endParaRPr lang="en-GB" dirty="0"/>
-          </a:p>
-        </p:txBody>
-      </p:sp>
-    </p:spTree>
-  </p:cSld>
-  <p:clrMapOvr>
-    <a:overrideClrMapping bg1="lt1" tx1="dk1" bg2="lt2" tx2="dk2" accent1="accent1" accent2="accent2" accent3="accent3" accent4="accent4" accent5="accent5" accent6="accent6" hlink="hlink" folHlink="folHlink"/>
-  </p:clrMapOvr>
-  <mc:AlternateContent xmlns:mc="http://schemas.openxmlformats.org/markup-compatibility/2006" xmlns:p14="http://schemas.microsoft.com/office/powerpoint/2010/main">
-    <mc:Choice Requires="p14">
-      <p:transition spd="slow" p14:dur="2000"/>
-    </mc:Choice>
-    <mc:Fallback xmlns="">
-      <p:transition spd="slow"/>
-    </mc:Fallback>
-  </mc:AlternateContent>
-  <p:timing>
-    <p:tnLst>
-      <p:par>
-        <p:cTn id="1" dur="indefinite" restart="never" nodeType="tmRoot"/>
-      </p:par>
-    </p:tnLst>
-  </p:timing>
-</p:sld>
-</file>
-
-<file path=ppt/slides/slide8.xml><?xml version="1.0" encoding="utf-8"?>
-<p:sld xmlns:a="http://schemas.openxmlformats.org/drawingml/2006/main" xmlns:r="http://schemas.openxmlformats.org/officeDocument/2006/relationships" xmlns:p="http://schemas.openxmlformats.org/presentationml/2006/main">
-  <p:cSld>
-    <p:spTree>
-      <p:nvGrpSpPr>
-        <p:cNvPr id="1" name=""/>
-        <p:cNvGrpSpPr/>
-        <p:nvPr/>
-      </p:nvGrpSpPr>
-      <p:grpSpPr>
-        <a:xfrm>
-          <a:off x="0" y="0"/>
-          <a:ext cx="0" cy="0"/>
-          <a:chOff x="0" y="0"/>
-          <a:chExt cx="0" cy="0"/>
-        </a:xfrm>
-      </p:grpSpPr>
-      <p:sp>
-        <p:nvSpPr>
-          <p:cNvPr id="2" name="Title 1"/>
-          <p:cNvSpPr>
-            <a:spLocks noGrp="1"/>
-          </p:cNvSpPr>
-          <p:nvPr>
-            <p:ph type="title"/>
-          </p:nvPr>
-        </p:nvSpPr>
-        <p:spPr>
-          <a:xfrm>
-            <a:off x="155575" y="501030"/>
-            <a:ext cx="5400600" cy="990600"/>
-          </a:xfrm>
-        </p:spPr>
-        <p:txBody>
-          <a:bodyPr vert="horz" lIns="85064" tIns="42531" rIns="85064" bIns="42531" rtlCol="0" anchor="t">
-            <a:normAutofit/>
-          </a:bodyPr>
-          <a:lstStyle/>
-          <a:p>
-            <a:r>
-              <a:rPr lang="en-GB" dirty="0"/>
-              <a:t>Digital input</a:t>
-            </a:r>
-            <a:endParaRPr lang="en-GB" dirty="0"/>
-          </a:p>
-        </p:txBody>
-      </p:sp>
-      <p:pic>
-        <p:nvPicPr>
-          <p:cNvPr id="29698" name="Picture 2"/>
-          <p:cNvPicPr>
-            <a:picLocks noChangeAspect="1" noChangeArrowheads="1"/>
-          </p:cNvPicPr>
-          <p:nvPr/>
-        </p:nvPicPr>
-        <p:blipFill rotWithShape="1">
-          <a:blip r:embed="rId2" cstate="print"/>
-          <a:srcRect l="59960" t="35915"/>
-          <a:stretch/>
-        </p:blipFill>
-        <p:spPr bwMode="auto">
-          <a:xfrm>
-            <a:off x="4716016" y="2584450"/>
-            <a:ext cx="3489960" cy="1949951"/>
-          </a:xfrm>
-          <a:prstGeom prst="rect">
-            <a:avLst/>
-          </a:prstGeom>
-          <a:noFill/>
-          <a:ln w="9525">
-            <a:noFill/>
-            <a:miter lim="800000"/>
-            <a:headEnd/>
-            <a:tailEnd/>
-          </a:ln>
-          <a:effectLst/>
-        </p:spPr>
-      </p:pic>
-      <p:sp>
-        <p:nvSpPr>
-          <p:cNvPr id="6" name="Oval 5"/>
-          <p:cNvSpPr/>
-          <p:nvPr/>
-        </p:nvSpPr>
-        <p:spPr>
-          <a:xfrm>
-            <a:off x="6876256" y="2787774"/>
-            <a:ext cx="1547664" cy="1512168"/>
-          </a:xfrm>
-          <a:prstGeom prst="ellipse">
-            <a:avLst/>
-          </a:prstGeom>
-          <a:noFill/>
-          <a:ln>
-            <a:solidFill>
-              <a:srgbClr val="FF0000"/>
-            </a:solidFill>
-          </a:ln>
-        </p:spPr>
-        <p:style>
-          <a:lnRef idx="2">
-            <a:schemeClr val="accent1">
-              <a:shade val="50000"/>
-            </a:schemeClr>
-          </a:lnRef>
-          <a:fillRef idx="1">
-            <a:schemeClr val="accent1"/>
-          </a:fillRef>
-          <a:effectRef idx="0">
-            <a:schemeClr val="accent1"/>
-          </a:effectRef>
-          <a:fontRef idx="minor">
-            <a:schemeClr val="lt1"/>
-          </a:fontRef>
-        </p:style>
-        <p:txBody>
-          <a:bodyPr rtlCol="0" anchor="ctr"/>
-          <a:lstStyle/>
-          <a:p>
-            <a:pPr algn="ctr"/>
-            <a:endParaRPr lang="en-GB"/>
-          </a:p>
-        </p:txBody>
-      </p:sp>
-      <p:sp>
-        <p:nvSpPr>
-          <p:cNvPr id="3" name="Rectangle 2"/>
-          <p:cNvSpPr/>
-          <p:nvPr/>
-        </p:nvSpPr>
-        <p:spPr>
-          <a:xfrm>
-            <a:off x="5580112" y="2525514"/>
-            <a:ext cx="1368152" cy="622300"/>
-          </a:xfrm>
-          <a:prstGeom prst="rect">
-            <a:avLst/>
-          </a:prstGeom>
-          <a:solidFill>
-            <a:schemeClr val="bg1"/>
-          </a:solidFill>
-          <a:ln>
-            <a:noFill/>
-          </a:ln>
-        </p:spPr>
-        <p:style>
-          <a:lnRef idx="2">
-            <a:schemeClr val="accent1">
-              <a:shade val="50000"/>
-            </a:schemeClr>
-          </a:lnRef>
-          <a:fillRef idx="1">
-            <a:schemeClr val="accent1"/>
-          </a:fillRef>
-          <a:effectRef idx="0">
-            <a:schemeClr val="accent1"/>
-          </a:effectRef>
-          <a:fontRef idx="minor">
-            <a:schemeClr val="lt1"/>
-          </a:fontRef>
-        </p:style>
-        <p:txBody>
-          <a:bodyPr rtlCol="0" anchor="ctr"/>
-          <a:lstStyle/>
-          <a:p>
-            <a:pPr algn="ctr"/>
-            <a:endParaRPr lang="en-GB"/>
-          </a:p>
-        </p:txBody>
-      </p:sp>
-      <p:cxnSp>
-        <p:nvCxnSpPr>
-          <p:cNvPr id="7" name="Straight Connector 6"/>
-          <p:cNvCxnSpPr/>
-          <p:nvPr/>
-        </p:nvCxnSpPr>
-        <p:spPr>
-          <a:xfrm>
-            <a:off x="5262563" y="2986089"/>
-            <a:ext cx="2381250" cy="9524"/>
-          </a:xfrm>
-          <a:prstGeom prst="line">
-            <a:avLst/>
-          </a:prstGeom>
-          <a:ln w="19050">
-            <a:solidFill>
-              <a:schemeClr val="tx1"/>
-            </a:solidFill>
-          </a:ln>
-        </p:spPr>
-        <p:style>
-          <a:lnRef idx="1">
-            <a:schemeClr val="accent1"/>
-          </a:lnRef>
-          <a:fillRef idx="0">
-            <a:schemeClr val="accent1"/>
-          </a:fillRef>
-          <a:effectRef idx="0">
-            <a:schemeClr val="accent1"/>
-          </a:effectRef>
-          <a:fontRef idx="minor">
-            <a:schemeClr val="tx1"/>
-          </a:fontRef>
-        </p:style>
-      </p:cxnSp>
-      <p:sp>
-        <p:nvSpPr>
-          <p:cNvPr id="5" name="AutoShape 4" descr="Uploaded image"/>
-          <p:cNvSpPr>
-            <a:spLocks noChangeAspect="1" noChangeArrowheads="1"/>
-          </p:cNvSpPr>
-          <p:nvPr/>
-        </p:nvSpPr>
-        <p:spPr bwMode="auto">
-          <a:xfrm>
-            <a:off x="155575" y="-144463"/>
-            <a:ext cx="304800" cy="304801"/>
-          </a:xfrm>
-          <a:prstGeom prst="rect">
-            <a:avLst/>
-          </a:prstGeom>
-          <a:noFill/>
-          <a:extLst>
-            <a:ext uri="{909E8E84-426E-40DD-AFC4-6F175D3DCCD1}">
-              <a14:hiddenFill xmlns:a14="http://schemas.microsoft.com/office/drawing/2010/main">
-                <a:solidFill>
-                  <a:srgbClr val="FFFFFF"/>
-                </a:solidFill>
-              </a14:hiddenFill>
-            </a:ext>
-          </a:extLst>
-        </p:spPr>
-        <p:txBody>
-          <a:bodyPr vert="horz" wrap="square" lIns="91440" tIns="45720" rIns="91440" bIns="45720" numCol="1" anchor="t" anchorCtr="0" compatLnSpc="1">
-            <a:prstTxWarp prst="textNoShape">
-              <a:avLst/>
-            </a:prstTxWarp>
-          </a:bodyPr>
-          <a:lstStyle/>
-          <a:p>
-            <a:endParaRPr lang="en-GB"/>
-          </a:p>
-        </p:txBody>
-      </p:sp>
-      <p:sp>
-        <p:nvSpPr>
-          <p:cNvPr id="8" name="AutoShape 6" descr="Uploaded image"/>
-          <p:cNvSpPr>
-            <a:spLocks noChangeAspect="1" noChangeArrowheads="1"/>
-          </p:cNvSpPr>
-          <p:nvPr/>
-        </p:nvSpPr>
-        <p:spPr bwMode="auto">
-          <a:xfrm>
-            <a:off x="307975" y="7937"/>
-            <a:ext cx="304800" cy="304801"/>
-          </a:xfrm>
-          <a:prstGeom prst="rect">
-            <a:avLst/>
-          </a:prstGeom>
-          <a:noFill/>
-          <a:extLst>
-            <a:ext uri="{909E8E84-426E-40DD-AFC4-6F175D3DCCD1}">
-              <a14:hiddenFill xmlns:a14="http://schemas.microsoft.com/office/drawing/2010/main">
-                <a:solidFill>
-                  <a:srgbClr val="FFFFFF"/>
-                </a:solidFill>
-              </a14:hiddenFill>
-            </a:ext>
-          </a:extLst>
-        </p:spPr>
-        <p:txBody>
-          <a:bodyPr vert="horz" wrap="square" lIns="91440" tIns="45720" rIns="91440" bIns="45720" numCol="1" anchor="t" anchorCtr="0" compatLnSpc="1">
-            <a:prstTxWarp prst="textNoShape">
-              <a:avLst/>
-            </a:prstTxWarp>
-          </a:bodyPr>
-          <a:lstStyle/>
-          <a:p>
-            <a:endParaRPr lang="en-GB"/>
-          </a:p>
-        </p:txBody>
-      </p:sp>
-      <p:sp>
-        <p:nvSpPr>
-          <p:cNvPr id="11" name="AutoShape 8" descr="image.png"/>
-          <p:cNvSpPr>
-            <a:spLocks noChangeAspect="1" noChangeArrowheads="1"/>
-          </p:cNvSpPr>
-          <p:nvPr/>
-        </p:nvSpPr>
-        <p:spPr bwMode="auto">
-          <a:xfrm>
-            <a:off x="460375" y="160337"/>
-            <a:ext cx="304800" cy="304801"/>
-          </a:xfrm>
-          <a:prstGeom prst="rect">
-            <a:avLst/>
-          </a:prstGeom>
-          <a:noFill/>
-          <a:extLst>
-            <a:ext uri="{909E8E84-426E-40DD-AFC4-6F175D3DCCD1}">
-              <a14:hiddenFill xmlns:a14="http://schemas.microsoft.com/office/drawing/2010/main">
-                <a:solidFill>
-                  <a:srgbClr val="FFFFFF"/>
-                </a:solidFill>
-              </a14:hiddenFill>
-            </a:ext>
-          </a:extLst>
-        </p:spPr>
-        <p:txBody>
-          <a:bodyPr vert="horz" wrap="square" lIns="91440" tIns="45720" rIns="91440" bIns="45720" numCol="1" anchor="t" anchorCtr="0" compatLnSpc="1">
-            <a:prstTxWarp prst="textNoShape">
-              <a:avLst/>
-            </a:prstTxWarp>
-          </a:bodyPr>
-          <a:lstStyle/>
-          <a:p>
-            <a:endParaRPr lang="en-GB"/>
-          </a:p>
-        </p:txBody>
-      </p:sp>
-      <p:grpSp>
-        <p:nvGrpSpPr>
-          <p:cNvPr id="25" name="Group 24"/>
-          <p:cNvGrpSpPr/>
-          <p:nvPr/>
-        </p:nvGrpSpPr>
-        <p:grpSpPr>
-          <a:xfrm>
-            <a:off x="547911" y="1563638"/>
-            <a:ext cx="4384129" cy="2952328"/>
-            <a:chOff x="1043608" y="1563638"/>
-            <a:chExt cx="4384129" cy="2952328"/>
-          </a:xfrm>
-        </p:grpSpPr>
-        <p:pic>
-          <p:nvPicPr>
-            <p:cNvPr id="1036" name="Picture 12"/>
-            <p:cNvPicPr>
-              <a:picLocks noChangeAspect="1" noChangeArrowheads="1"/>
-            </p:cNvPicPr>
-            <p:nvPr/>
-          </p:nvPicPr>
-          <p:blipFill>
-            <a:blip r:embed="rId3">
-              <a:extLst>
-                <a:ext uri="{28A0092B-C50C-407E-A947-70E740481C1C}">
-                  <a14:useLocalDpi xmlns:a14="http://schemas.microsoft.com/office/drawing/2010/main" val="0"/>
-                </a:ext>
-              </a:extLst>
-            </a:blip>
-            <a:srcRect/>
-            <a:stretch>
-              <a:fillRect/>
-            </a:stretch>
-          </p:blipFill>
-          <p:spPr bwMode="auto">
-            <a:xfrm>
-              <a:off x="1043608" y="1563638"/>
-              <a:ext cx="1476375" cy="2924175"/>
-            </a:xfrm>
-            <a:prstGeom prst="rect">
-              <a:avLst/>
-            </a:prstGeom>
-            <a:noFill/>
-            <a:ln>
-              <a:noFill/>
-            </a:ln>
-            <a:effectLst/>
-            <a:extLst>
-              <a:ext uri="{909E8E84-426E-40DD-AFC4-6F175D3DCCD1}">
-                <a14:hiddenFill xmlns:a14="http://schemas.microsoft.com/office/drawing/2010/main">
-                  <a:solidFill>
-                    <a:schemeClr val="accent1"/>
-                  </a:solidFill>
-                </a14:hiddenFill>
-              </a:ext>
-              <a:ext uri="{91240B29-F687-4F45-9708-019B960494DF}">
-                <a14:hiddenLine xmlns:a14="http://schemas.microsoft.com/office/drawing/2010/main" w="9525">
-                  <a:solidFill>
-                    <a:schemeClr val="tx1"/>
-                  </a:solidFill>
-                  <a:miter lim="800000"/>
-                  <a:headEnd/>
-                  <a:tailEnd/>
-                </a14:hiddenLine>
-              </a:ext>
-              <a:ext uri="{AF507438-7753-43E0-B8FC-AC1667EBCBE1}">
-                <a14:hiddenEffects xmlns:a14="http://schemas.microsoft.com/office/drawing/2010/main">
-                  <a:effectLst>
-                    <a:outerShdw dist="35921" dir="2700000" algn="ctr" rotWithShape="0">
-                      <a:schemeClr val="bg2"/>
-                    </a:outerShdw>
-                  </a:effectLst>
-                </a14:hiddenEffects>
-              </a:ext>
-            </a:extLst>
-          </p:spPr>
-        </p:pic>
-        <p:pic>
-          <p:nvPicPr>
-            <p:cNvPr id="1037" name="Picture 13"/>
-            <p:cNvPicPr>
-              <a:picLocks noChangeAspect="1" noChangeArrowheads="1"/>
-            </p:cNvPicPr>
-            <p:nvPr/>
-          </p:nvPicPr>
-          <p:blipFill>
-            <a:blip r:embed="rId4">
-              <a:extLst>
-                <a:ext uri="{28A0092B-C50C-407E-A947-70E740481C1C}">
-                  <a14:useLocalDpi xmlns:a14="http://schemas.microsoft.com/office/drawing/2010/main" val="0"/>
-                </a:ext>
-              </a:extLst>
-            </a:blip>
-            <a:srcRect/>
-            <a:stretch>
-              <a:fillRect/>
-            </a:stretch>
-          </p:blipFill>
-          <p:spPr bwMode="auto">
-            <a:xfrm>
-              <a:off x="3779912" y="1565118"/>
-              <a:ext cx="1647825" cy="2950848"/>
-            </a:xfrm>
-            <a:prstGeom prst="rect">
-              <a:avLst/>
-            </a:prstGeom>
-            <a:noFill/>
-            <a:ln>
-              <a:noFill/>
-            </a:ln>
-            <a:effectLst/>
-            <a:extLst>
-              <a:ext uri="{909E8E84-426E-40DD-AFC4-6F175D3DCCD1}">
-                <a14:hiddenFill xmlns:a14="http://schemas.microsoft.com/office/drawing/2010/main">
-                  <a:solidFill>
-                    <a:schemeClr val="accent1"/>
-                  </a:solidFill>
-                </a14:hiddenFill>
-              </a:ext>
-              <a:ext uri="{91240B29-F687-4F45-9708-019B960494DF}">
-                <a14:hiddenLine xmlns:a14="http://schemas.microsoft.com/office/drawing/2010/main" w="9525">
-                  <a:solidFill>
-                    <a:schemeClr val="tx1"/>
-                  </a:solidFill>
-                  <a:miter lim="800000"/>
-                  <a:headEnd/>
-                  <a:tailEnd/>
-                </a14:hiddenLine>
-              </a:ext>
-              <a:ext uri="{AF507438-7753-43E0-B8FC-AC1667EBCBE1}">
-                <a14:hiddenEffects xmlns:a14="http://schemas.microsoft.com/office/drawing/2010/main">
-                  <a:effectLst>
-                    <a:outerShdw dist="35921" dir="2700000" algn="ctr" rotWithShape="0">
-                      <a:schemeClr val="bg2"/>
-                    </a:outerShdw>
-                  </a:effectLst>
-                </a14:hiddenEffects>
-              </a:ext>
-            </a:extLst>
-          </p:spPr>
-        </p:pic>
-        <p:sp>
-          <p:nvSpPr>
-            <p:cNvPr id="24" name="Rectangle 23"/>
-            <p:cNvSpPr/>
-            <p:nvPr/>
-          </p:nvSpPr>
-          <p:spPr>
-            <a:xfrm>
-              <a:off x="2555776" y="1563638"/>
-              <a:ext cx="1152128" cy="2894062"/>
-            </a:xfrm>
-            <a:prstGeom prst="rect">
-              <a:avLst/>
-            </a:prstGeom>
-            <a:solidFill>
-              <a:schemeClr val="bg1"/>
-            </a:solidFill>
-          </p:spPr>
-          <p:style>
-            <a:lnRef idx="2">
-              <a:schemeClr val="accent1">
-                <a:shade val="50000"/>
-              </a:schemeClr>
-            </a:lnRef>
-            <a:fillRef idx="1">
-              <a:schemeClr val="accent1"/>
-            </a:fillRef>
-            <a:effectRef idx="0">
-              <a:schemeClr val="accent1"/>
-            </a:effectRef>
-            <a:fontRef idx="minor">
-              <a:schemeClr val="lt1"/>
-            </a:fontRef>
-          </p:style>
-          <p:txBody>
-            <a:bodyPr rtlCol="0" anchor="ctr"/>
-            <a:lstStyle/>
-            <a:p>
-              <a:pPr algn="ctr"/>
-              <a:endParaRPr lang="en-GB" dirty="0"/>
-            </a:p>
-          </p:txBody>
-        </p:sp>
-      </p:grpSp>
-      <p:sp>
-        <p:nvSpPr>
-          <p:cNvPr id="26" name="Rectangle 25"/>
-          <p:cNvSpPr/>
-          <p:nvPr/>
-        </p:nvSpPr>
-        <p:spPr>
-          <a:xfrm>
-            <a:off x="515615" y="1707654"/>
-            <a:ext cx="2120528" cy="288032"/>
-          </a:xfrm>
-          <a:prstGeom prst="rect">
-            <a:avLst/>
-          </a:prstGeom>
-          <a:noFill/>
-          <a:ln w="38100">
-            <a:solidFill>
-              <a:srgbClr val="FF0000"/>
-            </a:solidFill>
-          </a:ln>
-        </p:spPr>
-        <p:style>
-          <a:lnRef idx="2">
-            <a:schemeClr val="accent1">
-              <a:shade val="50000"/>
-            </a:schemeClr>
-          </a:lnRef>
-          <a:fillRef idx="1">
-            <a:schemeClr val="accent1"/>
-          </a:fillRef>
-          <a:effectRef idx="0">
-            <a:schemeClr val="accent1"/>
-          </a:effectRef>
-          <a:fontRef idx="minor">
-            <a:schemeClr val="lt1"/>
-          </a:fontRef>
-        </p:style>
-        <p:txBody>
-          <a:bodyPr rtlCol="0" anchor="ctr"/>
-          <a:lstStyle/>
-          <a:p>
-            <a:pPr algn="r"/>
-            <a:r>
-              <a:rPr lang="en-GB" dirty="0" smtClean="0">
-                <a:solidFill>
-                  <a:schemeClr val="tx1"/>
-                </a:solidFill>
-              </a:rPr>
-              <a:t>ADC</a:t>
-            </a:r>
-            <a:endParaRPr lang="en-GB" dirty="0">
-              <a:solidFill>
-                <a:schemeClr val="tx1"/>
-              </a:solidFill>
-            </a:endParaRPr>
-          </a:p>
-        </p:txBody>
-      </p:sp>
-      <p:sp>
-        <p:nvSpPr>
-          <p:cNvPr id="15" name="Rectangle 14"/>
-          <p:cNvSpPr/>
-          <p:nvPr/>
-        </p:nvSpPr>
-        <p:spPr>
-          <a:xfrm>
-            <a:off x="460375" y="3435846"/>
-            <a:ext cx="2120528" cy="864096"/>
-          </a:xfrm>
-          <a:prstGeom prst="rect">
-            <a:avLst/>
-          </a:prstGeom>
-          <a:noFill/>
-          <a:ln w="38100">
-            <a:solidFill>
-              <a:srgbClr val="FF0000"/>
-            </a:solidFill>
-          </a:ln>
-        </p:spPr>
-        <p:style>
-          <a:lnRef idx="2">
-            <a:schemeClr val="accent1">
-              <a:shade val="50000"/>
-            </a:schemeClr>
-          </a:lnRef>
-          <a:fillRef idx="1">
-            <a:schemeClr val="accent1"/>
-          </a:fillRef>
-          <a:effectRef idx="0">
-            <a:schemeClr val="accent1"/>
-          </a:effectRef>
-          <a:fontRef idx="minor">
-            <a:schemeClr val="lt1"/>
-          </a:fontRef>
-        </p:style>
-        <p:txBody>
-          <a:bodyPr rtlCol="0" anchor="ctr"/>
-          <a:lstStyle/>
-          <a:p>
-            <a:pPr algn="r"/>
-            <a:r>
-              <a:rPr lang="en-GB" dirty="0" smtClean="0">
-                <a:solidFill>
-                  <a:schemeClr val="tx1"/>
-                </a:solidFill>
-              </a:rPr>
-              <a:t>LED</a:t>
-            </a:r>
-            <a:endParaRPr lang="en-GB" dirty="0">
-              <a:solidFill>
-                <a:schemeClr val="tx1"/>
-              </a:solidFill>
-            </a:endParaRPr>
-          </a:p>
-        </p:txBody>
-      </p:sp>
-      <p:sp>
-        <p:nvSpPr>
-          <p:cNvPr id="16" name="Rectangle 15"/>
-          <p:cNvSpPr/>
-          <p:nvPr/>
-        </p:nvSpPr>
-        <p:spPr>
-          <a:xfrm>
-            <a:off x="507256" y="2283718"/>
-            <a:ext cx="2120528" cy="288032"/>
-          </a:xfrm>
-          <a:prstGeom prst="rect">
-            <a:avLst/>
-          </a:prstGeom>
-          <a:noFill/>
-          <a:ln w="38100">
-            <a:solidFill>
-              <a:srgbClr val="FF0000"/>
-            </a:solidFill>
-          </a:ln>
-        </p:spPr>
-        <p:style>
-          <a:lnRef idx="2">
-            <a:schemeClr val="accent1">
-              <a:shade val="50000"/>
-            </a:schemeClr>
-          </a:lnRef>
-          <a:fillRef idx="1">
-            <a:schemeClr val="accent1"/>
-          </a:fillRef>
-          <a:effectRef idx="0">
-            <a:schemeClr val="accent1"/>
-          </a:effectRef>
-          <a:fontRef idx="minor">
-            <a:schemeClr val="lt1"/>
-          </a:fontRef>
-        </p:style>
-        <p:txBody>
-          <a:bodyPr rtlCol="0" anchor="ctr"/>
-          <a:lstStyle/>
-          <a:p>
-            <a:pPr algn="r"/>
-            <a:r>
-              <a:rPr lang="en-GB" b="1" dirty="0" smtClean="0">
-                <a:solidFill>
-                  <a:schemeClr val="tx1"/>
-                </a:solidFill>
-              </a:rPr>
-              <a:t>SW</a:t>
-            </a:r>
-            <a:endParaRPr lang="en-GB" b="1" dirty="0">
-              <a:solidFill>
-                <a:schemeClr val="tx1"/>
-              </a:solidFill>
-            </a:endParaRPr>
-          </a:p>
-        </p:txBody>
-      </p:sp>
-    </p:spTree>
-    <p:extLst>
-      <p:ext uri="{BB962C8B-B14F-4D97-AF65-F5344CB8AC3E}">
-        <p14:creationId xmlns:p14="http://schemas.microsoft.com/office/powerpoint/2010/main" val="4122855412"/>
-      </p:ext>
-    </p:extLst>
-  </p:cSld>
-  <p:clrMapOvr>
-    <a:masterClrMapping/>
-  </p:clrMapOvr>
-  <mc:AlternateContent xmlns:mc="http://schemas.openxmlformats.org/markup-compatibility/2006" xmlns:p14="http://schemas.microsoft.com/office/powerpoint/2010/main">
-    <mc:Choice Requires="p14">
-      <p:transition spd="slow" p14:dur="2000" advClick="0"/>
-    </mc:Choice>
-    <mc:Fallback xmlns="">
-      <p:transition spd="slow" advClick="0"/>
-    </mc:Fallback>
-  </mc:AlternateContent>
-  <p:timing>
-    <p:tnLst>
-      <p:par>
-        <p:cTn id="1" dur="indefinite" restart="never" nodeType="tmRoot"/>
-      </p:par>
-    </p:tnLst>
-  </p:timing>
-</p:sld>
-</file>
-
-<file path=ppt/slides/slide9.xml><?xml version="1.0" encoding="utf-8"?>
-<p:sld xmlns:a="http://schemas.openxmlformats.org/drawingml/2006/main" xmlns:r="http://schemas.openxmlformats.org/officeDocument/2006/relationships" xmlns:p="http://schemas.openxmlformats.org/presentationml/2006/main">
-  <p:cSld>
-    <p:spTree>
-      <p:nvGrpSpPr>
-        <p:cNvPr id="1" name=""/>
-        <p:cNvGrpSpPr/>
-        <p:nvPr/>
-      </p:nvGrpSpPr>
-      <p:grpSpPr>
-        <a:xfrm>
-          <a:off x="0" y="0"/>
-          <a:ext cx="0" cy="0"/>
-          <a:chOff x="0" y="0"/>
-          <a:chExt cx="0" cy="0"/>
-        </a:xfrm>
-      </p:grpSpPr>
-      <p:sp>
-        <p:nvSpPr>
-          <p:cNvPr id="2" name="Title 1"/>
-          <p:cNvSpPr>
-            <a:spLocks noGrp="1"/>
-          </p:cNvSpPr>
-          <p:nvPr>
-            <p:ph type="title"/>
-          </p:nvPr>
-        </p:nvSpPr>
-        <p:spPr/>
-        <p:txBody>
-          <a:bodyPr/>
-          <a:lstStyle/>
-          <a:p>
-            <a:pPr algn="l"/>
-            <a:r>
-              <a:rPr lang="en-GB" dirty="0" smtClean="0"/>
-              <a:t>Hardware</a:t>
-            </a:r>
-            <a:endParaRPr lang="en-GB" dirty="0"/>
-          </a:p>
-        </p:txBody>
-      </p:sp>
-      <p:sp>
-        <p:nvSpPr>
-          <p:cNvPr id="3" name="Content Placeholder 2"/>
-          <p:cNvSpPr>
-            <a:spLocks noGrp="1"/>
-          </p:cNvSpPr>
-          <p:nvPr>
-            <p:ph idx="1"/>
-          </p:nvPr>
-        </p:nvSpPr>
-        <p:spPr/>
-        <p:txBody>
-          <a:bodyPr/>
-          <a:lstStyle/>
-          <a:p>
-            <a:r>
-              <a:rPr lang="en-GB" dirty="0"/>
-              <a:t>Prototype Board</a:t>
-            </a:r>
-          </a:p>
-          <a:p>
-            <a:r>
-              <a:rPr lang="en-GB" dirty="0"/>
-              <a:t>Power 5v0</a:t>
-            </a:r>
-          </a:p>
-          <a:p>
-            <a:r>
-              <a:rPr lang="en-GB" dirty="0"/>
-              <a:t>Programmer</a:t>
-            </a:r>
-          </a:p>
-          <a:p>
-            <a:r>
-              <a:rPr lang="en-GB" dirty="0"/>
-              <a:t>LEDs &amp; resistors</a:t>
-            </a:r>
-          </a:p>
-          <a:p>
-            <a:r>
-              <a:rPr lang="en-GB" dirty="0"/>
-              <a:t>Switch &amp; resistors</a:t>
-            </a:r>
-          </a:p>
-          <a:p>
-            <a:endParaRPr lang="en-GB" dirty="0"/>
-          </a:p>
-        </p:txBody>
-      </p:sp>
-      <p:sp>
-        <p:nvSpPr>
-          <p:cNvPr id="4" name="TextBox 3"/>
-          <p:cNvSpPr txBox="1"/>
-          <p:nvPr/>
-        </p:nvSpPr>
-        <p:spPr>
-          <a:xfrm>
-            <a:off x="2123728" y="1635646"/>
-            <a:ext cx="5328592" cy="3600986"/>
-          </a:xfrm>
-          <a:prstGeom prst="rect">
-            <a:avLst/>
-          </a:prstGeom>
-          <a:noFill/>
-        </p:spPr>
-        <p:txBody>
-          <a:bodyPr wrap="square" rtlCol="0">
-            <a:spAutoFit/>
-          </a:bodyPr>
-          <a:lstStyle/>
-          <a:p>
-            <a:r>
-              <a:rPr lang="en-GB" sz="1200" b="1" dirty="0">
-                <a:latin typeface="Courier New" panose="02070309020205020404" pitchFamily="49" charset="0"/>
-                <a:cs typeface="Courier New" panose="02070309020205020404" pitchFamily="49" charset="0"/>
-              </a:rPr>
-              <a:t>    Hardware</a:t>
-            </a:r>
-          </a:p>
-          <a:p>
-            <a:r>
-              <a:rPr lang="en-GB" sz="1200" b="1" dirty="0" smtClean="0">
-                <a:latin typeface="Courier New" panose="02070309020205020404" pitchFamily="49" charset="0"/>
-                <a:cs typeface="Courier New" panose="02070309020205020404" pitchFamily="49" charset="0"/>
-              </a:rPr>
-              <a:t>'' </a:t>
-            </a:r>
-            <a:r>
-              <a:rPr lang="en-GB" sz="1200" b="1" dirty="0">
-                <a:latin typeface="Courier New" panose="02070309020205020404" pitchFamily="49" charset="0"/>
-                <a:cs typeface="Courier New" panose="02070309020205020404" pitchFamily="49" charset="0"/>
-              </a:rPr>
-              <a:t>-------------------PORTA----------------</a:t>
-            </a:r>
-          </a:p>
-          <a:p>
-            <a:r>
-              <a:rPr lang="en-GB" sz="1200" b="1" dirty="0">
-                <a:latin typeface="Courier New" panose="02070309020205020404" pitchFamily="49" charset="0"/>
-                <a:cs typeface="Courier New" panose="02070309020205020404" pitchFamily="49" charset="0"/>
-              </a:rPr>
-              <a:t>'' Bit#:  -7---6---5---4---3---2---1---0---</a:t>
-            </a:r>
-          </a:p>
-          <a:p>
-            <a:r>
-              <a:rPr lang="en-GB" sz="1200" b="1" dirty="0">
-                <a:latin typeface="Courier New" panose="02070309020205020404" pitchFamily="49" charset="0"/>
-                <a:cs typeface="Courier New" panose="02070309020205020404" pitchFamily="49" charset="0"/>
-              </a:rPr>
-              <a:t>'' IO:    </a:t>
-            </a:r>
-            <a:r>
-              <a:rPr lang="en-GB" sz="1200" b="1" dirty="0" smtClean="0">
-                <a:latin typeface="Courier New" panose="02070309020205020404" pitchFamily="49" charset="0"/>
-                <a:cs typeface="Courier New" panose="02070309020205020404" pitchFamily="49" charset="0"/>
-              </a:rPr>
-              <a:t>---------------- SW---------</a:t>
-            </a:r>
-            <a:r>
-              <a:rPr lang="en-GB" sz="1200" b="1" dirty="0" smtClean="0">
-                <a:latin typeface="Courier New" panose="02070309020205020404" pitchFamily="49" charset="0"/>
-                <a:cs typeface="Courier New" panose="02070309020205020404" pitchFamily="49" charset="0"/>
-              </a:rPr>
-              <a:t>ADC--</a:t>
-            </a:r>
-            <a:endParaRPr lang="en-GB" sz="1200" b="1" dirty="0">
-              <a:latin typeface="Courier New" panose="02070309020205020404" pitchFamily="49" charset="0"/>
-              <a:cs typeface="Courier New" panose="02070309020205020404" pitchFamily="49" charset="0"/>
-            </a:endParaRPr>
-          </a:p>
-          <a:p>
-            <a:r>
-              <a:rPr lang="en-GB" sz="1200" b="1" dirty="0">
-                <a:latin typeface="Courier New" panose="02070309020205020404" pitchFamily="49" charset="0"/>
-                <a:cs typeface="Courier New" panose="02070309020205020404" pitchFamily="49" charset="0"/>
-              </a:rPr>
-              <a:t>''-----------------------------------------</a:t>
-            </a:r>
-          </a:p>
-          <a:p>
-            <a:r>
-              <a:rPr lang="en-GB" sz="1200" b="1" dirty="0">
-                <a:latin typeface="Courier New" panose="02070309020205020404" pitchFamily="49" charset="0"/>
-                <a:cs typeface="Courier New" panose="02070309020205020404" pitchFamily="49" charset="0"/>
-              </a:rPr>
-              <a:t>''</a:t>
-            </a:r>
-          </a:p>
-          <a:p>
-            <a:endParaRPr lang="en-GB" sz="1200" b="1" dirty="0">
-              <a:latin typeface="Courier New" panose="02070309020205020404" pitchFamily="49" charset="0"/>
-              <a:cs typeface="Courier New" panose="02070309020205020404" pitchFamily="49" charset="0"/>
-            </a:endParaRPr>
-          </a:p>
-          <a:p>
-            <a:r>
-              <a:rPr lang="en-GB" sz="1200" b="1" dirty="0">
-                <a:latin typeface="Courier New" panose="02070309020205020404" pitchFamily="49" charset="0"/>
-                <a:cs typeface="Courier New" panose="02070309020205020404" pitchFamily="49" charset="0"/>
-              </a:rPr>
-              <a:t>'' -------------------PORTB----------------</a:t>
-            </a:r>
-          </a:p>
-          <a:p>
-            <a:r>
-              <a:rPr lang="en-GB" sz="1200" b="1" dirty="0">
-                <a:latin typeface="Courier New" panose="02070309020205020404" pitchFamily="49" charset="0"/>
-                <a:cs typeface="Courier New" panose="02070309020205020404" pitchFamily="49" charset="0"/>
-              </a:rPr>
-              <a:t>'' Bit#:  -7---6---5---4---3---2---1---0---</a:t>
-            </a:r>
-          </a:p>
-          <a:p>
-            <a:r>
-              <a:rPr lang="en-GB" sz="1200" b="1" dirty="0">
-                <a:latin typeface="Courier New" panose="02070309020205020404" pitchFamily="49" charset="0"/>
-                <a:cs typeface="Courier New" panose="02070309020205020404" pitchFamily="49" charset="0"/>
-              </a:rPr>
-              <a:t>'' IO:    ---------------------------------</a:t>
-            </a:r>
-          </a:p>
-          <a:p>
-            <a:r>
-              <a:rPr lang="en-GB" sz="1200" b="1" dirty="0">
-                <a:latin typeface="Courier New" panose="02070309020205020404" pitchFamily="49" charset="0"/>
-                <a:cs typeface="Courier New" panose="02070309020205020404" pitchFamily="49" charset="0"/>
-              </a:rPr>
-              <a:t>''-----------------------------------------</a:t>
-            </a:r>
-          </a:p>
-          <a:p>
-            <a:r>
-              <a:rPr lang="en-GB" sz="1200" b="1" dirty="0">
-                <a:latin typeface="Courier New" panose="02070309020205020404" pitchFamily="49" charset="0"/>
-                <a:cs typeface="Courier New" panose="02070309020205020404" pitchFamily="49" charset="0"/>
-              </a:rPr>
-              <a:t>''</a:t>
-            </a:r>
-          </a:p>
-          <a:p>
-            <a:endParaRPr lang="en-GB" sz="1200" b="1" dirty="0">
-              <a:latin typeface="Courier New" panose="02070309020205020404" pitchFamily="49" charset="0"/>
-              <a:cs typeface="Courier New" panose="02070309020205020404" pitchFamily="49" charset="0"/>
-            </a:endParaRPr>
-          </a:p>
-          <a:p>
-            <a:r>
-              <a:rPr lang="en-GB" sz="1200" b="1" dirty="0">
-                <a:latin typeface="Courier New" panose="02070309020205020404" pitchFamily="49" charset="0"/>
-                <a:cs typeface="Courier New" panose="02070309020205020404" pitchFamily="49" charset="0"/>
-              </a:rPr>
-              <a:t>'' ------------------PORTC-----------------</a:t>
-            </a:r>
-          </a:p>
-          <a:p>
-            <a:r>
-              <a:rPr lang="en-GB" sz="1200" b="1" dirty="0">
-                <a:latin typeface="Courier New" panose="02070309020205020404" pitchFamily="49" charset="0"/>
-                <a:cs typeface="Courier New" panose="02070309020205020404" pitchFamily="49" charset="0"/>
-              </a:rPr>
-              <a:t>'' Bit#:  -7---6---5---4---3---2---1---0---</a:t>
-            </a:r>
-          </a:p>
-          <a:p>
-            <a:r>
-              <a:rPr lang="en-GB" sz="1200" b="1" dirty="0">
-                <a:latin typeface="Courier New" panose="02070309020205020404" pitchFamily="49" charset="0"/>
-                <a:cs typeface="Courier New" panose="02070309020205020404" pitchFamily="49" charset="0"/>
-              </a:rPr>
-              <a:t>'' IO:    ---------------LED--LED-LED-LED--</a:t>
-            </a:r>
-          </a:p>
-          <a:p>
-            <a:r>
-              <a:rPr lang="en-GB" sz="1200" b="1" dirty="0">
-                <a:latin typeface="Courier New" panose="02070309020205020404" pitchFamily="49" charset="0"/>
-                <a:cs typeface="Courier New" panose="02070309020205020404" pitchFamily="49" charset="0"/>
-              </a:rPr>
-              <a:t>''-----------------------------------------</a:t>
-            </a:r>
-          </a:p>
-          <a:p>
-            <a:r>
-              <a:rPr lang="en-GB" sz="1200" b="1" dirty="0">
-                <a:latin typeface="Courier New" panose="02070309020205020404" pitchFamily="49" charset="0"/>
-                <a:cs typeface="Courier New" panose="02070309020205020404" pitchFamily="49" charset="0"/>
-              </a:rPr>
-              <a:t>''</a:t>
-            </a:r>
-            <a:br>
-              <a:rPr lang="en-GB" sz="1200" b="1" dirty="0">
-                <a:latin typeface="Courier New" panose="02070309020205020404" pitchFamily="49" charset="0"/>
-                <a:cs typeface="Courier New" panose="02070309020205020404" pitchFamily="49" charset="0"/>
-              </a:rPr>
-            </a:br>
-            <a:endParaRPr lang="en-GB" sz="1200" b="1" dirty="0">
-              <a:latin typeface="Courier New" panose="02070309020205020404" pitchFamily="49" charset="0"/>
-              <a:cs typeface="Courier New" panose="02070309020205020404" pitchFamily="49" charset="0"/>
-            </a:endParaRPr>
-          </a:p>
-        </p:txBody>
-      </p:sp>
-    </p:spTree>
-    <p:extLst>
-      <p:ext uri="{BB962C8B-B14F-4D97-AF65-F5344CB8AC3E}">
-        <p14:creationId xmlns:p14="http://schemas.microsoft.com/office/powerpoint/2010/main" val="1365204576"/>
-      </p:ext>
-    </p:extLst>
-  </p:cSld>
-  <p:clrMapOvr>
-    <a:masterClrMapping/>
-  </p:clrMapOvr>
-  <mc:AlternateContent xmlns:mc="http://schemas.openxmlformats.org/markup-compatibility/2006" xmlns:p14="http://schemas.microsoft.com/office/powerpoint/2010/main">
-    <mc:Choice Requires="p14">
-      <p:transition spd="slow" p14:dur="2000"/>
-    </mc:Choice>
-    <mc:Fallback xmlns="">
-      <p:transition spd="slow"/>
     </mc:Fallback>
   </mc:AlternateContent>
   <p:timing>
